--- a/Prototype Submission Deck _ AI for Good Hackathon.pptx
+++ b/Prototype Submission Deck _ AI for Good Hackathon.pptx
@@ -1,48 +1,49 @@
 
 <file path=ppt/presentation.xml><?xml version="1.0" encoding="utf-8"?>
-<p:presentation xmlns:a="http://schemas.openxmlformats.org/drawingml/2006/main" xmlns:r="http://schemas.openxmlformats.org/officeDocument/2006/relationships" xmlns:mc="http://schemas.openxmlformats.org/markup-compatibility/2006" xmlns:mv="urn:schemas-microsoft-com:mac:vml" xmlns:p="http://schemas.openxmlformats.org/presentationml/2006/main" xmlns:c="http://schemas.openxmlformats.org/drawingml/2006/chart" xmlns:dgm="http://schemas.openxmlformats.org/drawingml/2006/diagram" xmlns:o="urn:schemas-microsoft-com:office:office" xmlns:v="urn:schemas-microsoft-com:vml" xmlns:pvml="urn:schemas-microsoft-com:office:powerpoint" xmlns:com="http://schemas.openxmlformats.org/drawingml/2006/compatibility" xmlns:p14="http://schemas.microsoft.com/office/powerpoint/2010/main" xmlns:p15="http://schemas.microsoft.com/office/powerpoint/2012/main" xmlns:ahyp="http://schemas.microsoft.com/office/drawing/2018/hyperlinkcolor" autoCompressPictures="0" embedTrueTypeFonts="1" strictFirstAndLastChars="0" saveSubsetFonts="1">
+<p:presentation xmlns:a="http://schemas.openxmlformats.org/drawingml/2006/main" xmlns:r="http://schemas.openxmlformats.org/officeDocument/2006/relationships" xmlns:p="http://schemas.openxmlformats.org/presentationml/2006/main" strictFirstAndLastChars="0" embedTrueTypeFonts="1" saveSubsetFonts="1" autoCompressPictures="0">
   <p:sldMasterIdLst>
-    <p:sldMasterId id="2147483659" r:id="rId3"/>
+    <p:sldMasterId id="2147483659" r:id="rId1"/>
   </p:sldMasterIdLst>
   <p:notesMasterIdLst>
-    <p:notesMasterId r:id="rId4"/>
+    <p:notesMasterId r:id="rId17"/>
   </p:notesMasterIdLst>
   <p:sldIdLst>
-    <p:sldId id="256" r:id="rId5"/>
-    <p:sldId id="257" r:id="rId6"/>
-    <p:sldId id="258" r:id="rId7"/>
-    <p:sldId id="259" r:id="rId8"/>
-    <p:sldId id="260" r:id="rId9"/>
-    <p:sldId id="261" r:id="rId10"/>
-    <p:sldId id="262" r:id="rId11"/>
-    <p:sldId id="263" r:id="rId12"/>
-    <p:sldId id="264" r:id="rId13"/>
-    <p:sldId id="265" r:id="rId14"/>
-    <p:sldId id="266" r:id="rId15"/>
-    <p:sldId id="267" r:id="rId16"/>
-    <p:sldId id="268" r:id="rId17"/>
-    <p:sldId id="269" r:id="rId18"/>
+    <p:sldId id="256" r:id="rId2"/>
+    <p:sldId id="257" r:id="rId3"/>
+    <p:sldId id="258" r:id="rId4"/>
+    <p:sldId id="270" r:id="rId5"/>
+    <p:sldId id="259" r:id="rId6"/>
+    <p:sldId id="260" r:id="rId7"/>
+    <p:sldId id="261" r:id="rId8"/>
+    <p:sldId id="262" r:id="rId9"/>
+    <p:sldId id="263" r:id="rId10"/>
+    <p:sldId id="264" r:id="rId11"/>
+    <p:sldId id="265" r:id="rId12"/>
+    <p:sldId id="266" r:id="rId13"/>
+    <p:sldId id="267" r:id="rId14"/>
+    <p:sldId id="268" r:id="rId15"/>
+    <p:sldId id="269" r:id="rId16"/>
   </p:sldIdLst>
-  <p:sldSz cy="5143500" cx="9144000"/>
+  <p:sldSz cx="9144000" cy="5143500" type="screen16x9"/>
   <p:notesSz cx="6858000" cy="9144000"/>
   <p:embeddedFontLst>
     <p:embeddedFont>
-      <p:font typeface="Noto Sans SemiBold"/>
-      <p:regular r:id="rId19"/>
-      <p:bold r:id="rId20"/>
-      <p:italic r:id="rId21"/>
-      <p:boldItalic r:id="rId22"/>
+      <p:font typeface="Noto Sans" panose="020B0502040504020204" pitchFamily="34" charset="0"/>
+      <p:regular r:id="rId18"/>
+      <p:bold r:id="rId19"/>
+      <p:italic r:id="rId20"/>
+      <p:boldItalic r:id="rId21"/>
     </p:embeddedFont>
     <p:embeddedFont>
-      <p:font typeface="Noto Sans"/>
-      <p:regular r:id="rId23"/>
-      <p:bold r:id="rId24"/>
-      <p:italic r:id="rId25"/>
-      <p:boldItalic r:id="rId26"/>
+      <p:font typeface="Noto Sans SemiBold" panose="020B0604020202020204" charset="0"/>
+      <p:regular r:id="rId22"/>
+      <p:bold r:id="rId23"/>
+      <p:italic r:id="rId24"/>
+      <p:boldItalic r:id="rId25"/>
     </p:embeddedFont>
   </p:embeddedFontLst>
   <p:defaultTextStyle>
-    <a:defPPr lvl="0" marR="0" rtl="0" algn="l">
+    <a:defPPr marR="0" lvl="0" algn="l" rtl="0">
       <a:lnSpc>
         <a:spcPct val="100000"/>
       </a:lnSpc>
@@ -53,7 +54,7 @@
         <a:spcPts val="0"/>
       </a:spcAft>
     </a:defPPr>
-    <a:lvl1pPr lvl="0" marR="0" rtl="0" algn="l">
+    <a:lvl1pPr marR="0" lvl="0" algn="l" rtl="0">
       <a:lnSpc>
         <a:spcPct val="100000"/>
       </a:lnSpc>
@@ -67,7 +68,7 @@
         <a:srgbClr val="000000"/>
       </a:buClr>
       <a:buFont typeface="Arial"/>
-      <a:defRPr b="0" i="0" sz="1400" u="none" cap="none" strike="noStrike">
+      <a:defRPr sz="1400" b="0" i="0" u="none" strike="noStrike" cap="none">
         <a:solidFill>
           <a:srgbClr val="000000"/>
         </a:solidFill>
@@ -77,7 +78,7 @@
         <a:sym typeface="Arial"/>
       </a:defRPr>
     </a:lvl1pPr>
-    <a:lvl2pPr lvl="1" marR="0" rtl="0" algn="l">
+    <a:lvl2pPr marR="0" lvl="1" algn="l" rtl="0">
       <a:lnSpc>
         <a:spcPct val="100000"/>
       </a:lnSpc>
@@ -91,7 +92,7 @@
         <a:srgbClr val="000000"/>
       </a:buClr>
       <a:buFont typeface="Arial"/>
-      <a:defRPr b="0" i="0" sz="1400" u="none" cap="none" strike="noStrike">
+      <a:defRPr sz="1400" b="0" i="0" u="none" strike="noStrike" cap="none">
         <a:solidFill>
           <a:srgbClr val="000000"/>
         </a:solidFill>
@@ -101,7 +102,7 @@
         <a:sym typeface="Arial"/>
       </a:defRPr>
     </a:lvl2pPr>
-    <a:lvl3pPr lvl="2" marR="0" rtl="0" algn="l">
+    <a:lvl3pPr marR="0" lvl="2" algn="l" rtl="0">
       <a:lnSpc>
         <a:spcPct val="100000"/>
       </a:lnSpc>
@@ -115,7 +116,7 @@
         <a:srgbClr val="000000"/>
       </a:buClr>
       <a:buFont typeface="Arial"/>
-      <a:defRPr b="0" i="0" sz="1400" u="none" cap="none" strike="noStrike">
+      <a:defRPr sz="1400" b="0" i="0" u="none" strike="noStrike" cap="none">
         <a:solidFill>
           <a:srgbClr val="000000"/>
         </a:solidFill>
@@ -125,7 +126,7 @@
         <a:sym typeface="Arial"/>
       </a:defRPr>
     </a:lvl3pPr>
-    <a:lvl4pPr lvl="3" marR="0" rtl="0" algn="l">
+    <a:lvl4pPr marR="0" lvl="3" algn="l" rtl="0">
       <a:lnSpc>
         <a:spcPct val="100000"/>
       </a:lnSpc>
@@ -139,7 +140,7 @@
         <a:srgbClr val="000000"/>
       </a:buClr>
       <a:buFont typeface="Arial"/>
-      <a:defRPr b="0" i="0" sz="1400" u="none" cap="none" strike="noStrike">
+      <a:defRPr sz="1400" b="0" i="0" u="none" strike="noStrike" cap="none">
         <a:solidFill>
           <a:srgbClr val="000000"/>
         </a:solidFill>
@@ -149,7 +150,7 @@
         <a:sym typeface="Arial"/>
       </a:defRPr>
     </a:lvl4pPr>
-    <a:lvl5pPr lvl="4" marR="0" rtl="0" algn="l">
+    <a:lvl5pPr marR="0" lvl="4" algn="l" rtl="0">
       <a:lnSpc>
         <a:spcPct val="100000"/>
       </a:lnSpc>
@@ -163,7 +164,7 @@
         <a:srgbClr val="000000"/>
       </a:buClr>
       <a:buFont typeface="Arial"/>
-      <a:defRPr b="0" i="0" sz="1400" u="none" cap="none" strike="noStrike">
+      <a:defRPr sz="1400" b="0" i="0" u="none" strike="noStrike" cap="none">
         <a:solidFill>
           <a:srgbClr val="000000"/>
         </a:solidFill>
@@ -173,7 +174,7 @@
         <a:sym typeface="Arial"/>
       </a:defRPr>
     </a:lvl5pPr>
-    <a:lvl6pPr lvl="5" marR="0" rtl="0" algn="l">
+    <a:lvl6pPr marR="0" lvl="5" algn="l" rtl="0">
       <a:lnSpc>
         <a:spcPct val="100000"/>
       </a:lnSpc>
@@ -187,7 +188,7 @@
         <a:srgbClr val="000000"/>
       </a:buClr>
       <a:buFont typeface="Arial"/>
-      <a:defRPr b="0" i="0" sz="1400" u="none" cap="none" strike="noStrike">
+      <a:defRPr sz="1400" b="0" i="0" u="none" strike="noStrike" cap="none">
         <a:solidFill>
           <a:srgbClr val="000000"/>
         </a:solidFill>
@@ -197,7 +198,7 @@
         <a:sym typeface="Arial"/>
       </a:defRPr>
     </a:lvl6pPr>
-    <a:lvl7pPr lvl="6" marR="0" rtl="0" algn="l">
+    <a:lvl7pPr marR="0" lvl="6" algn="l" rtl="0">
       <a:lnSpc>
         <a:spcPct val="100000"/>
       </a:lnSpc>
@@ -211,7 +212,7 @@
         <a:srgbClr val="000000"/>
       </a:buClr>
       <a:buFont typeface="Arial"/>
-      <a:defRPr b="0" i="0" sz="1400" u="none" cap="none" strike="noStrike">
+      <a:defRPr sz="1400" b="0" i="0" u="none" strike="noStrike" cap="none">
         <a:solidFill>
           <a:srgbClr val="000000"/>
         </a:solidFill>
@@ -221,7 +222,7 @@
         <a:sym typeface="Arial"/>
       </a:defRPr>
     </a:lvl7pPr>
-    <a:lvl8pPr lvl="7" marR="0" rtl="0" algn="l">
+    <a:lvl8pPr marR="0" lvl="7" algn="l" rtl="0">
       <a:lnSpc>
         <a:spcPct val="100000"/>
       </a:lnSpc>
@@ -235,7 +236,7 @@
         <a:srgbClr val="000000"/>
       </a:buClr>
       <a:buFont typeface="Arial"/>
-      <a:defRPr b="0" i="0" sz="1400" u="none" cap="none" strike="noStrike">
+      <a:defRPr sz="1400" b="0" i="0" u="none" strike="noStrike" cap="none">
         <a:solidFill>
           <a:srgbClr val="000000"/>
         </a:solidFill>
@@ -245,7 +246,7 @@
         <a:sym typeface="Arial"/>
       </a:defRPr>
     </a:lvl8pPr>
-    <a:lvl9pPr lvl="8" marR="0" rtl="0" algn="l">
+    <a:lvl9pPr marR="0" lvl="8" algn="l" rtl="0">
       <a:lnSpc>
         <a:spcPct val="100000"/>
       </a:lnSpc>
@@ -259,7 +260,7 @@
         <a:srgbClr val="000000"/>
       </a:buClr>
       <a:buFont typeface="Arial"/>
-      <a:defRPr b="0" i="0" sz="1400" u="none" cap="none" strike="noStrike">
+      <a:defRPr sz="1400" b="0" i="0" u="none" strike="noStrike" cap="none">
         <a:solidFill>
           <a:srgbClr val="000000"/>
         </a:solidFill>
@@ -274,11 +275,16 @@
 </file>
 
 <file path=ppt/notesMasters/notesMaster1.xml><?xml version="1.0" encoding="utf-8"?>
-<p:notesMaster xmlns:a="http://schemas.openxmlformats.org/drawingml/2006/main" xmlns:r="http://schemas.openxmlformats.org/officeDocument/2006/relationships" xmlns:mc="http://schemas.openxmlformats.org/markup-compatibility/2006" xmlns:mv="urn:schemas-microsoft-com:mac:vml" xmlns:p="http://schemas.openxmlformats.org/presentationml/2006/main" xmlns:c="http://schemas.openxmlformats.org/drawingml/2006/chart" xmlns:dgm="http://schemas.openxmlformats.org/drawingml/2006/diagram" xmlns:o="urn:schemas-microsoft-com:office:office" xmlns:v="urn:schemas-microsoft-com:vml" xmlns:pvml="urn:schemas-microsoft-com:office:powerpoint" xmlns:com="http://schemas.openxmlformats.org/drawingml/2006/compatibility" xmlns:p14="http://schemas.microsoft.com/office/powerpoint/2010/main" xmlns:p15="http://schemas.microsoft.com/office/powerpoint/2012/main" xmlns:ahyp="http://schemas.microsoft.com/office/drawing/2018/hyperlinkcolor">
+<p:notesMaster xmlns:a="http://schemas.openxmlformats.org/drawingml/2006/main" xmlns:r="http://schemas.openxmlformats.org/officeDocument/2006/relationships" xmlns:p="http://schemas.openxmlformats.org/presentationml/2006/main">
   <p:cSld>
+    <p:bg>
+      <p:bgRef idx="1001">
+        <a:schemeClr val="bg1"/>
+      </p:bgRef>
+    </p:bg>
     <p:spTree>
       <p:nvGrpSpPr>
-        <p:cNvPr id="2" name="Shape 2"/>
+        <p:cNvPr id="1" name="Shape 2"/>
         <p:cNvGrpSpPr/>
         <p:nvPr/>
       </p:nvGrpSpPr>
@@ -293,9 +299,11 @@
       <p:sp>
         <p:nvSpPr>
           <p:cNvPr id="3" name="Google Shape;3;n"/>
-          <p:cNvSpPr/>
+          <p:cNvSpPr>
+            <a:spLocks noGrp="1" noRot="1" noChangeAspect="1"/>
+          </p:cNvSpPr>
           <p:nvPr>
-            <p:ph idx="2" type="sldImg"/>
+            <p:ph type="sldImg" idx="2"/>
           </p:nvPr>
         </p:nvSpPr>
         <p:spPr>
@@ -304,9 +312,13 @@
             <a:ext cx="6096075" cy="3429000"/>
           </a:xfrm>
           <a:custGeom>
-            <a:rect b="b" l="l" r="r" t="t"/>
+            <a:avLst/>
+            <a:gdLst/>
+            <a:ahLst/>
+            <a:cxnLst/>
+            <a:rect l="l" t="t" r="r" b="b"/>
             <a:pathLst>
-              <a:path extrusionOk="0" h="120000" w="120000">
+              <a:path w="120000" h="120000" extrusionOk="0">
                 <a:moveTo>
                   <a:pt x="0" y="0"/>
                 </a:moveTo>
@@ -324,23 +336,25 @@
             </a:pathLst>
           </a:custGeom>
           <a:noFill/>
-          <a:ln cap="flat" cmpd="sng" w="9525">
+          <a:ln w="9525" cap="flat" cmpd="sng">
             <a:solidFill>
               <a:srgbClr val="000000"/>
             </a:solidFill>
             <a:prstDash val="solid"/>
             <a:round/>
-            <a:headEnd len="sm" w="sm" type="none"/>
-            <a:tailEnd len="sm" w="sm" type="none"/>
+            <a:headEnd type="none" w="sm" len="sm"/>
+            <a:tailEnd type="none" w="sm" len="sm"/>
           </a:ln>
         </p:spPr>
       </p:sp>
       <p:sp>
         <p:nvSpPr>
           <p:cNvPr id="4" name="Google Shape;4;n"/>
-          <p:cNvSpPr txBox="1"/>
+          <p:cNvSpPr txBox="1">
+            <a:spLocks noGrp="1"/>
+          </p:cNvSpPr>
           <p:nvPr>
-            <p:ph idx="1" type="body"/>
+            <p:ph type="body" idx="1"/>
           </p:nvPr>
         </p:nvSpPr>
         <p:spPr>
@@ -357,11 +371,11 @@
           </a:ln>
         </p:spPr>
         <p:txBody>
-          <a:bodyPr anchorCtr="0" anchor="t" bIns="91425" lIns="91425" spcFirstLastPara="1" rIns="91425" wrap="square" tIns="91425">
+          <a:bodyPr spcFirstLastPara="1" wrap="square" lIns="91425" tIns="91425" rIns="91425" bIns="91425" anchor="t" anchorCtr="0">
             <a:noAutofit/>
           </a:bodyPr>
           <a:lstStyle>
-            <a:lvl1pPr indent="-298450" lvl="0" marL="457200">
+            <a:lvl1pPr marL="457200" lvl="0" indent="-298450">
               <a:spcBef>
                 <a:spcPts val="0"/>
               </a:spcBef>
@@ -372,7 +386,7 @@
               <a:buChar char="●"/>
               <a:defRPr sz="1100"/>
             </a:lvl1pPr>
-            <a:lvl2pPr indent="-298450" lvl="1" marL="914400">
+            <a:lvl2pPr marL="914400" lvl="1" indent="-298450">
               <a:spcBef>
                 <a:spcPts val="0"/>
               </a:spcBef>
@@ -383,7 +397,7 @@
               <a:buChar char="○"/>
               <a:defRPr sz="1100"/>
             </a:lvl2pPr>
-            <a:lvl3pPr indent="-298450" lvl="2" marL="1371600">
+            <a:lvl3pPr marL="1371600" lvl="2" indent="-298450">
               <a:spcBef>
                 <a:spcPts val="0"/>
               </a:spcBef>
@@ -394,7 +408,7 @@
               <a:buChar char="■"/>
               <a:defRPr sz="1100"/>
             </a:lvl3pPr>
-            <a:lvl4pPr indent="-298450" lvl="3" marL="1828800">
+            <a:lvl4pPr marL="1828800" lvl="3" indent="-298450">
               <a:spcBef>
                 <a:spcPts val="0"/>
               </a:spcBef>
@@ -405,7 +419,7 @@
               <a:buChar char="●"/>
               <a:defRPr sz="1100"/>
             </a:lvl4pPr>
-            <a:lvl5pPr indent="-298450" lvl="4" marL="2286000">
+            <a:lvl5pPr marL="2286000" lvl="4" indent="-298450">
               <a:spcBef>
                 <a:spcPts val="0"/>
               </a:spcBef>
@@ -416,7 +430,7 @@
               <a:buChar char="○"/>
               <a:defRPr sz="1100"/>
             </a:lvl5pPr>
-            <a:lvl6pPr indent="-298450" lvl="5" marL="2743200">
+            <a:lvl6pPr marL="2743200" lvl="5" indent="-298450">
               <a:spcBef>
                 <a:spcPts val="0"/>
               </a:spcBef>
@@ -427,7 +441,7 @@
               <a:buChar char="■"/>
               <a:defRPr sz="1100"/>
             </a:lvl6pPr>
-            <a:lvl7pPr indent="-298450" lvl="6" marL="3200400">
+            <a:lvl7pPr marL="3200400" lvl="6" indent="-298450">
               <a:spcBef>
                 <a:spcPts val="0"/>
               </a:spcBef>
@@ -438,7 +452,7 @@
               <a:buChar char="●"/>
               <a:defRPr sz="1100"/>
             </a:lvl7pPr>
-            <a:lvl8pPr indent="-298450" lvl="7" marL="3657600">
+            <a:lvl8pPr marL="3657600" lvl="7" indent="-298450">
               <a:spcBef>
                 <a:spcPts val="0"/>
               </a:spcBef>
@@ -449,7 +463,7 @@
               <a:buChar char="○"/>
               <a:defRPr sz="1100"/>
             </a:lvl8pPr>
-            <a:lvl9pPr indent="-298450" lvl="8" marL="4114800">
+            <a:lvl9pPr marL="4114800" lvl="8" indent="-298450">
               <a:spcBef>
                 <a:spcPts val="0"/>
               </a:spcBef>
@@ -461,14 +475,16 @@
               <a:defRPr sz="1100"/>
             </a:lvl9pPr>
           </a:lstStyle>
-          <a:p/>
+          <a:p>
+            <a:endParaRPr/>
+          </a:p>
         </p:txBody>
       </p:sp>
     </p:spTree>
   </p:cSld>
-  <p:clrMap accent1="accent1" accent2="accent2" accent3="accent3" accent4="accent4" accent5="accent5" accent6="accent6" bg1="lt1" bg2="dk2" tx1="dk1" tx2="lt2" folHlink="folHlink" hlink="hlink"/>
+  <p:clrMap bg1="lt1" tx1="dk1" bg2="dk2" tx2="lt2" accent1="accent1" accent2="accent2" accent3="accent3" accent4="accent4" accent5="accent5" accent6="accent6" hlink="hlink" folHlink="folHlink"/>
   <p:notesStyle>
-    <a:defPPr lvl="0" marR="0" rtl="0" algn="l">
+    <a:defPPr marR="0" lvl="0" algn="l" rtl="0">
       <a:lnSpc>
         <a:spcPct val="100000"/>
       </a:lnSpc>
@@ -479,7 +495,7 @@
         <a:spcPts val="0"/>
       </a:spcAft>
     </a:defPPr>
-    <a:lvl1pPr lvl="0" marR="0" rtl="0" algn="l">
+    <a:lvl1pPr marR="0" lvl="0" algn="l" rtl="0">
       <a:lnSpc>
         <a:spcPct val="100000"/>
       </a:lnSpc>
@@ -493,7 +509,7 @@
         <a:srgbClr val="000000"/>
       </a:buClr>
       <a:buFont typeface="Arial"/>
-      <a:defRPr b="0" i="0" sz="1400" u="none" cap="none" strike="noStrike">
+      <a:defRPr sz="1400" b="0" i="0" u="none" strike="noStrike" cap="none">
         <a:solidFill>
           <a:srgbClr val="000000"/>
         </a:solidFill>
@@ -503,7 +519,7 @@
         <a:sym typeface="Arial"/>
       </a:defRPr>
     </a:lvl1pPr>
-    <a:lvl2pPr lvl="1" marR="0" rtl="0" algn="l">
+    <a:lvl2pPr marR="0" lvl="1" algn="l" rtl="0">
       <a:lnSpc>
         <a:spcPct val="100000"/>
       </a:lnSpc>
@@ -517,7 +533,7 @@
         <a:srgbClr val="000000"/>
       </a:buClr>
       <a:buFont typeface="Arial"/>
-      <a:defRPr b="0" i="0" sz="1400" u="none" cap="none" strike="noStrike">
+      <a:defRPr sz="1400" b="0" i="0" u="none" strike="noStrike" cap="none">
         <a:solidFill>
           <a:srgbClr val="000000"/>
         </a:solidFill>
@@ -527,7 +543,7 @@
         <a:sym typeface="Arial"/>
       </a:defRPr>
     </a:lvl2pPr>
-    <a:lvl3pPr lvl="2" marR="0" rtl="0" algn="l">
+    <a:lvl3pPr marR="0" lvl="2" algn="l" rtl="0">
       <a:lnSpc>
         <a:spcPct val="100000"/>
       </a:lnSpc>
@@ -541,7 +557,7 @@
         <a:srgbClr val="000000"/>
       </a:buClr>
       <a:buFont typeface="Arial"/>
-      <a:defRPr b="0" i="0" sz="1400" u="none" cap="none" strike="noStrike">
+      <a:defRPr sz="1400" b="0" i="0" u="none" strike="noStrike" cap="none">
         <a:solidFill>
           <a:srgbClr val="000000"/>
         </a:solidFill>
@@ -551,7 +567,7 @@
         <a:sym typeface="Arial"/>
       </a:defRPr>
     </a:lvl3pPr>
-    <a:lvl4pPr lvl="3" marR="0" rtl="0" algn="l">
+    <a:lvl4pPr marR="0" lvl="3" algn="l" rtl="0">
       <a:lnSpc>
         <a:spcPct val="100000"/>
       </a:lnSpc>
@@ -565,7 +581,7 @@
         <a:srgbClr val="000000"/>
       </a:buClr>
       <a:buFont typeface="Arial"/>
-      <a:defRPr b="0" i="0" sz="1400" u="none" cap="none" strike="noStrike">
+      <a:defRPr sz="1400" b="0" i="0" u="none" strike="noStrike" cap="none">
         <a:solidFill>
           <a:srgbClr val="000000"/>
         </a:solidFill>
@@ -575,7 +591,7 @@
         <a:sym typeface="Arial"/>
       </a:defRPr>
     </a:lvl4pPr>
-    <a:lvl5pPr lvl="4" marR="0" rtl="0" algn="l">
+    <a:lvl5pPr marR="0" lvl="4" algn="l" rtl="0">
       <a:lnSpc>
         <a:spcPct val="100000"/>
       </a:lnSpc>
@@ -589,7 +605,7 @@
         <a:srgbClr val="000000"/>
       </a:buClr>
       <a:buFont typeface="Arial"/>
-      <a:defRPr b="0" i="0" sz="1400" u="none" cap="none" strike="noStrike">
+      <a:defRPr sz="1400" b="0" i="0" u="none" strike="noStrike" cap="none">
         <a:solidFill>
           <a:srgbClr val="000000"/>
         </a:solidFill>
@@ -599,7 +615,7 @@
         <a:sym typeface="Arial"/>
       </a:defRPr>
     </a:lvl5pPr>
-    <a:lvl6pPr lvl="5" marR="0" rtl="0" algn="l">
+    <a:lvl6pPr marR="0" lvl="5" algn="l" rtl="0">
       <a:lnSpc>
         <a:spcPct val="100000"/>
       </a:lnSpc>
@@ -613,7 +629,7 @@
         <a:srgbClr val="000000"/>
       </a:buClr>
       <a:buFont typeface="Arial"/>
-      <a:defRPr b="0" i="0" sz="1400" u="none" cap="none" strike="noStrike">
+      <a:defRPr sz="1400" b="0" i="0" u="none" strike="noStrike" cap="none">
         <a:solidFill>
           <a:srgbClr val="000000"/>
         </a:solidFill>
@@ -623,7 +639,7 @@
         <a:sym typeface="Arial"/>
       </a:defRPr>
     </a:lvl6pPr>
-    <a:lvl7pPr lvl="6" marR="0" rtl="0" algn="l">
+    <a:lvl7pPr marR="0" lvl="6" algn="l" rtl="0">
       <a:lnSpc>
         <a:spcPct val="100000"/>
       </a:lnSpc>
@@ -637,7 +653,7 @@
         <a:srgbClr val="000000"/>
       </a:buClr>
       <a:buFont typeface="Arial"/>
-      <a:defRPr b="0" i="0" sz="1400" u="none" cap="none" strike="noStrike">
+      <a:defRPr sz="1400" b="0" i="0" u="none" strike="noStrike" cap="none">
         <a:solidFill>
           <a:srgbClr val="000000"/>
         </a:solidFill>
@@ -647,7 +663,7 @@
         <a:sym typeface="Arial"/>
       </a:defRPr>
     </a:lvl7pPr>
-    <a:lvl8pPr lvl="7" marR="0" rtl="0" algn="l">
+    <a:lvl8pPr marR="0" lvl="7" algn="l" rtl="0">
       <a:lnSpc>
         <a:spcPct val="100000"/>
       </a:lnSpc>
@@ -661,7 +677,7 @@
         <a:srgbClr val="000000"/>
       </a:buClr>
       <a:buFont typeface="Arial"/>
-      <a:defRPr b="0" i="0" sz="1400" u="none" cap="none" strike="noStrike">
+      <a:defRPr sz="1400" b="0" i="0" u="none" strike="noStrike" cap="none">
         <a:solidFill>
           <a:srgbClr val="000000"/>
         </a:solidFill>
@@ -671,7 +687,7 @@
         <a:sym typeface="Arial"/>
       </a:defRPr>
     </a:lvl8pPr>
-    <a:lvl9pPr lvl="8" marR="0" rtl="0" algn="l">
+    <a:lvl9pPr marR="0" lvl="8" algn="l" rtl="0">
       <a:lnSpc>
         <a:spcPct val="100000"/>
       </a:lnSpc>
@@ -685,7 +701,7 @@
         <a:srgbClr val="000000"/>
       </a:buClr>
       <a:buFont typeface="Arial"/>
-      <a:defRPr b="0" i="0" sz="1400" u="none" cap="none" strike="noStrike">
+      <a:defRPr sz="1400" b="0" i="0" u="none" strike="noStrike" cap="none">
         <a:solidFill>
           <a:srgbClr val="000000"/>
         </a:solidFill>
@@ -700,11 +716,11 @@
 </file>
 
 <file path=ppt/notesSlides/notesSlide1.xml><?xml version="1.0" encoding="utf-8"?>
-<p:notes xmlns:a="http://schemas.openxmlformats.org/drawingml/2006/main" xmlns:r="http://schemas.openxmlformats.org/officeDocument/2006/relationships" xmlns:mc="http://schemas.openxmlformats.org/markup-compatibility/2006" xmlns:mv="urn:schemas-microsoft-com:mac:vml" xmlns:p="http://schemas.openxmlformats.org/presentationml/2006/main" xmlns:c="http://schemas.openxmlformats.org/drawingml/2006/chart" xmlns:dgm="http://schemas.openxmlformats.org/drawingml/2006/diagram" xmlns:o="urn:schemas-microsoft-com:office:office" xmlns:v="urn:schemas-microsoft-com:vml" xmlns:pvml="urn:schemas-microsoft-com:office:powerpoint" xmlns:com="http://schemas.openxmlformats.org/drawingml/2006/compatibility" xmlns:p14="http://schemas.microsoft.com/office/powerpoint/2010/main" xmlns:p15="http://schemas.microsoft.com/office/powerpoint/2012/main" xmlns:ahyp="http://schemas.microsoft.com/office/drawing/2018/hyperlinkcolor" showMasterPhAnim="0" showMasterSp="0">
+<p:notes xmlns:a="http://schemas.openxmlformats.org/drawingml/2006/main" xmlns:r="http://schemas.openxmlformats.org/officeDocument/2006/relationships" xmlns:p="http://schemas.openxmlformats.org/presentationml/2006/main" showMasterSp="0" showMasterPhAnim="0">
   <p:cSld>
     <p:spTree>
       <p:nvGrpSpPr>
-        <p:cNvPr id="50" name="Shape 50"/>
+        <p:cNvPr id="1" name="Shape 50"/>
         <p:cNvGrpSpPr/>
         <p:nvPr/>
       </p:nvGrpSpPr>
@@ -719,20 +735,26 @@
       <p:sp>
         <p:nvSpPr>
           <p:cNvPr id="51" name="Google Shape;51;p:notes"/>
-          <p:cNvSpPr/>
+          <p:cNvSpPr>
+            <a:spLocks noGrp="1" noRot="1" noChangeAspect="1"/>
+          </p:cNvSpPr>
           <p:nvPr>
-            <p:ph idx="2" type="sldImg"/>
+            <p:ph type="sldImg" idx="2"/>
           </p:nvPr>
         </p:nvSpPr>
         <p:spPr>
           <a:xfrm>
-            <a:off x="381300" y="685800"/>
-            <a:ext cx="6096075" cy="3429000"/>
+            <a:off x="381000" y="685800"/>
+            <a:ext cx="6096000" cy="3429000"/>
           </a:xfrm>
           <a:custGeom>
-            <a:rect b="b" l="l" r="r" t="t"/>
+            <a:avLst/>
+            <a:gdLst/>
+            <a:ahLst/>
+            <a:cxnLst/>
+            <a:rect l="l" t="t" r="r" b="b"/>
             <a:pathLst>
-              <a:path extrusionOk="0" h="120000" w="120000">
+              <a:path w="120000" h="120000" extrusionOk="0">
                 <a:moveTo>
                   <a:pt x="0" y="0"/>
                 </a:moveTo>
@@ -754,9 +776,11 @@
       <p:sp>
         <p:nvSpPr>
           <p:cNvPr id="52" name="Google Shape;52;p:notes"/>
-          <p:cNvSpPr txBox="1"/>
+          <p:cNvSpPr txBox="1">
+            <a:spLocks noGrp="1"/>
+          </p:cNvSpPr>
           <p:nvPr>
-            <p:ph idx="1" type="body"/>
+            <p:ph type="body" idx="1"/>
           </p:nvPr>
         </p:nvSpPr>
         <p:spPr>
@@ -769,12 +793,12 @@
           </a:prstGeom>
         </p:spPr>
         <p:txBody>
-          <a:bodyPr anchorCtr="0" anchor="t" bIns="91425" lIns="91425" spcFirstLastPara="1" rIns="91425" wrap="square" tIns="91425">
+          <a:bodyPr spcFirstLastPara="1" wrap="square" lIns="91425" tIns="91425" rIns="91425" bIns="91425" anchor="t" anchorCtr="0">
             <a:noAutofit/>
           </a:bodyPr>
           <a:lstStyle/>
           <a:p>
-            <a:pPr indent="0" lvl="0" marL="0" rtl="0" algn="l">
+            <a:pPr marL="0" lvl="0" indent="0" algn="l" rtl="0">
               <a:spcBef>
                 <a:spcPts val="0"/>
               </a:spcBef>
@@ -783,9 +807,6 @@
               </a:spcAft>
               <a:buNone/>
             </a:pPr>
-            <a:r>
-              <a:t/>
-            </a:r>
             <a:endParaRPr/>
           </a:p>
         </p:txBody>
@@ -799,11 +820,11 @@
 </file>
 
 <file path=ppt/notesSlides/notesSlide10.xml><?xml version="1.0" encoding="utf-8"?>
-<p:notes xmlns:a="http://schemas.openxmlformats.org/drawingml/2006/main" xmlns:r="http://schemas.openxmlformats.org/officeDocument/2006/relationships" xmlns:mc="http://schemas.openxmlformats.org/markup-compatibility/2006" xmlns:mv="urn:schemas-microsoft-com:mac:vml" xmlns:p="http://schemas.openxmlformats.org/presentationml/2006/main" xmlns:c="http://schemas.openxmlformats.org/drawingml/2006/chart" xmlns:dgm="http://schemas.openxmlformats.org/drawingml/2006/diagram" xmlns:o="urn:schemas-microsoft-com:office:office" xmlns:v="urn:schemas-microsoft-com:vml" xmlns:pvml="urn:schemas-microsoft-com:office:powerpoint" xmlns:com="http://schemas.openxmlformats.org/drawingml/2006/compatibility" xmlns:p14="http://schemas.microsoft.com/office/powerpoint/2010/main" xmlns:p15="http://schemas.microsoft.com/office/powerpoint/2012/main" xmlns:ahyp="http://schemas.microsoft.com/office/drawing/2018/hyperlinkcolor" showMasterPhAnim="0" showMasterSp="0">
+<p:notes xmlns:a="http://schemas.openxmlformats.org/drawingml/2006/main" xmlns:r="http://schemas.openxmlformats.org/officeDocument/2006/relationships" xmlns:p="http://schemas.openxmlformats.org/presentationml/2006/main" showMasterSp="0" showMasterPhAnim="0">
   <p:cSld>
     <p:spTree>
       <p:nvGrpSpPr>
-        <p:cNvPr id="119" name="Shape 119"/>
+        <p:cNvPr id="1" name="Shape 112"/>
         <p:cNvGrpSpPr/>
         <p:nvPr/>
       </p:nvGrpSpPr>
@@ -817,10 +838,12 @@
       </p:grpSpPr>
       <p:sp>
         <p:nvSpPr>
-          <p:cNvPr id="120" name="Google Shape;120;g3a83d440026_0_71:notes"/>
-          <p:cNvSpPr/>
+          <p:cNvPr id="113" name="Google Shape;113;g3a83d440026_0_83:notes"/>
+          <p:cNvSpPr>
+            <a:spLocks noGrp="1" noRot="1" noChangeAspect="1"/>
+          </p:cNvSpPr>
           <p:nvPr>
-            <p:ph idx="2" type="sldImg"/>
+            <p:ph type="sldImg" idx="2"/>
           </p:nvPr>
         </p:nvSpPr>
         <p:spPr>
@@ -829,9 +852,13 @@
             <a:ext cx="6096000" cy="3429000"/>
           </a:xfrm>
           <a:custGeom>
-            <a:rect b="b" l="l" r="r" t="t"/>
+            <a:avLst/>
+            <a:gdLst/>
+            <a:ahLst/>
+            <a:cxnLst/>
+            <a:rect l="l" t="t" r="r" b="b"/>
             <a:pathLst>
-              <a:path extrusionOk="0" h="120000" w="120000">
+              <a:path w="120000" h="120000" extrusionOk="0">
                 <a:moveTo>
                   <a:pt x="0" y="0"/>
                 </a:moveTo>
@@ -852,10 +879,12 @@
       </p:sp>
       <p:sp>
         <p:nvSpPr>
-          <p:cNvPr id="121" name="Google Shape;121;g3a83d440026_0_71:notes"/>
-          <p:cNvSpPr txBox="1"/>
+          <p:cNvPr id="114" name="Google Shape;114;g3a83d440026_0_83:notes"/>
+          <p:cNvSpPr txBox="1">
+            <a:spLocks noGrp="1"/>
+          </p:cNvSpPr>
           <p:nvPr>
-            <p:ph idx="1" type="body"/>
+            <p:ph type="body" idx="1"/>
           </p:nvPr>
         </p:nvSpPr>
         <p:spPr>
@@ -868,12 +897,12 @@
           </a:prstGeom>
         </p:spPr>
         <p:txBody>
-          <a:bodyPr anchorCtr="0" anchor="t" bIns="91425" lIns="91425" spcFirstLastPara="1" rIns="91425" wrap="square" tIns="91425">
+          <a:bodyPr spcFirstLastPara="1" wrap="square" lIns="91425" tIns="91425" rIns="91425" bIns="91425" anchor="t" anchorCtr="0">
             <a:noAutofit/>
           </a:bodyPr>
           <a:lstStyle/>
           <a:p>
-            <a:pPr indent="0" lvl="0" marL="0" rtl="0" algn="l">
+            <a:pPr marL="0" lvl="0" indent="0" algn="l" rtl="0">
               <a:spcBef>
                 <a:spcPts val="0"/>
               </a:spcBef>
@@ -882,9 +911,6 @@
               </a:spcAft>
               <a:buNone/>
             </a:pPr>
-            <a:r>
-              <a:t/>
-            </a:r>
             <a:endParaRPr/>
           </a:p>
         </p:txBody>
@@ -898,11 +924,11 @@
 </file>
 
 <file path=ppt/notesSlides/notesSlide11.xml><?xml version="1.0" encoding="utf-8"?>
-<p:notes xmlns:a="http://schemas.openxmlformats.org/drawingml/2006/main" xmlns:r="http://schemas.openxmlformats.org/officeDocument/2006/relationships" xmlns:mc="http://schemas.openxmlformats.org/markup-compatibility/2006" xmlns:mv="urn:schemas-microsoft-com:mac:vml" xmlns:p="http://schemas.openxmlformats.org/presentationml/2006/main" xmlns:c="http://schemas.openxmlformats.org/drawingml/2006/chart" xmlns:dgm="http://schemas.openxmlformats.org/drawingml/2006/diagram" xmlns:o="urn:schemas-microsoft-com:office:office" xmlns:v="urn:schemas-microsoft-com:vml" xmlns:pvml="urn:schemas-microsoft-com:office:powerpoint" xmlns:com="http://schemas.openxmlformats.org/drawingml/2006/compatibility" xmlns:p14="http://schemas.microsoft.com/office/powerpoint/2010/main" xmlns:p15="http://schemas.microsoft.com/office/powerpoint/2012/main" xmlns:ahyp="http://schemas.microsoft.com/office/drawing/2018/hyperlinkcolor" showMasterPhAnim="0" showMasterSp="0">
+<p:notes xmlns:a="http://schemas.openxmlformats.org/drawingml/2006/main" xmlns:r="http://schemas.openxmlformats.org/officeDocument/2006/relationships" xmlns:p="http://schemas.openxmlformats.org/presentationml/2006/main" showMasterSp="0" showMasterPhAnim="0">
   <p:cSld>
     <p:spTree>
       <p:nvGrpSpPr>
-        <p:cNvPr id="127" name="Shape 127"/>
+        <p:cNvPr id="1" name="Shape 119"/>
         <p:cNvGrpSpPr/>
         <p:nvPr/>
       </p:nvGrpSpPr>
@@ -916,10 +942,12 @@
       </p:grpSpPr>
       <p:sp>
         <p:nvSpPr>
-          <p:cNvPr id="128" name="Google Shape;128;g3a83d440026_0_96:notes"/>
-          <p:cNvSpPr/>
+          <p:cNvPr id="120" name="Google Shape;120;g3a83d440026_0_71:notes"/>
+          <p:cNvSpPr>
+            <a:spLocks noGrp="1" noRot="1" noChangeAspect="1"/>
+          </p:cNvSpPr>
           <p:nvPr>
-            <p:ph idx="2" type="sldImg"/>
+            <p:ph type="sldImg" idx="2"/>
           </p:nvPr>
         </p:nvSpPr>
         <p:spPr>
@@ -928,9 +956,13 @@
             <a:ext cx="6096000" cy="3429000"/>
           </a:xfrm>
           <a:custGeom>
-            <a:rect b="b" l="l" r="r" t="t"/>
+            <a:avLst/>
+            <a:gdLst/>
+            <a:ahLst/>
+            <a:cxnLst/>
+            <a:rect l="l" t="t" r="r" b="b"/>
             <a:pathLst>
-              <a:path extrusionOk="0" h="120000" w="120000">
+              <a:path w="120000" h="120000" extrusionOk="0">
                 <a:moveTo>
                   <a:pt x="0" y="0"/>
                 </a:moveTo>
@@ -951,10 +983,12 @@
       </p:sp>
       <p:sp>
         <p:nvSpPr>
-          <p:cNvPr id="129" name="Google Shape;129;g3a83d440026_0_96:notes"/>
-          <p:cNvSpPr txBox="1"/>
+          <p:cNvPr id="121" name="Google Shape;121;g3a83d440026_0_71:notes"/>
+          <p:cNvSpPr txBox="1">
+            <a:spLocks noGrp="1"/>
+          </p:cNvSpPr>
           <p:nvPr>
-            <p:ph idx="1" type="body"/>
+            <p:ph type="body" idx="1"/>
           </p:nvPr>
         </p:nvSpPr>
         <p:spPr>
@@ -967,12 +1001,12 @@
           </a:prstGeom>
         </p:spPr>
         <p:txBody>
-          <a:bodyPr anchorCtr="0" anchor="t" bIns="91425" lIns="91425" spcFirstLastPara="1" rIns="91425" wrap="square" tIns="91425">
+          <a:bodyPr spcFirstLastPara="1" wrap="square" lIns="91425" tIns="91425" rIns="91425" bIns="91425" anchor="t" anchorCtr="0">
             <a:noAutofit/>
           </a:bodyPr>
           <a:lstStyle/>
           <a:p>
-            <a:pPr indent="0" lvl="0" marL="0" rtl="0" algn="l">
+            <a:pPr marL="0" lvl="0" indent="0" algn="l" rtl="0">
               <a:spcBef>
                 <a:spcPts val="0"/>
               </a:spcBef>
@@ -981,9 +1015,6 @@
               </a:spcAft>
               <a:buNone/>
             </a:pPr>
-            <a:r>
-              <a:t/>
-            </a:r>
             <a:endParaRPr/>
           </a:p>
         </p:txBody>
@@ -997,11 +1028,11 @@
 </file>
 
 <file path=ppt/notesSlides/notesSlide12.xml><?xml version="1.0" encoding="utf-8"?>
-<p:notes xmlns:a="http://schemas.openxmlformats.org/drawingml/2006/main" xmlns:r="http://schemas.openxmlformats.org/officeDocument/2006/relationships" xmlns:mc="http://schemas.openxmlformats.org/markup-compatibility/2006" xmlns:mv="urn:schemas-microsoft-com:mac:vml" xmlns:p="http://schemas.openxmlformats.org/presentationml/2006/main" xmlns:c="http://schemas.openxmlformats.org/drawingml/2006/chart" xmlns:dgm="http://schemas.openxmlformats.org/drawingml/2006/diagram" xmlns:o="urn:schemas-microsoft-com:office:office" xmlns:v="urn:schemas-microsoft-com:vml" xmlns:pvml="urn:schemas-microsoft-com:office:powerpoint" xmlns:com="http://schemas.openxmlformats.org/drawingml/2006/compatibility" xmlns:p14="http://schemas.microsoft.com/office/powerpoint/2010/main" xmlns:p15="http://schemas.microsoft.com/office/powerpoint/2012/main" xmlns:ahyp="http://schemas.microsoft.com/office/drawing/2018/hyperlinkcolor" showMasterPhAnim="0" showMasterSp="0">
+<p:notes xmlns:a="http://schemas.openxmlformats.org/drawingml/2006/main" xmlns:r="http://schemas.openxmlformats.org/officeDocument/2006/relationships" xmlns:p="http://schemas.openxmlformats.org/presentationml/2006/main" showMasterSp="0" showMasterPhAnim="0">
   <p:cSld>
     <p:spTree>
       <p:nvGrpSpPr>
-        <p:cNvPr id="135" name="Shape 135"/>
+        <p:cNvPr id="1" name="Shape 127"/>
         <p:cNvGrpSpPr/>
         <p:nvPr/>
       </p:nvGrpSpPr>
@@ -1015,10 +1046,12 @@
       </p:grpSpPr>
       <p:sp>
         <p:nvSpPr>
-          <p:cNvPr id="136" name="Google Shape;136;g3a83d440026_0_102:notes"/>
-          <p:cNvSpPr/>
+          <p:cNvPr id="128" name="Google Shape;128;g3a83d440026_0_96:notes"/>
+          <p:cNvSpPr>
+            <a:spLocks noGrp="1" noRot="1" noChangeAspect="1"/>
+          </p:cNvSpPr>
           <p:nvPr>
-            <p:ph idx="2" type="sldImg"/>
+            <p:ph type="sldImg" idx="2"/>
           </p:nvPr>
         </p:nvSpPr>
         <p:spPr>
@@ -1027,9 +1060,13 @@
             <a:ext cx="6096000" cy="3429000"/>
           </a:xfrm>
           <a:custGeom>
-            <a:rect b="b" l="l" r="r" t="t"/>
+            <a:avLst/>
+            <a:gdLst/>
+            <a:ahLst/>
+            <a:cxnLst/>
+            <a:rect l="l" t="t" r="r" b="b"/>
             <a:pathLst>
-              <a:path extrusionOk="0" h="120000" w="120000">
+              <a:path w="120000" h="120000" extrusionOk="0">
                 <a:moveTo>
                   <a:pt x="0" y="0"/>
                 </a:moveTo>
@@ -1050,10 +1087,12 @@
       </p:sp>
       <p:sp>
         <p:nvSpPr>
-          <p:cNvPr id="137" name="Google Shape;137;g3a83d440026_0_102:notes"/>
-          <p:cNvSpPr txBox="1"/>
+          <p:cNvPr id="129" name="Google Shape;129;g3a83d440026_0_96:notes"/>
+          <p:cNvSpPr txBox="1">
+            <a:spLocks noGrp="1"/>
+          </p:cNvSpPr>
           <p:nvPr>
-            <p:ph idx="1" type="body"/>
+            <p:ph type="body" idx="1"/>
           </p:nvPr>
         </p:nvSpPr>
         <p:spPr>
@@ -1066,12 +1105,12 @@
           </a:prstGeom>
         </p:spPr>
         <p:txBody>
-          <a:bodyPr anchorCtr="0" anchor="t" bIns="91425" lIns="91425" spcFirstLastPara="1" rIns="91425" wrap="square" tIns="91425">
+          <a:bodyPr spcFirstLastPara="1" wrap="square" lIns="91425" tIns="91425" rIns="91425" bIns="91425" anchor="t" anchorCtr="0">
             <a:noAutofit/>
           </a:bodyPr>
           <a:lstStyle/>
           <a:p>
-            <a:pPr indent="0" lvl="0" marL="0" rtl="0" algn="l">
+            <a:pPr marL="0" lvl="0" indent="0" algn="l" rtl="0">
               <a:spcBef>
                 <a:spcPts val="0"/>
               </a:spcBef>
@@ -1080,9 +1119,6 @@
               </a:spcAft>
               <a:buNone/>
             </a:pPr>
-            <a:r>
-              <a:t/>
-            </a:r>
             <a:endParaRPr/>
           </a:p>
         </p:txBody>
@@ -1096,11 +1132,11 @@
 </file>
 
 <file path=ppt/notesSlides/notesSlide13.xml><?xml version="1.0" encoding="utf-8"?>
-<p:notes xmlns:a="http://schemas.openxmlformats.org/drawingml/2006/main" xmlns:r="http://schemas.openxmlformats.org/officeDocument/2006/relationships" xmlns:mc="http://schemas.openxmlformats.org/markup-compatibility/2006" xmlns:mv="urn:schemas-microsoft-com:mac:vml" xmlns:p="http://schemas.openxmlformats.org/presentationml/2006/main" xmlns:c="http://schemas.openxmlformats.org/drawingml/2006/chart" xmlns:dgm="http://schemas.openxmlformats.org/drawingml/2006/diagram" xmlns:o="urn:schemas-microsoft-com:office:office" xmlns:v="urn:schemas-microsoft-com:vml" xmlns:pvml="urn:schemas-microsoft-com:office:powerpoint" xmlns:com="http://schemas.openxmlformats.org/drawingml/2006/compatibility" xmlns:p14="http://schemas.microsoft.com/office/powerpoint/2010/main" xmlns:p15="http://schemas.microsoft.com/office/powerpoint/2012/main" xmlns:ahyp="http://schemas.microsoft.com/office/drawing/2018/hyperlinkcolor" showMasterPhAnim="0" showMasterSp="0">
+<p:notes xmlns:a="http://schemas.openxmlformats.org/drawingml/2006/main" xmlns:r="http://schemas.openxmlformats.org/officeDocument/2006/relationships" xmlns:p="http://schemas.openxmlformats.org/presentationml/2006/main" showMasterSp="0" showMasterPhAnim="0">
   <p:cSld>
     <p:spTree>
       <p:nvGrpSpPr>
-        <p:cNvPr id="143" name="Shape 143"/>
+        <p:cNvPr id="1" name="Shape 135"/>
         <p:cNvGrpSpPr/>
         <p:nvPr/>
       </p:nvGrpSpPr>
@@ -1114,10 +1150,12 @@
       </p:grpSpPr>
       <p:sp>
         <p:nvSpPr>
-          <p:cNvPr id="144" name="Google Shape;144;g3a83d440026_0_43:notes"/>
-          <p:cNvSpPr/>
+          <p:cNvPr id="136" name="Google Shape;136;g3a83d440026_0_102:notes"/>
+          <p:cNvSpPr>
+            <a:spLocks noGrp="1" noRot="1" noChangeAspect="1"/>
+          </p:cNvSpPr>
           <p:nvPr>
-            <p:ph idx="2" type="sldImg"/>
+            <p:ph type="sldImg" idx="2"/>
           </p:nvPr>
         </p:nvSpPr>
         <p:spPr>
@@ -1126,9 +1164,13 @@
             <a:ext cx="6096000" cy="3429000"/>
           </a:xfrm>
           <a:custGeom>
-            <a:rect b="b" l="l" r="r" t="t"/>
+            <a:avLst/>
+            <a:gdLst/>
+            <a:ahLst/>
+            <a:cxnLst/>
+            <a:rect l="l" t="t" r="r" b="b"/>
             <a:pathLst>
-              <a:path extrusionOk="0" h="120000" w="120000">
+              <a:path w="120000" h="120000" extrusionOk="0">
                 <a:moveTo>
                   <a:pt x="0" y="0"/>
                 </a:moveTo>
@@ -1149,10 +1191,12 @@
       </p:sp>
       <p:sp>
         <p:nvSpPr>
-          <p:cNvPr id="145" name="Google Shape;145;g3a83d440026_0_43:notes"/>
-          <p:cNvSpPr txBox="1"/>
+          <p:cNvPr id="137" name="Google Shape;137;g3a83d440026_0_102:notes"/>
+          <p:cNvSpPr txBox="1">
+            <a:spLocks noGrp="1"/>
+          </p:cNvSpPr>
           <p:nvPr>
-            <p:ph idx="1" type="body"/>
+            <p:ph type="body" idx="1"/>
           </p:nvPr>
         </p:nvSpPr>
         <p:spPr>
@@ -1165,12 +1209,12 @@
           </a:prstGeom>
         </p:spPr>
         <p:txBody>
-          <a:bodyPr anchorCtr="0" anchor="t" bIns="91425" lIns="91425" spcFirstLastPara="1" rIns="91425" wrap="square" tIns="91425">
+          <a:bodyPr spcFirstLastPara="1" wrap="square" lIns="91425" tIns="91425" rIns="91425" bIns="91425" anchor="t" anchorCtr="0">
             <a:noAutofit/>
           </a:bodyPr>
           <a:lstStyle/>
           <a:p>
-            <a:pPr indent="0" lvl="0" marL="0" rtl="0" algn="l">
+            <a:pPr marL="0" lvl="0" indent="0" algn="l" rtl="0">
               <a:spcBef>
                 <a:spcPts val="0"/>
               </a:spcBef>
@@ -1179,9 +1223,6 @@
               </a:spcAft>
               <a:buNone/>
             </a:pPr>
-            <a:r>
-              <a:t/>
-            </a:r>
             <a:endParaRPr/>
           </a:p>
         </p:txBody>
@@ -1195,11 +1236,11 @@
 </file>
 
 <file path=ppt/notesSlides/notesSlide14.xml><?xml version="1.0" encoding="utf-8"?>
-<p:notes xmlns:a="http://schemas.openxmlformats.org/drawingml/2006/main" xmlns:r="http://schemas.openxmlformats.org/officeDocument/2006/relationships" xmlns:mc="http://schemas.openxmlformats.org/markup-compatibility/2006" xmlns:mv="urn:schemas-microsoft-com:mac:vml" xmlns:p="http://schemas.openxmlformats.org/presentationml/2006/main" xmlns:c="http://schemas.openxmlformats.org/drawingml/2006/chart" xmlns:dgm="http://schemas.openxmlformats.org/drawingml/2006/diagram" xmlns:o="urn:schemas-microsoft-com:office:office" xmlns:v="urn:schemas-microsoft-com:vml" xmlns:pvml="urn:schemas-microsoft-com:office:powerpoint" xmlns:com="http://schemas.openxmlformats.org/drawingml/2006/compatibility" xmlns:p14="http://schemas.microsoft.com/office/powerpoint/2010/main" xmlns:p15="http://schemas.microsoft.com/office/powerpoint/2012/main" xmlns:ahyp="http://schemas.microsoft.com/office/drawing/2018/hyperlinkcolor" showMasterPhAnim="0" showMasterSp="0">
+<p:notes xmlns:a="http://schemas.openxmlformats.org/drawingml/2006/main" xmlns:r="http://schemas.openxmlformats.org/officeDocument/2006/relationships" xmlns:p="http://schemas.openxmlformats.org/presentationml/2006/main" showMasterSp="0" showMasterPhAnim="0">
   <p:cSld>
     <p:spTree>
       <p:nvGrpSpPr>
-        <p:cNvPr id="151" name="Shape 151"/>
+        <p:cNvPr id="1" name="Shape 143"/>
         <p:cNvGrpSpPr/>
         <p:nvPr/>
       </p:nvGrpSpPr>
@@ -1213,10 +1254,12 @@
       </p:grpSpPr>
       <p:sp>
         <p:nvSpPr>
-          <p:cNvPr id="152" name="Google Shape;152;g3a83d440026_0_9:notes"/>
-          <p:cNvSpPr/>
+          <p:cNvPr id="144" name="Google Shape;144;g3a83d440026_0_43:notes"/>
+          <p:cNvSpPr>
+            <a:spLocks noGrp="1" noRot="1" noChangeAspect="1"/>
+          </p:cNvSpPr>
           <p:nvPr>
-            <p:ph idx="2" type="sldImg"/>
+            <p:ph type="sldImg" idx="2"/>
           </p:nvPr>
         </p:nvSpPr>
         <p:spPr>
@@ -1225,9 +1268,13 @@
             <a:ext cx="6096000" cy="3429000"/>
           </a:xfrm>
           <a:custGeom>
-            <a:rect b="b" l="l" r="r" t="t"/>
+            <a:avLst/>
+            <a:gdLst/>
+            <a:ahLst/>
+            <a:cxnLst/>
+            <a:rect l="l" t="t" r="r" b="b"/>
             <a:pathLst>
-              <a:path extrusionOk="0" h="120000" w="120000">
+              <a:path w="120000" h="120000" extrusionOk="0">
                 <a:moveTo>
                   <a:pt x="0" y="0"/>
                 </a:moveTo>
@@ -1248,10 +1295,12 @@
       </p:sp>
       <p:sp>
         <p:nvSpPr>
-          <p:cNvPr id="153" name="Google Shape;153;g3a83d440026_0_9:notes"/>
-          <p:cNvSpPr txBox="1"/>
+          <p:cNvPr id="145" name="Google Shape;145;g3a83d440026_0_43:notes"/>
+          <p:cNvSpPr txBox="1">
+            <a:spLocks noGrp="1"/>
+          </p:cNvSpPr>
           <p:nvPr>
-            <p:ph idx="1" type="body"/>
+            <p:ph type="body" idx="1"/>
           </p:nvPr>
         </p:nvSpPr>
         <p:spPr>
@@ -1264,12 +1313,12 @@
           </a:prstGeom>
         </p:spPr>
         <p:txBody>
-          <a:bodyPr anchorCtr="0" anchor="t" bIns="91425" lIns="91425" spcFirstLastPara="1" rIns="91425" wrap="square" tIns="91425">
+          <a:bodyPr spcFirstLastPara="1" wrap="square" lIns="91425" tIns="91425" rIns="91425" bIns="91425" anchor="t" anchorCtr="0">
             <a:noAutofit/>
           </a:bodyPr>
           <a:lstStyle/>
           <a:p>
-            <a:pPr indent="0" lvl="0" marL="0" rtl="0" algn="l">
+            <a:pPr marL="0" lvl="0" indent="0" algn="l" rtl="0">
               <a:spcBef>
                 <a:spcPts val="0"/>
               </a:spcBef>
@@ -1278,9 +1327,6 @@
               </a:spcAft>
               <a:buNone/>
             </a:pPr>
-            <a:r>
-              <a:t/>
-            </a:r>
             <a:endParaRPr/>
           </a:p>
         </p:txBody>
@@ -1293,12 +1339,12 @@
 </p:notes>
 </file>
 
-<file path=ppt/notesSlides/notesSlide2.xml><?xml version="1.0" encoding="utf-8"?>
-<p:notes xmlns:a="http://schemas.openxmlformats.org/drawingml/2006/main" xmlns:r="http://schemas.openxmlformats.org/officeDocument/2006/relationships" xmlns:mc="http://schemas.openxmlformats.org/markup-compatibility/2006" xmlns:mv="urn:schemas-microsoft-com:mac:vml" xmlns:p="http://schemas.openxmlformats.org/presentationml/2006/main" xmlns:c="http://schemas.openxmlformats.org/drawingml/2006/chart" xmlns:dgm="http://schemas.openxmlformats.org/drawingml/2006/diagram" xmlns:o="urn:schemas-microsoft-com:office:office" xmlns:v="urn:schemas-microsoft-com:vml" xmlns:pvml="urn:schemas-microsoft-com:office:powerpoint" xmlns:com="http://schemas.openxmlformats.org/drawingml/2006/compatibility" xmlns:p14="http://schemas.microsoft.com/office/powerpoint/2010/main" xmlns:p15="http://schemas.microsoft.com/office/powerpoint/2012/main" xmlns:ahyp="http://schemas.microsoft.com/office/drawing/2018/hyperlinkcolor" showMasterPhAnim="0" showMasterSp="0">
+<file path=ppt/notesSlides/notesSlide15.xml><?xml version="1.0" encoding="utf-8"?>
+<p:notes xmlns:a="http://schemas.openxmlformats.org/drawingml/2006/main" xmlns:r="http://schemas.openxmlformats.org/officeDocument/2006/relationships" xmlns:p="http://schemas.openxmlformats.org/presentationml/2006/main" showMasterSp="0" showMasterPhAnim="0">
   <p:cSld>
     <p:spTree>
       <p:nvGrpSpPr>
-        <p:cNvPr id="57" name="Shape 57"/>
+        <p:cNvPr id="1" name="Shape 151"/>
         <p:cNvGrpSpPr/>
         <p:nvPr/>
       </p:nvGrpSpPr>
@@ -1312,10 +1358,12 @@
       </p:grpSpPr>
       <p:sp>
         <p:nvSpPr>
-          <p:cNvPr id="58" name="Google Shape;58;g3a83d440026_0_2:notes"/>
-          <p:cNvSpPr/>
+          <p:cNvPr id="152" name="Google Shape;152;g3a83d440026_0_9:notes"/>
+          <p:cNvSpPr>
+            <a:spLocks noGrp="1" noRot="1" noChangeAspect="1"/>
+          </p:cNvSpPr>
           <p:nvPr>
-            <p:ph idx="2" type="sldImg"/>
+            <p:ph type="sldImg" idx="2"/>
           </p:nvPr>
         </p:nvSpPr>
         <p:spPr>
@@ -1324,9 +1372,13 @@
             <a:ext cx="6096000" cy="3429000"/>
           </a:xfrm>
           <a:custGeom>
-            <a:rect b="b" l="l" r="r" t="t"/>
+            <a:avLst/>
+            <a:gdLst/>
+            <a:ahLst/>
+            <a:cxnLst/>
+            <a:rect l="l" t="t" r="r" b="b"/>
             <a:pathLst>
-              <a:path extrusionOk="0" h="120000" w="120000">
+              <a:path w="120000" h="120000" extrusionOk="0">
                 <a:moveTo>
                   <a:pt x="0" y="0"/>
                 </a:moveTo>
@@ -1347,10 +1399,12 @@
       </p:sp>
       <p:sp>
         <p:nvSpPr>
-          <p:cNvPr id="59" name="Google Shape;59;g3a83d440026_0_2:notes"/>
-          <p:cNvSpPr txBox="1"/>
+          <p:cNvPr id="153" name="Google Shape;153;g3a83d440026_0_9:notes"/>
+          <p:cNvSpPr txBox="1">
+            <a:spLocks noGrp="1"/>
+          </p:cNvSpPr>
           <p:nvPr>
-            <p:ph idx="1" type="body"/>
+            <p:ph type="body" idx="1"/>
           </p:nvPr>
         </p:nvSpPr>
         <p:spPr>
@@ -1363,12 +1417,12 @@
           </a:prstGeom>
         </p:spPr>
         <p:txBody>
-          <a:bodyPr anchorCtr="0" anchor="t" bIns="91425" lIns="91425" spcFirstLastPara="1" rIns="91425" wrap="square" tIns="91425">
+          <a:bodyPr spcFirstLastPara="1" wrap="square" lIns="91425" tIns="91425" rIns="91425" bIns="91425" anchor="t" anchorCtr="0">
             <a:noAutofit/>
           </a:bodyPr>
           <a:lstStyle/>
           <a:p>
-            <a:pPr indent="0" lvl="0" marL="0" rtl="0" algn="l">
+            <a:pPr marL="0" lvl="0" indent="0" algn="l" rtl="0">
               <a:spcBef>
                 <a:spcPts val="0"/>
               </a:spcBef>
@@ -1377,9 +1431,6 @@
               </a:spcAft>
               <a:buNone/>
             </a:pPr>
-            <a:r>
-              <a:t/>
-            </a:r>
             <a:endParaRPr/>
           </a:p>
         </p:txBody>
@@ -1392,12 +1443,12 @@
 </p:notes>
 </file>
 
-<file path=ppt/notesSlides/notesSlide3.xml><?xml version="1.0" encoding="utf-8"?>
-<p:notes xmlns:a="http://schemas.openxmlformats.org/drawingml/2006/main" xmlns:r="http://schemas.openxmlformats.org/officeDocument/2006/relationships" xmlns:mc="http://schemas.openxmlformats.org/markup-compatibility/2006" xmlns:mv="urn:schemas-microsoft-com:mac:vml" xmlns:p="http://schemas.openxmlformats.org/presentationml/2006/main" xmlns:c="http://schemas.openxmlformats.org/drawingml/2006/chart" xmlns:dgm="http://schemas.openxmlformats.org/drawingml/2006/diagram" xmlns:o="urn:schemas-microsoft-com:office:office" xmlns:v="urn:schemas-microsoft-com:vml" xmlns:pvml="urn:schemas-microsoft-com:office:powerpoint" xmlns:com="http://schemas.openxmlformats.org/drawingml/2006/compatibility" xmlns:p14="http://schemas.microsoft.com/office/powerpoint/2010/main" xmlns:p15="http://schemas.microsoft.com/office/powerpoint/2012/main" xmlns:ahyp="http://schemas.microsoft.com/office/drawing/2018/hyperlinkcolor" showMasterPhAnim="0" showMasterSp="0">
+<file path=ppt/notesSlides/notesSlide2.xml><?xml version="1.0" encoding="utf-8"?>
+<p:notes xmlns:a="http://schemas.openxmlformats.org/drawingml/2006/main" xmlns:r="http://schemas.openxmlformats.org/officeDocument/2006/relationships" xmlns:p="http://schemas.openxmlformats.org/presentationml/2006/main" showMasterSp="0" showMasterPhAnim="0">
   <p:cSld>
     <p:spTree>
       <p:nvGrpSpPr>
-        <p:cNvPr id="65" name="Shape 65"/>
+        <p:cNvPr id="1" name="Shape 57"/>
         <p:cNvGrpSpPr/>
         <p:nvPr/>
       </p:nvGrpSpPr>
@@ -1411,21 +1462,27 @@
       </p:grpSpPr>
       <p:sp>
         <p:nvSpPr>
-          <p:cNvPr id="66" name="Google Shape;66;g3a83d440026_0_18:notes"/>
-          <p:cNvSpPr/>
+          <p:cNvPr id="58" name="Google Shape;58;g3a83d440026_0_2:notes"/>
+          <p:cNvSpPr>
+            <a:spLocks noGrp="1" noRot="1" noChangeAspect="1"/>
+          </p:cNvSpPr>
           <p:nvPr>
-            <p:ph idx="2" type="sldImg"/>
+            <p:ph type="sldImg" idx="2"/>
           </p:nvPr>
         </p:nvSpPr>
         <p:spPr>
           <a:xfrm>
-            <a:off x="381300" y="685800"/>
+            <a:off x="381000" y="685800"/>
             <a:ext cx="6096000" cy="3429000"/>
           </a:xfrm>
           <a:custGeom>
-            <a:rect b="b" l="l" r="r" t="t"/>
+            <a:avLst/>
+            <a:gdLst/>
+            <a:ahLst/>
+            <a:cxnLst/>
+            <a:rect l="l" t="t" r="r" b="b"/>
             <a:pathLst>
-              <a:path extrusionOk="0" h="120000" w="120000">
+              <a:path w="120000" h="120000" extrusionOk="0">
                 <a:moveTo>
                   <a:pt x="0" y="0"/>
                 </a:moveTo>
@@ -1446,10 +1503,12 @@
       </p:sp>
       <p:sp>
         <p:nvSpPr>
-          <p:cNvPr id="67" name="Google Shape;67;g3a83d440026_0_18:notes"/>
-          <p:cNvSpPr txBox="1"/>
+          <p:cNvPr id="59" name="Google Shape;59;g3a83d440026_0_2:notes"/>
+          <p:cNvSpPr txBox="1">
+            <a:spLocks noGrp="1"/>
+          </p:cNvSpPr>
           <p:nvPr>
-            <p:ph idx="1" type="body"/>
+            <p:ph type="body" idx="1"/>
           </p:nvPr>
         </p:nvSpPr>
         <p:spPr>
@@ -1462,12 +1521,12 @@
           </a:prstGeom>
         </p:spPr>
         <p:txBody>
-          <a:bodyPr anchorCtr="0" anchor="t" bIns="91425" lIns="91425" spcFirstLastPara="1" rIns="91425" wrap="square" tIns="91425">
+          <a:bodyPr spcFirstLastPara="1" wrap="square" lIns="91425" tIns="91425" rIns="91425" bIns="91425" anchor="t" anchorCtr="0">
             <a:noAutofit/>
           </a:bodyPr>
           <a:lstStyle/>
           <a:p>
-            <a:pPr indent="0" lvl="0" marL="0" rtl="0" algn="l">
+            <a:pPr marL="0" lvl="0" indent="0" algn="l" rtl="0">
               <a:spcBef>
                 <a:spcPts val="0"/>
               </a:spcBef>
@@ -1476,9 +1535,6 @@
               </a:spcAft>
               <a:buNone/>
             </a:pPr>
-            <a:r>
-              <a:t/>
-            </a:r>
             <a:endParaRPr/>
           </a:p>
         </p:txBody>
@@ -1491,12 +1547,12 @@
 </p:notes>
 </file>
 
-<file path=ppt/notesSlides/notesSlide4.xml><?xml version="1.0" encoding="utf-8"?>
-<p:notes xmlns:a="http://schemas.openxmlformats.org/drawingml/2006/main" xmlns:r="http://schemas.openxmlformats.org/officeDocument/2006/relationships" xmlns:mc="http://schemas.openxmlformats.org/markup-compatibility/2006" xmlns:mv="urn:schemas-microsoft-com:mac:vml" xmlns:p="http://schemas.openxmlformats.org/presentationml/2006/main" xmlns:c="http://schemas.openxmlformats.org/drawingml/2006/chart" xmlns:dgm="http://schemas.openxmlformats.org/drawingml/2006/diagram" xmlns:o="urn:schemas-microsoft-com:office:office" xmlns:v="urn:schemas-microsoft-com:vml" xmlns:pvml="urn:schemas-microsoft-com:office:powerpoint" xmlns:com="http://schemas.openxmlformats.org/drawingml/2006/compatibility" xmlns:p14="http://schemas.microsoft.com/office/powerpoint/2010/main" xmlns:p15="http://schemas.microsoft.com/office/powerpoint/2012/main" xmlns:ahyp="http://schemas.microsoft.com/office/drawing/2018/hyperlinkcolor" showMasterPhAnim="0" showMasterSp="0">
+<file path=ppt/notesSlides/notesSlide3.xml><?xml version="1.0" encoding="utf-8"?>
+<p:notes xmlns:a="http://schemas.openxmlformats.org/drawingml/2006/main" xmlns:r="http://schemas.openxmlformats.org/officeDocument/2006/relationships" xmlns:p="http://schemas.openxmlformats.org/presentationml/2006/main" showMasterSp="0" showMasterPhAnim="0">
   <p:cSld>
     <p:spTree>
       <p:nvGrpSpPr>
-        <p:cNvPr id="72" name="Shape 72"/>
+        <p:cNvPr id="1" name="Shape 65"/>
         <p:cNvGrpSpPr/>
         <p:nvPr/>
       </p:nvGrpSpPr>
@@ -1510,21 +1566,27 @@
       </p:grpSpPr>
       <p:sp>
         <p:nvSpPr>
-          <p:cNvPr id="73" name="Google Shape;73;g3a83d440026_0_23:notes"/>
-          <p:cNvSpPr/>
+          <p:cNvPr id="66" name="Google Shape;66;g3a83d440026_0_18:notes"/>
+          <p:cNvSpPr>
+            <a:spLocks noGrp="1" noRot="1" noChangeAspect="1"/>
+          </p:cNvSpPr>
           <p:nvPr>
-            <p:ph idx="2" type="sldImg"/>
+            <p:ph type="sldImg" idx="2"/>
           </p:nvPr>
         </p:nvSpPr>
         <p:spPr>
           <a:xfrm>
-            <a:off x="381300" y="685800"/>
+            <a:off x="381000" y="685800"/>
             <a:ext cx="6096000" cy="3429000"/>
           </a:xfrm>
           <a:custGeom>
-            <a:rect b="b" l="l" r="r" t="t"/>
+            <a:avLst/>
+            <a:gdLst/>
+            <a:ahLst/>
+            <a:cxnLst/>
+            <a:rect l="l" t="t" r="r" b="b"/>
             <a:pathLst>
-              <a:path extrusionOk="0" h="120000" w="120000">
+              <a:path w="120000" h="120000" extrusionOk="0">
                 <a:moveTo>
                   <a:pt x="0" y="0"/>
                 </a:moveTo>
@@ -1545,10 +1607,12 @@
       </p:sp>
       <p:sp>
         <p:nvSpPr>
-          <p:cNvPr id="74" name="Google Shape;74;g3a83d440026_0_23:notes"/>
-          <p:cNvSpPr txBox="1"/>
+          <p:cNvPr id="67" name="Google Shape;67;g3a83d440026_0_18:notes"/>
+          <p:cNvSpPr txBox="1">
+            <a:spLocks noGrp="1"/>
+          </p:cNvSpPr>
           <p:nvPr>
-            <p:ph idx="1" type="body"/>
+            <p:ph type="body" idx="1"/>
           </p:nvPr>
         </p:nvSpPr>
         <p:spPr>
@@ -1561,12 +1625,12 @@
           </a:prstGeom>
         </p:spPr>
         <p:txBody>
-          <a:bodyPr anchorCtr="0" anchor="t" bIns="91425" lIns="91425" spcFirstLastPara="1" rIns="91425" wrap="square" tIns="91425">
+          <a:bodyPr spcFirstLastPara="1" wrap="square" lIns="91425" tIns="91425" rIns="91425" bIns="91425" anchor="t" anchorCtr="0">
             <a:noAutofit/>
           </a:bodyPr>
           <a:lstStyle/>
           <a:p>
-            <a:pPr indent="0" lvl="0" marL="0" rtl="0" algn="l">
+            <a:pPr marL="0" lvl="0" indent="0" algn="l" rtl="0">
               <a:spcBef>
                 <a:spcPts val="0"/>
               </a:spcBef>
@@ -1575,9 +1639,6 @@
               </a:spcAft>
               <a:buNone/>
             </a:pPr>
-            <a:r>
-              <a:t/>
-            </a:r>
             <a:endParaRPr/>
           </a:p>
         </p:txBody>
@@ -1590,12 +1651,18 @@
 </p:notes>
 </file>
 
-<file path=ppt/notesSlides/notesSlide5.xml><?xml version="1.0" encoding="utf-8"?>
-<p:notes xmlns:a="http://schemas.openxmlformats.org/drawingml/2006/main" xmlns:r="http://schemas.openxmlformats.org/officeDocument/2006/relationships" xmlns:mc="http://schemas.openxmlformats.org/markup-compatibility/2006" xmlns:mv="urn:schemas-microsoft-com:mac:vml" xmlns:p="http://schemas.openxmlformats.org/presentationml/2006/main" xmlns:c="http://schemas.openxmlformats.org/drawingml/2006/chart" xmlns:dgm="http://schemas.openxmlformats.org/drawingml/2006/diagram" xmlns:o="urn:schemas-microsoft-com:office:office" xmlns:v="urn:schemas-microsoft-com:vml" xmlns:pvml="urn:schemas-microsoft-com:office:powerpoint" xmlns:com="http://schemas.openxmlformats.org/drawingml/2006/compatibility" xmlns:p14="http://schemas.microsoft.com/office/powerpoint/2010/main" xmlns:p15="http://schemas.microsoft.com/office/powerpoint/2012/main" xmlns:ahyp="http://schemas.microsoft.com/office/drawing/2018/hyperlinkcolor" showMasterPhAnim="0" showMasterSp="0">
+<file path=ppt/notesSlides/notesSlide4.xml><?xml version="1.0" encoding="utf-8"?>
+<p:notes xmlns:a="http://schemas.openxmlformats.org/drawingml/2006/main" xmlns:r="http://schemas.openxmlformats.org/officeDocument/2006/relationships" xmlns:p="http://schemas.openxmlformats.org/presentationml/2006/main" showMasterSp="0" showMasterPhAnim="0">
   <p:cSld>
     <p:spTree>
       <p:nvGrpSpPr>
-        <p:cNvPr id="80" name="Shape 80"/>
+        <p:cNvPr id="1" name="Shape 65">
+          <a:extLst>
+            <a:ext uri="{FF2B5EF4-FFF2-40B4-BE49-F238E27FC236}">
+              <a16:creationId xmlns:a16="http://schemas.microsoft.com/office/drawing/2014/main" id="{84716352-2F06-3CD8-2CAF-C00BB338C778}"/>
+            </a:ext>
+          </a:extLst>
+        </p:cNvPr>
         <p:cNvGrpSpPr/>
         <p:nvPr/>
       </p:nvGrpSpPr>
@@ -1609,21 +1676,33 @@
       </p:grpSpPr>
       <p:sp>
         <p:nvSpPr>
-          <p:cNvPr id="81" name="Google Shape;81;g3a83d440026_0_28:notes"/>
-          <p:cNvSpPr/>
+          <p:cNvPr id="66" name="Google Shape;66;g3a83d440026_0_18:notes">
+            <a:extLst>
+              <a:ext uri="{FF2B5EF4-FFF2-40B4-BE49-F238E27FC236}">
+                <a16:creationId xmlns:a16="http://schemas.microsoft.com/office/drawing/2014/main" id="{B321197B-45FF-D22B-7E08-CA7C1F0BA60F}"/>
+              </a:ext>
+            </a:extLst>
+          </p:cNvPr>
+          <p:cNvSpPr>
+            <a:spLocks noGrp="1" noRot="1" noChangeAspect="1"/>
+          </p:cNvSpPr>
           <p:nvPr>
-            <p:ph idx="2" type="sldImg"/>
+            <p:ph type="sldImg" idx="2"/>
           </p:nvPr>
         </p:nvSpPr>
         <p:spPr>
           <a:xfrm>
-            <a:off x="381300" y="685800"/>
+            <a:off x="381000" y="685800"/>
             <a:ext cx="6096000" cy="3429000"/>
           </a:xfrm>
           <a:custGeom>
-            <a:rect b="b" l="l" r="r" t="t"/>
+            <a:avLst/>
+            <a:gdLst/>
+            <a:ahLst/>
+            <a:cxnLst/>
+            <a:rect l="l" t="t" r="r" b="b"/>
             <a:pathLst>
-              <a:path extrusionOk="0" h="120000" w="120000">
+              <a:path w="120000" h="120000" extrusionOk="0">
                 <a:moveTo>
                   <a:pt x="0" y="0"/>
                 </a:moveTo>
@@ -1644,10 +1723,18 @@
       </p:sp>
       <p:sp>
         <p:nvSpPr>
-          <p:cNvPr id="82" name="Google Shape;82;g3a83d440026_0_28:notes"/>
-          <p:cNvSpPr txBox="1"/>
+          <p:cNvPr id="67" name="Google Shape;67;g3a83d440026_0_18:notes">
+            <a:extLst>
+              <a:ext uri="{FF2B5EF4-FFF2-40B4-BE49-F238E27FC236}">
+                <a16:creationId xmlns:a16="http://schemas.microsoft.com/office/drawing/2014/main" id="{AC802B2E-E0E9-05C9-C0F7-CDAFE435B2B4}"/>
+              </a:ext>
+            </a:extLst>
+          </p:cNvPr>
+          <p:cNvSpPr txBox="1">
+            <a:spLocks noGrp="1"/>
+          </p:cNvSpPr>
           <p:nvPr>
-            <p:ph idx="1" type="body"/>
+            <p:ph type="body" idx="1"/>
           </p:nvPr>
         </p:nvSpPr>
         <p:spPr>
@@ -1660,12 +1747,12 @@
           </a:prstGeom>
         </p:spPr>
         <p:txBody>
-          <a:bodyPr anchorCtr="0" anchor="t" bIns="91425" lIns="91425" spcFirstLastPara="1" rIns="91425" wrap="square" tIns="91425">
+          <a:bodyPr spcFirstLastPara="1" wrap="square" lIns="91425" tIns="91425" rIns="91425" bIns="91425" anchor="t" anchorCtr="0">
             <a:noAutofit/>
           </a:bodyPr>
           <a:lstStyle/>
           <a:p>
-            <a:pPr indent="0" lvl="0" marL="0" rtl="0" algn="l">
+            <a:pPr marL="0" lvl="0" indent="0" algn="l" rtl="0">
               <a:spcBef>
                 <a:spcPts val="0"/>
               </a:spcBef>
@@ -1674,14 +1761,16 @@
               </a:spcAft>
               <a:buNone/>
             </a:pPr>
-            <a:r>
-              <a:t/>
-            </a:r>
             <a:endParaRPr/>
           </a:p>
         </p:txBody>
       </p:sp>
     </p:spTree>
+    <p:extLst>
+      <p:ext uri="{BB962C8B-B14F-4D97-AF65-F5344CB8AC3E}">
+        <p14:creationId xmlns:p14="http://schemas.microsoft.com/office/powerpoint/2010/main" val="4164164903"/>
+      </p:ext>
+    </p:extLst>
   </p:cSld>
   <p:clrMapOvr>
     <a:masterClrMapping/>
@@ -1689,12 +1778,12 @@
 </p:notes>
 </file>
 
-<file path=ppt/notesSlides/notesSlide6.xml><?xml version="1.0" encoding="utf-8"?>
-<p:notes xmlns:a="http://schemas.openxmlformats.org/drawingml/2006/main" xmlns:r="http://schemas.openxmlformats.org/officeDocument/2006/relationships" xmlns:mc="http://schemas.openxmlformats.org/markup-compatibility/2006" xmlns:mv="urn:schemas-microsoft-com:mac:vml" xmlns:p="http://schemas.openxmlformats.org/presentationml/2006/main" xmlns:c="http://schemas.openxmlformats.org/drawingml/2006/chart" xmlns:dgm="http://schemas.openxmlformats.org/drawingml/2006/diagram" xmlns:o="urn:schemas-microsoft-com:office:office" xmlns:v="urn:schemas-microsoft-com:vml" xmlns:pvml="urn:schemas-microsoft-com:office:powerpoint" xmlns:com="http://schemas.openxmlformats.org/drawingml/2006/compatibility" xmlns:p14="http://schemas.microsoft.com/office/powerpoint/2010/main" xmlns:p15="http://schemas.microsoft.com/office/powerpoint/2012/main" xmlns:ahyp="http://schemas.microsoft.com/office/drawing/2018/hyperlinkcolor" showMasterPhAnim="0" showMasterSp="0">
+<file path=ppt/notesSlides/notesSlide5.xml><?xml version="1.0" encoding="utf-8"?>
+<p:notes xmlns:a="http://schemas.openxmlformats.org/drawingml/2006/main" xmlns:r="http://schemas.openxmlformats.org/officeDocument/2006/relationships" xmlns:p="http://schemas.openxmlformats.org/presentationml/2006/main" showMasterSp="0" showMasterPhAnim="0">
   <p:cSld>
     <p:spTree>
       <p:nvGrpSpPr>
-        <p:cNvPr id="88" name="Shape 88"/>
+        <p:cNvPr id="1" name="Shape 72"/>
         <p:cNvGrpSpPr/>
         <p:nvPr/>
       </p:nvGrpSpPr>
@@ -1708,10 +1797,12 @@
       </p:grpSpPr>
       <p:sp>
         <p:nvSpPr>
-          <p:cNvPr id="89" name="Google Shape;89;g3a83d440026_0_38:notes"/>
-          <p:cNvSpPr/>
+          <p:cNvPr id="73" name="Google Shape;73;g3a83d440026_0_23:notes"/>
+          <p:cNvSpPr>
+            <a:spLocks noGrp="1" noRot="1" noChangeAspect="1"/>
+          </p:cNvSpPr>
           <p:nvPr>
-            <p:ph idx="2" type="sldImg"/>
+            <p:ph type="sldImg" idx="2"/>
           </p:nvPr>
         </p:nvSpPr>
         <p:spPr>
@@ -1720,9 +1811,13 @@
             <a:ext cx="6096000" cy="3429000"/>
           </a:xfrm>
           <a:custGeom>
-            <a:rect b="b" l="l" r="r" t="t"/>
+            <a:avLst/>
+            <a:gdLst/>
+            <a:ahLst/>
+            <a:cxnLst/>
+            <a:rect l="l" t="t" r="r" b="b"/>
             <a:pathLst>
-              <a:path extrusionOk="0" h="120000" w="120000">
+              <a:path w="120000" h="120000" extrusionOk="0">
                 <a:moveTo>
                   <a:pt x="0" y="0"/>
                 </a:moveTo>
@@ -1743,10 +1838,12 @@
       </p:sp>
       <p:sp>
         <p:nvSpPr>
-          <p:cNvPr id="90" name="Google Shape;90;g3a83d440026_0_38:notes"/>
-          <p:cNvSpPr txBox="1"/>
+          <p:cNvPr id="74" name="Google Shape;74;g3a83d440026_0_23:notes"/>
+          <p:cNvSpPr txBox="1">
+            <a:spLocks noGrp="1"/>
+          </p:cNvSpPr>
           <p:nvPr>
-            <p:ph idx="1" type="body"/>
+            <p:ph type="body" idx="1"/>
           </p:nvPr>
         </p:nvSpPr>
         <p:spPr>
@@ -1759,12 +1856,12 @@
           </a:prstGeom>
         </p:spPr>
         <p:txBody>
-          <a:bodyPr anchorCtr="0" anchor="t" bIns="91425" lIns="91425" spcFirstLastPara="1" rIns="91425" wrap="square" tIns="91425">
+          <a:bodyPr spcFirstLastPara="1" wrap="square" lIns="91425" tIns="91425" rIns="91425" bIns="91425" anchor="t" anchorCtr="0">
             <a:noAutofit/>
           </a:bodyPr>
           <a:lstStyle/>
           <a:p>
-            <a:pPr indent="0" lvl="0" marL="0" rtl="0" algn="l">
+            <a:pPr marL="0" lvl="0" indent="0" algn="l" rtl="0">
               <a:spcBef>
                 <a:spcPts val="0"/>
               </a:spcBef>
@@ -1773,9 +1870,6 @@
               </a:spcAft>
               <a:buNone/>
             </a:pPr>
-            <a:r>
-              <a:t/>
-            </a:r>
             <a:endParaRPr/>
           </a:p>
         </p:txBody>
@@ -1788,12 +1882,12 @@
 </p:notes>
 </file>
 
-<file path=ppt/notesSlides/notesSlide7.xml><?xml version="1.0" encoding="utf-8"?>
-<p:notes xmlns:a="http://schemas.openxmlformats.org/drawingml/2006/main" xmlns:r="http://schemas.openxmlformats.org/officeDocument/2006/relationships" xmlns:mc="http://schemas.openxmlformats.org/markup-compatibility/2006" xmlns:mv="urn:schemas-microsoft-com:mac:vml" xmlns:p="http://schemas.openxmlformats.org/presentationml/2006/main" xmlns:c="http://schemas.openxmlformats.org/drawingml/2006/chart" xmlns:dgm="http://schemas.openxmlformats.org/drawingml/2006/diagram" xmlns:o="urn:schemas-microsoft-com:office:office" xmlns:v="urn:schemas-microsoft-com:vml" xmlns:pvml="urn:schemas-microsoft-com:office:powerpoint" xmlns:com="http://schemas.openxmlformats.org/drawingml/2006/compatibility" xmlns:p14="http://schemas.microsoft.com/office/powerpoint/2010/main" xmlns:p15="http://schemas.microsoft.com/office/powerpoint/2012/main" xmlns:ahyp="http://schemas.microsoft.com/office/drawing/2018/hyperlinkcolor" showMasterPhAnim="0" showMasterSp="0">
+<file path=ppt/notesSlides/notesSlide6.xml><?xml version="1.0" encoding="utf-8"?>
+<p:notes xmlns:a="http://schemas.openxmlformats.org/drawingml/2006/main" xmlns:r="http://schemas.openxmlformats.org/officeDocument/2006/relationships" xmlns:p="http://schemas.openxmlformats.org/presentationml/2006/main" showMasterSp="0" showMasterPhAnim="0">
   <p:cSld>
     <p:spTree>
       <p:nvGrpSpPr>
-        <p:cNvPr id="96" name="Shape 96"/>
+        <p:cNvPr id="1" name="Shape 80"/>
         <p:cNvGrpSpPr/>
         <p:nvPr/>
       </p:nvGrpSpPr>
@@ -1807,10 +1901,12 @@
       </p:grpSpPr>
       <p:sp>
         <p:nvSpPr>
-          <p:cNvPr id="97" name="Google Shape;97;g3a83d440026_0_65:notes"/>
-          <p:cNvSpPr/>
+          <p:cNvPr id="81" name="Google Shape;81;g3a83d440026_0_28:notes"/>
+          <p:cNvSpPr>
+            <a:spLocks noGrp="1" noRot="1" noChangeAspect="1"/>
+          </p:cNvSpPr>
           <p:nvPr>
-            <p:ph idx="2" type="sldImg"/>
+            <p:ph type="sldImg" idx="2"/>
           </p:nvPr>
         </p:nvSpPr>
         <p:spPr>
@@ -1819,9 +1915,13 @@
             <a:ext cx="6096000" cy="3429000"/>
           </a:xfrm>
           <a:custGeom>
-            <a:rect b="b" l="l" r="r" t="t"/>
+            <a:avLst/>
+            <a:gdLst/>
+            <a:ahLst/>
+            <a:cxnLst/>
+            <a:rect l="l" t="t" r="r" b="b"/>
             <a:pathLst>
-              <a:path extrusionOk="0" h="120000" w="120000">
+              <a:path w="120000" h="120000" extrusionOk="0">
                 <a:moveTo>
                   <a:pt x="0" y="0"/>
                 </a:moveTo>
@@ -1842,10 +1942,12 @@
       </p:sp>
       <p:sp>
         <p:nvSpPr>
-          <p:cNvPr id="98" name="Google Shape;98;g3a83d440026_0_65:notes"/>
-          <p:cNvSpPr txBox="1"/>
+          <p:cNvPr id="82" name="Google Shape;82;g3a83d440026_0_28:notes"/>
+          <p:cNvSpPr txBox="1">
+            <a:spLocks noGrp="1"/>
+          </p:cNvSpPr>
           <p:nvPr>
-            <p:ph idx="1" type="body"/>
+            <p:ph type="body" idx="1"/>
           </p:nvPr>
         </p:nvSpPr>
         <p:spPr>
@@ -1858,12 +1960,12 @@
           </a:prstGeom>
         </p:spPr>
         <p:txBody>
-          <a:bodyPr anchorCtr="0" anchor="t" bIns="91425" lIns="91425" spcFirstLastPara="1" rIns="91425" wrap="square" tIns="91425">
+          <a:bodyPr spcFirstLastPara="1" wrap="square" lIns="91425" tIns="91425" rIns="91425" bIns="91425" anchor="t" anchorCtr="0">
             <a:noAutofit/>
           </a:bodyPr>
           <a:lstStyle/>
           <a:p>
-            <a:pPr indent="0" lvl="0" marL="0" rtl="0" algn="l">
+            <a:pPr marL="0" lvl="0" indent="0" algn="l" rtl="0">
               <a:spcBef>
                 <a:spcPts val="0"/>
               </a:spcBef>
@@ -1872,9 +1974,6 @@
               </a:spcAft>
               <a:buNone/>
             </a:pPr>
-            <a:r>
-              <a:t/>
-            </a:r>
             <a:endParaRPr/>
           </a:p>
         </p:txBody>
@@ -1887,12 +1986,12 @@
 </p:notes>
 </file>
 
-<file path=ppt/notesSlides/notesSlide8.xml><?xml version="1.0" encoding="utf-8"?>
-<p:notes xmlns:a="http://schemas.openxmlformats.org/drawingml/2006/main" xmlns:r="http://schemas.openxmlformats.org/officeDocument/2006/relationships" xmlns:mc="http://schemas.openxmlformats.org/markup-compatibility/2006" xmlns:mv="urn:schemas-microsoft-com:mac:vml" xmlns:p="http://schemas.openxmlformats.org/presentationml/2006/main" xmlns:c="http://schemas.openxmlformats.org/drawingml/2006/chart" xmlns:dgm="http://schemas.openxmlformats.org/drawingml/2006/diagram" xmlns:o="urn:schemas-microsoft-com:office:office" xmlns:v="urn:schemas-microsoft-com:vml" xmlns:pvml="urn:schemas-microsoft-com:office:powerpoint" xmlns:com="http://schemas.openxmlformats.org/drawingml/2006/compatibility" xmlns:p14="http://schemas.microsoft.com/office/powerpoint/2010/main" xmlns:p15="http://schemas.microsoft.com/office/powerpoint/2012/main" xmlns:ahyp="http://schemas.microsoft.com/office/drawing/2018/hyperlinkcolor" showMasterPhAnim="0" showMasterSp="0">
+<file path=ppt/notesSlides/notesSlide7.xml><?xml version="1.0" encoding="utf-8"?>
+<p:notes xmlns:a="http://schemas.openxmlformats.org/drawingml/2006/main" xmlns:r="http://schemas.openxmlformats.org/officeDocument/2006/relationships" xmlns:p="http://schemas.openxmlformats.org/presentationml/2006/main" showMasterSp="0" showMasterPhAnim="0">
   <p:cSld>
     <p:spTree>
       <p:nvGrpSpPr>
-        <p:cNvPr id="104" name="Shape 104"/>
+        <p:cNvPr id="1" name="Shape 88"/>
         <p:cNvGrpSpPr/>
         <p:nvPr/>
       </p:nvGrpSpPr>
@@ -1906,10 +2005,12 @@
       </p:grpSpPr>
       <p:sp>
         <p:nvSpPr>
-          <p:cNvPr id="105" name="Google Shape;105;g3a92332b401_0_5:notes"/>
-          <p:cNvSpPr/>
+          <p:cNvPr id="89" name="Google Shape;89;g3a83d440026_0_38:notes"/>
+          <p:cNvSpPr>
+            <a:spLocks noGrp="1" noRot="1" noChangeAspect="1"/>
+          </p:cNvSpPr>
           <p:nvPr>
-            <p:ph idx="2" type="sldImg"/>
+            <p:ph type="sldImg" idx="2"/>
           </p:nvPr>
         </p:nvSpPr>
         <p:spPr>
@@ -1918,9 +2019,13 @@
             <a:ext cx="6096000" cy="3429000"/>
           </a:xfrm>
           <a:custGeom>
-            <a:rect b="b" l="l" r="r" t="t"/>
+            <a:avLst/>
+            <a:gdLst/>
+            <a:ahLst/>
+            <a:cxnLst/>
+            <a:rect l="l" t="t" r="r" b="b"/>
             <a:pathLst>
-              <a:path extrusionOk="0" h="120000" w="120000">
+              <a:path w="120000" h="120000" extrusionOk="0">
                 <a:moveTo>
                   <a:pt x="0" y="0"/>
                 </a:moveTo>
@@ -1941,10 +2046,12 @@
       </p:sp>
       <p:sp>
         <p:nvSpPr>
-          <p:cNvPr id="106" name="Google Shape;106;g3a92332b401_0_5:notes"/>
-          <p:cNvSpPr txBox="1"/>
+          <p:cNvPr id="90" name="Google Shape;90;g3a83d440026_0_38:notes"/>
+          <p:cNvSpPr txBox="1">
+            <a:spLocks noGrp="1"/>
+          </p:cNvSpPr>
           <p:nvPr>
-            <p:ph idx="1" type="body"/>
+            <p:ph type="body" idx="1"/>
           </p:nvPr>
         </p:nvSpPr>
         <p:spPr>
@@ -1957,12 +2064,12 @@
           </a:prstGeom>
         </p:spPr>
         <p:txBody>
-          <a:bodyPr anchorCtr="0" anchor="t" bIns="91425" lIns="91425" spcFirstLastPara="1" rIns="91425" wrap="square" tIns="91425">
+          <a:bodyPr spcFirstLastPara="1" wrap="square" lIns="91425" tIns="91425" rIns="91425" bIns="91425" anchor="t" anchorCtr="0">
             <a:noAutofit/>
           </a:bodyPr>
           <a:lstStyle/>
           <a:p>
-            <a:pPr indent="0" lvl="0" marL="0" rtl="0" algn="l">
+            <a:pPr marL="0" lvl="0" indent="0" algn="l" rtl="0">
               <a:spcBef>
                 <a:spcPts val="0"/>
               </a:spcBef>
@@ -1971,9 +2078,6 @@
               </a:spcAft>
               <a:buNone/>
             </a:pPr>
-            <a:r>
-              <a:t/>
-            </a:r>
             <a:endParaRPr/>
           </a:p>
         </p:txBody>
@@ -1986,12 +2090,12 @@
 </p:notes>
 </file>
 
-<file path=ppt/notesSlides/notesSlide9.xml><?xml version="1.0" encoding="utf-8"?>
-<p:notes xmlns:a="http://schemas.openxmlformats.org/drawingml/2006/main" xmlns:r="http://schemas.openxmlformats.org/officeDocument/2006/relationships" xmlns:mc="http://schemas.openxmlformats.org/markup-compatibility/2006" xmlns:mv="urn:schemas-microsoft-com:mac:vml" xmlns:p="http://schemas.openxmlformats.org/presentationml/2006/main" xmlns:c="http://schemas.openxmlformats.org/drawingml/2006/chart" xmlns:dgm="http://schemas.openxmlformats.org/drawingml/2006/diagram" xmlns:o="urn:schemas-microsoft-com:office:office" xmlns:v="urn:schemas-microsoft-com:vml" xmlns:pvml="urn:schemas-microsoft-com:office:powerpoint" xmlns:com="http://schemas.openxmlformats.org/drawingml/2006/compatibility" xmlns:p14="http://schemas.microsoft.com/office/powerpoint/2010/main" xmlns:p15="http://schemas.microsoft.com/office/powerpoint/2012/main" xmlns:ahyp="http://schemas.microsoft.com/office/drawing/2018/hyperlinkcolor" showMasterPhAnim="0" showMasterSp="0">
+<file path=ppt/notesSlides/notesSlide8.xml><?xml version="1.0" encoding="utf-8"?>
+<p:notes xmlns:a="http://schemas.openxmlformats.org/drawingml/2006/main" xmlns:r="http://schemas.openxmlformats.org/officeDocument/2006/relationships" xmlns:p="http://schemas.openxmlformats.org/presentationml/2006/main" showMasterSp="0" showMasterPhAnim="0">
   <p:cSld>
     <p:spTree>
       <p:nvGrpSpPr>
-        <p:cNvPr id="112" name="Shape 112"/>
+        <p:cNvPr id="1" name="Shape 96"/>
         <p:cNvGrpSpPr/>
         <p:nvPr/>
       </p:nvGrpSpPr>
@@ -2005,10 +2109,12 @@
       </p:grpSpPr>
       <p:sp>
         <p:nvSpPr>
-          <p:cNvPr id="113" name="Google Shape;113;g3a83d440026_0_83:notes"/>
-          <p:cNvSpPr/>
+          <p:cNvPr id="97" name="Google Shape;97;g3a83d440026_0_65:notes"/>
+          <p:cNvSpPr>
+            <a:spLocks noGrp="1" noRot="1" noChangeAspect="1"/>
+          </p:cNvSpPr>
           <p:nvPr>
-            <p:ph idx="2" type="sldImg"/>
+            <p:ph type="sldImg" idx="2"/>
           </p:nvPr>
         </p:nvSpPr>
         <p:spPr>
@@ -2017,9 +2123,13 @@
             <a:ext cx="6096000" cy="3429000"/>
           </a:xfrm>
           <a:custGeom>
-            <a:rect b="b" l="l" r="r" t="t"/>
+            <a:avLst/>
+            <a:gdLst/>
+            <a:ahLst/>
+            <a:cxnLst/>
+            <a:rect l="l" t="t" r="r" b="b"/>
             <a:pathLst>
-              <a:path extrusionOk="0" h="120000" w="120000">
+              <a:path w="120000" h="120000" extrusionOk="0">
                 <a:moveTo>
                   <a:pt x="0" y="0"/>
                 </a:moveTo>
@@ -2040,10 +2150,12 @@
       </p:sp>
       <p:sp>
         <p:nvSpPr>
-          <p:cNvPr id="114" name="Google Shape;114;g3a83d440026_0_83:notes"/>
-          <p:cNvSpPr txBox="1"/>
+          <p:cNvPr id="98" name="Google Shape;98;g3a83d440026_0_65:notes"/>
+          <p:cNvSpPr txBox="1">
+            <a:spLocks noGrp="1"/>
+          </p:cNvSpPr>
           <p:nvPr>
-            <p:ph idx="1" type="body"/>
+            <p:ph type="body" idx="1"/>
           </p:nvPr>
         </p:nvSpPr>
         <p:spPr>
@@ -2056,12 +2168,12 @@
           </a:prstGeom>
         </p:spPr>
         <p:txBody>
-          <a:bodyPr anchorCtr="0" anchor="t" bIns="91425" lIns="91425" spcFirstLastPara="1" rIns="91425" wrap="square" tIns="91425">
+          <a:bodyPr spcFirstLastPara="1" wrap="square" lIns="91425" tIns="91425" rIns="91425" bIns="91425" anchor="t" anchorCtr="0">
             <a:noAutofit/>
           </a:bodyPr>
           <a:lstStyle/>
           <a:p>
-            <a:pPr indent="0" lvl="0" marL="0" rtl="0" algn="l">
+            <a:pPr marL="0" lvl="0" indent="0" algn="l" rtl="0">
               <a:spcBef>
                 <a:spcPts val="0"/>
               </a:spcBef>
@@ -2070,9 +2182,110 @@
               </a:spcAft>
               <a:buNone/>
             </a:pPr>
-            <a:r>
-              <a:t/>
-            </a:r>
+            <a:endParaRPr/>
+          </a:p>
+        </p:txBody>
+      </p:sp>
+    </p:spTree>
+  </p:cSld>
+  <p:clrMapOvr>
+    <a:masterClrMapping/>
+  </p:clrMapOvr>
+</p:notes>
+</file>
+
+<file path=ppt/notesSlides/notesSlide9.xml><?xml version="1.0" encoding="utf-8"?>
+<p:notes xmlns:a="http://schemas.openxmlformats.org/drawingml/2006/main" xmlns:r="http://schemas.openxmlformats.org/officeDocument/2006/relationships" xmlns:p="http://schemas.openxmlformats.org/presentationml/2006/main" showMasterSp="0" showMasterPhAnim="0">
+  <p:cSld>
+    <p:spTree>
+      <p:nvGrpSpPr>
+        <p:cNvPr id="1" name="Shape 104"/>
+        <p:cNvGrpSpPr/>
+        <p:nvPr/>
+      </p:nvGrpSpPr>
+      <p:grpSpPr>
+        <a:xfrm>
+          <a:off x="0" y="0"/>
+          <a:ext cx="0" cy="0"/>
+          <a:chOff x="0" y="0"/>
+          <a:chExt cx="0" cy="0"/>
+        </a:xfrm>
+      </p:grpSpPr>
+      <p:sp>
+        <p:nvSpPr>
+          <p:cNvPr id="105" name="Google Shape;105;g3a92332b401_0_5:notes"/>
+          <p:cNvSpPr>
+            <a:spLocks noGrp="1" noRot="1" noChangeAspect="1"/>
+          </p:cNvSpPr>
+          <p:nvPr>
+            <p:ph type="sldImg" idx="2"/>
+          </p:nvPr>
+        </p:nvSpPr>
+        <p:spPr>
+          <a:xfrm>
+            <a:off x="381300" y="685800"/>
+            <a:ext cx="6096000" cy="3429000"/>
+          </a:xfrm>
+          <a:custGeom>
+            <a:avLst/>
+            <a:gdLst/>
+            <a:ahLst/>
+            <a:cxnLst/>
+            <a:rect l="l" t="t" r="r" b="b"/>
+            <a:pathLst>
+              <a:path w="120000" h="120000" extrusionOk="0">
+                <a:moveTo>
+                  <a:pt x="0" y="0"/>
+                </a:moveTo>
+                <a:lnTo>
+                  <a:pt x="120000" y="0"/>
+                </a:lnTo>
+                <a:lnTo>
+                  <a:pt x="120000" y="120000"/>
+                </a:lnTo>
+                <a:lnTo>
+                  <a:pt x="0" y="120000"/>
+                </a:lnTo>
+                <a:close/>
+              </a:path>
+            </a:pathLst>
+          </a:custGeom>
+        </p:spPr>
+      </p:sp>
+      <p:sp>
+        <p:nvSpPr>
+          <p:cNvPr id="106" name="Google Shape;106;g3a92332b401_0_5:notes"/>
+          <p:cNvSpPr txBox="1">
+            <a:spLocks noGrp="1"/>
+          </p:cNvSpPr>
+          <p:nvPr>
+            <p:ph type="body" idx="1"/>
+          </p:nvPr>
+        </p:nvSpPr>
+        <p:spPr>
+          <a:xfrm>
+            <a:off x="685800" y="4343400"/>
+            <a:ext cx="5486400" cy="4114800"/>
+          </a:xfrm>
+          <a:prstGeom prst="rect">
+            <a:avLst/>
+          </a:prstGeom>
+        </p:spPr>
+        <p:txBody>
+          <a:bodyPr spcFirstLastPara="1" wrap="square" lIns="91425" tIns="91425" rIns="91425" bIns="91425" anchor="t" anchorCtr="0">
+            <a:noAutofit/>
+          </a:bodyPr>
+          <a:lstStyle/>
+          <a:p>
+            <a:pPr marL="0" lvl="0" indent="0" algn="l" rtl="0">
+              <a:spcBef>
+                <a:spcPts val="0"/>
+              </a:spcBef>
+              <a:spcAft>
+                <a:spcPts val="0"/>
+              </a:spcAft>
+              <a:buNone/>
+            </a:pPr>
             <a:endParaRPr/>
           </a:p>
         </p:txBody>
@@ -2086,11 +2299,11 @@
 </file>
 
 <file path=ppt/slideLayouts/slideLayout1.xml><?xml version="1.0" encoding="utf-8"?>
-<p:sldLayout xmlns:a="http://schemas.openxmlformats.org/drawingml/2006/main" xmlns:r="http://schemas.openxmlformats.org/officeDocument/2006/relationships" xmlns:mc="http://schemas.openxmlformats.org/markup-compatibility/2006" xmlns:mv="urn:schemas-microsoft-com:mac:vml" xmlns:p="http://schemas.openxmlformats.org/presentationml/2006/main" xmlns:c="http://schemas.openxmlformats.org/drawingml/2006/chart" xmlns:dgm="http://schemas.openxmlformats.org/drawingml/2006/diagram" xmlns:o="urn:schemas-microsoft-com:office:office" xmlns:v="urn:schemas-microsoft-com:vml" xmlns:pvml="urn:schemas-microsoft-com:office:powerpoint" xmlns:com="http://schemas.openxmlformats.org/drawingml/2006/compatibility" xmlns:p14="http://schemas.microsoft.com/office/powerpoint/2010/main" xmlns:p15="http://schemas.microsoft.com/office/powerpoint/2012/main" xmlns:ahyp="http://schemas.microsoft.com/office/drawing/2018/hyperlinkcolor" matchingName="Title slide" type="title">
+<p:sldLayout xmlns:a="http://schemas.openxmlformats.org/drawingml/2006/main" xmlns:r="http://schemas.openxmlformats.org/officeDocument/2006/relationships" xmlns:p="http://schemas.openxmlformats.org/presentationml/2006/main" matchingName="Title slide" type="title">
   <p:cSld name="TITLE">
     <p:spTree>
       <p:nvGrpSpPr>
-        <p:cNvPr id="9" name="Shape 9"/>
+        <p:cNvPr id="1" name="Shape 9"/>
         <p:cNvGrpSpPr/>
         <p:nvPr/>
       </p:nvGrpSpPr>
@@ -2105,7 +2318,9 @@
       <p:sp>
         <p:nvSpPr>
           <p:cNvPr id="10" name="Google Shape;10;p2"/>
-          <p:cNvSpPr txBox="1"/>
+          <p:cNvSpPr txBox="1">
+            <a:spLocks noGrp="1"/>
+          </p:cNvSpPr>
           <p:nvPr>
             <p:ph type="ctrTitle"/>
           </p:nvPr>
@@ -2120,7 +2335,7 @@
           </a:prstGeom>
         </p:spPr>
         <p:txBody>
-          <a:bodyPr anchorCtr="0" anchor="b" bIns="91425" lIns="91425" spcFirstLastPara="1" rIns="91425" wrap="square" tIns="91425">
+          <a:bodyPr spcFirstLastPara="1" wrap="square" lIns="91425" tIns="91425" rIns="91425" bIns="91425" anchor="b" anchorCtr="0">
             <a:normAutofit/>
           </a:bodyPr>
           <a:lstStyle>
@@ -2224,15 +2439,19 @@
               <a:defRPr sz="5200"/>
             </a:lvl9pPr>
           </a:lstStyle>
-          <a:p/>
+          <a:p>
+            <a:endParaRPr/>
+          </a:p>
         </p:txBody>
       </p:sp>
       <p:sp>
         <p:nvSpPr>
           <p:cNvPr id="11" name="Google Shape;11;p2"/>
-          <p:cNvSpPr txBox="1"/>
+          <p:cNvSpPr txBox="1">
+            <a:spLocks noGrp="1"/>
+          </p:cNvSpPr>
           <p:nvPr>
-            <p:ph idx="1" type="subTitle"/>
+            <p:ph type="subTitle" idx="1"/>
           </p:nvPr>
         </p:nvSpPr>
         <p:spPr>
@@ -2245,7 +2464,7 @@
           </a:prstGeom>
         </p:spPr>
         <p:txBody>
-          <a:bodyPr anchorCtr="0" anchor="t" bIns="91425" lIns="91425" spcFirstLastPara="1" rIns="91425" wrap="square" tIns="91425">
+          <a:bodyPr spcFirstLastPara="1" wrap="square" lIns="91425" tIns="91425" rIns="91425" bIns="91425" anchor="t" anchorCtr="0">
             <a:normAutofit/>
           </a:bodyPr>
           <a:lstStyle>
@@ -2376,15 +2595,19 @@
               <a:defRPr sz="2800"/>
             </a:lvl9pPr>
           </a:lstStyle>
-          <a:p/>
+          <a:p>
+            <a:endParaRPr/>
+          </a:p>
         </p:txBody>
       </p:sp>
       <p:sp>
         <p:nvSpPr>
           <p:cNvPr id="12" name="Google Shape;12;p2"/>
-          <p:cNvSpPr txBox="1"/>
+          <p:cNvSpPr txBox="1">
+            <a:spLocks noGrp="1"/>
+          </p:cNvSpPr>
           <p:nvPr>
-            <p:ph idx="12" type="sldNum"/>
+            <p:ph type="sldNum" idx="12"/>
           </p:nvPr>
         </p:nvSpPr>
         <p:spPr>
@@ -2397,7 +2620,7 @@
           </a:prstGeom>
         </p:spPr>
         <p:txBody>
-          <a:bodyPr anchorCtr="0" anchor="ctr" bIns="91425" lIns="91425" spcFirstLastPara="1" rIns="91425" wrap="square" tIns="91425">
+          <a:bodyPr spcFirstLastPara="1" wrap="square" lIns="91425" tIns="91425" rIns="91425" bIns="91425" anchor="ctr" anchorCtr="0">
             <a:normAutofit/>
           </a:bodyPr>
           <a:lstStyle>
@@ -2439,7 +2662,7 @@
             </a:lvl9pPr>
           </a:lstStyle>
           <a:p>
-            <a:pPr indent="0" lvl="0" marL="0" rtl="0" algn="r">
+            <a:pPr marL="0" lvl="0" indent="0" algn="r" rtl="0">
               <a:spcBef>
                 <a:spcPts val="0"/>
               </a:spcBef>
@@ -2465,11 +2688,11 @@
 </file>
 
 <file path=ppt/slideLayouts/slideLayout10.xml><?xml version="1.0" encoding="utf-8"?>
-<p:sldLayout xmlns:a="http://schemas.openxmlformats.org/drawingml/2006/main" xmlns:r="http://schemas.openxmlformats.org/officeDocument/2006/relationships" xmlns:mc="http://schemas.openxmlformats.org/markup-compatibility/2006" xmlns:mv="urn:schemas-microsoft-com:mac:vml" xmlns:p="http://schemas.openxmlformats.org/presentationml/2006/main" xmlns:c="http://schemas.openxmlformats.org/drawingml/2006/chart" xmlns:dgm="http://schemas.openxmlformats.org/drawingml/2006/diagram" xmlns:o="urn:schemas-microsoft-com:office:office" xmlns:v="urn:schemas-microsoft-com:vml" xmlns:pvml="urn:schemas-microsoft-com:office:powerpoint" xmlns:com="http://schemas.openxmlformats.org/drawingml/2006/compatibility" xmlns:p14="http://schemas.microsoft.com/office/powerpoint/2010/main" xmlns:p15="http://schemas.microsoft.com/office/powerpoint/2012/main" xmlns:ahyp="http://schemas.microsoft.com/office/drawing/2018/hyperlinkcolor" matchingName="Big number">
+<p:sldLayout xmlns:a="http://schemas.openxmlformats.org/drawingml/2006/main" xmlns:r="http://schemas.openxmlformats.org/officeDocument/2006/relationships" xmlns:p="http://schemas.openxmlformats.org/presentationml/2006/main" matchingName="Big number">
   <p:cSld name="BIG_NUMBER">
     <p:spTree>
       <p:nvGrpSpPr>
-        <p:cNvPr id="44" name="Shape 44"/>
+        <p:cNvPr id="1" name="Shape 44"/>
         <p:cNvGrpSpPr/>
         <p:nvPr/>
       </p:nvGrpSpPr>
@@ -2484,9 +2707,11 @@
       <p:sp>
         <p:nvSpPr>
           <p:cNvPr id="45" name="Google Shape;45;p11"/>
-          <p:cNvSpPr txBox="1"/>
+          <p:cNvSpPr txBox="1">
+            <a:spLocks noGrp="1"/>
+          </p:cNvSpPr>
           <p:nvPr>
-            <p:ph hasCustomPrompt="1" type="title"/>
+            <p:ph type="title" hasCustomPrompt="1"/>
           </p:nvPr>
         </p:nvSpPr>
         <p:spPr>
@@ -2499,7 +2724,7 @@
           </a:prstGeom>
         </p:spPr>
         <p:txBody>
-          <a:bodyPr anchorCtr="0" anchor="b" bIns="91425" lIns="91425" spcFirstLastPara="1" rIns="91425" wrap="square" tIns="91425">
+          <a:bodyPr spcFirstLastPara="1" wrap="square" lIns="91425" tIns="91425" rIns="91425" bIns="91425" anchor="b" anchorCtr="0">
             <a:normAutofit/>
           </a:bodyPr>
           <a:lstStyle>
@@ -2613,9 +2838,11 @@
       <p:sp>
         <p:nvSpPr>
           <p:cNvPr id="46" name="Google Shape;46;p11"/>
-          <p:cNvSpPr txBox="1"/>
+          <p:cNvSpPr txBox="1">
+            <a:spLocks noGrp="1"/>
+          </p:cNvSpPr>
           <p:nvPr>
-            <p:ph idx="1" type="body"/>
+            <p:ph type="body" idx="1"/>
           </p:nvPr>
         </p:nvSpPr>
         <p:spPr>
@@ -2628,11 +2855,11 @@
           </a:prstGeom>
         </p:spPr>
         <p:txBody>
-          <a:bodyPr anchorCtr="0" anchor="t" bIns="91425" lIns="91425" spcFirstLastPara="1" rIns="91425" wrap="square" tIns="91425">
+          <a:bodyPr spcFirstLastPara="1" wrap="square" lIns="91425" tIns="91425" rIns="91425" bIns="91425" anchor="t" anchorCtr="0">
             <a:normAutofit/>
           </a:bodyPr>
           <a:lstStyle>
-            <a:lvl1pPr indent="-342900" lvl="0" marL="457200" algn="ctr">
+            <a:lvl1pPr marL="457200" lvl="0" indent="-342900" algn="ctr">
               <a:spcBef>
                 <a:spcPts val="0"/>
               </a:spcBef>
@@ -2643,7 +2870,7 @@
               <a:buChar char="●"/>
               <a:defRPr/>
             </a:lvl1pPr>
-            <a:lvl2pPr indent="-317500" lvl="1" marL="914400" algn="ctr">
+            <a:lvl2pPr marL="914400" lvl="1" indent="-317500" algn="ctr">
               <a:spcBef>
                 <a:spcPts val="0"/>
               </a:spcBef>
@@ -2654,7 +2881,7 @@
               <a:buChar char="○"/>
               <a:defRPr/>
             </a:lvl2pPr>
-            <a:lvl3pPr indent="-317500" lvl="2" marL="1371600" algn="ctr">
+            <a:lvl3pPr marL="1371600" lvl="2" indent="-317500" algn="ctr">
               <a:spcBef>
                 <a:spcPts val="0"/>
               </a:spcBef>
@@ -2665,7 +2892,7 @@
               <a:buChar char="■"/>
               <a:defRPr/>
             </a:lvl3pPr>
-            <a:lvl4pPr indent="-317500" lvl="3" marL="1828800" algn="ctr">
+            <a:lvl4pPr marL="1828800" lvl="3" indent="-317500" algn="ctr">
               <a:spcBef>
                 <a:spcPts val="0"/>
               </a:spcBef>
@@ -2676,7 +2903,7 @@
               <a:buChar char="●"/>
               <a:defRPr/>
             </a:lvl4pPr>
-            <a:lvl5pPr indent="-317500" lvl="4" marL="2286000" algn="ctr">
+            <a:lvl5pPr marL="2286000" lvl="4" indent="-317500" algn="ctr">
               <a:spcBef>
                 <a:spcPts val="0"/>
               </a:spcBef>
@@ -2687,7 +2914,7 @@
               <a:buChar char="○"/>
               <a:defRPr/>
             </a:lvl5pPr>
-            <a:lvl6pPr indent="-317500" lvl="5" marL="2743200" algn="ctr">
+            <a:lvl6pPr marL="2743200" lvl="5" indent="-317500" algn="ctr">
               <a:spcBef>
                 <a:spcPts val="0"/>
               </a:spcBef>
@@ -2698,7 +2925,7 @@
               <a:buChar char="■"/>
               <a:defRPr/>
             </a:lvl6pPr>
-            <a:lvl7pPr indent="-317500" lvl="6" marL="3200400" algn="ctr">
+            <a:lvl7pPr marL="3200400" lvl="6" indent="-317500" algn="ctr">
               <a:spcBef>
                 <a:spcPts val="0"/>
               </a:spcBef>
@@ -2709,7 +2936,7 @@
               <a:buChar char="●"/>
               <a:defRPr/>
             </a:lvl7pPr>
-            <a:lvl8pPr indent="-317500" lvl="7" marL="3657600" algn="ctr">
+            <a:lvl8pPr marL="3657600" lvl="7" indent="-317500" algn="ctr">
               <a:spcBef>
                 <a:spcPts val="0"/>
               </a:spcBef>
@@ -2720,7 +2947,7 @@
               <a:buChar char="○"/>
               <a:defRPr/>
             </a:lvl8pPr>
-            <a:lvl9pPr indent="-317500" lvl="8" marL="4114800" algn="ctr">
+            <a:lvl9pPr marL="4114800" lvl="8" indent="-317500" algn="ctr">
               <a:spcBef>
                 <a:spcPts val="0"/>
               </a:spcBef>
@@ -2732,15 +2959,19 @@
               <a:defRPr/>
             </a:lvl9pPr>
           </a:lstStyle>
-          <a:p/>
+          <a:p>
+            <a:endParaRPr/>
+          </a:p>
         </p:txBody>
       </p:sp>
       <p:sp>
         <p:nvSpPr>
           <p:cNvPr id="47" name="Google Shape;47;p11"/>
-          <p:cNvSpPr txBox="1"/>
+          <p:cNvSpPr txBox="1">
+            <a:spLocks noGrp="1"/>
+          </p:cNvSpPr>
           <p:nvPr>
-            <p:ph idx="12" type="sldNum"/>
+            <p:ph type="sldNum" idx="12"/>
           </p:nvPr>
         </p:nvSpPr>
         <p:spPr>
@@ -2753,7 +2984,7 @@
           </a:prstGeom>
         </p:spPr>
         <p:txBody>
-          <a:bodyPr anchorCtr="0" anchor="ctr" bIns="91425" lIns="91425" spcFirstLastPara="1" rIns="91425" wrap="square" tIns="91425">
+          <a:bodyPr spcFirstLastPara="1" wrap="square" lIns="91425" tIns="91425" rIns="91425" bIns="91425" anchor="ctr" anchorCtr="0">
             <a:normAutofit/>
           </a:bodyPr>
           <a:lstStyle>
@@ -2795,7 +3026,7 @@
             </a:lvl9pPr>
           </a:lstStyle>
           <a:p>
-            <a:pPr indent="0" lvl="0" marL="0" rtl="0" algn="r">
+            <a:pPr marL="0" lvl="0" indent="0" algn="r" rtl="0">
               <a:spcBef>
                 <a:spcPts val="0"/>
               </a:spcBef>
@@ -2821,11 +3052,11 @@
 </file>
 
 <file path=ppt/slideLayouts/slideLayout11.xml><?xml version="1.0" encoding="utf-8"?>
-<p:sldLayout xmlns:a="http://schemas.openxmlformats.org/drawingml/2006/main" xmlns:r="http://schemas.openxmlformats.org/officeDocument/2006/relationships" xmlns:mc="http://schemas.openxmlformats.org/markup-compatibility/2006" xmlns:mv="urn:schemas-microsoft-com:mac:vml" xmlns:p="http://schemas.openxmlformats.org/presentationml/2006/main" xmlns:c="http://schemas.openxmlformats.org/drawingml/2006/chart" xmlns:dgm="http://schemas.openxmlformats.org/drawingml/2006/diagram" xmlns:o="urn:schemas-microsoft-com:office:office" xmlns:v="urn:schemas-microsoft-com:vml" xmlns:pvml="urn:schemas-microsoft-com:office:powerpoint" xmlns:com="http://schemas.openxmlformats.org/drawingml/2006/compatibility" xmlns:p14="http://schemas.microsoft.com/office/powerpoint/2010/main" xmlns:p15="http://schemas.microsoft.com/office/powerpoint/2012/main" xmlns:ahyp="http://schemas.microsoft.com/office/drawing/2018/hyperlinkcolor" matchingName="Blank" type="blank">
+<p:sldLayout xmlns:a="http://schemas.openxmlformats.org/drawingml/2006/main" xmlns:r="http://schemas.openxmlformats.org/officeDocument/2006/relationships" xmlns:p="http://schemas.openxmlformats.org/presentationml/2006/main" matchingName="Blank" type="blank">
   <p:cSld name="BLANK">
     <p:spTree>
       <p:nvGrpSpPr>
-        <p:cNvPr id="48" name="Shape 48"/>
+        <p:cNvPr id="1" name="Shape 48"/>
         <p:cNvGrpSpPr/>
         <p:nvPr/>
       </p:nvGrpSpPr>
@@ -2840,9 +3071,11 @@
       <p:sp>
         <p:nvSpPr>
           <p:cNvPr id="49" name="Google Shape;49;p12"/>
-          <p:cNvSpPr txBox="1"/>
+          <p:cNvSpPr txBox="1">
+            <a:spLocks noGrp="1"/>
+          </p:cNvSpPr>
           <p:nvPr>
-            <p:ph idx="12" type="sldNum"/>
+            <p:ph type="sldNum" idx="12"/>
           </p:nvPr>
         </p:nvSpPr>
         <p:spPr>
@@ -2855,7 +3088,7 @@
           </a:prstGeom>
         </p:spPr>
         <p:txBody>
-          <a:bodyPr anchorCtr="0" anchor="ctr" bIns="91425" lIns="91425" spcFirstLastPara="1" rIns="91425" wrap="square" tIns="91425">
+          <a:bodyPr spcFirstLastPara="1" wrap="square" lIns="91425" tIns="91425" rIns="91425" bIns="91425" anchor="ctr" anchorCtr="0">
             <a:normAutofit/>
           </a:bodyPr>
           <a:lstStyle>
@@ -2897,7 +3130,7 @@
             </a:lvl9pPr>
           </a:lstStyle>
           <a:p>
-            <a:pPr indent="0" lvl="0" marL="0" rtl="0" algn="r">
+            <a:pPr marL="0" lvl="0" indent="0" algn="r" rtl="0">
               <a:spcBef>
                 <a:spcPts val="0"/>
               </a:spcBef>
@@ -2923,11 +3156,11 @@
 </file>
 
 <file path=ppt/slideLayouts/slideLayout2.xml><?xml version="1.0" encoding="utf-8"?>
-<p:sldLayout xmlns:a="http://schemas.openxmlformats.org/drawingml/2006/main" xmlns:r="http://schemas.openxmlformats.org/officeDocument/2006/relationships" xmlns:mc="http://schemas.openxmlformats.org/markup-compatibility/2006" xmlns:mv="urn:schemas-microsoft-com:mac:vml" xmlns:p="http://schemas.openxmlformats.org/presentationml/2006/main" xmlns:c="http://schemas.openxmlformats.org/drawingml/2006/chart" xmlns:dgm="http://schemas.openxmlformats.org/drawingml/2006/diagram" xmlns:o="urn:schemas-microsoft-com:office:office" xmlns:v="urn:schemas-microsoft-com:vml" xmlns:pvml="urn:schemas-microsoft-com:office:powerpoint" xmlns:com="http://schemas.openxmlformats.org/drawingml/2006/compatibility" xmlns:p14="http://schemas.microsoft.com/office/powerpoint/2010/main" xmlns:p15="http://schemas.microsoft.com/office/powerpoint/2012/main" xmlns:ahyp="http://schemas.microsoft.com/office/drawing/2018/hyperlinkcolor" matchingName="Section header" type="secHead">
+<p:sldLayout xmlns:a="http://schemas.openxmlformats.org/drawingml/2006/main" xmlns:r="http://schemas.openxmlformats.org/officeDocument/2006/relationships" xmlns:p="http://schemas.openxmlformats.org/presentationml/2006/main" matchingName="Section header" type="secHead">
   <p:cSld name="SECTION_HEADER">
     <p:spTree>
       <p:nvGrpSpPr>
-        <p:cNvPr id="13" name="Shape 13"/>
+        <p:cNvPr id="1" name="Shape 13"/>
         <p:cNvGrpSpPr/>
         <p:nvPr/>
       </p:nvGrpSpPr>
@@ -2942,7 +3175,9 @@
       <p:sp>
         <p:nvSpPr>
           <p:cNvPr id="14" name="Google Shape;14;p3"/>
-          <p:cNvSpPr txBox="1"/>
+          <p:cNvSpPr txBox="1">
+            <a:spLocks noGrp="1"/>
+          </p:cNvSpPr>
           <p:nvPr>
             <p:ph type="title"/>
           </p:nvPr>
@@ -2957,7 +3192,7 @@
           </a:prstGeom>
         </p:spPr>
         <p:txBody>
-          <a:bodyPr anchorCtr="0" anchor="ctr" bIns="91425" lIns="91425" spcFirstLastPara="1" rIns="91425" wrap="square" tIns="91425">
+          <a:bodyPr spcFirstLastPara="1" wrap="square" lIns="91425" tIns="91425" rIns="91425" bIns="91425" anchor="ctr" anchorCtr="0">
             <a:normAutofit/>
           </a:bodyPr>
           <a:lstStyle>
@@ -3061,15 +3296,19 @@
               <a:defRPr sz="3600"/>
             </a:lvl9pPr>
           </a:lstStyle>
-          <a:p/>
+          <a:p>
+            <a:endParaRPr/>
+          </a:p>
         </p:txBody>
       </p:sp>
       <p:sp>
         <p:nvSpPr>
           <p:cNvPr id="15" name="Google Shape;15;p3"/>
-          <p:cNvSpPr txBox="1"/>
+          <p:cNvSpPr txBox="1">
+            <a:spLocks noGrp="1"/>
+          </p:cNvSpPr>
           <p:nvPr>
-            <p:ph idx="12" type="sldNum"/>
+            <p:ph type="sldNum" idx="12"/>
           </p:nvPr>
         </p:nvSpPr>
         <p:spPr>
@@ -3082,7 +3321,7 @@
           </a:prstGeom>
         </p:spPr>
         <p:txBody>
-          <a:bodyPr anchorCtr="0" anchor="ctr" bIns="91425" lIns="91425" spcFirstLastPara="1" rIns="91425" wrap="square" tIns="91425">
+          <a:bodyPr spcFirstLastPara="1" wrap="square" lIns="91425" tIns="91425" rIns="91425" bIns="91425" anchor="ctr" anchorCtr="0">
             <a:normAutofit/>
           </a:bodyPr>
           <a:lstStyle>
@@ -3124,7 +3363,7 @@
             </a:lvl9pPr>
           </a:lstStyle>
           <a:p>
-            <a:pPr indent="0" lvl="0" marL="0" rtl="0" algn="r">
+            <a:pPr marL="0" lvl="0" indent="0" algn="r" rtl="0">
               <a:spcBef>
                 <a:spcPts val="0"/>
               </a:spcBef>
@@ -3150,11 +3389,11 @@
 </file>
 
 <file path=ppt/slideLayouts/slideLayout3.xml><?xml version="1.0" encoding="utf-8"?>
-<p:sldLayout xmlns:a="http://schemas.openxmlformats.org/drawingml/2006/main" xmlns:r="http://schemas.openxmlformats.org/officeDocument/2006/relationships" xmlns:mc="http://schemas.openxmlformats.org/markup-compatibility/2006" xmlns:mv="urn:schemas-microsoft-com:mac:vml" xmlns:p="http://schemas.openxmlformats.org/presentationml/2006/main" xmlns:c="http://schemas.openxmlformats.org/drawingml/2006/chart" xmlns:dgm="http://schemas.openxmlformats.org/drawingml/2006/diagram" xmlns:o="urn:schemas-microsoft-com:office:office" xmlns:v="urn:schemas-microsoft-com:vml" xmlns:pvml="urn:schemas-microsoft-com:office:powerpoint" xmlns:com="http://schemas.openxmlformats.org/drawingml/2006/compatibility" xmlns:p14="http://schemas.microsoft.com/office/powerpoint/2010/main" xmlns:p15="http://schemas.microsoft.com/office/powerpoint/2012/main" xmlns:ahyp="http://schemas.microsoft.com/office/drawing/2018/hyperlinkcolor" matchingName="Title and body" type="tx">
+<p:sldLayout xmlns:a="http://schemas.openxmlformats.org/drawingml/2006/main" xmlns:r="http://schemas.openxmlformats.org/officeDocument/2006/relationships" xmlns:p="http://schemas.openxmlformats.org/presentationml/2006/main" matchingName="Title and body" type="tx">
   <p:cSld name="TITLE_AND_BODY">
     <p:spTree>
       <p:nvGrpSpPr>
-        <p:cNvPr id="16" name="Shape 16"/>
+        <p:cNvPr id="1" name="Shape 16"/>
         <p:cNvGrpSpPr/>
         <p:nvPr/>
       </p:nvGrpSpPr>
@@ -3169,7 +3408,9 @@
       <p:sp>
         <p:nvSpPr>
           <p:cNvPr id="17" name="Google Shape;17;p4"/>
-          <p:cNvSpPr txBox="1"/>
+          <p:cNvSpPr txBox="1">
+            <a:spLocks noGrp="1"/>
+          </p:cNvSpPr>
           <p:nvPr>
             <p:ph type="title"/>
           </p:nvPr>
@@ -3184,7 +3425,7 @@
           </a:prstGeom>
         </p:spPr>
         <p:txBody>
-          <a:bodyPr anchorCtr="0" anchor="t" bIns="91425" lIns="91425" spcFirstLastPara="1" rIns="91425" wrap="square" tIns="91425">
+          <a:bodyPr spcFirstLastPara="1" wrap="square" lIns="91425" tIns="91425" rIns="91425" bIns="91425" anchor="t" anchorCtr="0">
             <a:normAutofit/>
           </a:bodyPr>
           <a:lstStyle>
@@ -3288,15 +3529,19 @@
               <a:defRPr/>
             </a:lvl9pPr>
           </a:lstStyle>
-          <a:p/>
+          <a:p>
+            <a:endParaRPr/>
+          </a:p>
         </p:txBody>
       </p:sp>
       <p:sp>
         <p:nvSpPr>
           <p:cNvPr id="18" name="Google Shape;18;p4"/>
-          <p:cNvSpPr txBox="1"/>
+          <p:cNvSpPr txBox="1">
+            <a:spLocks noGrp="1"/>
+          </p:cNvSpPr>
           <p:nvPr>
-            <p:ph idx="1" type="body"/>
+            <p:ph type="body" idx="1"/>
           </p:nvPr>
         </p:nvSpPr>
         <p:spPr>
@@ -3309,11 +3554,11 @@
           </a:prstGeom>
         </p:spPr>
         <p:txBody>
-          <a:bodyPr anchorCtr="0" anchor="t" bIns="91425" lIns="91425" spcFirstLastPara="1" rIns="91425" wrap="square" tIns="91425">
+          <a:bodyPr spcFirstLastPara="1" wrap="square" lIns="91425" tIns="91425" rIns="91425" bIns="91425" anchor="t" anchorCtr="0">
             <a:normAutofit/>
           </a:bodyPr>
           <a:lstStyle>
-            <a:lvl1pPr indent="-342900" lvl="0" marL="457200">
+            <a:lvl1pPr marL="457200" lvl="0" indent="-342900">
               <a:spcBef>
                 <a:spcPts val="0"/>
               </a:spcBef>
@@ -3324,7 +3569,7 @@
               <a:buChar char="●"/>
               <a:defRPr/>
             </a:lvl1pPr>
-            <a:lvl2pPr indent="-317500" lvl="1" marL="914400">
+            <a:lvl2pPr marL="914400" lvl="1" indent="-317500">
               <a:spcBef>
                 <a:spcPts val="0"/>
               </a:spcBef>
@@ -3335,7 +3580,7 @@
               <a:buChar char="○"/>
               <a:defRPr/>
             </a:lvl2pPr>
-            <a:lvl3pPr indent="-317500" lvl="2" marL="1371600">
+            <a:lvl3pPr marL="1371600" lvl="2" indent="-317500">
               <a:spcBef>
                 <a:spcPts val="0"/>
               </a:spcBef>
@@ -3346,7 +3591,7 @@
               <a:buChar char="■"/>
               <a:defRPr/>
             </a:lvl3pPr>
-            <a:lvl4pPr indent="-317500" lvl="3" marL="1828800">
+            <a:lvl4pPr marL="1828800" lvl="3" indent="-317500">
               <a:spcBef>
                 <a:spcPts val="0"/>
               </a:spcBef>
@@ -3357,7 +3602,7 @@
               <a:buChar char="●"/>
               <a:defRPr/>
             </a:lvl4pPr>
-            <a:lvl5pPr indent="-317500" lvl="4" marL="2286000">
+            <a:lvl5pPr marL="2286000" lvl="4" indent="-317500">
               <a:spcBef>
                 <a:spcPts val="0"/>
               </a:spcBef>
@@ -3368,7 +3613,7 @@
               <a:buChar char="○"/>
               <a:defRPr/>
             </a:lvl5pPr>
-            <a:lvl6pPr indent="-317500" lvl="5" marL="2743200">
+            <a:lvl6pPr marL="2743200" lvl="5" indent="-317500">
               <a:spcBef>
                 <a:spcPts val="0"/>
               </a:spcBef>
@@ -3379,7 +3624,7 @@
               <a:buChar char="■"/>
               <a:defRPr/>
             </a:lvl6pPr>
-            <a:lvl7pPr indent="-317500" lvl="6" marL="3200400">
+            <a:lvl7pPr marL="3200400" lvl="6" indent="-317500">
               <a:spcBef>
                 <a:spcPts val="0"/>
               </a:spcBef>
@@ -3390,7 +3635,7 @@
               <a:buChar char="●"/>
               <a:defRPr/>
             </a:lvl7pPr>
-            <a:lvl8pPr indent="-317500" lvl="7" marL="3657600">
+            <a:lvl8pPr marL="3657600" lvl="7" indent="-317500">
               <a:spcBef>
                 <a:spcPts val="0"/>
               </a:spcBef>
@@ -3401,7 +3646,7 @@
               <a:buChar char="○"/>
               <a:defRPr/>
             </a:lvl8pPr>
-            <a:lvl9pPr indent="-317500" lvl="8" marL="4114800">
+            <a:lvl9pPr marL="4114800" lvl="8" indent="-317500">
               <a:spcBef>
                 <a:spcPts val="0"/>
               </a:spcBef>
@@ -3413,15 +3658,19 @@
               <a:defRPr/>
             </a:lvl9pPr>
           </a:lstStyle>
-          <a:p/>
+          <a:p>
+            <a:endParaRPr/>
+          </a:p>
         </p:txBody>
       </p:sp>
       <p:sp>
         <p:nvSpPr>
           <p:cNvPr id="19" name="Google Shape;19;p4"/>
-          <p:cNvSpPr txBox="1"/>
+          <p:cNvSpPr txBox="1">
+            <a:spLocks noGrp="1"/>
+          </p:cNvSpPr>
           <p:nvPr>
-            <p:ph idx="12" type="sldNum"/>
+            <p:ph type="sldNum" idx="12"/>
           </p:nvPr>
         </p:nvSpPr>
         <p:spPr>
@@ -3434,7 +3683,7 @@
           </a:prstGeom>
         </p:spPr>
         <p:txBody>
-          <a:bodyPr anchorCtr="0" anchor="ctr" bIns="91425" lIns="91425" spcFirstLastPara="1" rIns="91425" wrap="square" tIns="91425">
+          <a:bodyPr spcFirstLastPara="1" wrap="square" lIns="91425" tIns="91425" rIns="91425" bIns="91425" anchor="ctr" anchorCtr="0">
             <a:normAutofit/>
           </a:bodyPr>
           <a:lstStyle>
@@ -3476,7 +3725,7 @@
             </a:lvl9pPr>
           </a:lstStyle>
           <a:p>
-            <a:pPr indent="0" lvl="0" marL="0" rtl="0" algn="r">
+            <a:pPr marL="0" lvl="0" indent="0" algn="r" rtl="0">
               <a:spcBef>
                 <a:spcPts val="0"/>
               </a:spcBef>
@@ -3502,11 +3751,11 @@
 </file>
 
 <file path=ppt/slideLayouts/slideLayout4.xml><?xml version="1.0" encoding="utf-8"?>
-<p:sldLayout xmlns:a="http://schemas.openxmlformats.org/drawingml/2006/main" xmlns:r="http://schemas.openxmlformats.org/officeDocument/2006/relationships" xmlns:mc="http://schemas.openxmlformats.org/markup-compatibility/2006" xmlns:mv="urn:schemas-microsoft-com:mac:vml" xmlns:p="http://schemas.openxmlformats.org/presentationml/2006/main" xmlns:c="http://schemas.openxmlformats.org/drawingml/2006/chart" xmlns:dgm="http://schemas.openxmlformats.org/drawingml/2006/diagram" xmlns:o="urn:schemas-microsoft-com:office:office" xmlns:v="urn:schemas-microsoft-com:vml" xmlns:pvml="urn:schemas-microsoft-com:office:powerpoint" xmlns:com="http://schemas.openxmlformats.org/drawingml/2006/compatibility" xmlns:p14="http://schemas.microsoft.com/office/powerpoint/2010/main" xmlns:p15="http://schemas.microsoft.com/office/powerpoint/2012/main" xmlns:ahyp="http://schemas.microsoft.com/office/drawing/2018/hyperlinkcolor" matchingName="Title and two columns" type="twoColTx">
+<p:sldLayout xmlns:a="http://schemas.openxmlformats.org/drawingml/2006/main" xmlns:r="http://schemas.openxmlformats.org/officeDocument/2006/relationships" xmlns:p="http://schemas.openxmlformats.org/presentationml/2006/main" matchingName="Title and two columns" type="twoColTx">
   <p:cSld name="TITLE_AND_TWO_COLUMNS">
     <p:spTree>
       <p:nvGrpSpPr>
-        <p:cNvPr id="20" name="Shape 20"/>
+        <p:cNvPr id="1" name="Shape 20"/>
         <p:cNvGrpSpPr/>
         <p:nvPr/>
       </p:nvGrpSpPr>
@@ -3521,7 +3770,9 @@
       <p:sp>
         <p:nvSpPr>
           <p:cNvPr id="21" name="Google Shape;21;p5"/>
-          <p:cNvSpPr txBox="1"/>
+          <p:cNvSpPr txBox="1">
+            <a:spLocks noGrp="1"/>
+          </p:cNvSpPr>
           <p:nvPr>
             <p:ph type="title"/>
           </p:nvPr>
@@ -3536,7 +3787,7 @@
           </a:prstGeom>
         </p:spPr>
         <p:txBody>
-          <a:bodyPr anchorCtr="0" anchor="t" bIns="91425" lIns="91425" spcFirstLastPara="1" rIns="91425" wrap="square" tIns="91425">
+          <a:bodyPr spcFirstLastPara="1" wrap="square" lIns="91425" tIns="91425" rIns="91425" bIns="91425" anchor="t" anchorCtr="0">
             <a:normAutofit/>
           </a:bodyPr>
           <a:lstStyle>
@@ -3640,15 +3891,19 @@
               <a:defRPr/>
             </a:lvl9pPr>
           </a:lstStyle>
-          <a:p/>
+          <a:p>
+            <a:endParaRPr/>
+          </a:p>
         </p:txBody>
       </p:sp>
       <p:sp>
         <p:nvSpPr>
           <p:cNvPr id="22" name="Google Shape;22;p5"/>
-          <p:cNvSpPr txBox="1"/>
+          <p:cNvSpPr txBox="1">
+            <a:spLocks noGrp="1"/>
+          </p:cNvSpPr>
           <p:nvPr>
-            <p:ph idx="1" type="body"/>
+            <p:ph type="body" idx="1"/>
           </p:nvPr>
         </p:nvSpPr>
         <p:spPr>
@@ -3661,11 +3916,11 @@
           </a:prstGeom>
         </p:spPr>
         <p:txBody>
-          <a:bodyPr anchorCtr="0" anchor="t" bIns="91425" lIns="91425" spcFirstLastPara="1" rIns="91425" wrap="square" tIns="91425">
+          <a:bodyPr spcFirstLastPara="1" wrap="square" lIns="91425" tIns="91425" rIns="91425" bIns="91425" anchor="t" anchorCtr="0">
             <a:normAutofit/>
           </a:bodyPr>
           <a:lstStyle>
-            <a:lvl1pPr indent="-317500" lvl="0" marL="457200">
+            <a:lvl1pPr marL="457200" lvl="0" indent="-317500">
               <a:spcBef>
                 <a:spcPts val="0"/>
               </a:spcBef>
@@ -3676,7 +3931,7 @@
               <a:buChar char="●"/>
               <a:defRPr sz="1400"/>
             </a:lvl1pPr>
-            <a:lvl2pPr indent="-304800" lvl="1" marL="914400">
+            <a:lvl2pPr marL="914400" lvl="1" indent="-304800">
               <a:spcBef>
                 <a:spcPts val="0"/>
               </a:spcBef>
@@ -3687,7 +3942,7 @@
               <a:buChar char="○"/>
               <a:defRPr sz="1200"/>
             </a:lvl2pPr>
-            <a:lvl3pPr indent="-304800" lvl="2" marL="1371600">
+            <a:lvl3pPr marL="1371600" lvl="2" indent="-304800">
               <a:spcBef>
                 <a:spcPts val="0"/>
               </a:spcBef>
@@ -3698,7 +3953,7 @@
               <a:buChar char="■"/>
               <a:defRPr sz="1200"/>
             </a:lvl3pPr>
-            <a:lvl4pPr indent="-304800" lvl="3" marL="1828800">
+            <a:lvl4pPr marL="1828800" lvl="3" indent="-304800">
               <a:spcBef>
                 <a:spcPts val="0"/>
               </a:spcBef>
@@ -3709,7 +3964,7 @@
               <a:buChar char="●"/>
               <a:defRPr sz="1200"/>
             </a:lvl4pPr>
-            <a:lvl5pPr indent="-304800" lvl="4" marL="2286000">
+            <a:lvl5pPr marL="2286000" lvl="4" indent="-304800">
               <a:spcBef>
                 <a:spcPts val="0"/>
               </a:spcBef>
@@ -3720,7 +3975,7 @@
               <a:buChar char="○"/>
               <a:defRPr sz="1200"/>
             </a:lvl5pPr>
-            <a:lvl6pPr indent="-304800" lvl="5" marL="2743200">
+            <a:lvl6pPr marL="2743200" lvl="5" indent="-304800">
               <a:spcBef>
                 <a:spcPts val="0"/>
               </a:spcBef>
@@ -3731,7 +3986,7 @@
               <a:buChar char="■"/>
               <a:defRPr sz="1200"/>
             </a:lvl6pPr>
-            <a:lvl7pPr indent="-304800" lvl="6" marL="3200400">
+            <a:lvl7pPr marL="3200400" lvl="6" indent="-304800">
               <a:spcBef>
                 <a:spcPts val="0"/>
               </a:spcBef>
@@ -3742,7 +3997,7 @@
               <a:buChar char="●"/>
               <a:defRPr sz="1200"/>
             </a:lvl7pPr>
-            <a:lvl8pPr indent="-304800" lvl="7" marL="3657600">
+            <a:lvl8pPr marL="3657600" lvl="7" indent="-304800">
               <a:spcBef>
                 <a:spcPts val="0"/>
               </a:spcBef>
@@ -3753,7 +4008,7 @@
               <a:buChar char="○"/>
               <a:defRPr sz="1200"/>
             </a:lvl8pPr>
-            <a:lvl9pPr indent="-304800" lvl="8" marL="4114800">
+            <a:lvl9pPr marL="4114800" lvl="8" indent="-304800">
               <a:spcBef>
                 <a:spcPts val="0"/>
               </a:spcBef>
@@ -3765,15 +4020,19 @@
               <a:defRPr sz="1200"/>
             </a:lvl9pPr>
           </a:lstStyle>
-          <a:p/>
+          <a:p>
+            <a:endParaRPr/>
+          </a:p>
         </p:txBody>
       </p:sp>
       <p:sp>
         <p:nvSpPr>
           <p:cNvPr id="23" name="Google Shape;23;p5"/>
-          <p:cNvSpPr txBox="1"/>
+          <p:cNvSpPr txBox="1">
+            <a:spLocks noGrp="1"/>
+          </p:cNvSpPr>
           <p:nvPr>
-            <p:ph idx="2" type="body"/>
+            <p:ph type="body" idx="2"/>
           </p:nvPr>
         </p:nvSpPr>
         <p:spPr>
@@ -3786,11 +4045,11 @@
           </a:prstGeom>
         </p:spPr>
         <p:txBody>
-          <a:bodyPr anchorCtr="0" anchor="t" bIns="91425" lIns="91425" spcFirstLastPara="1" rIns="91425" wrap="square" tIns="91425">
+          <a:bodyPr spcFirstLastPara="1" wrap="square" lIns="91425" tIns="91425" rIns="91425" bIns="91425" anchor="t" anchorCtr="0">
             <a:normAutofit/>
           </a:bodyPr>
           <a:lstStyle>
-            <a:lvl1pPr indent="-317500" lvl="0" marL="457200">
+            <a:lvl1pPr marL="457200" lvl="0" indent="-317500">
               <a:spcBef>
                 <a:spcPts val="0"/>
               </a:spcBef>
@@ -3801,7 +4060,7 @@
               <a:buChar char="●"/>
               <a:defRPr sz="1400"/>
             </a:lvl1pPr>
-            <a:lvl2pPr indent="-304800" lvl="1" marL="914400">
+            <a:lvl2pPr marL="914400" lvl="1" indent="-304800">
               <a:spcBef>
                 <a:spcPts val="0"/>
               </a:spcBef>
@@ -3812,7 +4071,7 @@
               <a:buChar char="○"/>
               <a:defRPr sz="1200"/>
             </a:lvl2pPr>
-            <a:lvl3pPr indent="-304800" lvl="2" marL="1371600">
+            <a:lvl3pPr marL="1371600" lvl="2" indent="-304800">
               <a:spcBef>
                 <a:spcPts val="0"/>
               </a:spcBef>
@@ -3823,7 +4082,7 @@
               <a:buChar char="■"/>
               <a:defRPr sz="1200"/>
             </a:lvl3pPr>
-            <a:lvl4pPr indent="-304800" lvl="3" marL="1828800">
+            <a:lvl4pPr marL="1828800" lvl="3" indent="-304800">
               <a:spcBef>
                 <a:spcPts val="0"/>
               </a:spcBef>
@@ -3834,7 +4093,7 @@
               <a:buChar char="●"/>
               <a:defRPr sz="1200"/>
             </a:lvl4pPr>
-            <a:lvl5pPr indent="-304800" lvl="4" marL="2286000">
+            <a:lvl5pPr marL="2286000" lvl="4" indent="-304800">
               <a:spcBef>
                 <a:spcPts val="0"/>
               </a:spcBef>
@@ -3845,7 +4104,7 @@
               <a:buChar char="○"/>
               <a:defRPr sz="1200"/>
             </a:lvl5pPr>
-            <a:lvl6pPr indent="-304800" lvl="5" marL="2743200">
+            <a:lvl6pPr marL="2743200" lvl="5" indent="-304800">
               <a:spcBef>
                 <a:spcPts val="0"/>
               </a:spcBef>
@@ -3856,7 +4115,7 @@
               <a:buChar char="■"/>
               <a:defRPr sz="1200"/>
             </a:lvl6pPr>
-            <a:lvl7pPr indent="-304800" lvl="6" marL="3200400">
+            <a:lvl7pPr marL="3200400" lvl="6" indent="-304800">
               <a:spcBef>
                 <a:spcPts val="0"/>
               </a:spcBef>
@@ -3867,7 +4126,7 @@
               <a:buChar char="●"/>
               <a:defRPr sz="1200"/>
             </a:lvl7pPr>
-            <a:lvl8pPr indent="-304800" lvl="7" marL="3657600">
+            <a:lvl8pPr marL="3657600" lvl="7" indent="-304800">
               <a:spcBef>
                 <a:spcPts val="0"/>
               </a:spcBef>
@@ -3878,7 +4137,7 @@
               <a:buChar char="○"/>
               <a:defRPr sz="1200"/>
             </a:lvl8pPr>
-            <a:lvl9pPr indent="-304800" lvl="8" marL="4114800">
+            <a:lvl9pPr marL="4114800" lvl="8" indent="-304800">
               <a:spcBef>
                 <a:spcPts val="0"/>
               </a:spcBef>
@@ -3890,15 +4149,19 @@
               <a:defRPr sz="1200"/>
             </a:lvl9pPr>
           </a:lstStyle>
-          <a:p/>
+          <a:p>
+            <a:endParaRPr/>
+          </a:p>
         </p:txBody>
       </p:sp>
       <p:sp>
         <p:nvSpPr>
           <p:cNvPr id="24" name="Google Shape;24;p5"/>
-          <p:cNvSpPr txBox="1"/>
+          <p:cNvSpPr txBox="1">
+            <a:spLocks noGrp="1"/>
+          </p:cNvSpPr>
           <p:nvPr>
-            <p:ph idx="12" type="sldNum"/>
+            <p:ph type="sldNum" idx="12"/>
           </p:nvPr>
         </p:nvSpPr>
         <p:spPr>
@@ -3911,7 +4174,7 @@
           </a:prstGeom>
         </p:spPr>
         <p:txBody>
-          <a:bodyPr anchorCtr="0" anchor="ctr" bIns="91425" lIns="91425" spcFirstLastPara="1" rIns="91425" wrap="square" tIns="91425">
+          <a:bodyPr spcFirstLastPara="1" wrap="square" lIns="91425" tIns="91425" rIns="91425" bIns="91425" anchor="ctr" anchorCtr="0">
             <a:normAutofit/>
           </a:bodyPr>
           <a:lstStyle>
@@ -3953,7 +4216,7 @@
             </a:lvl9pPr>
           </a:lstStyle>
           <a:p>
-            <a:pPr indent="0" lvl="0" marL="0" rtl="0" algn="r">
+            <a:pPr marL="0" lvl="0" indent="0" algn="r" rtl="0">
               <a:spcBef>
                 <a:spcPts val="0"/>
               </a:spcBef>
@@ -3979,11 +4242,11 @@
 </file>
 
 <file path=ppt/slideLayouts/slideLayout5.xml><?xml version="1.0" encoding="utf-8"?>
-<p:sldLayout xmlns:a="http://schemas.openxmlformats.org/drawingml/2006/main" xmlns:r="http://schemas.openxmlformats.org/officeDocument/2006/relationships" xmlns:mc="http://schemas.openxmlformats.org/markup-compatibility/2006" xmlns:mv="urn:schemas-microsoft-com:mac:vml" xmlns:p="http://schemas.openxmlformats.org/presentationml/2006/main" xmlns:c="http://schemas.openxmlformats.org/drawingml/2006/chart" xmlns:dgm="http://schemas.openxmlformats.org/drawingml/2006/diagram" xmlns:o="urn:schemas-microsoft-com:office:office" xmlns:v="urn:schemas-microsoft-com:vml" xmlns:pvml="urn:schemas-microsoft-com:office:powerpoint" xmlns:com="http://schemas.openxmlformats.org/drawingml/2006/compatibility" xmlns:p14="http://schemas.microsoft.com/office/powerpoint/2010/main" xmlns:p15="http://schemas.microsoft.com/office/powerpoint/2012/main" xmlns:ahyp="http://schemas.microsoft.com/office/drawing/2018/hyperlinkcolor" matchingName="Title only" type="titleOnly">
+<p:sldLayout xmlns:a="http://schemas.openxmlformats.org/drawingml/2006/main" xmlns:r="http://schemas.openxmlformats.org/officeDocument/2006/relationships" xmlns:p="http://schemas.openxmlformats.org/presentationml/2006/main" matchingName="Title only" type="titleOnly">
   <p:cSld name="TITLE_ONLY">
     <p:spTree>
       <p:nvGrpSpPr>
-        <p:cNvPr id="25" name="Shape 25"/>
+        <p:cNvPr id="1" name="Shape 25"/>
         <p:cNvGrpSpPr/>
         <p:nvPr/>
       </p:nvGrpSpPr>
@@ -3998,7 +4261,9 @@
       <p:sp>
         <p:nvSpPr>
           <p:cNvPr id="26" name="Google Shape;26;p6"/>
-          <p:cNvSpPr txBox="1"/>
+          <p:cNvSpPr txBox="1">
+            <a:spLocks noGrp="1"/>
+          </p:cNvSpPr>
           <p:nvPr>
             <p:ph type="title"/>
           </p:nvPr>
@@ -4013,7 +4278,7 @@
           </a:prstGeom>
         </p:spPr>
         <p:txBody>
-          <a:bodyPr anchorCtr="0" anchor="t" bIns="91425" lIns="91425" spcFirstLastPara="1" rIns="91425" wrap="square" tIns="91425">
+          <a:bodyPr spcFirstLastPara="1" wrap="square" lIns="91425" tIns="91425" rIns="91425" bIns="91425" anchor="t" anchorCtr="0">
             <a:normAutofit/>
           </a:bodyPr>
           <a:lstStyle>
@@ -4117,15 +4382,19 @@
               <a:defRPr/>
             </a:lvl9pPr>
           </a:lstStyle>
-          <a:p/>
+          <a:p>
+            <a:endParaRPr/>
+          </a:p>
         </p:txBody>
       </p:sp>
       <p:sp>
         <p:nvSpPr>
           <p:cNvPr id="27" name="Google Shape;27;p6"/>
-          <p:cNvSpPr txBox="1"/>
+          <p:cNvSpPr txBox="1">
+            <a:spLocks noGrp="1"/>
+          </p:cNvSpPr>
           <p:nvPr>
-            <p:ph idx="12" type="sldNum"/>
+            <p:ph type="sldNum" idx="12"/>
           </p:nvPr>
         </p:nvSpPr>
         <p:spPr>
@@ -4138,7 +4407,7 @@
           </a:prstGeom>
         </p:spPr>
         <p:txBody>
-          <a:bodyPr anchorCtr="0" anchor="ctr" bIns="91425" lIns="91425" spcFirstLastPara="1" rIns="91425" wrap="square" tIns="91425">
+          <a:bodyPr spcFirstLastPara="1" wrap="square" lIns="91425" tIns="91425" rIns="91425" bIns="91425" anchor="ctr" anchorCtr="0">
             <a:normAutofit/>
           </a:bodyPr>
           <a:lstStyle>
@@ -4180,7 +4449,7 @@
             </a:lvl9pPr>
           </a:lstStyle>
           <a:p>
-            <a:pPr indent="0" lvl="0" marL="0" rtl="0" algn="r">
+            <a:pPr marL="0" lvl="0" indent="0" algn="r" rtl="0">
               <a:spcBef>
                 <a:spcPts val="0"/>
               </a:spcBef>
@@ -4206,11 +4475,11 @@
 </file>
 
 <file path=ppt/slideLayouts/slideLayout6.xml><?xml version="1.0" encoding="utf-8"?>
-<p:sldLayout xmlns:a="http://schemas.openxmlformats.org/drawingml/2006/main" xmlns:r="http://schemas.openxmlformats.org/officeDocument/2006/relationships" xmlns:mc="http://schemas.openxmlformats.org/markup-compatibility/2006" xmlns:mv="urn:schemas-microsoft-com:mac:vml" xmlns:p="http://schemas.openxmlformats.org/presentationml/2006/main" xmlns:c="http://schemas.openxmlformats.org/drawingml/2006/chart" xmlns:dgm="http://schemas.openxmlformats.org/drawingml/2006/diagram" xmlns:o="urn:schemas-microsoft-com:office:office" xmlns:v="urn:schemas-microsoft-com:vml" xmlns:pvml="urn:schemas-microsoft-com:office:powerpoint" xmlns:com="http://schemas.openxmlformats.org/drawingml/2006/compatibility" xmlns:p14="http://schemas.microsoft.com/office/powerpoint/2010/main" xmlns:p15="http://schemas.microsoft.com/office/powerpoint/2012/main" xmlns:ahyp="http://schemas.microsoft.com/office/drawing/2018/hyperlinkcolor" matchingName="One column text">
+<p:sldLayout xmlns:a="http://schemas.openxmlformats.org/drawingml/2006/main" xmlns:r="http://schemas.openxmlformats.org/officeDocument/2006/relationships" xmlns:p="http://schemas.openxmlformats.org/presentationml/2006/main" matchingName="One column text">
   <p:cSld name="ONE_COLUMN_TEXT">
     <p:spTree>
       <p:nvGrpSpPr>
-        <p:cNvPr id="28" name="Shape 28"/>
+        <p:cNvPr id="1" name="Shape 28"/>
         <p:cNvGrpSpPr/>
         <p:nvPr/>
       </p:nvGrpSpPr>
@@ -4225,7 +4494,9 @@
       <p:sp>
         <p:nvSpPr>
           <p:cNvPr id="29" name="Google Shape;29;p7"/>
-          <p:cNvSpPr txBox="1"/>
+          <p:cNvSpPr txBox="1">
+            <a:spLocks noGrp="1"/>
+          </p:cNvSpPr>
           <p:nvPr>
             <p:ph type="title"/>
           </p:nvPr>
@@ -4240,7 +4511,7 @@
           </a:prstGeom>
         </p:spPr>
         <p:txBody>
-          <a:bodyPr anchorCtr="0" anchor="b" bIns="91425" lIns="91425" spcFirstLastPara="1" rIns="91425" wrap="square" tIns="91425">
+          <a:bodyPr spcFirstLastPara="1" wrap="square" lIns="91425" tIns="91425" rIns="91425" bIns="91425" anchor="b" anchorCtr="0">
             <a:normAutofit/>
           </a:bodyPr>
           <a:lstStyle>
@@ -4344,15 +4615,19 @@
               <a:defRPr sz="2400"/>
             </a:lvl9pPr>
           </a:lstStyle>
-          <a:p/>
+          <a:p>
+            <a:endParaRPr/>
+          </a:p>
         </p:txBody>
       </p:sp>
       <p:sp>
         <p:nvSpPr>
           <p:cNvPr id="30" name="Google Shape;30;p7"/>
-          <p:cNvSpPr txBox="1"/>
+          <p:cNvSpPr txBox="1">
+            <a:spLocks noGrp="1"/>
+          </p:cNvSpPr>
           <p:nvPr>
-            <p:ph idx="1" type="body"/>
+            <p:ph type="body" idx="1"/>
           </p:nvPr>
         </p:nvSpPr>
         <p:spPr>
@@ -4365,11 +4640,11 @@
           </a:prstGeom>
         </p:spPr>
         <p:txBody>
-          <a:bodyPr anchorCtr="0" anchor="t" bIns="91425" lIns="91425" spcFirstLastPara="1" rIns="91425" wrap="square" tIns="91425">
+          <a:bodyPr spcFirstLastPara="1" wrap="square" lIns="91425" tIns="91425" rIns="91425" bIns="91425" anchor="t" anchorCtr="0">
             <a:normAutofit/>
           </a:bodyPr>
           <a:lstStyle>
-            <a:lvl1pPr indent="-304800" lvl="0" marL="457200">
+            <a:lvl1pPr marL="457200" lvl="0" indent="-304800">
               <a:spcBef>
                 <a:spcPts val="0"/>
               </a:spcBef>
@@ -4380,7 +4655,7 @@
               <a:buChar char="●"/>
               <a:defRPr sz="1200"/>
             </a:lvl1pPr>
-            <a:lvl2pPr indent="-304800" lvl="1" marL="914400">
+            <a:lvl2pPr marL="914400" lvl="1" indent="-304800">
               <a:spcBef>
                 <a:spcPts val="0"/>
               </a:spcBef>
@@ -4391,7 +4666,7 @@
               <a:buChar char="○"/>
               <a:defRPr sz="1200"/>
             </a:lvl2pPr>
-            <a:lvl3pPr indent="-304800" lvl="2" marL="1371600">
+            <a:lvl3pPr marL="1371600" lvl="2" indent="-304800">
               <a:spcBef>
                 <a:spcPts val="0"/>
               </a:spcBef>
@@ -4402,7 +4677,7 @@
               <a:buChar char="■"/>
               <a:defRPr sz="1200"/>
             </a:lvl3pPr>
-            <a:lvl4pPr indent="-304800" lvl="3" marL="1828800">
+            <a:lvl4pPr marL="1828800" lvl="3" indent="-304800">
               <a:spcBef>
                 <a:spcPts val="0"/>
               </a:spcBef>
@@ -4413,7 +4688,7 @@
               <a:buChar char="●"/>
               <a:defRPr sz="1200"/>
             </a:lvl4pPr>
-            <a:lvl5pPr indent="-304800" lvl="4" marL="2286000">
+            <a:lvl5pPr marL="2286000" lvl="4" indent="-304800">
               <a:spcBef>
                 <a:spcPts val="0"/>
               </a:spcBef>
@@ -4424,7 +4699,7 @@
               <a:buChar char="○"/>
               <a:defRPr sz="1200"/>
             </a:lvl5pPr>
-            <a:lvl6pPr indent="-304800" lvl="5" marL="2743200">
+            <a:lvl6pPr marL="2743200" lvl="5" indent="-304800">
               <a:spcBef>
                 <a:spcPts val="0"/>
               </a:spcBef>
@@ -4435,7 +4710,7 @@
               <a:buChar char="■"/>
               <a:defRPr sz="1200"/>
             </a:lvl6pPr>
-            <a:lvl7pPr indent="-304800" lvl="6" marL="3200400">
+            <a:lvl7pPr marL="3200400" lvl="6" indent="-304800">
               <a:spcBef>
                 <a:spcPts val="0"/>
               </a:spcBef>
@@ -4446,7 +4721,7 @@
               <a:buChar char="●"/>
               <a:defRPr sz="1200"/>
             </a:lvl7pPr>
-            <a:lvl8pPr indent="-304800" lvl="7" marL="3657600">
+            <a:lvl8pPr marL="3657600" lvl="7" indent="-304800">
               <a:spcBef>
                 <a:spcPts val="0"/>
               </a:spcBef>
@@ -4457,7 +4732,7 @@
               <a:buChar char="○"/>
               <a:defRPr sz="1200"/>
             </a:lvl8pPr>
-            <a:lvl9pPr indent="-304800" lvl="8" marL="4114800">
+            <a:lvl9pPr marL="4114800" lvl="8" indent="-304800">
               <a:spcBef>
                 <a:spcPts val="0"/>
               </a:spcBef>
@@ -4469,15 +4744,19 @@
               <a:defRPr sz="1200"/>
             </a:lvl9pPr>
           </a:lstStyle>
-          <a:p/>
+          <a:p>
+            <a:endParaRPr/>
+          </a:p>
         </p:txBody>
       </p:sp>
       <p:sp>
         <p:nvSpPr>
           <p:cNvPr id="31" name="Google Shape;31;p7"/>
-          <p:cNvSpPr txBox="1"/>
+          <p:cNvSpPr txBox="1">
+            <a:spLocks noGrp="1"/>
+          </p:cNvSpPr>
           <p:nvPr>
-            <p:ph idx="12" type="sldNum"/>
+            <p:ph type="sldNum" idx="12"/>
           </p:nvPr>
         </p:nvSpPr>
         <p:spPr>
@@ -4490,7 +4769,7 @@
           </a:prstGeom>
         </p:spPr>
         <p:txBody>
-          <a:bodyPr anchorCtr="0" anchor="ctr" bIns="91425" lIns="91425" spcFirstLastPara="1" rIns="91425" wrap="square" tIns="91425">
+          <a:bodyPr spcFirstLastPara="1" wrap="square" lIns="91425" tIns="91425" rIns="91425" bIns="91425" anchor="ctr" anchorCtr="0">
             <a:normAutofit/>
           </a:bodyPr>
           <a:lstStyle>
@@ -4532,7 +4811,7 @@
             </a:lvl9pPr>
           </a:lstStyle>
           <a:p>
-            <a:pPr indent="0" lvl="0" marL="0" rtl="0" algn="r">
+            <a:pPr marL="0" lvl="0" indent="0" algn="r" rtl="0">
               <a:spcBef>
                 <a:spcPts val="0"/>
               </a:spcBef>
@@ -4558,11 +4837,11 @@
 </file>
 
 <file path=ppt/slideLayouts/slideLayout7.xml><?xml version="1.0" encoding="utf-8"?>
-<p:sldLayout xmlns:a="http://schemas.openxmlformats.org/drawingml/2006/main" xmlns:r="http://schemas.openxmlformats.org/officeDocument/2006/relationships" xmlns:mc="http://schemas.openxmlformats.org/markup-compatibility/2006" xmlns:mv="urn:schemas-microsoft-com:mac:vml" xmlns:p="http://schemas.openxmlformats.org/presentationml/2006/main" xmlns:c="http://schemas.openxmlformats.org/drawingml/2006/chart" xmlns:dgm="http://schemas.openxmlformats.org/drawingml/2006/diagram" xmlns:o="urn:schemas-microsoft-com:office:office" xmlns:v="urn:schemas-microsoft-com:vml" xmlns:pvml="urn:schemas-microsoft-com:office:powerpoint" xmlns:com="http://schemas.openxmlformats.org/drawingml/2006/compatibility" xmlns:p14="http://schemas.microsoft.com/office/powerpoint/2010/main" xmlns:p15="http://schemas.microsoft.com/office/powerpoint/2012/main" xmlns:ahyp="http://schemas.microsoft.com/office/drawing/2018/hyperlinkcolor" matchingName="Main point">
+<p:sldLayout xmlns:a="http://schemas.openxmlformats.org/drawingml/2006/main" xmlns:r="http://schemas.openxmlformats.org/officeDocument/2006/relationships" xmlns:p="http://schemas.openxmlformats.org/presentationml/2006/main" matchingName="Main point">
   <p:cSld name="MAIN_POINT">
     <p:spTree>
       <p:nvGrpSpPr>
-        <p:cNvPr id="32" name="Shape 32"/>
+        <p:cNvPr id="1" name="Shape 32"/>
         <p:cNvGrpSpPr/>
         <p:nvPr/>
       </p:nvGrpSpPr>
@@ -4577,7 +4856,9 @@
       <p:sp>
         <p:nvSpPr>
           <p:cNvPr id="33" name="Google Shape;33;p8"/>
-          <p:cNvSpPr txBox="1"/>
+          <p:cNvSpPr txBox="1">
+            <a:spLocks noGrp="1"/>
+          </p:cNvSpPr>
           <p:nvPr>
             <p:ph type="title"/>
           </p:nvPr>
@@ -4592,7 +4873,7 @@
           </a:prstGeom>
         </p:spPr>
         <p:txBody>
-          <a:bodyPr anchorCtr="0" anchor="ctr" bIns="91425" lIns="91425" spcFirstLastPara="1" rIns="91425" wrap="square" tIns="91425">
+          <a:bodyPr spcFirstLastPara="1" wrap="square" lIns="91425" tIns="91425" rIns="91425" bIns="91425" anchor="ctr" anchorCtr="0">
             <a:normAutofit/>
           </a:bodyPr>
           <a:lstStyle>
@@ -4696,15 +4977,19 @@
               <a:defRPr sz="4800"/>
             </a:lvl9pPr>
           </a:lstStyle>
-          <a:p/>
+          <a:p>
+            <a:endParaRPr/>
+          </a:p>
         </p:txBody>
       </p:sp>
       <p:sp>
         <p:nvSpPr>
           <p:cNvPr id="34" name="Google Shape;34;p8"/>
-          <p:cNvSpPr txBox="1"/>
+          <p:cNvSpPr txBox="1">
+            <a:spLocks noGrp="1"/>
+          </p:cNvSpPr>
           <p:nvPr>
-            <p:ph idx="12" type="sldNum"/>
+            <p:ph type="sldNum" idx="12"/>
           </p:nvPr>
         </p:nvSpPr>
         <p:spPr>
@@ -4717,7 +5002,7 @@
           </a:prstGeom>
         </p:spPr>
         <p:txBody>
-          <a:bodyPr anchorCtr="0" anchor="ctr" bIns="91425" lIns="91425" spcFirstLastPara="1" rIns="91425" wrap="square" tIns="91425">
+          <a:bodyPr spcFirstLastPara="1" wrap="square" lIns="91425" tIns="91425" rIns="91425" bIns="91425" anchor="ctr" anchorCtr="0">
             <a:normAutofit/>
           </a:bodyPr>
           <a:lstStyle>
@@ -4759,7 +5044,7 @@
             </a:lvl9pPr>
           </a:lstStyle>
           <a:p>
-            <a:pPr indent="0" lvl="0" marL="0" rtl="0" algn="r">
+            <a:pPr marL="0" lvl="0" indent="0" algn="r" rtl="0">
               <a:spcBef>
                 <a:spcPts val="0"/>
               </a:spcBef>
@@ -4785,11 +5070,11 @@
 </file>
 
 <file path=ppt/slideLayouts/slideLayout8.xml><?xml version="1.0" encoding="utf-8"?>
-<p:sldLayout xmlns:a="http://schemas.openxmlformats.org/drawingml/2006/main" xmlns:r="http://schemas.openxmlformats.org/officeDocument/2006/relationships" xmlns:mc="http://schemas.openxmlformats.org/markup-compatibility/2006" xmlns:mv="urn:schemas-microsoft-com:mac:vml" xmlns:p="http://schemas.openxmlformats.org/presentationml/2006/main" xmlns:c="http://schemas.openxmlformats.org/drawingml/2006/chart" xmlns:dgm="http://schemas.openxmlformats.org/drawingml/2006/diagram" xmlns:o="urn:schemas-microsoft-com:office:office" xmlns:v="urn:schemas-microsoft-com:vml" xmlns:pvml="urn:schemas-microsoft-com:office:powerpoint" xmlns:com="http://schemas.openxmlformats.org/drawingml/2006/compatibility" xmlns:p14="http://schemas.microsoft.com/office/powerpoint/2010/main" xmlns:p15="http://schemas.microsoft.com/office/powerpoint/2012/main" xmlns:ahyp="http://schemas.microsoft.com/office/drawing/2018/hyperlinkcolor" matchingName="Section title and description">
+<p:sldLayout xmlns:a="http://schemas.openxmlformats.org/drawingml/2006/main" xmlns:r="http://schemas.openxmlformats.org/officeDocument/2006/relationships" xmlns:p="http://schemas.openxmlformats.org/presentationml/2006/main" matchingName="Section title and description">
   <p:cSld name="SECTION_TITLE_AND_DESCRIPTION">
     <p:spTree>
       <p:nvGrpSpPr>
-        <p:cNvPr id="35" name="Shape 35"/>
+        <p:cNvPr id="1" name="Shape 35"/>
         <p:cNvGrpSpPr/>
         <p:nvPr/>
       </p:nvGrpSpPr>
@@ -4823,12 +5108,12 @@
           </a:ln>
         </p:spPr>
         <p:txBody>
-          <a:bodyPr anchorCtr="0" anchor="ctr" bIns="91425" lIns="91425" spcFirstLastPara="1" rIns="91425" wrap="square" tIns="91425">
+          <a:bodyPr spcFirstLastPara="1" wrap="square" lIns="91425" tIns="91425" rIns="91425" bIns="91425" anchor="ctr" anchorCtr="0">
             <a:noAutofit/>
           </a:bodyPr>
           <a:lstStyle/>
           <a:p>
-            <a:pPr indent="0" lvl="0" marL="0" rtl="0" algn="l">
+            <a:pPr marL="0" lvl="0" indent="0" algn="l" rtl="0">
               <a:spcBef>
                 <a:spcPts val="0"/>
               </a:spcBef>
@@ -4837,9 +5122,6 @@
               </a:spcAft>
               <a:buNone/>
             </a:pPr>
-            <a:r>
-              <a:t/>
-            </a:r>
             <a:endParaRPr/>
           </a:p>
         </p:txBody>
@@ -4847,7 +5129,9 @@
       <p:sp>
         <p:nvSpPr>
           <p:cNvPr id="37" name="Google Shape;37;p9"/>
-          <p:cNvSpPr txBox="1"/>
+          <p:cNvSpPr txBox="1">
+            <a:spLocks noGrp="1"/>
+          </p:cNvSpPr>
           <p:nvPr>
             <p:ph type="title"/>
           </p:nvPr>
@@ -4862,7 +5146,7 @@
           </a:prstGeom>
         </p:spPr>
         <p:txBody>
-          <a:bodyPr anchorCtr="0" anchor="b" bIns="91425" lIns="91425" spcFirstLastPara="1" rIns="91425" wrap="square" tIns="91425">
+          <a:bodyPr spcFirstLastPara="1" wrap="square" lIns="91425" tIns="91425" rIns="91425" bIns="91425" anchor="b" anchorCtr="0">
             <a:normAutofit/>
           </a:bodyPr>
           <a:lstStyle>
@@ -4966,15 +5250,19 @@
               <a:defRPr sz="4200"/>
             </a:lvl9pPr>
           </a:lstStyle>
-          <a:p/>
+          <a:p>
+            <a:endParaRPr/>
+          </a:p>
         </p:txBody>
       </p:sp>
       <p:sp>
         <p:nvSpPr>
           <p:cNvPr id="38" name="Google Shape;38;p9"/>
-          <p:cNvSpPr txBox="1"/>
+          <p:cNvSpPr txBox="1">
+            <a:spLocks noGrp="1"/>
+          </p:cNvSpPr>
           <p:nvPr>
-            <p:ph idx="1" type="subTitle"/>
+            <p:ph type="subTitle" idx="1"/>
           </p:nvPr>
         </p:nvSpPr>
         <p:spPr>
@@ -4987,7 +5275,7 @@
           </a:prstGeom>
         </p:spPr>
         <p:txBody>
-          <a:bodyPr anchorCtr="0" anchor="t" bIns="91425" lIns="91425" spcFirstLastPara="1" rIns="91425" wrap="square" tIns="91425">
+          <a:bodyPr spcFirstLastPara="1" wrap="square" lIns="91425" tIns="91425" rIns="91425" bIns="91425" anchor="t" anchorCtr="0">
             <a:normAutofit/>
           </a:bodyPr>
           <a:lstStyle>
@@ -5118,15 +5406,19 @@
               <a:defRPr sz="2100"/>
             </a:lvl9pPr>
           </a:lstStyle>
-          <a:p/>
+          <a:p>
+            <a:endParaRPr/>
+          </a:p>
         </p:txBody>
       </p:sp>
       <p:sp>
         <p:nvSpPr>
           <p:cNvPr id="39" name="Google Shape;39;p9"/>
-          <p:cNvSpPr txBox="1"/>
+          <p:cNvSpPr txBox="1">
+            <a:spLocks noGrp="1"/>
+          </p:cNvSpPr>
           <p:nvPr>
-            <p:ph idx="2" type="body"/>
+            <p:ph type="body" idx="2"/>
           </p:nvPr>
         </p:nvSpPr>
         <p:spPr>
@@ -5139,11 +5431,11 @@
           </a:prstGeom>
         </p:spPr>
         <p:txBody>
-          <a:bodyPr anchorCtr="0" anchor="ctr" bIns="91425" lIns="91425" spcFirstLastPara="1" rIns="91425" wrap="square" tIns="91425">
+          <a:bodyPr spcFirstLastPara="1" wrap="square" lIns="91425" tIns="91425" rIns="91425" bIns="91425" anchor="ctr" anchorCtr="0">
             <a:normAutofit/>
           </a:bodyPr>
           <a:lstStyle>
-            <a:lvl1pPr indent="-342900" lvl="0" marL="457200">
+            <a:lvl1pPr marL="457200" lvl="0" indent="-342900">
               <a:spcBef>
                 <a:spcPts val="0"/>
               </a:spcBef>
@@ -5154,7 +5446,7 @@
               <a:buChar char="●"/>
               <a:defRPr/>
             </a:lvl1pPr>
-            <a:lvl2pPr indent="-317500" lvl="1" marL="914400">
+            <a:lvl2pPr marL="914400" lvl="1" indent="-317500">
               <a:spcBef>
                 <a:spcPts val="0"/>
               </a:spcBef>
@@ -5165,7 +5457,7 @@
               <a:buChar char="○"/>
               <a:defRPr/>
             </a:lvl2pPr>
-            <a:lvl3pPr indent="-317500" lvl="2" marL="1371600">
+            <a:lvl3pPr marL="1371600" lvl="2" indent="-317500">
               <a:spcBef>
                 <a:spcPts val="0"/>
               </a:spcBef>
@@ -5176,7 +5468,7 @@
               <a:buChar char="■"/>
               <a:defRPr/>
             </a:lvl3pPr>
-            <a:lvl4pPr indent="-317500" lvl="3" marL="1828800">
+            <a:lvl4pPr marL="1828800" lvl="3" indent="-317500">
               <a:spcBef>
                 <a:spcPts val="0"/>
               </a:spcBef>
@@ -5187,7 +5479,7 @@
               <a:buChar char="●"/>
               <a:defRPr/>
             </a:lvl4pPr>
-            <a:lvl5pPr indent="-317500" lvl="4" marL="2286000">
+            <a:lvl5pPr marL="2286000" lvl="4" indent="-317500">
               <a:spcBef>
                 <a:spcPts val="0"/>
               </a:spcBef>
@@ -5198,7 +5490,7 @@
               <a:buChar char="○"/>
               <a:defRPr/>
             </a:lvl5pPr>
-            <a:lvl6pPr indent="-317500" lvl="5" marL="2743200">
+            <a:lvl6pPr marL="2743200" lvl="5" indent="-317500">
               <a:spcBef>
                 <a:spcPts val="0"/>
               </a:spcBef>
@@ -5209,7 +5501,7 @@
               <a:buChar char="■"/>
               <a:defRPr/>
             </a:lvl6pPr>
-            <a:lvl7pPr indent="-317500" lvl="6" marL="3200400">
+            <a:lvl7pPr marL="3200400" lvl="6" indent="-317500">
               <a:spcBef>
                 <a:spcPts val="0"/>
               </a:spcBef>
@@ -5220,7 +5512,7 @@
               <a:buChar char="●"/>
               <a:defRPr/>
             </a:lvl7pPr>
-            <a:lvl8pPr indent="-317500" lvl="7" marL="3657600">
+            <a:lvl8pPr marL="3657600" lvl="7" indent="-317500">
               <a:spcBef>
                 <a:spcPts val="0"/>
               </a:spcBef>
@@ -5231,7 +5523,7 @@
               <a:buChar char="○"/>
               <a:defRPr/>
             </a:lvl8pPr>
-            <a:lvl9pPr indent="-317500" lvl="8" marL="4114800">
+            <a:lvl9pPr marL="4114800" lvl="8" indent="-317500">
               <a:spcBef>
                 <a:spcPts val="0"/>
               </a:spcBef>
@@ -5243,15 +5535,19 @@
               <a:defRPr/>
             </a:lvl9pPr>
           </a:lstStyle>
-          <a:p/>
+          <a:p>
+            <a:endParaRPr/>
+          </a:p>
         </p:txBody>
       </p:sp>
       <p:sp>
         <p:nvSpPr>
           <p:cNvPr id="40" name="Google Shape;40;p9"/>
-          <p:cNvSpPr txBox="1"/>
+          <p:cNvSpPr txBox="1">
+            <a:spLocks noGrp="1"/>
+          </p:cNvSpPr>
           <p:nvPr>
-            <p:ph idx="12" type="sldNum"/>
+            <p:ph type="sldNum" idx="12"/>
           </p:nvPr>
         </p:nvSpPr>
         <p:spPr>
@@ -5264,7 +5560,7 @@
           </a:prstGeom>
         </p:spPr>
         <p:txBody>
-          <a:bodyPr anchorCtr="0" anchor="ctr" bIns="91425" lIns="91425" spcFirstLastPara="1" rIns="91425" wrap="square" tIns="91425">
+          <a:bodyPr spcFirstLastPara="1" wrap="square" lIns="91425" tIns="91425" rIns="91425" bIns="91425" anchor="ctr" anchorCtr="0">
             <a:normAutofit/>
           </a:bodyPr>
           <a:lstStyle>
@@ -5306,7 +5602,7 @@
             </a:lvl9pPr>
           </a:lstStyle>
           <a:p>
-            <a:pPr indent="0" lvl="0" marL="0" rtl="0" algn="r">
+            <a:pPr marL="0" lvl="0" indent="0" algn="r" rtl="0">
               <a:spcBef>
                 <a:spcPts val="0"/>
               </a:spcBef>
@@ -5332,11 +5628,11 @@
 </file>
 
 <file path=ppt/slideLayouts/slideLayout9.xml><?xml version="1.0" encoding="utf-8"?>
-<p:sldLayout xmlns:a="http://schemas.openxmlformats.org/drawingml/2006/main" xmlns:r="http://schemas.openxmlformats.org/officeDocument/2006/relationships" xmlns:mc="http://schemas.openxmlformats.org/markup-compatibility/2006" xmlns:mv="urn:schemas-microsoft-com:mac:vml" xmlns:p="http://schemas.openxmlformats.org/presentationml/2006/main" xmlns:c="http://schemas.openxmlformats.org/drawingml/2006/chart" xmlns:dgm="http://schemas.openxmlformats.org/drawingml/2006/diagram" xmlns:o="urn:schemas-microsoft-com:office:office" xmlns:v="urn:schemas-microsoft-com:vml" xmlns:pvml="urn:schemas-microsoft-com:office:powerpoint" xmlns:com="http://schemas.openxmlformats.org/drawingml/2006/compatibility" xmlns:p14="http://schemas.microsoft.com/office/powerpoint/2010/main" xmlns:p15="http://schemas.microsoft.com/office/powerpoint/2012/main" xmlns:ahyp="http://schemas.microsoft.com/office/drawing/2018/hyperlinkcolor" matchingName="Caption">
+<p:sldLayout xmlns:a="http://schemas.openxmlformats.org/drawingml/2006/main" xmlns:r="http://schemas.openxmlformats.org/officeDocument/2006/relationships" xmlns:p="http://schemas.openxmlformats.org/presentationml/2006/main" matchingName="Caption">
   <p:cSld name="CAPTION_ONLY">
     <p:spTree>
       <p:nvGrpSpPr>
-        <p:cNvPr id="41" name="Shape 41"/>
+        <p:cNvPr id="1" name="Shape 41"/>
         <p:cNvGrpSpPr/>
         <p:nvPr/>
       </p:nvGrpSpPr>
@@ -5351,9 +5647,11 @@
       <p:sp>
         <p:nvSpPr>
           <p:cNvPr id="42" name="Google Shape;42;p10"/>
-          <p:cNvSpPr txBox="1"/>
+          <p:cNvSpPr txBox="1">
+            <a:spLocks noGrp="1"/>
+          </p:cNvSpPr>
           <p:nvPr>
-            <p:ph idx="1" type="body"/>
+            <p:ph type="body" idx="1"/>
           </p:nvPr>
         </p:nvSpPr>
         <p:spPr>
@@ -5366,11 +5664,11 @@
           </a:prstGeom>
         </p:spPr>
         <p:txBody>
-          <a:bodyPr anchorCtr="0" anchor="ctr" bIns="91425" lIns="91425" spcFirstLastPara="1" rIns="91425" wrap="square" tIns="91425">
+          <a:bodyPr spcFirstLastPara="1" wrap="square" lIns="91425" tIns="91425" rIns="91425" bIns="91425" anchor="ctr" anchorCtr="0">
             <a:normAutofit/>
           </a:bodyPr>
           <a:lstStyle>
-            <a:lvl1pPr indent="-228600" lvl="0" marL="457200">
+            <a:lvl1pPr marL="457200" lvl="0" indent="-228600">
               <a:lnSpc>
                 <a:spcPct val="100000"/>
               </a:lnSpc>
@@ -5385,15 +5683,19 @@
               <a:defRPr/>
             </a:lvl1pPr>
           </a:lstStyle>
-          <a:p/>
+          <a:p>
+            <a:endParaRPr/>
+          </a:p>
         </p:txBody>
       </p:sp>
       <p:sp>
         <p:nvSpPr>
           <p:cNvPr id="43" name="Google Shape;43;p10"/>
-          <p:cNvSpPr txBox="1"/>
+          <p:cNvSpPr txBox="1">
+            <a:spLocks noGrp="1"/>
+          </p:cNvSpPr>
           <p:nvPr>
-            <p:ph idx="12" type="sldNum"/>
+            <p:ph type="sldNum" idx="12"/>
           </p:nvPr>
         </p:nvSpPr>
         <p:spPr>
@@ -5406,7 +5708,7 @@
           </a:prstGeom>
         </p:spPr>
         <p:txBody>
-          <a:bodyPr anchorCtr="0" anchor="ctr" bIns="91425" lIns="91425" spcFirstLastPara="1" rIns="91425" wrap="square" tIns="91425">
+          <a:bodyPr spcFirstLastPara="1" wrap="square" lIns="91425" tIns="91425" rIns="91425" bIns="91425" anchor="ctr" anchorCtr="0">
             <a:normAutofit/>
           </a:bodyPr>
           <a:lstStyle>
@@ -5448,7 +5750,7 @@
             </a:lvl9pPr>
           </a:lstStyle>
           <a:p>
-            <a:pPr indent="0" lvl="0" marL="0" rtl="0" algn="r">
+            <a:pPr marL="0" lvl="0" indent="0" algn="r" rtl="0">
               <a:spcBef>
                 <a:spcPts val="0"/>
               </a:spcBef>
@@ -5474,18 +5776,19 @@
 </file>
 
 <file path=ppt/slideMasters/slideMaster1.xml><?xml version="1.0" encoding="utf-8"?>
-<p:sldMaster xmlns:a="http://schemas.openxmlformats.org/drawingml/2006/main" xmlns:r="http://schemas.openxmlformats.org/officeDocument/2006/relationships" xmlns:mc="http://schemas.openxmlformats.org/markup-compatibility/2006" xmlns:mv="urn:schemas-microsoft-com:mac:vml" xmlns:p="http://schemas.openxmlformats.org/presentationml/2006/main" xmlns:c="http://schemas.openxmlformats.org/drawingml/2006/chart" xmlns:dgm="http://schemas.openxmlformats.org/drawingml/2006/diagram" xmlns:o="urn:schemas-microsoft-com:office:office" xmlns:v="urn:schemas-microsoft-com:vml" xmlns:pvml="urn:schemas-microsoft-com:office:powerpoint" xmlns:com="http://schemas.openxmlformats.org/drawingml/2006/compatibility" xmlns:p14="http://schemas.microsoft.com/office/powerpoint/2010/main" xmlns:p15="http://schemas.microsoft.com/office/powerpoint/2012/main" xmlns:ahyp="http://schemas.microsoft.com/office/drawing/2018/hyperlinkcolor">
+<p:sldMaster xmlns:a="http://schemas.openxmlformats.org/drawingml/2006/main" xmlns:r="http://schemas.openxmlformats.org/officeDocument/2006/relationships" xmlns:p="http://schemas.openxmlformats.org/presentationml/2006/main">
   <p:cSld name="simple-light-2">
     <p:bg>
       <p:bgPr>
         <a:solidFill>
           <a:schemeClr val="lt1"/>
         </a:solidFill>
+        <a:effectLst/>
       </p:bgPr>
     </p:bg>
     <p:spTree>
       <p:nvGrpSpPr>
-        <p:cNvPr id="5" name="Shape 5"/>
+        <p:cNvPr id="1" name="Shape 5"/>
         <p:cNvGrpSpPr/>
         <p:nvPr/>
       </p:nvGrpSpPr>
@@ -5500,7 +5803,9 @@
       <p:sp>
         <p:nvSpPr>
           <p:cNvPr id="6" name="Google Shape;6;p1"/>
-          <p:cNvSpPr txBox="1"/>
+          <p:cNvSpPr txBox="1">
+            <a:spLocks noGrp="1"/>
+          </p:cNvSpPr>
           <p:nvPr>
             <p:ph type="title"/>
           </p:nvPr>
@@ -5519,7 +5824,7 @@
           </a:ln>
         </p:spPr>
         <p:txBody>
-          <a:bodyPr anchorCtr="0" anchor="t" bIns="91425" lIns="91425" spcFirstLastPara="1" rIns="91425" wrap="square" tIns="91425">
+          <a:bodyPr spcFirstLastPara="1" wrap="square" lIns="91425" tIns="91425" rIns="91425" bIns="91425" anchor="t" anchorCtr="0">
             <a:normAutofit/>
           </a:bodyPr>
           <a:lstStyle>
@@ -5686,15 +5991,19 @@
               </a:defRPr>
             </a:lvl9pPr>
           </a:lstStyle>
-          <a:p/>
+          <a:p>
+            <a:endParaRPr/>
+          </a:p>
         </p:txBody>
       </p:sp>
       <p:sp>
         <p:nvSpPr>
           <p:cNvPr id="7" name="Google Shape;7;p1"/>
-          <p:cNvSpPr txBox="1"/>
+          <p:cNvSpPr txBox="1">
+            <a:spLocks noGrp="1"/>
+          </p:cNvSpPr>
           <p:nvPr>
-            <p:ph idx="1" type="body"/>
+            <p:ph type="body" idx="1"/>
           </p:nvPr>
         </p:nvSpPr>
         <p:spPr>
@@ -5711,11 +6020,11 @@
           </a:ln>
         </p:spPr>
         <p:txBody>
-          <a:bodyPr anchorCtr="0" anchor="t" bIns="91425" lIns="91425" spcFirstLastPara="1" rIns="91425" wrap="square" tIns="91425">
+          <a:bodyPr spcFirstLastPara="1" wrap="square" lIns="91425" tIns="91425" rIns="91425" bIns="91425" anchor="t" anchorCtr="0">
             <a:normAutofit/>
           </a:bodyPr>
           <a:lstStyle>
-            <a:lvl1pPr indent="-342900" lvl="0" marL="457200">
+            <a:lvl1pPr marL="457200" lvl="0" indent="-342900">
               <a:lnSpc>
                 <a:spcPct val="115000"/>
               </a:lnSpc>
@@ -5736,7 +6045,7 @@
                 </a:solidFill>
               </a:defRPr>
             </a:lvl1pPr>
-            <a:lvl2pPr indent="-317500" lvl="1" marL="914400">
+            <a:lvl2pPr marL="914400" lvl="1" indent="-317500">
               <a:lnSpc>
                 <a:spcPct val="115000"/>
               </a:lnSpc>
@@ -5757,7 +6066,7 @@
                 </a:solidFill>
               </a:defRPr>
             </a:lvl2pPr>
-            <a:lvl3pPr indent="-317500" lvl="2" marL="1371600">
+            <a:lvl3pPr marL="1371600" lvl="2" indent="-317500">
               <a:lnSpc>
                 <a:spcPct val="115000"/>
               </a:lnSpc>
@@ -5778,7 +6087,7 @@
                 </a:solidFill>
               </a:defRPr>
             </a:lvl3pPr>
-            <a:lvl4pPr indent="-317500" lvl="3" marL="1828800">
+            <a:lvl4pPr marL="1828800" lvl="3" indent="-317500">
               <a:lnSpc>
                 <a:spcPct val="115000"/>
               </a:lnSpc>
@@ -5799,7 +6108,7 @@
                 </a:solidFill>
               </a:defRPr>
             </a:lvl4pPr>
-            <a:lvl5pPr indent="-317500" lvl="4" marL="2286000">
+            <a:lvl5pPr marL="2286000" lvl="4" indent="-317500">
               <a:lnSpc>
                 <a:spcPct val="115000"/>
               </a:lnSpc>
@@ -5820,7 +6129,7 @@
                 </a:solidFill>
               </a:defRPr>
             </a:lvl5pPr>
-            <a:lvl6pPr indent="-317500" lvl="5" marL="2743200">
+            <a:lvl6pPr marL="2743200" lvl="5" indent="-317500">
               <a:lnSpc>
                 <a:spcPct val="115000"/>
               </a:lnSpc>
@@ -5841,7 +6150,7 @@
                 </a:solidFill>
               </a:defRPr>
             </a:lvl6pPr>
-            <a:lvl7pPr indent="-317500" lvl="6" marL="3200400">
+            <a:lvl7pPr marL="3200400" lvl="6" indent="-317500">
               <a:lnSpc>
                 <a:spcPct val="115000"/>
               </a:lnSpc>
@@ -5862,7 +6171,7 @@
                 </a:solidFill>
               </a:defRPr>
             </a:lvl7pPr>
-            <a:lvl8pPr indent="-317500" lvl="7" marL="3657600">
+            <a:lvl8pPr marL="3657600" lvl="7" indent="-317500">
               <a:lnSpc>
                 <a:spcPct val="115000"/>
               </a:lnSpc>
@@ -5883,7 +6192,7 @@
                 </a:solidFill>
               </a:defRPr>
             </a:lvl8pPr>
-            <a:lvl9pPr indent="-317500" lvl="8" marL="4114800">
+            <a:lvl9pPr marL="4114800" lvl="8" indent="-317500">
               <a:lnSpc>
                 <a:spcPct val="115000"/>
               </a:lnSpc>
@@ -5905,15 +6214,19 @@
               </a:defRPr>
             </a:lvl9pPr>
           </a:lstStyle>
-          <a:p/>
+          <a:p>
+            <a:endParaRPr/>
+          </a:p>
         </p:txBody>
       </p:sp>
       <p:sp>
         <p:nvSpPr>
           <p:cNvPr id="8" name="Google Shape;8;p1"/>
-          <p:cNvSpPr txBox="1"/>
+          <p:cNvSpPr txBox="1">
+            <a:spLocks noGrp="1"/>
+          </p:cNvSpPr>
           <p:nvPr>
-            <p:ph idx="12" type="sldNum"/>
+            <p:ph type="sldNum" idx="12"/>
           </p:nvPr>
         </p:nvSpPr>
         <p:spPr>
@@ -5930,7 +6243,7 @@
           </a:ln>
         </p:spPr>
         <p:txBody>
-          <a:bodyPr anchorCtr="0" anchor="ctr" bIns="91425" lIns="91425" spcFirstLastPara="1" rIns="91425" wrap="square" tIns="91425">
+          <a:bodyPr spcFirstLastPara="1" wrap="square" lIns="91425" tIns="91425" rIns="91425" bIns="91425" anchor="ctr" anchorCtr="0">
             <a:normAutofit/>
           </a:bodyPr>
           <a:lstStyle>
@@ -6008,7 +6321,7 @@
             </a:lvl9pPr>
           </a:lstStyle>
           <a:p>
-            <a:pPr indent="0" lvl="0" marL="0" rtl="0" algn="r">
+            <a:pPr marL="0" lvl="0" indent="0" algn="r" rtl="0">
               <a:spcBef>
                 <a:spcPts val="0"/>
               </a:spcBef>
@@ -6027,7 +6340,7 @@
       </p:sp>
     </p:spTree>
   </p:cSld>
-  <p:clrMap accent1="accent1" accent2="accent2" accent3="accent3" accent4="accent4" accent5="accent5" accent6="accent6" bg1="lt1" bg2="dk2" tx1="dk1" tx2="lt2" folHlink="folHlink" hlink="hlink"/>
+  <p:clrMap bg1="lt1" tx1="dk1" bg2="dk2" tx2="lt2" accent1="accent1" accent2="accent2" accent3="accent3" accent4="accent4" accent5="accent5" accent6="accent6" hlink="hlink" folHlink="folHlink"/>
   <p:sldLayoutIdLst>
     <p:sldLayoutId id="2147483648" r:id="rId1"/>
     <p:sldLayoutId id="2147483649" r:id="rId2"/>
@@ -6041,10 +6354,10 @@
     <p:sldLayoutId id="2147483657" r:id="rId10"/>
     <p:sldLayoutId id="2147483658" r:id="rId11"/>
   </p:sldLayoutIdLst>
-  <p:hf dt="0" ftr="0" hdr="0" sldNum="0"/>
+  <p:hf sldNum="0" hdr="0" ftr="0" dt="0"/>
   <p:txStyles>
     <p:titleStyle>
-      <a:defPPr lvl="0" marR="0" rtl="0" algn="l">
+      <a:defPPr marR="0" lvl="0" algn="l" rtl="0">
         <a:lnSpc>
           <a:spcPct val="100000"/>
         </a:lnSpc>
@@ -6055,7 +6368,7 @@
           <a:spcPts val="0"/>
         </a:spcAft>
       </a:defPPr>
-      <a:lvl1pPr lvl="0" marR="0" rtl="0" algn="l">
+      <a:lvl1pPr marR="0" lvl="0" algn="l" rtl="0">
         <a:lnSpc>
           <a:spcPct val="100000"/>
         </a:lnSpc>
@@ -6069,7 +6382,7 @@
           <a:srgbClr val="000000"/>
         </a:buClr>
         <a:buFont typeface="Arial"/>
-        <a:defRPr b="0" i="0" sz="1400" u="none" cap="none" strike="noStrike">
+        <a:defRPr sz="1400" b="0" i="0" u="none" strike="noStrike" cap="none">
           <a:solidFill>
             <a:srgbClr val="000000"/>
           </a:solidFill>
@@ -6079,7 +6392,7 @@
           <a:sym typeface="Arial"/>
         </a:defRPr>
       </a:lvl1pPr>
-      <a:lvl2pPr lvl="1" marR="0" rtl="0" algn="l">
+      <a:lvl2pPr marR="0" lvl="1" algn="l" rtl="0">
         <a:lnSpc>
           <a:spcPct val="100000"/>
         </a:lnSpc>
@@ -6093,7 +6406,7 @@
           <a:srgbClr val="000000"/>
         </a:buClr>
         <a:buFont typeface="Arial"/>
-        <a:defRPr b="0" i="0" sz="1400" u="none" cap="none" strike="noStrike">
+        <a:defRPr sz="1400" b="0" i="0" u="none" strike="noStrike" cap="none">
           <a:solidFill>
             <a:srgbClr val="000000"/>
           </a:solidFill>
@@ -6103,7 +6416,7 @@
           <a:sym typeface="Arial"/>
         </a:defRPr>
       </a:lvl2pPr>
-      <a:lvl3pPr lvl="2" marR="0" rtl="0" algn="l">
+      <a:lvl3pPr marR="0" lvl="2" algn="l" rtl="0">
         <a:lnSpc>
           <a:spcPct val="100000"/>
         </a:lnSpc>
@@ -6117,7 +6430,7 @@
           <a:srgbClr val="000000"/>
         </a:buClr>
         <a:buFont typeface="Arial"/>
-        <a:defRPr b="0" i="0" sz="1400" u="none" cap="none" strike="noStrike">
+        <a:defRPr sz="1400" b="0" i="0" u="none" strike="noStrike" cap="none">
           <a:solidFill>
             <a:srgbClr val="000000"/>
           </a:solidFill>
@@ -6127,7 +6440,7 @@
           <a:sym typeface="Arial"/>
         </a:defRPr>
       </a:lvl3pPr>
-      <a:lvl4pPr lvl="3" marR="0" rtl="0" algn="l">
+      <a:lvl4pPr marR="0" lvl="3" algn="l" rtl="0">
         <a:lnSpc>
           <a:spcPct val="100000"/>
         </a:lnSpc>
@@ -6141,7 +6454,7 @@
           <a:srgbClr val="000000"/>
         </a:buClr>
         <a:buFont typeface="Arial"/>
-        <a:defRPr b="0" i="0" sz="1400" u="none" cap="none" strike="noStrike">
+        <a:defRPr sz="1400" b="0" i="0" u="none" strike="noStrike" cap="none">
           <a:solidFill>
             <a:srgbClr val="000000"/>
           </a:solidFill>
@@ -6151,7 +6464,7 @@
           <a:sym typeface="Arial"/>
         </a:defRPr>
       </a:lvl4pPr>
-      <a:lvl5pPr lvl="4" marR="0" rtl="0" algn="l">
+      <a:lvl5pPr marR="0" lvl="4" algn="l" rtl="0">
         <a:lnSpc>
           <a:spcPct val="100000"/>
         </a:lnSpc>
@@ -6165,7 +6478,7 @@
           <a:srgbClr val="000000"/>
         </a:buClr>
         <a:buFont typeface="Arial"/>
-        <a:defRPr b="0" i="0" sz="1400" u="none" cap="none" strike="noStrike">
+        <a:defRPr sz="1400" b="0" i="0" u="none" strike="noStrike" cap="none">
           <a:solidFill>
             <a:srgbClr val="000000"/>
           </a:solidFill>
@@ -6175,7 +6488,7 @@
           <a:sym typeface="Arial"/>
         </a:defRPr>
       </a:lvl5pPr>
-      <a:lvl6pPr lvl="5" marR="0" rtl="0" algn="l">
+      <a:lvl6pPr marR="0" lvl="5" algn="l" rtl="0">
         <a:lnSpc>
           <a:spcPct val="100000"/>
         </a:lnSpc>
@@ -6189,7 +6502,7 @@
           <a:srgbClr val="000000"/>
         </a:buClr>
         <a:buFont typeface="Arial"/>
-        <a:defRPr b="0" i="0" sz="1400" u="none" cap="none" strike="noStrike">
+        <a:defRPr sz="1400" b="0" i="0" u="none" strike="noStrike" cap="none">
           <a:solidFill>
             <a:srgbClr val="000000"/>
           </a:solidFill>
@@ -6199,7 +6512,7 @@
           <a:sym typeface="Arial"/>
         </a:defRPr>
       </a:lvl6pPr>
-      <a:lvl7pPr lvl="6" marR="0" rtl="0" algn="l">
+      <a:lvl7pPr marR="0" lvl="6" algn="l" rtl="0">
         <a:lnSpc>
           <a:spcPct val="100000"/>
         </a:lnSpc>
@@ -6213,7 +6526,7 @@
           <a:srgbClr val="000000"/>
         </a:buClr>
         <a:buFont typeface="Arial"/>
-        <a:defRPr b="0" i="0" sz="1400" u="none" cap="none" strike="noStrike">
+        <a:defRPr sz="1400" b="0" i="0" u="none" strike="noStrike" cap="none">
           <a:solidFill>
             <a:srgbClr val="000000"/>
           </a:solidFill>
@@ -6223,7 +6536,7 @@
           <a:sym typeface="Arial"/>
         </a:defRPr>
       </a:lvl7pPr>
-      <a:lvl8pPr lvl="7" marR="0" rtl="0" algn="l">
+      <a:lvl8pPr marR="0" lvl="7" algn="l" rtl="0">
         <a:lnSpc>
           <a:spcPct val="100000"/>
         </a:lnSpc>
@@ -6237,7 +6550,7 @@
           <a:srgbClr val="000000"/>
         </a:buClr>
         <a:buFont typeface="Arial"/>
-        <a:defRPr b="0" i="0" sz="1400" u="none" cap="none" strike="noStrike">
+        <a:defRPr sz="1400" b="0" i="0" u="none" strike="noStrike" cap="none">
           <a:solidFill>
             <a:srgbClr val="000000"/>
           </a:solidFill>
@@ -6247,7 +6560,7 @@
           <a:sym typeface="Arial"/>
         </a:defRPr>
       </a:lvl8pPr>
-      <a:lvl9pPr lvl="8" marR="0" rtl="0" algn="l">
+      <a:lvl9pPr marR="0" lvl="8" algn="l" rtl="0">
         <a:lnSpc>
           <a:spcPct val="100000"/>
         </a:lnSpc>
@@ -6261,7 +6574,7 @@
           <a:srgbClr val="000000"/>
         </a:buClr>
         <a:buFont typeface="Arial"/>
-        <a:defRPr b="0" i="0" sz="1400" u="none" cap="none" strike="noStrike">
+        <a:defRPr sz="1400" b="0" i="0" u="none" strike="noStrike" cap="none">
           <a:solidFill>
             <a:srgbClr val="000000"/>
           </a:solidFill>
@@ -6273,7 +6586,7 @@
       </a:lvl9pPr>
     </p:titleStyle>
     <p:bodyStyle>
-      <a:defPPr lvl="0" marR="0" rtl="0" algn="l">
+      <a:defPPr marR="0" lvl="0" algn="l" rtl="0">
         <a:lnSpc>
           <a:spcPct val="100000"/>
         </a:lnSpc>
@@ -6284,7 +6597,7 @@
           <a:spcPts val="0"/>
         </a:spcAft>
       </a:defPPr>
-      <a:lvl1pPr lvl="0" marR="0" rtl="0" algn="l">
+      <a:lvl1pPr marR="0" lvl="0" algn="l" rtl="0">
         <a:lnSpc>
           <a:spcPct val="100000"/>
         </a:lnSpc>
@@ -6298,7 +6611,7 @@
           <a:srgbClr val="000000"/>
         </a:buClr>
         <a:buFont typeface="Arial"/>
-        <a:defRPr b="0" i="0" sz="1400" u="none" cap="none" strike="noStrike">
+        <a:defRPr sz="1400" b="0" i="0" u="none" strike="noStrike" cap="none">
           <a:solidFill>
             <a:srgbClr val="000000"/>
           </a:solidFill>
@@ -6308,7 +6621,7 @@
           <a:sym typeface="Arial"/>
         </a:defRPr>
       </a:lvl1pPr>
-      <a:lvl2pPr lvl="1" marR="0" rtl="0" algn="l">
+      <a:lvl2pPr marR="0" lvl="1" algn="l" rtl="0">
         <a:lnSpc>
           <a:spcPct val="100000"/>
         </a:lnSpc>
@@ -6322,7 +6635,7 @@
           <a:srgbClr val="000000"/>
         </a:buClr>
         <a:buFont typeface="Arial"/>
-        <a:defRPr b="0" i="0" sz="1400" u="none" cap="none" strike="noStrike">
+        <a:defRPr sz="1400" b="0" i="0" u="none" strike="noStrike" cap="none">
           <a:solidFill>
             <a:srgbClr val="000000"/>
           </a:solidFill>
@@ -6332,7 +6645,7 @@
           <a:sym typeface="Arial"/>
         </a:defRPr>
       </a:lvl2pPr>
-      <a:lvl3pPr lvl="2" marR="0" rtl="0" algn="l">
+      <a:lvl3pPr marR="0" lvl="2" algn="l" rtl="0">
         <a:lnSpc>
           <a:spcPct val="100000"/>
         </a:lnSpc>
@@ -6346,7 +6659,7 @@
           <a:srgbClr val="000000"/>
         </a:buClr>
         <a:buFont typeface="Arial"/>
-        <a:defRPr b="0" i="0" sz="1400" u="none" cap="none" strike="noStrike">
+        <a:defRPr sz="1400" b="0" i="0" u="none" strike="noStrike" cap="none">
           <a:solidFill>
             <a:srgbClr val="000000"/>
           </a:solidFill>
@@ -6356,7 +6669,7 @@
           <a:sym typeface="Arial"/>
         </a:defRPr>
       </a:lvl3pPr>
-      <a:lvl4pPr lvl="3" marR="0" rtl="0" algn="l">
+      <a:lvl4pPr marR="0" lvl="3" algn="l" rtl="0">
         <a:lnSpc>
           <a:spcPct val="100000"/>
         </a:lnSpc>
@@ -6370,7 +6683,7 @@
           <a:srgbClr val="000000"/>
         </a:buClr>
         <a:buFont typeface="Arial"/>
-        <a:defRPr b="0" i="0" sz="1400" u="none" cap="none" strike="noStrike">
+        <a:defRPr sz="1400" b="0" i="0" u="none" strike="noStrike" cap="none">
           <a:solidFill>
             <a:srgbClr val="000000"/>
           </a:solidFill>
@@ -6380,7 +6693,7 @@
           <a:sym typeface="Arial"/>
         </a:defRPr>
       </a:lvl4pPr>
-      <a:lvl5pPr lvl="4" marR="0" rtl="0" algn="l">
+      <a:lvl5pPr marR="0" lvl="4" algn="l" rtl="0">
         <a:lnSpc>
           <a:spcPct val="100000"/>
         </a:lnSpc>
@@ -6394,7 +6707,7 @@
           <a:srgbClr val="000000"/>
         </a:buClr>
         <a:buFont typeface="Arial"/>
-        <a:defRPr b="0" i="0" sz="1400" u="none" cap="none" strike="noStrike">
+        <a:defRPr sz="1400" b="0" i="0" u="none" strike="noStrike" cap="none">
           <a:solidFill>
             <a:srgbClr val="000000"/>
           </a:solidFill>
@@ -6404,7 +6717,7 @@
           <a:sym typeface="Arial"/>
         </a:defRPr>
       </a:lvl5pPr>
-      <a:lvl6pPr lvl="5" marR="0" rtl="0" algn="l">
+      <a:lvl6pPr marR="0" lvl="5" algn="l" rtl="0">
         <a:lnSpc>
           <a:spcPct val="100000"/>
         </a:lnSpc>
@@ -6418,7 +6731,7 @@
           <a:srgbClr val="000000"/>
         </a:buClr>
         <a:buFont typeface="Arial"/>
-        <a:defRPr b="0" i="0" sz="1400" u="none" cap="none" strike="noStrike">
+        <a:defRPr sz="1400" b="0" i="0" u="none" strike="noStrike" cap="none">
           <a:solidFill>
             <a:srgbClr val="000000"/>
           </a:solidFill>
@@ -6428,7 +6741,7 @@
           <a:sym typeface="Arial"/>
         </a:defRPr>
       </a:lvl6pPr>
-      <a:lvl7pPr lvl="6" marR="0" rtl="0" algn="l">
+      <a:lvl7pPr marR="0" lvl="6" algn="l" rtl="0">
         <a:lnSpc>
           <a:spcPct val="100000"/>
         </a:lnSpc>
@@ -6442,7 +6755,7 @@
           <a:srgbClr val="000000"/>
         </a:buClr>
         <a:buFont typeface="Arial"/>
-        <a:defRPr b="0" i="0" sz="1400" u="none" cap="none" strike="noStrike">
+        <a:defRPr sz="1400" b="0" i="0" u="none" strike="noStrike" cap="none">
           <a:solidFill>
             <a:srgbClr val="000000"/>
           </a:solidFill>
@@ -6452,7 +6765,7 @@
           <a:sym typeface="Arial"/>
         </a:defRPr>
       </a:lvl7pPr>
-      <a:lvl8pPr lvl="7" marR="0" rtl="0" algn="l">
+      <a:lvl8pPr marR="0" lvl="7" algn="l" rtl="0">
         <a:lnSpc>
           <a:spcPct val="100000"/>
         </a:lnSpc>
@@ -6466,7 +6779,7 @@
           <a:srgbClr val="000000"/>
         </a:buClr>
         <a:buFont typeface="Arial"/>
-        <a:defRPr b="0" i="0" sz="1400" u="none" cap="none" strike="noStrike">
+        <a:defRPr sz="1400" b="0" i="0" u="none" strike="noStrike" cap="none">
           <a:solidFill>
             <a:srgbClr val="000000"/>
           </a:solidFill>
@@ -6476,7 +6789,7 @@
           <a:sym typeface="Arial"/>
         </a:defRPr>
       </a:lvl8pPr>
-      <a:lvl9pPr lvl="8" marR="0" rtl="0" algn="l">
+      <a:lvl9pPr marR="0" lvl="8" algn="l" rtl="0">
         <a:lnSpc>
           <a:spcPct val="100000"/>
         </a:lnSpc>
@@ -6490,7 +6803,7 @@
           <a:srgbClr val="000000"/>
         </a:buClr>
         <a:buFont typeface="Arial"/>
-        <a:defRPr b="0" i="0" sz="1400" u="none" cap="none" strike="noStrike">
+        <a:defRPr sz="1400" b="0" i="0" u="none" strike="noStrike" cap="none">
           <a:solidFill>
             <a:srgbClr val="000000"/>
           </a:solidFill>
@@ -6502,7 +6815,7 @@
       </a:lvl9pPr>
     </p:bodyStyle>
     <p:otherStyle>
-      <a:defPPr lvl="0" marR="0" rtl="0" algn="l">
+      <a:defPPr marR="0" lvl="0" algn="l" rtl="0">
         <a:lnSpc>
           <a:spcPct val="100000"/>
         </a:lnSpc>
@@ -6513,7 +6826,7 @@
           <a:spcPts val="0"/>
         </a:spcAft>
       </a:defPPr>
-      <a:lvl1pPr lvl="0" marR="0" rtl="0" algn="l">
+      <a:lvl1pPr marR="0" lvl="0" algn="l" rtl="0">
         <a:lnSpc>
           <a:spcPct val="100000"/>
         </a:lnSpc>
@@ -6527,7 +6840,7 @@
           <a:srgbClr val="000000"/>
         </a:buClr>
         <a:buFont typeface="Arial"/>
-        <a:defRPr b="0" i="0" sz="1400" u="none" cap="none" strike="noStrike">
+        <a:defRPr sz="1400" b="0" i="0" u="none" strike="noStrike" cap="none">
           <a:solidFill>
             <a:srgbClr val="000000"/>
           </a:solidFill>
@@ -6537,7 +6850,7 @@
           <a:sym typeface="Arial"/>
         </a:defRPr>
       </a:lvl1pPr>
-      <a:lvl2pPr lvl="1" marR="0" rtl="0" algn="l">
+      <a:lvl2pPr marR="0" lvl="1" algn="l" rtl="0">
         <a:lnSpc>
           <a:spcPct val="100000"/>
         </a:lnSpc>
@@ -6551,7 +6864,7 @@
           <a:srgbClr val="000000"/>
         </a:buClr>
         <a:buFont typeface="Arial"/>
-        <a:defRPr b="0" i="0" sz="1400" u="none" cap="none" strike="noStrike">
+        <a:defRPr sz="1400" b="0" i="0" u="none" strike="noStrike" cap="none">
           <a:solidFill>
             <a:srgbClr val="000000"/>
           </a:solidFill>
@@ -6561,7 +6874,7 @@
           <a:sym typeface="Arial"/>
         </a:defRPr>
       </a:lvl2pPr>
-      <a:lvl3pPr lvl="2" marR="0" rtl="0" algn="l">
+      <a:lvl3pPr marR="0" lvl="2" algn="l" rtl="0">
         <a:lnSpc>
           <a:spcPct val="100000"/>
         </a:lnSpc>
@@ -6575,7 +6888,7 @@
           <a:srgbClr val="000000"/>
         </a:buClr>
         <a:buFont typeface="Arial"/>
-        <a:defRPr b="0" i="0" sz="1400" u="none" cap="none" strike="noStrike">
+        <a:defRPr sz="1400" b="0" i="0" u="none" strike="noStrike" cap="none">
           <a:solidFill>
             <a:srgbClr val="000000"/>
           </a:solidFill>
@@ -6585,7 +6898,7 @@
           <a:sym typeface="Arial"/>
         </a:defRPr>
       </a:lvl3pPr>
-      <a:lvl4pPr lvl="3" marR="0" rtl="0" algn="l">
+      <a:lvl4pPr marR="0" lvl="3" algn="l" rtl="0">
         <a:lnSpc>
           <a:spcPct val="100000"/>
         </a:lnSpc>
@@ -6599,7 +6912,7 @@
           <a:srgbClr val="000000"/>
         </a:buClr>
         <a:buFont typeface="Arial"/>
-        <a:defRPr b="0" i="0" sz="1400" u="none" cap="none" strike="noStrike">
+        <a:defRPr sz="1400" b="0" i="0" u="none" strike="noStrike" cap="none">
           <a:solidFill>
             <a:srgbClr val="000000"/>
           </a:solidFill>
@@ -6609,7 +6922,7 @@
           <a:sym typeface="Arial"/>
         </a:defRPr>
       </a:lvl4pPr>
-      <a:lvl5pPr lvl="4" marR="0" rtl="0" algn="l">
+      <a:lvl5pPr marR="0" lvl="4" algn="l" rtl="0">
         <a:lnSpc>
           <a:spcPct val="100000"/>
         </a:lnSpc>
@@ -6623,7 +6936,7 @@
           <a:srgbClr val="000000"/>
         </a:buClr>
         <a:buFont typeface="Arial"/>
-        <a:defRPr b="0" i="0" sz="1400" u="none" cap="none" strike="noStrike">
+        <a:defRPr sz="1400" b="0" i="0" u="none" strike="noStrike" cap="none">
           <a:solidFill>
             <a:srgbClr val="000000"/>
           </a:solidFill>
@@ -6633,7 +6946,7 @@
           <a:sym typeface="Arial"/>
         </a:defRPr>
       </a:lvl5pPr>
-      <a:lvl6pPr lvl="5" marR="0" rtl="0" algn="l">
+      <a:lvl6pPr marR="0" lvl="5" algn="l" rtl="0">
         <a:lnSpc>
           <a:spcPct val="100000"/>
         </a:lnSpc>
@@ -6647,7 +6960,7 @@
           <a:srgbClr val="000000"/>
         </a:buClr>
         <a:buFont typeface="Arial"/>
-        <a:defRPr b="0" i="0" sz="1400" u="none" cap="none" strike="noStrike">
+        <a:defRPr sz="1400" b="0" i="0" u="none" strike="noStrike" cap="none">
           <a:solidFill>
             <a:srgbClr val="000000"/>
           </a:solidFill>
@@ -6657,7 +6970,7 @@
           <a:sym typeface="Arial"/>
         </a:defRPr>
       </a:lvl6pPr>
-      <a:lvl7pPr lvl="6" marR="0" rtl="0" algn="l">
+      <a:lvl7pPr marR="0" lvl="6" algn="l" rtl="0">
         <a:lnSpc>
           <a:spcPct val="100000"/>
         </a:lnSpc>
@@ -6671,7 +6984,7 @@
           <a:srgbClr val="000000"/>
         </a:buClr>
         <a:buFont typeface="Arial"/>
-        <a:defRPr b="0" i="0" sz="1400" u="none" cap="none" strike="noStrike">
+        <a:defRPr sz="1400" b="0" i="0" u="none" strike="noStrike" cap="none">
           <a:solidFill>
             <a:srgbClr val="000000"/>
           </a:solidFill>
@@ -6681,7 +6994,7 @@
           <a:sym typeface="Arial"/>
         </a:defRPr>
       </a:lvl7pPr>
-      <a:lvl8pPr lvl="7" marR="0" rtl="0" algn="l">
+      <a:lvl8pPr marR="0" lvl="7" algn="l" rtl="0">
         <a:lnSpc>
           <a:spcPct val="100000"/>
         </a:lnSpc>
@@ -6695,7 +7008,7 @@
           <a:srgbClr val="000000"/>
         </a:buClr>
         <a:buFont typeface="Arial"/>
-        <a:defRPr b="0" i="0" sz="1400" u="none" cap="none" strike="noStrike">
+        <a:defRPr sz="1400" b="0" i="0" u="none" strike="noStrike" cap="none">
           <a:solidFill>
             <a:srgbClr val="000000"/>
           </a:solidFill>
@@ -6705,7 +7018,7 @@
           <a:sym typeface="Arial"/>
         </a:defRPr>
       </a:lvl8pPr>
-      <a:lvl9pPr lvl="8" marR="0" rtl="0" algn="l">
+      <a:lvl9pPr marR="0" lvl="8" algn="l" rtl="0">
         <a:lnSpc>
           <a:spcPct val="100000"/>
         </a:lnSpc>
@@ -6719,7 +7032,7 @@
           <a:srgbClr val="000000"/>
         </a:buClr>
         <a:buFont typeface="Arial"/>
-        <a:defRPr b="0" i="0" sz="1400" u="none" cap="none" strike="noStrike">
+        <a:defRPr sz="1400" b="0" i="0" u="none" strike="noStrike" cap="none">
           <a:solidFill>
             <a:srgbClr val="000000"/>
           </a:solidFill>
@@ -6735,11 +7048,11 @@
 </file>
 
 <file path=ppt/slides/slide1.xml><?xml version="1.0" encoding="utf-8"?>
-<p:sld xmlns:a="http://schemas.openxmlformats.org/drawingml/2006/main" xmlns:r="http://schemas.openxmlformats.org/officeDocument/2006/relationships" xmlns:mc="http://schemas.openxmlformats.org/markup-compatibility/2006" xmlns:mv="urn:schemas-microsoft-com:mac:vml" xmlns:p="http://schemas.openxmlformats.org/presentationml/2006/main" xmlns:c="http://schemas.openxmlformats.org/drawingml/2006/chart" xmlns:dgm="http://schemas.openxmlformats.org/drawingml/2006/diagram" xmlns:o="urn:schemas-microsoft-com:office:office" xmlns:v="urn:schemas-microsoft-com:vml" xmlns:pvml="urn:schemas-microsoft-com:office:powerpoint" xmlns:com="http://schemas.openxmlformats.org/drawingml/2006/compatibility" xmlns:p14="http://schemas.microsoft.com/office/powerpoint/2010/main" xmlns:p15="http://schemas.microsoft.com/office/powerpoint/2012/main" xmlns:ahyp="http://schemas.microsoft.com/office/drawing/2018/hyperlinkcolor">
+<p:sld xmlns:a="http://schemas.openxmlformats.org/drawingml/2006/main" xmlns:r="http://schemas.openxmlformats.org/officeDocument/2006/relationships" xmlns:p="http://schemas.openxmlformats.org/presentationml/2006/main">
   <p:cSld>
     <p:spTree>
       <p:nvGrpSpPr>
-        <p:cNvPr id="53" name="Shape 53"/>
+        <p:cNvPr id="1" name="Shape 53"/>
         <p:cNvGrpSpPr/>
         <p:nvPr/>
       </p:nvGrpSpPr>
@@ -6761,7 +7074,7 @@
           <a:blip r:embed="rId3">
             <a:alphaModFix/>
           </a:blip>
-          <a:srcRect b="50000" l="0" r="0" t="0"/>
+          <a:srcRect b="50000"/>
           <a:stretch/>
         </p:blipFill>
         <p:spPr>
@@ -6788,7 +7101,7 @@
           <a:blip r:embed="rId3">
             <a:alphaModFix/>
           </a:blip>
-          <a:srcRect b="0" l="0" r="0" t="98295"/>
+          <a:srcRect t="98295"/>
           <a:stretch/>
         </p:blipFill>
         <p:spPr>
@@ -6825,12 +7138,12 @@
           </a:ln>
         </p:spPr>
         <p:txBody>
-          <a:bodyPr anchorCtr="0" anchor="t" bIns="91425" lIns="91425" spcFirstLastPara="1" rIns="91425" wrap="square" tIns="91425">
+          <a:bodyPr spcFirstLastPara="1" wrap="square" lIns="91425" tIns="91425" rIns="91425" bIns="91425" anchor="t" anchorCtr="0">
             <a:noAutofit/>
           </a:bodyPr>
           <a:lstStyle/>
           <a:p>
-            <a:pPr indent="0" lvl="0" marL="0" rtl="0" algn="l">
+            <a:pPr marL="0" lvl="0" indent="0" algn="l" rtl="0">
               <a:spcBef>
                 <a:spcPts val="0"/>
               </a:spcBef>
@@ -6840,7 +7153,7 @@
               <a:buNone/>
             </a:pPr>
             <a:r>
-              <a:rPr lang="en-GB" sz="1800">
+              <a:rPr lang="en-GB" sz="1800" dirty="0">
                 <a:latin typeface="Noto Sans SemiBold"/>
                 <a:ea typeface="Noto Sans SemiBold"/>
                 <a:cs typeface="Noto Sans SemiBold"/>
@@ -6848,7 +7161,7 @@
               </a:rPr>
               <a:t>Team Details</a:t>
             </a:r>
-            <a:endParaRPr sz="1800">
+            <a:endParaRPr sz="1800" dirty="0">
               <a:latin typeface="Noto Sans SemiBold"/>
               <a:ea typeface="Noto Sans SemiBold"/>
               <a:cs typeface="Noto Sans SemiBold"/>
@@ -6856,7 +7169,7 @@
             </a:endParaRPr>
           </a:p>
           <a:p>
-            <a:pPr indent="0" lvl="0" marL="0" rtl="0" algn="l">
+            <a:pPr marL="0" lvl="0" indent="0" algn="l" rtl="0">
               <a:spcBef>
                 <a:spcPts val="0"/>
               </a:spcBef>
@@ -6865,10 +7178,7 @@
               </a:spcAft>
               <a:buNone/>
             </a:pPr>
-            <a:r>
-              <a:t/>
-            </a:r>
-            <a:endParaRPr sz="1800">
+            <a:endParaRPr sz="1800" dirty="0">
               <a:latin typeface="Noto Sans SemiBold"/>
               <a:ea typeface="Noto Sans SemiBold"/>
               <a:cs typeface="Noto Sans SemiBold"/>
@@ -6876,7 +7186,7 @@
             </a:endParaRPr>
           </a:p>
           <a:p>
-            <a:pPr indent="-342900" lvl="1" marL="914400" rtl="0" algn="l">
+            <a:pPr marL="914400" lvl="1" indent="-342900" algn="l" rtl="0">
               <a:spcBef>
                 <a:spcPts val="0"/>
               </a:spcBef>
@@ -6888,7 +7198,7 @@
               <a:buAutoNum type="alphaLcPeriod"/>
             </a:pPr>
             <a:r>
-              <a:rPr lang="en-GB" sz="1800">
+              <a:rPr lang="en-GB" sz="1800" dirty="0">
                 <a:latin typeface="Noto Sans SemiBold"/>
                 <a:ea typeface="Noto Sans SemiBold"/>
                 <a:cs typeface="Noto Sans SemiBold"/>
@@ -6896,7 +7206,16 @@
               </a:rPr>
               <a:t>Team name: </a:t>
             </a:r>
-            <a:endParaRPr sz="1800">
+            <a:r>
+              <a:rPr lang="en-GB" sz="1800" dirty="0" err="1">
+                <a:latin typeface="Noto Sans SemiBold"/>
+                <a:ea typeface="Noto Sans SemiBold"/>
+                <a:cs typeface="Noto Sans SemiBold"/>
+                <a:sym typeface="Noto Sans SemiBold"/>
+              </a:rPr>
+              <a:t>SwiftStock</a:t>
+            </a:r>
+            <a:endParaRPr sz="1800" dirty="0">
               <a:latin typeface="Noto Sans SemiBold"/>
               <a:ea typeface="Noto Sans SemiBold"/>
               <a:cs typeface="Noto Sans SemiBold"/>
@@ -6904,7 +7223,7 @@
             </a:endParaRPr>
           </a:p>
           <a:p>
-            <a:pPr indent="-342900" lvl="1" marL="914400" rtl="0" algn="l">
+            <a:pPr marL="914400" lvl="1" indent="-342900" algn="l" rtl="0">
               <a:spcBef>
                 <a:spcPts val="0"/>
               </a:spcBef>
@@ -6916,15 +7235,15 @@
               <a:buAutoNum type="alphaLcPeriod"/>
             </a:pPr>
             <a:r>
-              <a:rPr lang="en-GB" sz="1800">
+              <a:rPr lang="en-GB" sz="1800" dirty="0">
                 <a:latin typeface="Noto Sans SemiBold"/>
                 <a:ea typeface="Noto Sans SemiBold"/>
                 <a:cs typeface="Noto Sans SemiBold"/>
                 <a:sym typeface="Noto Sans SemiBold"/>
               </a:rPr>
-              <a:t>Team leader name: </a:t>
+              <a:t>Team leader name: Dama Dhananjaya Daliman</a:t>
             </a:r>
-            <a:endParaRPr sz="1800">
+            <a:endParaRPr sz="1800" dirty="0">
               <a:latin typeface="Noto Sans SemiBold"/>
               <a:ea typeface="Noto Sans SemiBold"/>
               <a:cs typeface="Noto Sans SemiBold"/>
@@ -6932,7 +7251,7 @@
             </a:endParaRPr>
           </a:p>
           <a:p>
-            <a:pPr indent="-342900" lvl="1" marL="914400" rtl="0" algn="l">
+            <a:pPr marL="914400" lvl="1" indent="-342900" algn="l" rtl="0">
               <a:spcBef>
                 <a:spcPts val="0"/>
               </a:spcBef>
@@ -6944,7 +7263,7 @@
               <a:buAutoNum type="alphaLcPeriod"/>
             </a:pPr>
             <a:r>
-              <a:rPr lang="en-GB" sz="1800">
+              <a:rPr lang="en-GB" sz="1800" dirty="0">
                 <a:latin typeface="Noto Sans SemiBold"/>
                 <a:ea typeface="Noto Sans SemiBold"/>
                 <a:cs typeface="Noto Sans SemiBold"/>
@@ -6952,7 +7271,16 @@
               </a:rPr>
               <a:t>Problem Statement: </a:t>
             </a:r>
-            <a:endParaRPr sz="1800">
+            <a:r>
+              <a:rPr lang="en-US" sz="1800" dirty="0">
+                <a:latin typeface="Noto Sans SemiBold"/>
+                <a:ea typeface="Noto Sans SemiBold"/>
+                <a:cs typeface="Noto Sans SemiBold"/>
+                <a:sym typeface="Noto Sans SemiBold"/>
+              </a:rPr>
+              <a:t>Inventory Heatmap &amp; Stock-Out Alerts for Essential Goods</a:t>
+            </a:r>
+            <a:endParaRPr sz="1800" dirty="0">
               <a:latin typeface="Noto Sans SemiBold"/>
               <a:ea typeface="Noto Sans SemiBold"/>
               <a:cs typeface="Noto Sans SemiBold"/>
@@ -6960,7 +7288,7 @@
             </a:endParaRPr>
           </a:p>
           <a:p>
-            <a:pPr indent="0" lvl="0" marL="0" rtl="0" algn="l">
+            <a:pPr marL="0" lvl="0" indent="0" algn="l" rtl="0">
               <a:spcBef>
                 <a:spcPts val="0"/>
               </a:spcBef>
@@ -6969,10 +7297,7 @@
               </a:spcAft>
               <a:buNone/>
             </a:pPr>
-            <a:r>
-              <a:t/>
-            </a:r>
-            <a:endParaRPr sz="1800">
+            <a:endParaRPr sz="1800" dirty="0">
               <a:latin typeface="Noto Sans SemiBold"/>
               <a:ea typeface="Noto Sans SemiBold"/>
               <a:cs typeface="Noto Sans SemiBold"/>
@@ -6990,11 +7315,142 @@
 </file>
 
 <file path=ppt/slides/slide10.xml><?xml version="1.0" encoding="utf-8"?>
-<p:sld xmlns:a="http://schemas.openxmlformats.org/drawingml/2006/main" xmlns:r="http://schemas.openxmlformats.org/officeDocument/2006/relationships" xmlns:mc="http://schemas.openxmlformats.org/markup-compatibility/2006" xmlns:mv="urn:schemas-microsoft-com:mac:vml" xmlns:p="http://schemas.openxmlformats.org/presentationml/2006/main" xmlns:c="http://schemas.openxmlformats.org/drawingml/2006/chart" xmlns:dgm="http://schemas.openxmlformats.org/drawingml/2006/diagram" xmlns:o="urn:schemas-microsoft-com:office:office" xmlns:v="urn:schemas-microsoft-com:vml" xmlns:pvml="urn:schemas-microsoft-com:office:powerpoint" xmlns:com="http://schemas.openxmlformats.org/drawingml/2006/compatibility" xmlns:p14="http://schemas.microsoft.com/office/powerpoint/2010/main" xmlns:p15="http://schemas.microsoft.com/office/powerpoint/2012/main" xmlns:ahyp="http://schemas.microsoft.com/office/drawing/2018/hyperlinkcolor">
+<p:sld xmlns:a="http://schemas.openxmlformats.org/drawingml/2006/main" xmlns:r="http://schemas.openxmlformats.org/officeDocument/2006/relationships" xmlns:p="http://schemas.openxmlformats.org/presentationml/2006/main">
   <p:cSld>
     <p:spTree>
       <p:nvGrpSpPr>
-        <p:cNvPr id="122" name="Shape 122"/>
+        <p:cNvPr id="1" name="Shape 115"/>
+        <p:cNvGrpSpPr/>
+        <p:nvPr/>
+      </p:nvGrpSpPr>
+      <p:grpSpPr>
+        <a:xfrm>
+          <a:off x="0" y="0"/>
+          <a:ext cx="0" cy="0"/>
+          <a:chOff x="0" y="0"/>
+          <a:chExt cx="0" cy="0"/>
+        </a:xfrm>
+      </p:grpSpPr>
+      <p:pic>
+        <p:nvPicPr>
+          <p:cNvPr id="116" name="Google Shape;116;p21" title="AI for good IS S2.png"/>
+          <p:cNvPicPr preferRelativeResize="0"/>
+          <p:nvPr/>
+        </p:nvPicPr>
+        <p:blipFill rotWithShape="1">
+          <a:blip r:embed="rId3">
+            <a:alphaModFix/>
+          </a:blip>
+          <a:srcRect b="89082"/>
+          <a:stretch/>
+        </p:blipFill>
+        <p:spPr>
+          <a:xfrm>
+            <a:off x="0" y="0"/>
+            <a:ext cx="9144000" cy="561524"/>
+          </a:xfrm>
+          <a:prstGeom prst="rect">
+            <a:avLst/>
+          </a:prstGeom>
+          <a:noFill/>
+          <a:ln>
+            <a:noFill/>
+          </a:ln>
+        </p:spPr>
+      </p:pic>
+      <p:pic>
+        <p:nvPicPr>
+          <p:cNvPr id="117" name="Google Shape;117;p21" title="AI for good IS S2.png"/>
+          <p:cNvPicPr preferRelativeResize="0"/>
+          <p:nvPr/>
+        </p:nvPicPr>
+        <p:blipFill rotWithShape="1">
+          <a:blip r:embed="rId3">
+            <a:alphaModFix/>
+          </a:blip>
+          <a:srcRect t="97713"/>
+          <a:stretch/>
+        </p:blipFill>
+        <p:spPr>
+          <a:xfrm>
+            <a:off x="0" y="5025875"/>
+            <a:ext cx="9144000" cy="117625"/>
+          </a:xfrm>
+          <a:prstGeom prst="rect">
+            <a:avLst/>
+          </a:prstGeom>
+          <a:noFill/>
+          <a:ln>
+            <a:noFill/>
+          </a:ln>
+        </p:spPr>
+      </p:pic>
+      <p:sp>
+        <p:nvSpPr>
+          <p:cNvPr id="118" name="Google Shape;118;p21"/>
+          <p:cNvSpPr txBox="1"/>
+          <p:nvPr/>
+        </p:nvSpPr>
+        <p:spPr>
+          <a:xfrm>
+            <a:off x="265350" y="701175"/>
+            <a:ext cx="6647100" cy="561900"/>
+          </a:xfrm>
+          <a:prstGeom prst="rect">
+            <a:avLst/>
+          </a:prstGeom>
+          <a:noFill/>
+          <a:ln>
+            <a:noFill/>
+          </a:ln>
+        </p:spPr>
+        <p:txBody>
+          <a:bodyPr spcFirstLastPara="1" wrap="square" lIns="91425" tIns="91425" rIns="91425" bIns="91425" anchor="t" anchorCtr="0">
+            <a:noAutofit/>
+          </a:bodyPr>
+          <a:lstStyle/>
+          <a:p>
+            <a:pPr marL="0" lvl="0" indent="0" algn="l" rtl="0">
+              <a:spcBef>
+                <a:spcPts val="0"/>
+              </a:spcBef>
+              <a:spcAft>
+                <a:spcPts val="0"/>
+              </a:spcAft>
+              <a:buNone/>
+            </a:pPr>
+            <a:r>
+              <a:rPr lang="en-GB" sz="1600" b="1">
+                <a:latin typeface="Noto Sans"/>
+                <a:ea typeface="Noto Sans"/>
+                <a:cs typeface="Noto Sans"/>
+                <a:sym typeface="Noto Sans"/>
+              </a:rPr>
+              <a:t>Snapshots of the prototype</a:t>
+            </a:r>
+            <a:endParaRPr sz="1600" b="1">
+              <a:latin typeface="Noto Sans"/>
+              <a:ea typeface="Noto Sans"/>
+              <a:cs typeface="Noto Sans"/>
+              <a:sym typeface="Noto Sans"/>
+            </a:endParaRPr>
+          </a:p>
+        </p:txBody>
+      </p:sp>
+    </p:spTree>
+  </p:cSld>
+  <p:clrMapOvr>
+    <a:masterClrMapping/>
+  </p:clrMapOvr>
+</p:sld>
+</file>
+
+<file path=ppt/slides/slide11.xml><?xml version="1.0" encoding="utf-8"?>
+<p:sld xmlns:a="http://schemas.openxmlformats.org/drawingml/2006/main" xmlns:r="http://schemas.openxmlformats.org/officeDocument/2006/relationships" xmlns:p="http://schemas.openxmlformats.org/presentationml/2006/main">
+  <p:cSld>
+    <p:spTree>
+      <p:nvGrpSpPr>
+        <p:cNvPr id="1" name="Shape 122"/>
         <p:cNvGrpSpPr/>
         <p:nvPr/>
       </p:nvGrpSpPr>
@@ -7016,7 +7472,7 @@
           <a:blip r:embed="rId3">
             <a:alphaModFix/>
           </a:blip>
-          <a:srcRect b="89082" l="0" r="0" t="0"/>
+          <a:srcRect b="89082"/>
           <a:stretch/>
         </p:blipFill>
         <p:spPr>
@@ -7043,7 +7499,7 @@
           <a:blip r:embed="rId3">
             <a:alphaModFix/>
           </a:blip>
-          <a:srcRect b="0" l="0" r="0" t="97713"/>
+          <a:srcRect t="97713"/>
           <a:stretch/>
         </p:blipFill>
         <p:spPr>
@@ -7080,12 +7536,12 @@
           </a:ln>
         </p:spPr>
         <p:txBody>
-          <a:bodyPr anchorCtr="0" anchor="t" bIns="91425" lIns="91425" spcFirstLastPara="1" rIns="91425" wrap="square" tIns="91425">
+          <a:bodyPr spcFirstLastPara="1" wrap="square" lIns="91425" tIns="91425" rIns="91425" bIns="91425" anchor="t" anchorCtr="0">
             <a:noAutofit/>
           </a:bodyPr>
           <a:lstStyle/>
           <a:p>
-            <a:pPr indent="0" lvl="0" marL="0" rtl="0" algn="l">
+            <a:pPr marL="0" lvl="0" indent="0" algn="l" rtl="0">
               <a:spcBef>
                 <a:spcPts val="0"/>
               </a:spcBef>
@@ -7095,7 +7551,7 @@
               <a:buNone/>
             </a:pPr>
             <a:r>
-              <a:rPr b="1" lang="en-GB" sz="1600">
+              <a:rPr lang="en-GB" sz="1600" b="1">
                 <a:latin typeface="Noto Sans"/>
                 <a:ea typeface="Noto Sans"/>
                 <a:cs typeface="Noto Sans"/>
@@ -7103,7 +7559,7 @@
               </a:rPr>
               <a:t>Estimated implementation cost (optional)</a:t>
             </a:r>
-            <a:endParaRPr b="1" sz="1600">
+            <a:endParaRPr sz="1600" b="1">
               <a:latin typeface="Noto Sans"/>
               <a:ea typeface="Noto Sans"/>
               <a:cs typeface="Noto Sans"/>
@@ -7132,195 +7588,12 @@
           </a:ln>
         </p:spPr>
         <p:txBody>
-          <a:bodyPr anchorCtr="0" anchor="t" bIns="91425" lIns="91425" spcFirstLastPara="1" rIns="91425" wrap="square" tIns="91425">
+          <a:bodyPr spcFirstLastPara="1" wrap="square" lIns="91425" tIns="91425" rIns="91425" bIns="91425" anchor="t" anchorCtr="0">
             <a:noAutofit/>
           </a:bodyPr>
           <a:lstStyle/>
           <a:p>
-            <a:pPr indent="0" lvl="0" marL="0" rtl="0" algn="l">
-              <a:spcBef>
-                <a:spcPts val="0"/>
-              </a:spcBef>
-              <a:spcAft>
-                <a:spcPts val="0"/>
-              </a:spcAft>
-              <a:buNone/>
-            </a:pPr>
-            <a:r>
-              <a:rPr lang="en-GB" sz="1200">
-                <a:latin typeface="Noto Sans"/>
-                <a:ea typeface="Noto Sans"/>
-                <a:cs typeface="Noto Sans"/>
-                <a:sym typeface="Noto Sans"/>
-              </a:rPr>
-              <a:t>Type here…</a:t>
-            </a:r>
-            <a:endParaRPr sz="1200">
-              <a:latin typeface="Noto Sans"/>
-              <a:ea typeface="Noto Sans"/>
-              <a:cs typeface="Noto Sans"/>
-              <a:sym typeface="Noto Sans"/>
-            </a:endParaRPr>
-          </a:p>
-        </p:txBody>
-      </p:sp>
-    </p:spTree>
-  </p:cSld>
-  <p:clrMapOvr>
-    <a:masterClrMapping/>
-  </p:clrMapOvr>
-</p:sld>
-</file>
-
-<file path=ppt/slides/slide11.xml><?xml version="1.0" encoding="utf-8"?>
-<p:sld xmlns:a="http://schemas.openxmlformats.org/drawingml/2006/main" xmlns:r="http://schemas.openxmlformats.org/officeDocument/2006/relationships" xmlns:mc="http://schemas.openxmlformats.org/markup-compatibility/2006" xmlns:mv="urn:schemas-microsoft-com:mac:vml" xmlns:p="http://schemas.openxmlformats.org/presentationml/2006/main" xmlns:c="http://schemas.openxmlformats.org/drawingml/2006/chart" xmlns:dgm="http://schemas.openxmlformats.org/drawingml/2006/diagram" xmlns:o="urn:schemas-microsoft-com:office:office" xmlns:v="urn:schemas-microsoft-com:vml" xmlns:pvml="urn:schemas-microsoft-com:office:powerpoint" xmlns:com="http://schemas.openxmlformats.org/drawingml/2006/compatibility" xmlns:p14="http://schemas.microsoft.com/office/powerpoint/2010/main" xmlns:p15="http://schemas.microsoft.com/office/powerpoint/2012/main" xmlns:ahyp="http://schemas.microsoft.com/office/drawing/2018/hyperlinkcolor">
-  <p:cSld>
-    <p:spTree>
-      <p:nvGrpSpPr>
-        <p:cNvPr id="130" name="Shape 130"/>
-        <p:cNvGrpSpPr/>
-        <p:nvPr/>
-      </p:nvGrpSpPr>
-      <p:grpSpPr>
-        <a:xfrm>
-          <a:off x="0" y="0"/>
-          <a:ext cx="0" cy="0"/>
-          <a:chOff x="0" y="0"/>
-          <a:chExt cx="0" cy="0"/>
-        </a:xfrm>
-      </p:grpSpPr>
-      <p:pic>
-        <p:nvPicPr>
-          <p:cNvPr id="131" name="Google Shape;131;p23" title="AI for good IS S2.png"/>
-          <p:cNvPicPr preferRelativeResize="0"/>
-          <p:nvPr/>
-        </p:nvPicPr>
-        <p:blipFill rotWithShape="1">
-          <a:blip r:embed="rId3">
-            <a:alphaModFix/>
-          </a:blip>
-          <a:srcRect b="89082" l="0" r="0" t="0"/>
-          <a:stretch/>
-        </p:blipFill>
-        <p:spPr>
-          <a:xfrm>
-            <a:off x="0" y="0"/>
-            <a:ext cx="9144000" cy="561524"/>
-          </a:xfrm>
-          <a:prstGeom prst="rect">
-            <a:avLst/>
-          </a:prstGeom>
-          <a:noFill/>
-          <a:ln>
-            <a:noFill/>
-          </a:ln>
-        </p:spPr>
-      </p:pic>
-      <p:pic>
-        <p:nvPicPr>
-          <p:cNvPr id="132" name="Google Shape;132;p23" title="AI for good IS S2.png"/>
-          <p:cNvPicPr preferRelativeResize="0"/>
-          <p:nvPr/>
-        </p:nvPicPr>
-        <p:blipFill rotWithShape="1">
-          <a:blip r:embed="rId3">
-            <a:alphaModFix/>
-          </a:blip>
-          <a:srcRect b="0" l="0" r="0" t="97713"/>
-          <a:stretch/>
-        </p:blipFill>
-        <p:spPr>
-          <a:xfrm>
-            <a:off x="0" y="5025875"/>
-            <a:ext cx="9144000" cy="117625"/>
-          </a:xfrm>
-          <a:prstGeom prst="rect">
-            <a:avLst/>
-          </a:prstGeom>
-          <a:noFill/>
-          <a:ln>
-            <a:noFill/>
-          </a:ln>
-        </p:spPr>
-      </p:pic>
-      <p:sp>
-        <p:nvSpPr>
-          <p:cNvPr id="133" name="Google Shape;133;p23"/>
-          <p:cNvSpPr txBox="1"/>
-          <p:nvPr/>
-        </p:nvSpPr>
-        <p:spPr>
-          <a:xfrm>
-            <a:off x="265350" y="701175"/>
-            <a:ext cx="6647100" cy="561900"/>
-          </a:xfrm>
-          <a:prstGeom prst="rect">
-            <a:avLst/>
-          </a:prstGeom>
-          <a:noFill/>
-          <a:ln>
-            <a:noFill/>
-          </a:ln>
-        </p:spPr>
-        <p:txBody>
-          <a:bodyPr anchorCtr="0" anchor="t" bIns="91425" lIns="91425" spcFirstLastPara="1" rIns="91425" wrap="square" tIns="91425">
-            <a:noAutofit/>
-          </a:bodyPr>
-          <a:lstStyle/>
-          <a:p>
-            <a:pPr indent="0" lvl="0" marL="0" rtl="0" algn="l">
-              <a:spcBef>
-                <a:spcPts val="0"/>
-              </a:spcBef>
-              <a:spcAft>
-                <a:spcPts val="0"/>
-              </a:spcAft>
-              <a:buNone/>
-            </a:pPr>
-            <a:r>
-              <a:rPr b="1" lang="en-GB" sz="1600">
-                <a:latin typeface="Noto Sans"/>
-                <a:ea typeface="Noto Sans"/>
-                <a:cs typeface="Noto Sans"/>
-                <a:sym typeface="Noto Sans"/>
-              </a:rPr>
-              <a:t>Additional Details/Future Development (if any)</a:t>
-            </a:r>
-            <a:endParaRPr b="1" sz="1600">
-              <a:latin typeface="Noto Sans"/>
-              <a:ea typeface="Noto Sans"/>
-              <a:cs typeface="Noto Sans"/>
-              <a:sym typeface="Noto Sans"/>
-            </a:endParaRPr>
-          </a:p>
-        </p:txBody>
-      </p:sp>
-      <p:sp>
-        <p:nvSpPr>
-          <p:cNvPr id="134" name="Google Shape;134;p23"/>
-          <p:cNvSpPr txBox="1"/>
-          <p:nvPr/>
-        </p:nvSpPr>
-        <p:spPr>
-          <a:xfrm>
-            <a:off x="265350" y="1123250"/>
-            <a:ext cx="8644500" cy="3702900"/>
-          </a:xfrm>
-          <a:prstGeom prst="rect">
-            <a:avLst/>
-          </a:prstGeom>
-          <a:noFill/>
-          <a:ln>
-            <a:noFill/>
-          </a:ln>
-        </p:spPr>
-        <p:txBody>
-          <a:bodyPr anchorCtr="0" anchor="t" bIns="91425" lIns="91425" spcFirstLastPara="1" rIns="91425" wrap="square" tIns="91425">
-            <a:noAutofit/>
-          </a:bodyPr>
-          <a:lstStyle/>
-          <a:p>
-            <a:pPr indent="0" lvl="0" marL="0" rtl="0" algn="l">
+            <a:pPr marL="0" lvl="0" indent="0" algn="l" rtl="0">
               <a:spcBef>
                 <a:spcPts val="0"/>
               </a:spcBef>
@@ -7356,11 +7629,11 @@
 </file>
 
 <file path=ppt/slides/slide12.xml><?xml version="1.0" encoding="utf-8"?>
-<p:sld xmlns:a="http://schemas.openxmlformats.org/drawingml/2006/main" xmlns:r="http://schemas.openxmlformats.org/officeDocument/2006/relationships" xmlns:mc="http://schemas.openxmlformats.org/markup-compatibility/2006" xmlns:mv="urn:schemas-microsoft-com:mac:vml" xmlns:p="http://schemas.openxmlformats.org/presentationml/2006/main" xmlns:c="http://schemas.openxmlformats.org/drawingml/2006/chart" xmlns:dgm="http://schemas.openxmlformats.org/drawingml/2006/diagram" xmlns:o="urn:schemas-microsoft-com:office:office" xmlns:v="urn:schemas-microsoft-com:vml" xmlns:pvml="urn:schemas-microsoft-com:office:powerpoint" xmlns:com="http://schemas.openxmlformats.org/drawingml/2006/compatibility" xmlns:p14="http://schemas.microsoft.com/office/powerpoint/2010/main" xmlns:p15="http://schemas.microsoft.com/office/powerpoint/2012/main" xmlns:ahyp="http://schemas.microsoft.com/office/drawing/2018/hyperlinkcolor">
+<p:sld xmlns:a="http://schemas.openxmlformats.org/drawingml/2006/main" xmlns:r="http://schemas.openxmlformats.org/officeDocument/2006/relationships" xmlns:p="http://schemas.openxmlformats.org/presentationml/2006/main">
   <p:cSld>
     <p:spTree>
       <p:nvGrpSpPr>
-        <p:cNvPr id="138" name="Shape 138"/>
+        <p:cNvPr id="1" name="Shape 130"/>
         <p:cNvGrpSpPr/>
         <p:nvPr/>
       </p:nvGrpSpPr>
@@ -7374,7 +7647,7 @@
       </p:grpSpPr>
       <p:pic>
         <p:nvPicPr>
-          <p:cNvPr id="139" name="Google Shape;139;p24" title="AI for good IS S2.png"/>
+          <p:cNvPr id="131" name="Google Shape;131;p23" title="AI for good IS S2.png"/>
           <p:cNvPicPr preferRelativeResize="0"/>
           <p:nvPr/>
         </p:nvPicPr>
@@ -7382,7 +7655,7 @@
           <a:blip r:embed="rId3">
             <a:alphaModFix/>
           </a:blip>
-          <a:srcRect b="89082" l="0" r="0" t="0"/>
+          <a:srcRect b="89082"/>
           <a:stretch/>
         </p:blipFill>
         <p:spPr>
@@ -7401,7 +7674,7 @@
       </p:pic>
       <p:pic>
         <p:nvPicPr>
-          <p:cNvPr id="140" name="Google Shape;140;p24" title="AI for good IS S2.png"/>
+          <p:cNvPr id="132" name="Google Shape;132;p23" title="AI for good IS S2.png"/>
           <p:cNvPicPr preferRelativeResize="0"/>
           <p:nvPr/>
         </p:nvPicPr>
@@ -7409,7 +7682,7 @@
           <a:blip r:embed="rId3">
             <a:alphaModFix/>
           </a:blip>
-          <a:srcRect b="0" l="0" r="0" t="97713"/>
+          <a:srcRect t="97713"/>
           <a:stretch/>
         </p:blipFill>
         <p:spPr>
@@ -7428,14 +7701,14 @@
       </p:pic>
       <p:sp>
         <p:nvSpPr>
-          <p:cNvPr id="141" name="Google Shape;141;p24"/>
+          <p:cNvPr id="133" name="Google Shape;133;p23"/>
           <p:cNvSpPr txBox="1"/>
           <p:nvPr/>
         </p:nvSpPr>
         <p:spPr>
           <a:xfrm>
             <a:off x="265350" y="701175"/>
-            <a:ext cx="6647100" cy="469500"/>
+            <a:ext cx="6647100" cy="561900"/>
           </a:xfrm>
           <a:prstGeom prst="rect">
             <a:avLst/>
@@ -7446,12 +7719,12 @@
           </a:ln>
         </p:spPr>
         <p:txBody>
-          <a:bodyPr anchorCtr="0" anchor="t" bIns="91425" lIns="91425" spcFirstLastPara="1" rIns="91425" wrap="square" tIns="91425">
+          <a:bodyPr spcFirstLastPara="1" wrap="square" lIns="91425" tIns="91425" rIns="91425" bIns="91425" anchor="t" anchorCtr="0">
             <a:noAutofit/>
           </a:bodyPr>
           <a:lstStyle/>
           <a:p>
-            <a:pPr indent="0" lvl="0" marL="0" rtl="0" algn="l">
+            <a:pPr marL="0" lvl="0" indent="0" algn="l" rtl="0">
               <a:spcBef>
                 <a:spcPts val="0"/>
               </a:spcBef>
@@ -7461,35 +7734,15 @@
               <a:buNone/>
             </a:pPr>
             <a:r>
-              <a:rPr b="1" lang="en-GB" sz="1600">
+              <a:rPr lang="en-GB" sz="1600" b="1">
                 <a:latin typeface="Noto Sans"/>
                 <a:ea typeface="Noto Sans"/>
                 <a:cs typeface="Noto Sans"/>
                 <a:sym typeface="Noto Sans"/>
               </a:rPr>
-              <a:t>GitHub and Demo video URL</a:t>
+              <a:t>Additional Details/Future Development (if any)</a:t>
             </a:r>
-            <a:endParaRPr b="1" sz="1600">
-              <a:latin typeface="Noto Sans"/>
-              <a:ea typeface="Noto Sans"/>
-              <a:cs typeface="Noto Sans"/>
-              <a:sym typeface="Noto Sans"/>
-            </a:endParaRPr>
-          </a:p>
-          <a:p>
-            <a:pPr indent="0" lvl="0" marL="0" rtl="0" algn="l">
-              <a:spcBef>
-                <a:spcPts val="0"/>
-              </a:spcBef>
-              <a:spcAft>
-                <a:spcPts val="0"/>
-              </a:spcAft>
-              <a:buNone/>
-            </a:pPr>
-            <a:r>
-              <a:t/>
-            </a:r>
-            <a:endParaRPr b="1" sz="1600">
+            <a:endParaRPr sz="1600" b="1">
               <a:latin typeface="Noto Sans"/>
               <a:ea typeface="Noto Sans"/>
               <a:cs typeface="Noto Sans"/>
@@ -7500,7 +7753,7 @@
       </p:sp>
       <p:sp>
         <p:nvSpPr>
-          <p:cNvPr id="142" name="Google Shape;142;p24"/>
+          <p:cNvPr id="134" name="Google Shape;134;p23"/>
           <p:cNvSpPr txBox="1"/>
           <p:nvPr/>
         </p:nvSpPr>
@@ -7518,12 +7771,12 @@
           </a:ln>
         </p:spPr>
         <p:txBody>
-          <a:bodyPr anchorCtr="0" anchor="t" bIns="91425" lIns="91425" spcFirstLastPara="1" rIns="91425" wrap="square" tIns="91425">
+          <a:bodyPr spcFirstLastPara="1" wrap="square" lIns="91425" tIns="91425" rIns="91425" bIns="91425" anchor="t" anchorCtr="0">
             <a:noAutofit/>
           </a:bodyPr>
           <a:lstStyle/>
           <a:p>
-            <a:pPr indent="0" lvl="0" marL="0" rtl="0" algn="l">
+            <a:pPr marL="0" lvl="0" indent="0" algn="l" rtl="0">
               <a:spcBef>
                 <a:spcPts val="0"/>
               </a:spcBef>
@@ -7559,11 +7812,11 @@
 </file>
 
 <file path=ppt/slides/slide13.xml><?xml version="1.0" encoding="utf-8"?>
-<p:sld xmlns:a="http://schemas.openxmlformats.org/drawingml/2006/main" xmlns:r="http://schemas.openxmlformats.org/officeDocument/2006/relationships" xmlns:mc="http://schemas.openxmlformats.org/markup-compatibility/2006" xmlns:mv="urn:schemas-microsoft-com:mac:vml" xmlns:p="http://schemas.openxmlformats.org/presentationml/2006/main" xmlns:c="http://schemas.openxmlformats.org/drawingml/2006/chart" xmlns:dgm="http://schemas.openxmlformats.org/drawingml/2006/diagram" xmlns:o="urn:schemas-microsoft-com:office:office" xmlns:v="urn:schemas-microsoft-com:vml" xmlns:pvml="urn:schemas-microsoft-com:office:powerpoint" xmlns:com="http://schemas.openxmlformats.org/drawingml/2006/compatibility" xmlns:p14="http://schemas.microsoft.com/office/powerpoint/2010/main" xmlns:p15="http://schemas.microsoft.com/office/powerpoint/2012/main" xmlns:ahyp="http://schemas.microsoft.com/office/drawing/2018/hyperlinkcolor">
+<p:sld xmlns:a="http://schemas.openxmlformats.org/drawingml/2006/main" xmlns:r="http://schemas.openxmlformats.org/officeDocument/2006/relationships" xmlns:p="http://schemas.openxmlformats.org/presentationml/2006/main">
   <p:cSld>
     <p:spTree>
       <p:nvGrpSpPr>
-        <p:cNvPr id="146" name="Shape 146"/>
+        <p:cNvPr id="1" name="Shape 138"/>
         <p:cNvGrpSpPr/>
         <p:nvPr/>
       </p:nvGrpSpPr>
@@ -7577,7 +7830,7 @@
       </p:grpSpPr>
       <p:pic>
         <p:nvPicPr>
-          <p:cNvPr id="147" name="Google Shape;147;p25" title="AI for good IS S2.png"/>
+          <p:cNvPr id="139" name="Google Shape;139;p24" title="AI for good IS S2.png"/>
           <p:cNvPicPr preferRelativeResize="0"/>
           <p:nvPr/>
         </p:nvPicPr>
@@ -7585,7 +7838,7 @@
           <a:blip r:embed="rId3">
             <a:alphaModFix/>
           </a:blip>
-          <a:srcRect b="89082" l="0" r="0" t="0"/>
+          <a:srcRect b="89082"/>
           <a:stretch/>
         </p:blipFill>
         <p:spPr>
@@ -7604,7 +7857,7 @@
       </p:pic>
       <p:pic>
         <p:nvPicPr>
-          <p:cNvPr id="148" name="Google Shape;148;p25" title="AI for good IS S2.png"/>
+          <p:cNvPr id="140" name="Google Shape;140;p24" title="AI for good IS S2.png"/>
           <p:cNvPicPr preferRelativeResize="0"/>
           <p:nvPr/>
         </p:nvPicPr>
@@ -7612,7 +7865,7 @@
           <a:blip r:embed="rId3">
             <a:alphaModFix/>
           </a:blip>
-          <a:srcRect b="0" l="0" r="0" t="97713"/>
+          <a:srcRect t="97713"/>
           <a:stretch/>
         </p:blipFill>
         <p:spPr>
@@ -7631,14 +7884,14 @@
       </p:pic>
       <p:sp>
         <p:nvSpPr>
-          <p:cNvPr id="149" name="Google Shape;149;p25"/>
+          <p:cNvPr id="141" name="Google Shape;141;p24"/>
           <p:cNvSpPr txBox="1"/>
           <p:nvPr/>
         </p:nvSpPr>
         <p:spPr>
           <a:xfrm>
-            <a:off x="265350" y="1123250"/>
-            <a:ext cx="8644500" cy="3702900"/>
+            <a:off x="265350" y="701175"/>
+            <a:ext cx="6647100" cy="469500"/>
           </a:xfrm>
           <a:prstGeom prst="rect">
             <a:avLst/>
@@ -7649,12 +7902,12 @@
           </a:ln>
         </p:spPr>
         <p:txBody>
-          <a:bodyPr anchorCtr="0" anchor="t" bIns="91425" lIns="91425" spcFirstLastPara="1" rIns="91425" wrap="square" tIns="91425">
+          <a:bodyPr spcFirstLastPara="1" wrap="square" lIns="91425" tIns="91425" rIns="91425" bIns="91425" anchor="t" anchorCtr="0">
             <a:noAutofit/>
           </a:bodyPr>
           <a:lstStyle/>
           <a:p>
-            <a:pPr indent="0" lvl="0" marL="0" rtl="0" algn="l">
+            <a:pPr marL="0" lvl="0" indent="0" algn="l" rtl="0">
               <a:spcBef>
                 <a:spcPts val="0"/>
               </a:spcBef>
@@ -7664,15 +7917,32 @@
               <a:buNone/>
             </a:pPr>
             <a:r>
-              <a:rPr lang="en-GB" sz="1200">
+              <a:rPr lang="en-GB" sz="1600" b="1">
                 <a:latin typeface="Noto Sans"/>
                 <a:ea typeface="Noto Sans"/>
                 <a:cs typeface="Noto Sans"/>
                 <a:sym typeface="Noto Sans"/>
               </a:rPr>
-              <a:t>Type here…</a:t>
+              <a:t>GitHub and Demo video URL</a:t>
             </a:r>
-            <a:endParaRPr sz="1200">
+            <a:endParaRPr sz="1600" b="1">
+              <a:latin typeface="Noto Sans"/>
+              <a:ea typeface="Noto Sans"/>
+              <a:cs typeface="Noto Sans"/>
+              <a:sym typeface="Noto Sans"/>
+            </a:endParaRPr>
+          </a:p>
+          <a:p>
+            <a:pPr marL="0" lvl="0" indent="0" algn="l" rtl="0">
+              <a:spcBef>
+                <a:spcPts val="0"/>
+              </a:spcBef>
+              <a:spcAft>
+                <a:spcPts val="0"/>
+              </a:spcAft>
+              <a:buNone/>
+            </a:pPr>
+            <a:endParaRPr sz="1600" b="1">
               <a:latin typeface="Noto Sans"/>
               <a:ea typeface="Noto Sans"/>
               <a:cs typeface="Noto Sans"/>
@@ -7683,14 +7953,14 @@
       </p:sp>
       <p:sp>
         <p:nvSpPr>
-          <p:cNvPr id="150" name="Google Shape;150;p25"/>
+          <p:cNvPr id="142" name="Google Shape;142;p24"/>
           <p:cNvSpPr txBox="1"/>
           <p:nvPr/>
         </p:nvSpPr>
         <p:spPr>
           <a:xfrm>
-            <a:off x="265350" y="701175"/>
-            <a:ext cx="6647100" cy="469500"/>
+            <a:off x="265350" y="1123250"/>
+            <a:ext cx="8644500" cy="3702900"/>
           </a:xfrm>
           <a:prstGeom prst="rect">
             <a:avLst/>
@@ -7701,242 +7971,12 @@
           </a:ln>
         </p:spPr>
         <p:txBody>
-          <a:bodyPr anchorCtr="0" anchor="t" bIns="91425" lIns="91425" spcFirstLastPara="1" rIns="91425" wrap="square" tIns="91425">
+          <a:bodyPr spcFirstLastPara="1" wrap="square" lIns="91425" tIns="91425" rIns="91425" bIns="91425" anchor="t" anchorCtr="0">
             <a:noAutofit/>
           </a:bodyPr>
           <a:lstStyle/>
           <a:p>
-            <a:pPr indent="0" lvl="0" marL="0" rtl="0" algn="l">
-              <a:spcBef>
-                <a:spcPts val="0"/>
-              </a:spcBef>
-              <a:spcAft>
-                <a:spcPts val="0"/>
-              </a:spcAft>
-              <a:buNone/>
-            </a:pPr>
-            <a:r>
-              <a:t/>
-            </a:r>
-            <a:endParaRPr b="1" sz="1600">
-              <a:latin typeface="Noto Sans"/>
-              <a:ea typeface="Noto Sans"/>
-              <a:cs typeface="Noto Sans"/>
-              <a:sym typeface="Noto Sans"/>
-            </a:endParaRPr>
-          </a:p>
-        </p:txBody>
-      </p:sp>
-    </p:spTree>
-  </p:cSld>
-  <p:clrMapOvr>
-    <a:masterClrMapping/>
-  </p:clrMapOvr>
-</p:sld>
-</file>
-
-<file path=ppt/slides/slide14.xml><?xml version="1.0" encoding="utf-8"?>
-<p:sld xmlns:a="http://schemas.openxmlformats.org/drawingml/2006/main" xmlns:r="http://schemas.openxmlformats.org/officeDocument/2006/relationships" xmlns:mc="http://schemas.openxmlformats.org/markup-compatibility/2006" xmlns:mv="urn:schemas-microsoft-com:mac:vml" xmlns:p="http://schemas.openxmlformats.org/presentationml/2006/main" xmlns:c="http://schemas.openxmlformats.org/drawingml/2006/chart" xmlns:dgm="http://schemas.openxmlformats.org/drawingml/2006/diagram" xmlns:o="urn:schemas-microsoft-com:office:office" xmlns:v="urn:schemas-microsoft-com:vml" xmlns:pvml="urn:schemas-microsoft-com:office:powerpoint" xmlns:com="http://schemas.openxmlformats.org/drawingml/2006/compatibility" xmlns:p14="http://schemas.microsoft.com/office/powerpoint/2010/main" xmlns:p15="http://schemas.microsoft.com/office/powerpoint/2012/main" xmlns:ahyp="http://schemas.microsoft.com/office/drawing/2018/hyperlinkcolor">
-  <p:cSld>
-    <p:spTree>
-      <p:nvGrpSpPr>
-        <p:cNvPr id="154" name="Shape 154"/>
-        <p:cNvGrpSpPr/>
-        <p:nvPr/>
-      </p:nvGrpSpPr>
-      <p:grpSpPr>
-        <a:xfrm>
-          <a:off x="0" y="0"/>
-          <a:ext cx="0" cy="0"/>
-          <a:chOff x="0" y="0"/>
-          <a:chExt cx="0" cy="0"/>
-        </a:xfrm>
-      </p:grpSpPr>
-      <p:pic>
-        <p:nvPicPr>
-          <p:cNvPr id="155" name="Google Shape;155;p26" title="AI for good IS S3.png"/>
-          <p:cNvPicPr preferRelativeResize="0"/>
-          <p:nvPr/>
-        </p:nvPicPr>
-        <p:blipFill>
-          <a:blip r:embed="rId3">
-            <a:alphaModFix/>
-          </a:blip>
-          <a:stretch>
-            <a:fillRect/>
-          </a:stretch>
-        </p:blipFill>
-        <p:spPr>
-          <a:xfrm>
-            <a:off x="0" y="0"/>
-            <a:ext cx="9144000" cy="5143505"/>
-          </a:xfrm>
-          <a:prstGeom prst="rect">
-            <a:avLst/>
-          </a:prstGeom>
-          <a:noFill/>
-          <a:ln>
-            <a:noFill/>
-          </a:ln>
-        </p:spPr>
-      </p:pic>
-    </p:spTree>
-  </p:cSld>
-  <p:clrMapOvr>
-    <a:masterClrMapping/>
-  </p:clrMapOvr>
-</p:sld>
-</file>
-
-<file path=ppt/slides/slide2.xml><?xml version="1.0" encoding="utf-8"?>
-<p:sld xmlns:a="http://schemas.openxmlformats.org/drawingml/2006/main" xmlns:r="http://schemas.openxmlformats.org/officeDocument/2006/relationships" xmlns:mc="http://schemas.openxmlformats.org/markup-compatibility/2006" xmlns:mv="urn:schemas-microsoft-com:mac:vml" xmlns:p="http://schemas.openxmlformats.org/presentationml/2006/main" xmlns:c="http://schemas.openxmlformats.org/drawingml/2006/chart" xmlns:dgm="http://schemas.openxmlformats.org/drawingml/2006/diagram" xmlns:o="urn:schemas-microsoft-com:office:office" xmlns:v="urn:schemas-microsoft-com:vml" xmlns:pvml="urn:schemas-microsoft-com:office:powerpoint" xmlns:com="http://schemas.openxmlformats.org/drawingml/2006/compatibility" xmlns:p14="http://schemas.microsoft.com/office/powerpoint/2010/main" xmlns:p15="http://schemas.microsoft.com/office/powerpoint/2012/main" xmlns:ahyp="http://schemas.microsoft.com/office/drawing/2018/hyperlinkcolor">
-  <p:cSld>
-    <p:spTree>
-      <p:nvGrpSpPr>
-        <p:cNvPr id="60" name="Shape 60"/>
-        <p:cNvGrpSpPr/>
-        <p:nvPr/>
-      </p:nvGrpSpPr>
-      <p:grpSpPr>
-        <a:xfrm>
-          <a:off x="0" y="0"/>
-          <a:ext cx="0" cy="0"/>
-          <a:chOff x="0" y="0"/>
-          <a:chExt cx="0" cy="0"/>
-        </a:xfrm>
-      </p:grpSpPr>
-      <p:pic>
-        <p:nvPicPr>
-          <p:cNvPr id="61" name="Google Shape;61;p14" title="AI for good IS S2.png"/>
-          <p:cNvPicPr preferRelativeResize="0"/>
-          <p:nvPr/>
-        </p:nvPicPr>
-        <p:blipFill rotWithShape="1">
-          <a:blip r:embed="rId3">
-            <a:alphaModFix/>
-          </a:blip>
-          <a:srcRect b="89082" l="0" r="0" t="0"/>
-          <a:stretch/>
-        </p:blipFill>
-        <p:spPr>
-          <a:xfrm>
-            <a:off x="0" y="0"/>
-            <a:ext cx="9144000" cy="561524"/>
-          </a:xfrm>
-          <a:prstGeom prst="rect">
-            <a:avLst/>
-          </a:prstGeom>
-          <a:noFill/>
-          <a:ln>
-            <a:noFill/>
-          </a:ln>
-        </p:spPr>
-      </p:pic>
-      <p:pic>
-        <p:nvPicPr>
-          <p:cNvPr id="62" name="Google Shape;62;p14" title="AI for good IS S2.png"/>
-          <p:cNvPicPr preferRelativeResize="0"/>
-          <p:nvPr/>
-        </p:nvPicPr>
-        <p:blipFill rotWithShape="1">
-          <a:blip r:embed="rId3">
-            <a:alphaModFix/>
-          </a:blip>
-          <a:srcRect b="0" l="0" r="0" t="97713"/>
-          <a:stretch/>
-        </p:blipFill>
-        <p:spPr>
-          <a:xfrm>
-            <a:off x="0" y="5025875"/>
-            <a:ext cx="9144000" cy="117625"/>
-          </a:xfrm>
-          <a:prstGeom prst="rect">
-            <a:avLst/>
-          </a:prstGeom>
-          <a:noFill/>
-          <a:ln>
-            <a:noFill/>
-          </a:ln>
-        </p:spPr>
-      </p:pic>
-      <p:sp>
-        <p:nvSpPr>
-          <p:cNvPr id="63" name="Google Shape;63;p14"/>
-          <p:cNvSpPr txBox="1"/>
-          <p:nvPr/>
-        </p:nvSpPr>
-        <p:spPr>
-          <a:xfrm>
-            <a:off x="265350" y="701175"/>
-            <a:ext cx="6647100" cy="561900"/>
-          </a:xfrm>
-          <a:prstGeom prst="rect">
-            <a:avLst/>
-          </a:prstGeom>
-          <a:noFill/>
-          <a:ln>
-            <a:noFill/>
-          </a:ln>
-        </p:spPr>
-        <p:txBody>
-          <a:bodyPr anchorCtr="0" anchor="t" bIns="91425" lIns="91425" spcFirstLastPara="1" rIns="91425" wrap="square" tIns="91425">
-            <a:noAutofit/>
-          </a:bodyPr>
-          <a:lstStyle/>
-          <a:p>
-            <a:pPr indent="0" lvl="0" marL="0" rtl="0" algn="l">
-              <a:spcBef>
-                <a:spcPts val="0"/>
-              </a:spcBef>
-              <a:spcAft>
-                <a:spcPts val="0"/>
-              </a:spcAft>
-              <a:buNone/>
-            </a:pPr>
-            <a:r>
-              <a:rPr b="1" lang="en-GB" sz="1600">
-                <a:latin typeface="Noto Sans"/>
-                <a:ea typeface="Noto Sans"/>
-                <a:cs typeface="Noto Sans"/>
-                <a:sym typeface="Noto Sans"/>
-              </a:rPr>
-              <a:t>Brief about the idea/protoype</a:t>
-            </a:r>
-            <a:endParaRPr b="1" sz="1600">
-              <a:latin typeface="Noto Sans"/>
-              <a:ea typeface="Noto Sans"/>
-              <a:cs typeface="Noto Sans"/>
-              <a:sym typeface="Noto Sans"/>
-            </a:endParaRPr>
-          </a:p>
-        </p:txBody>
-      </p:sp>
-      <p:sp>
-        <p:nvSpPr>
-          <p:cNvPr id="64" name="Google Shape;64;p14"/>
-          <p:cNvSpPr txBox="1"/>
-          <p:nvPr/>
-        </p:nvSpPr>
-        <p:spPr>
-          <a:xfrm>
-            <a:off x="265350" y="1123250"/>
-            <a:ext cx="8644500" cy="3702900"/>
-          </a:xfrm>
-          <a:prstGeom prst="rect">
-            <a:avLst/>
-          </a:prstGeom>
-          <a:noFill/>
-          <a:ln>
-            <a:noFill/>
-          </a:ln>
-        </p:spPr>
-        <p:txBody>
-          <a:bodyPr anchorCtr="0" anchor="t" bIns="91425" lIns="91425" spcFirstLastPara="1" rIns="91425" wrap="square" tIns="91425">
-            <a:noAutofit/>
-          </a:bodyPr>
-          <a:lstStyle/>
-          <a:p>
-            <a:pPr indent="0" lvl="0" marL="0" rtl="0" algn="l">
+            <a:pPr marL="0" lvl="0" indent="0" algn="l" rtl="0">
               <a:spcBef>
                 <a:spcPts val="0"/>
               </a:spcBef>
@@ -7971,12 +8011,596 @@
 </p:sld>
 </file>
 
-<file path=ppt/slides/slide3.xml><?xml version="1.0" encoding="utf-8"?>
-<p:sld xmlns:a="http://schemas.openxmlformats.org/drawingml/2006/main" xmlns:r="http://schemas.openxmlformats.org/officeDocument/2006/relationships" xmlns:mc="http://schemas.openxmlformats.org/markup-compatibility/2006" xmlns:mv="urn:schemas-microsoft-com:mac:vml" xmlns:p="http://schemas.openxmlformats.org/presentationml/2006/main" xmlns:c="http://schemas.openxmlformats.org/drawingml/2006/chart" xmlns:dgm="http://schemas.openxmlformats.org/drawingml/2006/diagram" xmlns:o="urn:schemas-microsoft-com:office:office" xmlns:v="urn:schemas-microsoft-com:vml" xmlns:pvml="urn:schemas-microsoft-com:office:powerpoint" xmlns:com="http://schemas.openxmlformats.org/drawingml/2006/compatibility" xmlns:p14="http://schemas.microsoft.com/office/powerpoint/2010/main" xmlns:p15="http://schemas.microsoft.com/office/powerpoint/2012/main" xmlns:ahyp="http://schemas.microsoft.com/office/drawing/2018/hyperlinkcolor">
+<file path=ppt/slides/slide14.xml><?xml version="1.0" encoding="utf-8"?>
+<p:sld xmlns:a="http://schemas.openxmlformats.org/drawingml/2006/main" xmlns:r="http://schemas.openxmlformats.org/officeDocument/2006/relationships" xmlns:p="http://schemas.openxmlformats.org/presentationml/2006/main">
   <p:cSld>
     <p:spTree>
       <p:nvGrpSpPr>
-        <p:cNvPr id="68" name="Shape 68"/>
+        <p:cNvPr id="1" name="Shape 146"/>
+        <p:cNvGrpSpPr/>
+        <p:nvPr/>
+      </p:nvGrpSpPr>
+      <p:grpSpPr>
+        <a:xfrm>
+          <a:off x="0" y="0"/>
+          <a:ext cx="0" cy="0"/>
+          <a:chOff x="0" y="0"/>
+          <a:chExt cx="0" cy="0"/>
+        </a:xfrm>
+      </p:grpSpPr>
+      <p:pic>
+        <p:nvPicPr>
+          <p:cNvPr id="147" name="Google Shape;147;p25" title="AI for good IS S2.png"/>
+          <p:cNvPicPr preferRelativeResize="0"/>
+          <p:nvPr/>
+        </p:nvPicPr>
+        <p:blipFill rotWithShape="1">
+          <a:blip r:embed="rId3">
+            <a:alphaModFix/>
+          </a:blip>
+          <a:srcRect b="89082"/>
+          <a:stretch/>
+        </p:blipFill>
+        <p:spPr>
+          <a:xfrm>
+            <a:off x="0" y="0"/>
+            <a:ext cx="9144000" cy="561524"/>
+          </a:xfrm>
+          <a:prstGeom prst="rect">
+            <a:avLst/>
+          </a:prstGeom>
+          <a:noFill/>
+          <a:ln>
+            <a:noFill/>
+          </a:ln>
+        </p:spPr>
+      </p:pic>
+      <p:pic>
+        <p:nvPicPr>
+          <p:cNvPr id="148" name="Google Shape;148;p25" title="AI for good IS S2.png"/>
+          <p:cNvPicPr preferRelativeResize="0"/>
+          <p:nvPr/>
+        </p:nvPicPr>
+        <p:blipFill rotWithShape="1">
+          <a:blip r:embed="rId3">
+            <a:alphaModFix/>
+          </a:blip>
+          <a:srcRect t="97713"/>
+          <a:stretch/>
+        </p:blipFill>
+        <p:spPr>
+          <a:xfrm>
+            <a:off x="0" y="5025875"/>
+            <a:ext cx="9144000" cy="117625"/>
+          </a:xfrm>
+          <a:prstGeom prst="rect">
+            <a:avLst/>
+          </a:prstGeom>
+          <a:noFill/>
+          <a:ln>
+            <a:noFill/>
+          </a:ln>
+        </p:spPr>
+      </p:pic>
+      <p:sp>
+        <p:nvSpPr>
+          <p:cNvPr id="149" name="Google Shape;149;p25"/>
+          <p:cNvSpPr txBox="1"/>
+          <p:nvPr/>
+        </p:nvSpPr>
+        <p:spPr>
+          <a:xfrm>
+            <a:off x="265350" y="1123250"/>
+            <a:ext cx="8644500" cy="3702900"/>
+          </a:xfrm>
+          <a:prstGeom prst="rect">
+            <a:avLst/>
+          </a:prstGeom>
+          <a:noFill/>
+          <a:ln>
+            <a:noFill/>
+          </a:ln>
+        </p:spPr>
+        <p:txBody>
+          <a:bodyPr spcFirstLastPara="1" wrap="square" lIns="91425" tIns="91425" rIns="91425" bIns="91425" anchor="t" anchorCtr="0">
+            <a:noAutofit/>
+          </a:bodyPr>
+          <a:lstStyle/>
+          <a:p>
+            <a:pPr marL="0" lvl="0" indent="0" algn="l" rtl="0">
+              <a:spcBef>
+                <a:spcPts val="0"/>
+              </a:spcBef>
+              <a:spcAft>
+                <a:spcPts val="0"/>
+              </a:spcAft>
+              <a:buNone/>
+            </a:pPr>
+            <a:r>
+              <a:rPr lang="en-GB" sz="1200">
+                <a:latin typeface="Noto Sans"/>
+                <a:ea typeface="Noto Sans"/>
+                <a:cs typeface="Noto Sans"/>
+                <a:sym typeface="Noto Sans"/>
+              </a:rPr>
+              <a:t>Type here…</a:t>
+            </a:r>
+            <a:endParaRPr sz="1200">
+              <a:latin typeface="Noto Sans"/>
+              <a:ea typeface="Noto Sans"/>
+              <a:cs typeface="Noto Sans"/>
+              <a:sym typeface="Noto Sans"/>
+            </a:endParaRPr>
+          </a:p>
+        </p:txBody>
+      </p:sp>
+      <p:sp>
+        <p:nvSpPr>
+          <p:cNvPr id="150" name="Google Shape;150;p25"/>
+          <p:cNvSpPr txBox="1"/>
+          <p:nvPr/>
+        </p:nvSpPr>
+        <p:spPr>
+          <a:xfrm>
+            <a:off x="265350" y="701175"/>
+            <a:ext cx="6647100" cy="469500"/>
+          </a:xfrm>
+          <a:prstGeom prst="rect">
+            <a:avLst/>
+          </a:prstGeom>
+          <a:noFill/>
+          <a:ln>
+            <a:noFill/>
+          </a:ln>
+        </p:spPr>
+        <p:txBody>
+          <a:bodyPr spcFirstLastPara="1" wrap="square" lIns="91425" tIns="91425" rIns="91425" bIns="91425" anchor="t" anchorCtr="0">
+            <a:noAutofit/>
+          </a:bodyPr>
+          <a:lstStyle/>
+          <a:p>
+            <a:pPr marL="0" lvl="0" indent="0" algn="l" rtl="0">
+              <a:spcBef>
+                <a:spcPts val="0"/>
+              </a:spcBef>
+              <a:spcAft>
+                <a:spcPts val="0"/>
+              </a:spcAft>
+              <a:buNone/>
+            </a:pPr>
+            <a:endParaRPr sz="1600" b="1">
+              <a:latin typeface="Noto Sans"/>
+              <a:ea typeface="Noto Sans"/>
+              <a:cs typeface="Noto Sans"/>
+              <a:sym typeface="Noto Sans"/>
+            </a:endParaRPr>
+          </a:p>
+        </p:txBody>
+      </p:sp>
+    </p:spTree>
+  </p:cSld>
+  <p:clrMapOvr>
+    <a:masterClrMapping/>
+  </p:clrMapOvr>
+</p:sld>
+</file>
+
+<file path=ppt/slides/slide15.xml><?xml version="1.0" encoding="utf-8"?>
+<p:sld xmlns:a="http://schemas.openxmlformats.org/drawingml/2006/main" xmlns:r="http://schemas.openxmlformats.org/officeDocument/2006/relationships" xmlns:p="http://schemas.openxmlformats.org/presentationml/2006/main">
+  <p:cSld>
+    <p:spTree>
+      <p:nvGrpSpPr>
+        <p:cNvPr id="1" name="Shape 154"/>
+        <p:cNvGrpSpPr/>
+        <p:nvPr/>
+      </p:nvGrpSpPr>
+      <p:grpSpPr>
+        <a:xfrm>
+          <a:off x="0" y="0"/>
+          <a:ext cx="0" cy="0"/>
+          <a:chOff x="0" y="0"/>
+          <a:chExt cx="0" cy="0"/>
+        </a:xfrm>
+      </p:grpSpPr>
+      <p:pic>
+        <p:nvPicPr>
+          <p:cNvPr id="155" name="Google Shape;155;p26" title="AI for good IS S3.png"/>
+          <p:cNvPicPr preferRelativeResize="0"/>
+          <p:nvPr/>
+        </p:nvPicPr>
+        <p:blipFill>
+          <a:blip r:embed="rId3">
+            <a:alphaModFix/>
+          </a:blip>
+          <a:stretch>
+            <a:fillRect/>
+          </a:stretch>
+        </p:blipFill>
+        <p:spPr>
+          <a:xfrm>
+            <a:off x="0" y="0"/>
+            <a:ext cx="9144000" cy="5143505"/>
+          </a:xfrm>
+          <a:prstGeom prst="rect">
+            <a:avLst/>
+          </a:prstGeom>
+          <a:noFill/>
+          <a:ln>
+            <a:noFill/>
+          </a:ln>
+        </p:spPr>
+      </p:pic>
+    </p:spTree>
+  </p:cSld>
+  <p:clrMapOvr>
+    <a:masterClrMapping/>
+  </p:clrMapOvr>
+</p:sld>
+</file>
+
+<file path=ppt/slides/slide2.xml><?xml version="1.0" encoding="utf-8"?>
+<p:sld xmlns:a="http://schemas.openxmlformats.org/drawingml/2006/main" xmlns:r="http://schemas.openxmlformats.org/officeDocument/2006/relationships" xmlns:p="http://schemas.openxmlformats.org/presentationml/2006/main">
+  <p:cSld>
+    <p:spTree>
+      <p:nvGrpSpPr>
+        <p:cNvPr id="1" name="Shape 60"/>
+        <p:cNvGrpSpPr/>
+        <p:nvPr/>
+      </p:nvGrpSpPr>
+      <p:grpSpPr>
+        <a:xfrm>
+          <a:off x="0" y="0"/>
+          <a:ext cx="0" cy="0"/>
+          <a:chOff x="0" y="0"/>
+          <a:chExt cx="0" cy="0"/>
+        </a:xfrm>
+      </p:grpSpPr>
+      <p:pic>
+        <p:nvPicPr>
+          <p:cNvPr id="61" name="Google Shape;61;p14" title="AI for good IS S2.png"/>
+          <p:cNvPicPr preferRelativeResize="0"/>
+          <p:nvPr/>
+        </p:nvPicPr>
+        <p:blipFill rotWithShape="1">
+          <a:blip r:embed="rId3">
+            <a:alphaModFix/>
+          </a:blip>
+          <a:srcRect b="89082"/>
+          <a:stretch/>
+        </p:blipFill>
+        <p:spPr>
+          <a:xfrm>
+            <a:off x="0" y="0"/>
+            <a:ext cx="9144000" cy="561524"/>
+          </a:xfrm>
+          <a:prstGeom prst="rect">
+            <a:avLst/>
+          </a:prstGeom>
+          <a:noFill/>
+          <a:ln>
+            <a:noFill/>
+          </a:ln>
+        </p:spPr>
+      </p:pic>
+      <p:pic>
+        <p:nvPicPr>
+          <p:cNvPr id="62" name="Google Shape;62;p14" title="AI for good IS S2.png"/>
+          <p:cNvPicPr preferRelativeResize="0"/>
+          <p:nvPr/>
+        </p:nvPicPr>
+        <p:blipFill rotWithShape="1">
+          <a:blip r:embed="rId3">
+            <a:alphaModFix/>
+          </a:blip>
+          <a:srcRect t="97713"/>
+          <a:stretch/>
+        </p:blipFill>
+        <p:spPr>
+          <a:xfrm>
+            <a:off x="0" y="5025875"/>
+            <a:ext cx="9144000" cy="117625"/>
+          </a:xfrm>
+          <a:prstGeom prst="rect">
+            <a:avLst/>
+          </a:prstGeom>
+          <a:noFill/>
+          <a:ln>
+            <a:noFill/>
+          </a:ln>
+        </p:spPr>
+      </p:pic>
+      <p:sp>
+        <p:nvSpPr>
+          <p:cNvPr id="63" name="Google Shape;63;p14"/>
+          <p:cNvSpPr txBox="1"/>
+          <p:nvPr/>
+        </p:nvSpPr>
+        <p:spPr>
+          <a:xfrm>
+            <a:off x="265350" y="701175"/>
+            <a:ext cx="6647100" cy="561900"/>
+          </a:xfrm>
+          <a:prstGeom prst="rect">
+            <a:avLst/>
+          </a:prstGeom>
+          <a:noFill/>
+          <a:ln>
+            <a:noFill/>
+          </a:ln>
+        </p:spPr>
+        <p:txBody>
+          <a:bodyPr spcFirstLastPara="1" wrap="square" lIns="91425" tIns="91425" rIns="91425" bIns="91425" anchor="t" anchorCtr="0">
+            <a:noAutofit/>
+          </a:bodyPr>
+          <a:lstStyle/>
+          <a:p>
+            <a:pPr marL="0" lvl="0" indent="0" algn="l" rtl="0">
+              <a:spcBef>
+                <a:spcPts val="0"/>
+              </a:spcBef>
+              <a:spcAft>
+                <a:spcPts val="0"/>
+              </a:spcAft>
+              <a:buNone/>
+            </a:pPr>
+            <a:r>
+              <a:rPr lang="en-GB" sz="1600" b="1" dirty="0">
+                <a:latin typeface="Noto Sans"/>
+                <a:ea typeface="Noto Sans"/>
+                <a:cs typeface="Noto Sans"/>
+                <a:sym typeface="Noto Sans"/>
+              </a:rPr>
+              <a:t>Brief about the idea/</a:t>
+            </a:r>
+            <a:r>
+              <a:rPr lang="en-GB" sz="1600" b="1" dirty="0" err="1">
+                <a:latin typeface="Noto Sans"/>
+                <a:ea typeface="Noto Sans"/>
+                <a:cs typeface="Noto Sans"/>
+                <a:sym typeface="Noto Sans"/>
+              </a:rPr>
+              <a:t>protoype</a:t>
+            </a:r>
+            <a:endParaRPr sz="1600" b="1" dirty="0">
+              <a:latin typeface="Noto Sans"/>
+              <a:ea typeface="Noto Sans"/>
+              <a:cs typeface="Noto Sans"/>
+              <a:sym typeface="Noto Sans"/>
+            </a:endParaRPr>
+          </a:p>
+        </p:txBody>
+      </p:sp>
+      <p:sp>
+        <p:nvSpPr>
+          <p:cNvPr id="64" name="Google Shape;64;p14"/>
+          <p:cNvSpPr txBox="1"/>
+          <p:nvPr/>
+        </p:nvSpPr>
+        <p:spPr>
+          <a:xfrm>
+            <a:off x="265350" y="1123250"/>
+            <a:ext cx="8644500" cy="3702900"/>
+          </a:xfrm>
+          <a:prstGeom prst="rect">
+            <a:avLst/>
+          </a:prstGeom>
+          <a:noFill/>
+          <a:ln>
+            <a:noFill/>
+          </a:ln>
+        </p:spPr>
+        <p:txBody>
+          <a:bodyPr spcFirstLastPara="1" wrap="square" lIns="91425" tIns="91425" rIns="91425" bIns="91425" anchor="t" anchorCtr="0">
+            <a:noAutofit/>
+          </a:bodyPr>
+          <a:lstStyle/>
+          <a:p>
+            <a:pPr marL="0" lvl="0" indent="0" algn="l" rtl="0">
+              <a:spcBef>
+                <a:spcPts val="0"/>
+              </a:spcBef>
+              <a:spcAft>
+                <a:spcPts val="0"/>
+              </a:spcAft>
+              <a:buNone/>
+            </a:pPr>
+            <a:r>
+              <a:rPr lang="en-US" sz="1200" dirty="0">
+                <a:latin typeface="Noto Sans"/>
+                <a:ea typeface="Noto Sans"/>
+                <a:cs typeface="Noto Sans"/>
+                <a:sym typeface="Noto Sans"/>
+              </a:rPr>
+              <a:t>The prototype we built is called </a:t>
+            </a:r>
+            <a:r>
+              <a:rPr lang="en-US" sz="1200" dirty="0" err="1">
+                <a:latin typeface="Noto Sans"/>
+                <a:ea typeface="Noto Sans"/>
+                <a:cs typeface="Noto Sans"/>
+                <a:sym typeface="Noto Sans"/>
+              </a:rPr>
+              <a:t>SwiftStock</a:t>
+            </a:r>
+            <a:r>
+              <a:rPr lang="en-US" sz="1200" dirty="0">
+                <a:latin typeface="Noto Sans"/>
+                <a:ea typeface="Noto Sans"/>
+                <a:cs typeface="Noto Sans"/>
+                <a:sym typeface="Noto Sans"/>
+              </a:rPr>
+              <a:t>, it’s an AI-powered logistics platform built on Snowflake. It shifts the supply chain model from reactive to predictive and collaborative.</a:t>
+            </a:r>
+          </a:p>
+          <a:p>
+            <a:pPr marL="171450" lvl="0" indent="-171450" algn="l" rtl="0">
+              <a:spcBef>
+                <a:spcPts val="0"/>
+              </a:spcBef>
+              <a:spcAft>
+                <a:spcPts val="0"/>
+              </a:spcAft>
+              <a:buFont typeface="Arial" panose="020B0604020202020204" pitchFamily="34" charset="0"/>
+              <a:buChar char="•"/>
+            </a:pPr>
+            <a:r>
+              <a:rPr lang="en-US" sz="1200" dirty="0">
+                <a:latin typeface="Noto Sans"/>
+                <a:ea typeface="Noto Sans"/>
+                <a:cs typeface="Noto Sans"/>
+                <a:sym typeface="Noto Sans"/>
+              </a:rPr>
+              <a:t>Predictive: </a:t>
+            </a:r>
+            <a:r>
+              <a:rPr lang="en-US" sz="1200" dirty="0" err="1">
+                <a:latin typeface="Noto Sans"/>
+                <a:ea typeface="Noto Sans"/>
+                <a:cs typeface="Noto Sans"/>
+                <a:sym typeface="Noto Sans"/>
+              </a:rPr>
+              <a:t>SwiftStock</a:t>
+            </a:r>
+            <a:r>
+              <a:rPr lang="en-US" sz="1200" dirty="0">
+                <a:latin typeface="Noto Sans"/>
+                <a:ea typeface="Noto Sans"/>
+                <a:cs typeface="Noto Sans"/>
+                <a:sym typeface="Noto Sans"/>
+              </a:rPr>
+              <a:t> uses </a:t>
+            </a:r>
+            <a:r>
+              <a:rPr lang="en-US" sz="1200" dirty="0" err="1">
+                <a:latin typeface="Noto Sans"/>
+                <a:ea typeface="Noto Sans"/>
+                <a:cs typeface="Noto Sans"/>
+                <a:sym typeface="Noto Sans"/>
+              </a:rPr>
+              <a:t>snowpark</a:t>
+            </a:r>
+            <a:r>
+              <a:rPr lang="en-US" sz="1200" dirty="0">
+                <a:latin typeface="Noto Sans"/>
+                <a:ea typeface="Noto Sans"/>
+                <a:cs typeface="Noto Sans"/>
+                <a:sym typeface="Noto Sans"/>
+              </a:rPr>
+              <a:t> to forecast stockouts </a:t>
+            </a:r>
+            <a:r>
+              <a:rPr lang="en-US" sz="1200" b="1" i="1" dirty="0">
+                <a:latin typeface="Noto Sans"/>
+                <a:ea typeface="Noto Sans"/>
+                <a:cs typeface="Noto Sans"/>
+                <a:sym typeface="Noto Sans"/>
+              </a:rPr>
+              <a:t>before </a:t>
+            </a:r>
+            <a:r>
+              <a:rPr lang="en-US" sz="1200" dirty="0">
+                <a:latin typeface="Noto Sans"/>
+                <a:ea typeface="Noto Sans"/>
+                <a:cs typeface="Noto Sans"/>
+                <a:sym typeface="Noto Sans"/>
+              </a:rPr>
+              <a:t>they happen.</a:t>
+            </a:r>
+          </a:p>
+          <a:p>
+            <a:pPr marL="171450" lvl="0" indent="-171450" algn="l" rtl="0">
+              <a:spcBef>
+                <a:spcPts val="0"/>
+              </a:spcBef>
+              <a:spcAft>
+                <a:spcPts val="0"/>
+              </a:spcAft>
+              <a:buFont typeface="Arial" panose="020B0604020202020204" pitchFamily="34" charset="0"/>
+              <a:buChar char="•"/>
+            </a:pPr>
+            <a:r>
+              <a:rPr lang="en-US" sz="1200" dirty="0">
+                <a:latin typeface="Noto Sans"/>
+                <a:ea typeface="Noto Sans"/>
+                <a:cs typeface="Noto Sans"/>
+                <a:sym typeface="Noto Sans"/>
+              </a:rPr>
+              <a:t>Collaborative: Enables </a:t>
+            </a:r>
+            <a:r>
+              <a:rPr lang="en-US" sz="1200" b="1" i="1" dirty="0">
+                <a:latin typeface="Noto Sans"/>
+                <a:ea typeface="Noto Sans"/>
+                <a:cs typeface="Noto Sans"/>
+                <a:sym typeface="Noto Sans"/>
+              </a:rPr>
+              <a:t>lateral transfers </a:t>
+            </a:r>
+            <a:r>
+              <a:rPr lang="en-US" sz="1200" dirty="0">
+                <a:latin typeface="Noto Sans"/>
+                <a:ea typeface="Noto Sans"/>
+                <a:cs typeface="Noto Sans"/>
+                <a:sym typeface="Noto Sans"/>
+              </a:rPr>
+              <a:t>(hospital-to-hospital sharing) to solve shortages in minutes, not days.</a:t>
+            </a:r>
+          </a:p>
+          <a:p>
+            <a:pPr marL="171450" lvl="0" indent="-171450" algn="l" rtl="0">
+              <a:spcBef>
+                <a:spcPts val="0"/>
+              </a:spcBef>
+              <a:spcAft>
+                <a:spcPts val="0"/>
+              </a:spcAft>
+              <a:buFont typeface="Arial" panose="020B0604020202020204" pitchFamily="34" charset="0"/>
+              <a:buChar char="•"/>
+            </a:pPr>
+            <a:r>
+              <a:rPr lang="en-US" sz="1200" dirty="0">
+                <a:latin typeface="Noto Sans"/>
+                <a:ea typeface="Noto Sans"/>
+                <a:cs typeface="Noto Sans"/>
+                <a:sym typeface="Noto Sans"/>
+              </a:rPr>
+              <a:t>Accessible: Democratizes data via a </a:t>
+            </a:r>
+            <a:r>
+              <a:rPr lang="en-US" sz="1200" b="1" dirty="0">
+                <a:latin typeface="Noto Sans"/>
+                <a:ea typeface="Noto Sans"/>
+                <a:cs typeface="Noto Sans"/>
+                <a:sym typeface="Noto Sans"/>
+              </a:rPr>
+              <a:t>Natural Language Chatbot </a:t>
+            </a:r>
+            <a:r>
+              <a:rPr lang="en-US" sz="1200" dirty="0">
+                <a:latin typeface="Noto Sans"/>
+                <a:ea typeface="Noto Sans"/>
+                <a:cs typeface="Noto Sans"/>
+                <a:sym typeface="Noto Sans"/>
+              </a:rPr>
+              <a:t>for field workers.</a:t>
+            </a:r>
+          </a:p>
+        </p:txBody>
+      </p:sp>
+    </p:spTree>
+  </p:cSld>
+  <p:clrMapOvr>
+    <a:masterClrMapping/>
+  </p:clrMapOvr>
+</p:sld>
+</file>
+
+<file path=ppt/slides/slide3.xml><?xml version="1.0" encoding="utf-8"?>
+<p:sld xmlns:a="http://schemas.openxmlformats.org/drawingml/2006/main" xmlns:r="http://schemas.openxmlformats.org/officeDocument/2006/relationships" xmlns:p="http://schemas.openxmlformats.org/presentationml/2006/main">
+  <p:cSld>
+    <p:spTree>
+      <p:nvGrpSpPr>
+        <p:cNvPr id="1" name="Shape 68"/>
         <p:cNvGrpSpPr/>
         <p:nvPr/>
       </p:nvGrpSpPr>
@@ -7998,7 +8622,7 @@
           <a:blip r:embed="rId3">
             <a:alphaModFix/>
           </a:blip>
-          <a:srcRect b="89082" l="0" r="0" t="0"/>
+          <a:srcRect b="89082"/>
           <a:stretch/>
         </p:blipFill>
         <p:spPr>
@@ -8025,7 +8649,7 @@
           <a:blip r:embed="rId3">
             <a:alphaModFix/>
           </a:blip>
-          <a:srcRect b="0" l="0" r="0" t="97713"/>
+          <a:srcRect t="97713"/>
           <a:stretch/>
         </p:blipFill>
         <p:spPr>
@@ -8062,12 +8686,12 @@
           </a:ln>
         </p:spPr>
         <p:txBody>
-          <a:bodyPr anchorCtr="0" anchor="t" bIns="91425" lIns="91425" spcFirstLastPara="1" rIns="91425" wrap="square" tIns="91425">
+          <a:bodyPr spcFirstLastPara="1" wrap="square" lIns="91425" tIns="91425" rIns="91425" bIns="91425" anchor="t" anchorCtr="0">
             <a:noAutofit/>
           </a:bodyPr>
           <a:lstStyle/>
           <a:p>
-            <a:pPr indent="0" lvl="0" marL="0" rtl="0" algn="l">
+            <a:pPr marL="0" lvl="0" indent="0" algn="l" rtl="0">
               <a:spcBef>
                 <a:spcPts val="0"/>
               </a:spcBef>
@@ -8077,7 +8701,7 @@
               <a:buNone/>
             </a:pPr>
             <a:r>
-              <a:rPr b="1" lang="en-GB" sz="1600">
+              <a:rPr lang="en-GB" sz="1600" b="1" dirty="0">
                 <a:latin typeface="Noto Sans"/>
                 <a:ea typeface="Noto Sans"/>
                 <a:cs typeface="Noto Sans"/>
@@ -8086,14 +8710,14 @@
               <a:t>Opportunities</a:t>
             </a:r>
             <a:br>
-              <a:rPr b="1" lang="en-GB" sz="1600">
+              <a:rPr lang="en-GB" sz="1600" b="1" dirty="0">
                 <a:latin typeface="Noto Sans"/>
                 <a:ea typeface="Noto Sans"/>
                 <a:cs typeface="Noto Sans"/>
                 <a:sym typeface="Noto Sans"/>
               </a:rPr>
             </a:br>
-            <a:endParaRPr b="1" sz="1600">
+            <a:endParaRPr lang="en-ID" sz="1600" b="1" dirty="0">
               <a:latin typeface="Noto Sans"/>
               <a:ea typeface="Noto Sans"/>
               <a:cs typeface="Noto Sans"/>
@@ -8101,27 +8725,47 @@
             </a:endParaRPr>
           </a:p>
           <a:p>
-            <a:pPr indent="-304800" lvl="0" marL="457200" rtl="0" algn="l">
-              <a:spcBef>
-                <a:spcPts val="0"/>
-              </a:spcBef>
-              <a:spcAft>
-                <a:spcPts val="0"/>
-              </a:spcAft>
-              <a:buSzPts val="1200"/>
-              <a:buFont typeface="Noto Sans"/>
-              <a:buChar char="●"/>
+            <a:pPr marL="342900" lvl="0" indent="-342900" algn="l" rtl="0">
+              <a:spcBef>
+                <a:spcPts val="0"/>
+              </a:spcBef>
+              <a:spcAft>
+                <a:spcPts val="0"/>
+              </a:spcAft>
+              <a:buFont typeface="+mj-lt"/>
+              <a:buAutoNum type="alphaUcPeriod"/>
             </a:pPr>
             <a:r>
-              <a:rPr lang="en-GB" sz="1200">
+              <a:rPr lang="en-ID" sz="1200" b="1" dirty="0">
                 <a:latin typeface="Noto Sans"/>
                 <a:ea typeface="Noto Sans"/>
                 <a:cs typeface="Noto Sans"/>
                 <a:sym typeface="Noto Sans"/>
               </a:rPr>
-              <a:t>How different is it from any of the other existing ideas?</a:t>
+              <a:t>How different is </a:t>
             </a:r>
-            <a:endParaRPr sz="1200">
+            <a:r>
+              <a:rPr lang="en-ID" sz="1200" b="1" dirty="0" err="1">
+                <a:latin typeface="Noto Sans"/>
+                <a:ea typeface="Noto Sans"/>
+                <a:cs typeface="Noto Sans"/>
+                <a:sym typeface="Noto Sans"/>
+              </a:rPr>
+              <a:t>SwiftStock</a:t>
+            </a:r>
+            <a:r>
+              <a:rPr lang="en-ID" sz="1200" b="1" dirty="0">
+                <a:latin typeface="Noto Sans"/>
+                <a:ea typeface="Noto Sans"/>
+                <a:cs typeface="Noto Sans"/>
+                <a:sym typeface="Noto Sans"/>
+              </a:rPr>
+              <a:t> from existing ideas?</a:t>
+            </a:r>
+          </a:p>
+          <a:p>
+            <a:pPr lvl="1"/>
+            <a:endParaRPr lang="en-ID" sz="1200" b="1" dirty="0">
               <a:latin typeface="Noto Sans"/>
               <a:ea typeface="Noto Sans"/>
               <a:cs typeface="Noto Sans"/>
@@ -8129,103 +8773,496 @@
             </a:endParaRPr>
           </a:p>
           <a:p>
-            <a:pPr indent="-304800" lvl="0" marL="457200" rtl="0" algn="l">
-              <a:spcBef>
-                <a:spcPts val="0"/>
-              </a:spcBef>
-              <a:spcAft>
-                <a:spcPts val="0"/>
-              </a:spcAft>
-              <a:buSzPts val="1200"/>
-              <a:buFont typeface="Noto Sans"/>
-              <a:buChar char="●"/>
-            </a:pPr>
+            <a:pPr lvl="1"/>
             <a:r>
-              <a:rPr lang="en-GB" sz="1200">
+              <a:rPr lang="en-ID" sz="1200" dirty="0">
                 <a:latin typeface="Noto Sans"/>
                 <a:ea typeface="Noto Sans"/>
                 <a:cs typeface="Noto Sans"/>
                 <a:sym typeface="Noto Sans"/>
               </a:rPr>
-              <a:t>How will it be able to solve the problem?</a:t>
+              <a:t>Most existing supply chain management (SCM) solutions are designed for vertical efficiency (</a:t>
             </a:r>
-            <a:endParaRPr sz="1200">
-              <a:latin typeface="Noto Sans"/>
-              <a:ea typeface="Noto Sans"/>
-              <a:cs typeface="Noto Sans"/>
-              <a:sym typeface="Noto Sans"/>
-            </a:endParaRPr>
-          </a:p>
-          <a:p>
-            <a:pPr indent="-304800" lvl="0" marL="457200" rtl="0" algn="l">
-              <a:spcBef>
-                <a:spcPts val="0"/>
-              </a:spcBef>
-              <a:spcAft>
-                <a:spcPts val="0"/>
-              </a:spcAft>
-              <a:buSzPts val="1200"/>
-              <a:buFont typeface="Noto Sans"/>
-              <a:buChar char="●"/>
-            </a:pPr>
             <a:r>
-              <a:rPr lang="en-GB" sz="1200">
+              <a:rPr lang="en-US" sz="1200" dirty="0">
                 <a:latin typeface="Noto Sans"/>
                 <a:ea typeface="Noto Sans"/>
                 <a:cs typeface="Noto Sans"/>
                 <a:sym typeface="Noto Sans"/>
               </a:rPr>
-              <a:t>USP of the proposed solution</a:t>
+              <a:t>Optimizing one hospital's link to one supplier) rather than Horizontal Resilience (Optimizing the entire network's ability to share resources). The table below breaks down the comparison between </a:t>
             </a:r>
-            <a:endParaRPr sz="1200">
-              <a:latin typeface="Noto Sans"/>
-              <a:ea typeface="Noto Sans"/>
-              <a:cs typeface="Noto Sans"/>
-              <a:sym typeface="Noto Sans"/>
-            </a:endParaRPr>
-          </a:p>
-          <a:p>
-            <a:pPr indent="0" lvl="0" marL="0" rtl="0" algn="l">
-              <a:spcBef>
-                <a:spcPts val="0"/>
-              </a:spcBef>
-              <a:spcAft>
-                <a:spcPts val="0"/>
-              </a:spcAft>
-              <a:buNone/>
-            </a:pPr>
             <a:r>
-              <a:t/>
+              <a:rPr lang="en-US" sz="1200" dirty="0" err="1">
+                <a:latin typeface="Noto Sans"/>
+                <a:ea typeface="Noto Sans"/>
+                <a:cs typeface="Noto Sans"/>
+                <a:sym typeface="Noto Sans"/>
+              </a:rPr>
+              <a:t>SwiftStock</a:t>
             </a:r>
-            <a:endParaRPr b="1" sz="1600">
-              <a:latin typeface="Noto Sans"/>
-              <a:ea typeface="Noto Sans"/>
-              <a:cs typeface="Noto Sans"/>
-              <a:sym typeface="Noto Sans"/>
-            </a:endParaRPr>
-          </a:p>
-          <a:p>
-            <a:pPr indent="0" lvl="0" marL="0" rtl="0" algn="l">
-              <a:spcBef>
-                <a:spcPts val="0"/>
-              </a:spcBef>
-              <a:spcAft>
-                <a:spcPts val="0"/>
-              </a:spcAft>
-              <a:buNone/>
-            </a:pPr>
             <a:r>
-              <a:t/>
+              <a:rPr lang="en-US" sz="1200" dirty="0">
+                <a:latin typeface="Noto Sans"/>
+                <a:ea typeface="Noto Sans"/>
+                <a:cs typeface="Noto Sans"/>
+                <a:sym typeface="Noto Sans"/>
+              </a:rPr>
+              <a:t> and its existing competitors.</a:t>
             </a:r>
-            <a:endParaRPr b="1" sz="1600">
-              <a:latin typeface="Noto Sans"/>
-              <a:ea typeface="Noto Sans"/>
-              <a:cs typeface="Noto Sans"/>
-              <a:sym typeface="Noto Sans"/>
-            </a:endParaRPr>
           </a:p>
         </p:txBody>
       </p:sp>
+      <p:graphicFrame>
+        <p:nvGraphicFramePr>
+          <p:cNvPr id="2" name="Table 1">
+            <a:extLst>
+              <a:ext uri="{FF2B5EF4-FFF2-40B4-BE49-F238E27FC236}">
+                <a16:creationId xmlns:a16="http://schemas.microsoft.com/office/drawing/2014/main" id="{9203369F-CF6A-75F9-1D68-A8C8BF85FE3A}"/>
+              </a:ext>
+            </a:extLst>
+          </p:cNvPr>
+          <p:cNvGraphicFramePr>
+            <a:graphicFrameLocks noGrp="1"/>
+          </p:cNvGraphicFramePr>
+          <p:nvPr>
+            <p:extLst>
+              <p:ext uri="{D42A27DB-BD31-4B8C-83A1-F6EECF244321}">
+                <p14:modId xmlns:p14="http://schemas.microsoft.com/office/powerpoint/2010/main" val="1041295997"/>
+              </p:ext>
+            </p:extLst>
+          </p:nvPr>
+        </p:nvGraphicFramePr>
+        <p:xfrm>
+          <a:off x="265350" y="2462022"/>
+          <a:ext cx="8640000" cy="2504440"/>
+        </p:xfrm>
+        <a:graphic>
+          <a:graphicData uri="http://schemas.openxmlformats.org/drawingml/2006/table">
+            <a:tbl>
+              <a:tblPr firstRow="1" bandRow="1">
+                <a:tableStyleId>{5C22544A-7EE6-4342-B048-85BDC9FD1C3A}</a:tableStyleId>
+              </a:tblPr>
+              <a:tblGrid>
+                <a:gridCol w="1080000">
+                  <a:extLst>
+                    <a:ext uri="{9D8B030D-6E8A-4147-A177-3AD203B41FA5}">
+                      <a16:colId xmlns:a16="http://schemas.microsoft.com/office/drawing/2014/main" val="3479595633"/>
+                    </a:ext>
+                  </a:extLst>
+                </a:gridCol>
+                <a:gridCol w="2520000">
+                  <a:extLst>
+                    <a:ext uri="{9D8B030D-6E8A-4147-A177-3AD203B41FA5}">
+                      <a16:colId xmlns:a16="http://schemas.microsoft.com/office/drawing/2014/main" val="3416592124"/>
+                    </a:ext>
+                  </a:extLst>
+                </a:gridCol>
+                <a:gridCol w="2520000">
+                  <a:extLst>
+                    <a:ext uri="{9D8B030D-6E8A-4147-A177-3AD203B41FA5}">
+                      <a16:colId xmlns:a16="http://schemas.microsoft.com/office/drawing/2014/main" val="3585517060"/>
+                    </a:ext>
+                  </a:extLst>
+                </a:gridCol>
+                <a:gridCol w="2520000">
+                  <a:extLst>
+                    <a:ext uri="{9D8B030D-6E8A-4147-A177-3AD203B41FA5}">
+                      <a16:colId xmlns:a16="http://schemas.microsoft.com/office/drawing/2014/main" val="1876582163"/>
+                    </a:ext>
+                  </a:extLst>
+                </a:gridCol>
+              </a:tblGrid>
+              <a:tr h="370840">
+                <a:tc>
+                  <a:txBody>
+                    <a:bodyPr/>
+                    <a:lstStyle/>
+                    <a:p>
+                      <a:r>
+                        <a:rPr lang="en-US" sz="1100" dirty="0"/>
+                        <a:t>Feature</a:t>
+                      </a:r>
+                      <a:endParaRPr lang="en-ID" sz="1100" dirty="0"/>
+                    </a:p>
+                  </a:txBody>
+                  <a:tcPr/>
+                </a:tc>
+                <a:tc>
+                  <a:txBody>
+                    <a:bodyPr/>
+                    <a:lstStyle/>
+                    <a:p>
+                      <a:r>
+                        <a:rPr lang="en-US" sz="1100" dirty="0"/>
+                        <a:t>The Giants (SAP SCM, Oracle SCM, Microsoft Dynamics)</a:t>
+                      </a:r>
+                      <a:endParaRPr lang="en-ID" sz="1100" dirty="0"/>
+                    </a:p>
+                  </a:txBody>
+                  <a:tcPr/>
+                </a:tc>
+                <a:tc>
+                  <a:txBody>
+                    <a:bodyPr/>
+                    <a:lstStyle/>
+                    <a:p>
+                      <a:r>
+                        <a:rPr lang="en-US" sz="1100" dirty="0"/>
+                        <a:t>Healthcare Specialists (Infor </a:t>
+                      </a:r>
+                      <a:r>
+                        <a:rPr lang="en-US" sz="1100" dirty="0" err="1"/>
+                        <a:t>CloudSuite</a:t>
+                      </a:r>
+                      <a:r>
+                        <a:rPr lang="en-US" sz="1100" dirty="0"/>
+                        <a:t>, Envi, Vizient)</a:t>
+                      </a:r>
+                      <a:endParaRPr lang="en-ID" sz="1100" dirty="0"/>
+                    </a:p>
+                  </a:txBody>
+                  <a:tcPr/>
+                </a:tc>
+                <a:tc>
+                  <a:txBody>
+                    <a:bodyPr/>
+                    <a:lstStyle/>
+                    <a:p>
+                      <a:r>
+                        <a:rPr lang="en-US" sz="1100" dirty="0" err="1"/>
+                        <a:t>SwiftStock</a:t>
+                      </a:r>
+                      <a:endParaRPr lang="en-ID" sz="1100" dirty="0"/>
+                    </a:p>
+                  </a:txBody>
+                  <a:tcPr/>
+                </a:tc>
+                <a:extLst>
+                  <a:ext uri="{0D108BD9-81ED-4DB2-BD59-A6C34878D82A}">
+                    <a16:rowId xmlns:a16="http://schemas.microsoft.com/office/drawing/2014/main" val="915420777"/>
+                  </a:ext>
+                </a:extLst>
+              </a:tr>
+              <a:tr h="370840">
+                <a:tc>
+                  <a:txBody>
+                    <a:bodyPr/>
+                    <a:lstStyle/>
+                    <a:p>
+                      <a:r>
+                        <a:rPr lang="en-US" sz="1100" b="1" dirty="0"/>
+                        <a:t>Primary Goal</a:t>
+                      </a:r>
+                      <a:endParaRPr lang="en-ID" sz="1100" b="1" dirty="0"/>
+                    </a:p>
+                  </a:txBody>
+                  <a:tcPr/>
+                </a:tc>
+                <a:tc>
+                  <a:txBody>
+                    <a:bodyPr/>
+                    <a:lstStyle/>
+                    <a:p>
+                      <a:r>
+                        <a:rPr lang="en-US" sz="1100" dirty="0"/>
+                        <a:t>ERP &amp; Financial Audit</a:t>
+                      </a:r>
+                      <a:endParaRPr lang="en-ID" sz="1100" dirty="0"/>
+                    </a:p>
+                  </a:txBody>
+                  <a:tcPr/>
+                </a:tc>
+                <a:tc>
+                  <a:txBody>
+                    <a:bodyPr/>
+                    <a:lstStyle/>
+                    <a:p>
+                      <a:r>
+                        <a:rPr lang="en-US" sz="1100" dirty="0"/>
+                        <a:t>Procurement Efficiency &amp; Vendor Management</a:t>
+                      </a:r>
+                      <a:endParaRPr lang="en-ID" sz="1100" dirty="0"/>
+                    </a:p>
+                  </a:txBody>
+                  <a:tcPr/>
+                </a:tc>
+                <a:tc>
+                  <a:txBody>
+                    <a:bodyPr/>
+                    <a:lstStyle/>
+                    <a:p>
+                      <a:r>
+                        <a:rPr lang="en-US" sz="1100" dirty="0"/>
+                        <a:t>Network Resilience &amp; Hospital-to-Hospital Sharing</a:t>
+                      </a:r>
+                      <a:endParaRPr lang="en-ID" sz="1100" dirty="0"/>
+                    </a:p>
+                  </a:txBody>
+                  <a:tcPr/>
+                </a:tc>
+                <a:extLst>
+                  <a:ext uri="{0D108BD9-81ED-4DB2-BD59-A6C34878D82A}">
+                    <a16:rowId xmlns:a16="http://schemas.microsoft.com/office/drawing/2014/main" val="169530759"/>
+                  </a:ext>
+                </a:extLst>
+              </a:tr>
+              <a:tr h="370840">
+                <a:tc>
+                  <a:txBody>
+                    <a:bodyPr/>
+                    <a:lstStyle/>
+                    <a:p>
+                      <a:r>
+                        <a:rPr lang="en-US" sz="1100" b="1" dirty="0"/>
+                        <a:t>Architecture</a:t>
+                      </a:r>
+                      <a:endParaRPr lang="en-ID" sz="1100" b="1" dirty="0"/>
+                    </a:p>
+                  </a:txBody>
+                  <a:tcPr/>
+                </a:tc>
+                <a:tc>
+                  <a:txBody>
+                    <a:bodyPr/>
+                    <a:lstStyle/>
+                    <a:p>
+                      <a:r>
+                        <a:rPr lang="en-US" sz="1100" dirty="0"/>
+                        <a:t>Siloed &amp; Heavy</a:t>
+                      </a:r>
+                      <a:endParaRPr lang="en-ID" sz="1100" dirty="0"/>
+                    </a:p>
+                  </a:txBody>
+                  <a:tcPr/>
+                </a:tc>
+                <a:tc>
+                  <a:txBody>
+                    <a:bodyPr/>
+                    <a:lstStyle/>
+                    <a:p>
+                      <a:r>
+                        <a:rPr lang="en-US" sz="1100" dirty="0"/>
+                        <a:t>Hub and Spoke</a:t>
+                      </a:r>
+                      <a:endParaRPr lang="en-ID" sz="1100" dirty="0"/>
+                    </a:p>
+                  </a:txBody>
+                  <a:tcPr/>
+                </a:tc>
+                <a:tc>
+                  <a:txBody>
+                    <a:bodyPr/>
+                    <a:lstStyle/>
+                    <a:p>
+                      <a:r>
+                        <a:rPr lang="en-US" sz="1100" dirty="0"/>
+                        <a:t>Collaborative Mesh</a:t>
+                      </a:r>
+                      <a:endParaRPr lang="en-ID" sz="1100" dirty="0"/>
+                    </a:p>
+                  </a:txBody>
+                  <a:tcPr/>
+                </a:tc>
+                <a:extLst>
+                  <a:ext uri="{0D108BD9-81ED-4DB2-BD59-A6C34878D82A}">
+                    <a16:rowId xmlns:a16="http://schemas.microsoft.com/office/drawing/2014/main" val="4120383608"/>
+                  </a:ext>
+                </a:extLst>
+              </a:tr>
+              <a:tr h="370840">
+                <a:tc>
+                  <a:txBody>
+                    <a:bodyPr/>
+                    <a:lstStyle/>
+                    <a:p>
+                      <a:r>
+                        <a:rPr lang="en-US" sz="1100" b="1" dirty="0"/>
+                        <a:t>User Interface</a:t>
+                      </a:r>
+                      <a:endParaRPr lang="en-ID" sz="1100" b="1" dirty="0"/>
+                    </a:p>
+                  </a:txBody>
+                  <a:tcPr/>
+                </a:tc>
+                <a:tc>
+                  <a:txBody>
+                    <a:bodyPr/>
+                    <a:lstStyle/>
+                    <a:p>
+                      <a:r>
+                        <a:rPr lang="en-US" sz="1100" dirty="0"/>
+                        <a:t>Complex Dashboards for Analysts</a:t>
+                      </a:r>
+                      <a:endParaRPr lang="en-ID" sz="1100" dirty="0"/>
+                    </a:p>
+                  </a:txBody>
+                  <a:tcPr/>
+                </a:tc>
+                <a:tc>
+                  <a:txBody>
+                    <a:bodyPr/>
+                    <a:lstStyle/>
+                    <a:p>
+                      <a:r>
+                        <a:rPr lang="en-US" sz="1100" dirty="0"/>
+                        <a:t>Desktop Web Portals</a:t>
+                      </a:r>
+                      <a:endParaRPr lang="en-ID" sz="1100" dirty="0"/>
+                    </a:p>
+                  </a:txBody>
+                  <a:tcPr/>
+                </a:tc>
+                <a:tc>
+                  <a:txBody>
+                    <a:bodyPr/>
+                    <a:lstStyle/>
+                    <a:p>
+                      <a:r>
+                        <a:rPr lang="en-US" sz="1100" dirty="0"/>
+                        <a:t>Democratized AI: Chatbot-style QA</a:t>
+                      </a:r>
+                      <a:endParaRPr lang="en-ID" sz="1100" dirty="0"/>
+                    </a:p>
+                  </a:txBody>
+                  <a:tcPr/>
+                </a:tc>
+                <a:extLst>
+                  <a:ext uri="{0D108BD9-81ED-4DB2-BD59-A6C34878D82A}">
+                    <a16:rowId xmlns:a16="http://schemas.microsoft.com/office/drawing/2014/main" val="1434025896"/>
+                  </a:ext>
+                </a:extLst>
+              </a:tr>
+              <a:tr h="370840">
+                <a:tc>
+                  <a:txBody>
+                    <a:bodyPr/>
+                    <a:lstStyle/>
+                    <a:p>
+                      <a:r>
+                        <a:rPr lang="en-US" sz="1100" b="1" dirty="0"/>
+                        <a:t>Intelligence</a:t>
+                      </a:r>
+                      <a:endParaRPr lang="en-ID" sz="1100" b="1" dirty="0"/>
+                    </a:p>
+                  </a:txBody>
+                  <a:tcPr/>
+                </a:tc>
+                <a:tc>
+                  <a:txBody>
+                    <a:bodyPr/>
+                    <a:lstStyle/>
+                    <a:p>
+                      <a:r>
+                        <a:rPr lang="en-US" sz="1100" dirty="0"/>
+                        <a:t>Reactive Reporting</a:t>
+                      </a:r>
+                      <a:endParaRPr lang="en-ID" sz="1100" dirty="0"/>
+                    </a:p>
+                  </a:txBody>
+                  <a:tcPr/>
+                </a:tc>
+                <a:tc>
+                  <a:txBody>
+                    <a:bodyPr/>
+                    <a:lstStyle/>
+                    <a:p>
+                      <a:r>
+                        <a:rPr lang="en-US" sz="1100" dirty="0"/>
+                        <a:t>Order Automation</a:t>
+                      </a:r>
+                      <a:endParaRPr lang="en-ID" sz="1100" dirty="0"/>
+                    </a:p>
+                  </a:txBody>
+                  <a:tcPr/>
+                </a:tc>
+                <a:tc>
+                  <a:txBody>
+                    <a:bodyPr/>
+                    <a:lstStyle/>
+                    <a:p>
+                      <a:r>
+                        <a:rPr lang="en-US" sz="1100" dirty="0"/>
+                        <a:t>(both and…) Predictive Forecasting using Snowpark</a:t>
+                      </a:r>
+                      <a:endParaRPr lang="en-ID" sz="1100" dirty="0"/>
+                    </a:p>
+                  </a:txBody>
+                  <a:tcPr/>
+                </a:tc>
+                <a:extLst>
+                  <a:ext uri="{0D108BD9-81ED-4DB2-BD59-A6C34878D82A}">
+                    <a16:rowId xmlns:a16="http://schemas.microsoft.com/office/drawing/2014/main" val="3423944098"/>
+                  </a:ext>
+                </a:extLst>
+              </a:tr>
+              <a:tr h="370840">
+                <a:tc>
+                  <a:txBody>
+                    <a:bodyPr/>
+                    <a:lstStyle/>
+                    <a:p>
+                      <a:r>
+                        <a:rPr lang="en-US" sz="1100" b="1" dirty="0"/>
+                        <a:t>Cost/Access</a:t>
+                      </a:r>
+                      <a:endParaRPr lang="en-ID" sz="1100" b="1" dirty="0"/>
+                    </a:p>
+                  </a:txBody>
+                  <a:tcPr/>
+                </a:tc>
+                <a:tc>
+                  <a:txBody>
+                    <a:bodyPr/>
+                    <a:lstStyle/>
+                    <a:p>
+                      <a:r>
+                        <a:rPr lang="en-US" sz="1100" dirty="0"/>
+                        <a:t>Multi-million Licenses</a:t>
+                      </a:r>
+                      <a:endParaRPr lang="en-ID" sz="1100" dirty="0"/>
+                    </a:p>
+                  </a:txBody>
+                  <a:tcPr/>
+                </a:tc>
+                <a:tc>
+                  <a:txBody>
+                    <a:bodyPr/>
+                    <a:lstStyle/>
+                    <a:p>
+                      <a:r>
+                        <a:rPr lang="en-US" sz="1100" dirty="0"/>
+                        <a:t>Mid-market pricing</a:t>
+                      </a:r>
+                      <a:endParaRPr lang="en-ID" sz="1100" dirty="0"/>
+                    </a:p>
+                  </a:txBody>
+                  <a:tcPr/>
+                </a:tc>
+                <a:tc>
+                  <a:txBody>
+                    <a:bodyPr/>
+                    <a:lstStyle/>
+                    <a:p>
+                      <a:r>
+                        <a:rPr lang="en-US" sz="1100" dirty="0"/>
+                        <a:t>Usage-Based (Snowflake): scalable for health networks and NGOs</a:t>
+                      </a:r>
+                      <a:endParaRPr lang="en-ID" sz="1100" dirty="0"/>
+                    </a:p>
+                  </a:txBody>
+                  <a:tcPr/>
+                </a:tc>
+                <a:extLst>
+                  <a:ext uri="{0D108BD9-81ED-4DB2-BD59-A6C34878D82A}">
+                    <a16:rowId xmlns:a16="http://schemas.microsoft.com/office/drawing/2014/main" val="1287063873"/>
+                  </a:ext>
+                </a:extLst>
+              </a:tr>
+            </a:tbl>
+          </a:graphicData>
+        </a:graphic>
+      </p:graphicFrame>
     </p:spTree>
   </p:cSld>
   <p:clrMapOvr>
@@ -8235,11 +9272,413 @@
 </file>
 
 <file path=ppt/slides/slide4.xml><?xml version="1.0" encoding="utf-8"?>
-<p:sld xmlns:a="http://schemas.openxmlformats.org/drawingml/2006/main" xmlns:r="http://schemas.openxmlformats.org/officeDocument/2006/relationships" xmlns:mc="http://schemas.openxmlformats.org/markup-compatibility/2006" xmlns:mv="urn:schemas-microsoft-com:mac:vml" xmlns:p="http://schemas.openxmlformats.org/presentationml/2006/main" xmlns:c="http://schemas.openxmlformats.org/drawingml/2006/chart" xmlns:dgm="http://schemas.openxmlformats.org/drawingml/2006/diagram" xmlns:o="urn:schemas-microsoft-com:office:office" xmlns:v="urn:schemas-microsoft-com:vml" xmlns:pvml="urn:schemas-microsoft-com:office:powerpoint" xmlns:com="http://schemas.openxmlformats.org/drawingml/2006/compatibility" xmlns:p14="http://schemas.microsoft.com/office/powerpoint/2010/main" xmlns:p15="http://schemas.microsoft.com/office/powerpoint/2012/main" xmlns:ahyp="http://schemas.microsoft.com/office/drawing/2018/hyperlinkcolor">
+<p:sld xmlns:a="http://schemas.openxmlformats.org/drawingml/2006/main" xmlns:r="http://schemas.openxmlformats.org/officeDocument/2006/relationships" xmlns:p="http://schemas.openxmlformats.org/presentationml/2006/main">
   <p:cSld>
     <p:spTree>
       <p:nvGrpSpPr>
-        <p:cNvPr id="75" name="Shape 75"/>
+        <p:cNvPr id="1" name="Shape 68">
+          <a:extLst>
+            <a:ext uri="{FF2B5EF4-FFF2-40B4-BE49-F238E27FC236}">
+              <a16:creationId xmlns:a16="http://schemas.microsoft.com/office/drawing/2014/main" id="{73CFFD7B-DFCB-D3A1-AA1C-82BCE098A808}"/>
+            </a:ext>
+          </a:extLst>
+        </p:cNvPr>
+        <p:cNvGrpSpPr/>
+        <p:nvPr/>
+      </p:nvGrpSpPr>
+      <p:grpSpPr>
+        <a:xfrm>
+          <a:off x="0" y="0"/>
+          <a:ext cx="0" cy="0"/>
+          <a:chOff x="0" y="0"/>
+          <a:chExt cx="0" cy="0"/>
+        </a:xfrm>
+      </p:grpSpPr>
+      <p:pic>
+        <p:nvPicPr>
+          <p:cNvPr id="69" name="Google Shape;69;p15" title="AI for good IS S2.png">
+            <a:extLst>
+              <a:ext uri="{FF2B5EF4-FFF2-40B4-BE49-F238E27FC236}">
+                <a16:creationId xmlns:a16="http://schemas.microsoft.com/office/drawing/2014/main" id="{22CCB389-D802-06DE-4451-BEC032BC5492}"/>
+              </a:ext>
+            </a:extLst>
+          </p:cNvPr>
+          <p:cNvPicPr preferRelativeResize="0"/>
+          <p:nvPr/>
+        </p:nvPicPr>
+        <p:blipFill rotWithShape="1">
+          <a:blip r:embed="rId3">
+            <a:alphaModFix/>
+          </a:blip>
+          <a:srcRect b="89082"/>
+          <a:stretch/>
+        </p:blipFill>
+        <p:spPr>
+          <a:xfrm>
+            <a:off x="0" y="0"/>
+            <a:ext cx="9144000" cy="561524"/>
+          </a:xfrm>
+          <a:prstGeom prst="rect">
+            <a:avLst/>
+          </a:prstGeom>
+          <a:noFill/>
+          <a:ln>
+            <a:noFill/>
+          </a:ln>
+        </p:spPr>
+      </p:pic>
+      <p:pic>
+        <p:nvPicPr>
+          <p:cNvPr id="70" name="Google Shape;70;p15" title="AI for good IS S2.png">
+            <a:extLst>
+              <a:ext uri="{FF2B5EF4-FFF2-40B4-BE49-F238E27FC236}">
+                <a16:creationId xmlns:a16="http://schemas.microsoft.com/office/drawing/2014/main" id="{7225430D-96B0-E4BB-3985-13D82F43B9E2}"/>
+              </a:ext>
+            </a:extLst>
+          </p:cNvPr>
+          <p:cNvPicPr preferRelativeResize="0"/>
+          <p:nvPr/>
+        </p:nvPicPr>
+        <p:blipFill rotWithShape="1">
+          <a:blip r:embed="rId3">
+            <a:alphaModFix/>
+          </a:blip>
+          <a:srcRect t="97713"/>
+          <a:stretch/>
+        </p:blipFill>
+        <p:spPr>
+          <a:xfrm>
+            <a:off x="0" y="5025875"/>
+            <a:ext cx="9144000" cy="117625"/>
+          </a:xfrm>
+          <a:prstGeom prst="rect">
+            <a:avLst/>
+          </a:prstGeom>
+          <a:noFill/>
+          <a:ln>
+            <a:noFill/>
+          </a:ln>
+        </p:spPr>
+      </p:pic>
+      <p:sp>
+        <p:nvSpPr>
+          <p:cNvPr id="71" name="Google Shape;71;p15">
+            <a:extLst>
+              <a:ext uri="{FF2B5EF4-FFF2-40B4-BE49-F238E27FC236}">
+                <a16:creationId xmlns:a16="http://schemas.microsoft.com/office/drawing/2014/main" id="{29D5B6F7-B068-F0E0-B1B5-34F215841019}"/>
+              </a:ext>
+            </a:extLst>
+          </p:cNvPr>
+          <p:cNvSpPr txBox="1"/>
+          <p:nvPr/>
+        </p:nvSpPr>
+        <p:spPr>
+          <a:xfrm>
+            <a:off x="265350" y="701174"/>
+            <a:ext cx="6647100" cy="2346825"/>
+          </a:xfrm>
+          <a:prstGeom prst="rect">
+            <a:avLst/>
+          </a:prstGeom>
+          <a:noFill/>
+          <a:ln>
+            <a:noFill/>
+          </a:ln>
+        </p:spPr>
+        <p:txBody>
+          <a:bodyPr spcFirstLastPara="1" wrap="square" lIns="91425" tIns="91425" rIns="91425" bIns="91425" anchor="t" anchorCtr="0">
+            <a:noAutofit/>
+          </a:bodyPr>
+          <a:lstStyle/>
+          <a:p>
+            <a:pPr marL="0" lvl="0" indent="0" algn="l" rtl="0">
+              <a:spcBef>
+                <a:spcPts val="0"/>
+              </a:spcBef>
+              <a:spcAft>
+                <a:spcPts val="0"/>
+              </a:spcAft>
+              <a:buNone/>
+            </a:pPr>
+            <a:r>
+              <a:rPr lang="en-GB" sz="1600" b="1" dirty="0">
+                <a:latin typeface="Noto Sans"/>
+                <a:ea typeface="Noto Sans"/>
+                <a:cs typeface="Noto Sans"/>
+                <a:sym typeface="Noto Sans"/>
+              </a:rPr>
+              <a:t>Opportunities</a:t>
+            </a:r>
+            <a:br>
+              <a:rPr lang="en-GB" sz="1600" b="1" dirty="0">
+                <a:latin typeface="Noto Sans"/>
+                <a:ea typeface="Noto Sans"/>
+                <a:cs typeface="Noto Sans"/>
+                <a:sym typeface="Noto Sans"/>
+              </a:rPr>
+            </a:br>
+            <a:endParaRPr lang="en-ID" sz="1600" b="1" dirty="0">
+              <a:latin typeface="Noto Sans"/>
+              <a:ea typeface="Noto Sans"/>
+              <a:cs typeface="Noto Sans"/>
+              <a:sym typeface="Noto Sans"/>
+            </a:endParaRPr>
+          </a:p>
+          <a:p>
+            <a:pPr marL="342900" lvl="0" indent="-342900">
+              <a:buFont typeface="+mj-lt"/>
+              <a:buAutoNum type="alphaUcPeriod" startAt="2"/>
+            </a:pPr>
+            <a:r>
+              <a:rPr lang="en-ID" sz="1200" b="1" dirty="0">
+                <a:latin typeface="Noto Sans"/>
+                <a:ea typeface="Noto Sans"/>
+                <a:cs typeface="Noto Sans"/>
+                <a:sym typeface="Noto Sans"/>
+              </a:rPr>
+              <a:t>How will </a:t>
+            </a:r>
+            <a:r>
+              <a:rPr lang="en-ID" sz="1200" b="1" dirty="0" err="1">
+                <a:latin typeface="Noto Sans"/>
+                <a:ea typeface="Noto Sans"/>
+                <a:cs typeface="Noto Sans"/>
+                <a:sym typeface="Noto Sans"/>
+              </a:rPr>
+              <a:t>SwiftStock</a:t>
+            </a:r>
+            <a:r>
+              <a:rPr lang="en-ID" sz="1200" b="1" dirty="0">
+                <a:latin typeface="Noto Sans"/>
+                <a:ea typeface="Noto Sans"/>
+                <a:cs typeface="Noto Sans"/>
+                <a:sym typeface="Noto Sans"/>
+              </a:rPr>
+              <a:t> solve the problem?</a:t>
+            </a:r>
+          </a:p>
+          <a:p>
+            <a:pPr lvl="1"/>
+            <a:endParaRPr lang="en-ID" sz="1200" b="1" dirty="0">
+              <a:latin typeface="Noto Sans"/>
+              <a:ea typeface="Noto Sans"/>
+              <a:cs typeface="Noto Sans"/>
+              <a:sym typeface="Noto Sans"/>
+            </a:endParaRPr>
+          </a:p>
+          <a:p>
+            <a:pPr lvl="1"/>
+            <a:r>
+              <a:rPr lang="en-ID" sz="1200" dirty="0" err="1">
+                <a:latin typeface="Noto Sans"/>
+                <a:ea typeface="Noto Sans"/>
+                <a:cs typeface="Noto Sans"/>
+                <a:sym typeface="Noto Sans"/>
+              </a:rPr>
+              <a:t>SwiftStock</a:t>
+            </a:r>
+            <a:r>
+              <a:rPr lang="en-ID" sz="1200" dirty="0">
+                <a:latin typeface="Noto Sans"/>
+                <a:ea typeface="Noto Sans"/>
+                <a:cs typeface="Noto Sans"/>
+                <a:sym typeface="Noto Sans"/>
+              </a:rPr>
+              <a:t> solves the problem by moving from reactive operations to intelligent operations using Snowflake Data Cloud. We utilize </a:t>
+            </a:r>
+            <a:r>
+              <a:rPr lang="en-ID" sz="1200" b="1" dirty="0">
+                <a:latin typeface="Noto Sans"/>
+                <a:ea typeface="Noto Sans"/>
+                <a:cs typeface="Noto Sans"/>
+                <a:sym typeface="Noto Sans"/>
+              </a:rPr>
+              <a:t>Snowflake’s Data Cloud as a unified layer</a:t>
+            </a:r>
+            <a:r>
+              <a:rPr lang="en-ID" sz="1200" dirty="0">
+                <a:latin typeface="Noto Sans"/>
+                <a:ea typeface="Noto Sans"/>
+                <a:cs typeface="Noto Sans"/>
+                <a:sym typeface="Noto Sans"/>
+              </a:rPr>
+              <a:t>, creating a single source of truth without requiring hospitals to replace their legacy ERPs, they just need to push a log. Furthermore, </a:t>
+            </a:r>
+            <a:r>
+              <a:rPr lang="en-ID" sz="1200" dirty="0" err="1">
+                <a:latin typeface="Noto Sans"/>
+                <a:ea typeface="Noto Sans"/>
+                <a:cs typeface="Noto Sans"/>
+                <a:sym typeface="Noto Sans"/>
+              </a:rPr>
+              <a:t>SwiftStock</a:t>
+            </a:r>
+            <a:r>
+              <a:rPr lang="en-ID" sz="1200" dirty="0">
+                <a:latin typeface="Noto Sans"/>
+                <a:ea typeface="Noto Sans"/>
+                <a:cs typeface="Noto Sans"/>
+                <a:sym typeface="Noto Sans"/>
+              </a:rPr>
+              <a:t> introduces </a:t>
+            </a:r>
+            <a:r>
+              <a:rPr lang="en-ID" sz="1200" b="1" dirty="0">
+                <a:latin typeface="Noto Sans"/>
+                <a:ea typeface="Noto Sans"/>
+                <a:cs typeface="Noto Sans"/>
+                <a:sym typeface="Noto Sans"/>
+              </a:rPr>
+              <a:t>predictive analytics </a:t>
+            </a:r>
+            <a:r>
+              <a:rPr lang="en-ID" sz="1200" dirty="0">
+                <a:latin typeface="Noto Sans"/>
+                <a:ea typeface="Noto Sans"/>
+                <a:cs typeface="Noto Sans"/>
+                <a:sym typeface="Noto Sans"/>
+              </a:rPr>
+              <a:t>so it will be able to flag an item as “High Risk” for items that has sudden usage spikes (e.g. 50/day with 2 days left) even if stocks are 100 units, enabling it to capture static rule misses.</a:t>
+            </a:r>
+          </a:p>
+          <a:p>
+            <a:pPr lvl="1"/>
+            <a:endParaRPr lang="en-ID" sz="1200" b="1" dirty="0">
+              <a:latin typeface="Noto Sans"/>
+              <a:ea typeface="Noto Sans"/>
+              <a:cs typeface="Noto Sans"/>
+              <a:sym typeface="Noto Sans"/>
+            </a:endParaRPr>
+          </a:p>
+          <a:p>
+            <a:pPr marL="342900" lvl="0" indent="-342900">
+              <a:buFont typeface="+mj-lt"/>
+              <a:buAutoNum type="alphaUcPeriod" startAt="2"/>
+            </a:pPr>
+            <a:r>
+              <a:rPr lang="en-ID" sz="1200" b="1" dirty="0">
+                <a:latin typeface="Noto Sans"/>
+                <a:ea typeface="Noto Sans"/>
+                <a:cs typeface="Noto Sans"/>
+                <a:sym typeface="Noto Sans"/>
+              </a:rPr>
+              <a:t>What is </a:t>
+            </a:r>
+            <a:r>
+              <a:rPr lang="en-ID" sz="1200" b="1" dirty="0" err="1">
+                <a:latin typeface="Noto Sans"/>
+                <a:ea typeface="Noto Sans"/>
+                <a:cs typeface="Noto Sans"/>
+                <a:sym typeface="Noto Sans"/>
+              </a:rPr>
+              <a:t>SwiftStock’s</a:t>
+            </a:r>
+            <a:r>
+              <a:rPr lang="en-ID" sz="1200" b="1" dirty="0">
+                <a:latin typeface="Noto Sans"/>
+                <a:ea typeface="Noto Sans"/>
+                <a:cs typeface="Noto Sans"/>
+                <a:sym typeface="Noto Sans"/>
+              </a:rPr>
+              <a:t> Unique Selling Point?</a:t>
+            </a:r>
+          </a:p>
+          <a:p>
+            <a:pPr lvl="1"/>
+            <a:endParaRPr lang="en-ID" sz="1600" b="1" dirty="0">
+              <a:latin typeface="Noto Sans"/>
+              <a:ea typeface="Noto Sans"/>
+              <a:cs typeface="Noto Sans"/>
+              <a:sym typeface="Noto Sans"/>
+            </a:endParaRPr>
+          </a:p>
+          <a:p>
+            <a:pPr lvl="1"/>
+            <a:r>
+              <a:rPr lang="en-ID" sz="1200" dirty="0">
+                <a:latin typeface="Noto Sans"/>
+                <a:ea typeface="Noto Sans"/>
+                <a:cs typeface="Noto Sans"/>
+                <a:sym typeface="Noto Sans"/>
+              </a:rPr>
+              <a:t>Our primary USP is the </a:t>
+            </a:r>
+            <a:r>
+              <a:rPr lang="en-ID" sz="1200" b="1" dirty="0">
+                <a:latin typeface="Noto Sans"/>
+                <a:ea typeface="Noto Sans"/>
+                <a:cs typeface="Noto Sans"/>
+                <a:sym typeface="Noto Sans"/>
+              </a:rPr>
+              <a:t>Lateral Transfer Engine</a:t>
+            </a:r>
+            <a:r>
+              <a:rPr lang="en-ID" sz="1200" dirty="0">
+                <a:latin typeface="Noto Sans"/>
+                <a:ea typeface="Noto Sans"/>
+                <a:cs typeface="Noto Sans"/>
+                <a:sym typeface="Noto Sans"/>
+              </a:rPr>
+              <a:t>, </a:t>
+            </a:r>
+            <a:r>
+              <a:rPr lang="en-ID" sz="1200" dirty="0" err="1">
+                <a:latin typeface="Noto Sans"/>
+                <a:ea typeface="Noto Sans"/>
+                <a:cs typeface="Noto Sans"/>
+                <a:sym typeface="Noto Sans"/>
+              </a:rPr>
+              <a:t>SwiftStock</a:t>
+            </a:r>
+            <a:r>
+              <a:rPr lang="en-ID" sz="1200" dirty="0">
+                <a:latin typeface="Noto Sans"/>
+                <a:ea typeface="Noto Sans"/>
+                <a:cs typeface="Noto Sans"/>
+                <a:sym typeface="Noto Sans"/>
+              </a:rPr>
+              <a:t> focuses on making the inter-hospital resource network more resilient. The ability to geographically match a “Victim” hospital with a “Savior” hospital in seconds using Snowflake’s geospatial engine, giving </a:t>
+            </a:r>
+            <a:r>
+              <a:rPr lang="en-ID" sz="1200" dirty="0" err="1">
+                <a:latin typeface="Noto Sans"/>
+                <a:ea typeface="Noto Sans"/>
+                <a:cs typeface="Noto Sans"/>
+                <a:sym typeface="Noto Sans"/>
+              </a:rPr>
+              <a:t>SwiftStock</a:t>
+            </a:r>
+            <a:r>
+              <a:rPr lang="en-ID" sz="1200" dirty="0">
+                <a:latin typeface="Noto Sans"/>
+                <a:ea typeface="Noto Sans"/>
+                <a:cs typeface="Noto Sans"/>
+                <a:sym typeface="Noto Sans"/>
+              </a:rPr>
+              <a:t> the capability that standard inventory systems do not have.</a:t>
+            </a:r>
+          </a:p>
+        </p:txBody>
+      </p:sp>
+    </p:spTree>
+    <p:extLst>
+      <p:ext uri="{BB962C8B-B14F-4D97-AF65-F5344CB8AC3E}">
+        <p14:creationId xmlns:p14="http://schemas.microsoft.com/office/powerpoint/2010/main" val="95162004"/>
+      </p:ext>
+    </p:extLst>
+  </p:cSld>
+  <p:clrMapOvr>
+    <a:masterClrMapping/>
+  </p:clrMapOvr>
+</p:sld>
+</file>
+
+<file path=ppt/slides/slide5.xml><?xml version="1.0" encoding="utf-8"?>
+<p:sld xmlns:a="http://schemas.openxmlformats.org/drawingml/2006/main" xmlns:r="http://schemas.openxmlformats.org/officeDocument/2006/relationships" xmlns:p="http://schemas.openxmlformats.org/presentationml/2006/main">
+  <p:cSld>
+    <p:spTree>
+      <p:nvGrpSpPr>
+        <p:cNvPr id="1" name="Shape 75"/>
         <p:cNvGrpSpPr/>
         <p:nvPr/>
       </p:nvGrpSpPr>
@@ -8261,7 +9700,7 @@
           <a:blip r:embed="rId3">
             <a:alphaModFix/>
           </a:blip>
-          <a:srcRect b="89082" l="0" r="0" t="0"/>
+          <a:srcRect b="89082"/>
           <a:stretch/>
         </p:blipFill>
         <p:spPr>
@@ -8288,7 +9727,7 @@
           <a:blip r:embed="rId3">
             <a:alphaModFix/>
           </a:blip>
-          <a:srcRect b="0" l="0" r="0" t="97713"/>
+          <a:srcRect t="97713"/>
           <a:stretch/>
         </p:blipFill>
         <p:spPr>
@@ -8325,12 +9764,12 @@
           </a:ln>
         </p:spPr>
         <p:txBody>
-          <a:bodyPr anchorCtr="0" anchor="t" bIns="91425" lIns="91425" spcFirstLastPara="1" rIns="91425" wrap="square" tIns="91425">
+          <a:bodyPr spcFirstLastPara="1" wrap="square" lIns="91425" tIns="91425" rIns="91425" bIns="91425" anchor="t" anchorCtr="0">
             <a:noAutofit/>
           </a:bodyPr>
           <a:lstStyle/>
           <a:p>
-            <a:pPr indent="0" lvl="0" marL="0" rtl="0" algn="l">
+            <a:pPr marL="0" lvl="0" indent="0" algn="l" rtl="0">
               <a:spcBef>
                 <a:spcPts val="0"/>
               </a:spcBef>
@@ -8340,7 +9779,7 @@
               <a:buNone/>
             </a:pPr>
             <a:r>
-              <a:rPr b="1" lang="en-GB" sz="1600">
+              <a:rPr lang="en-GB" sz="1600" b="1">
                 <a:latin typeface="Noto Sans"/>
                 <a:ea typeface="Noto Sans"/>
                 <a:cs typeface="Noto Sans"/>
@@ -8348,7 +9787,7 @@
               </a:rPr>
               <a:t>List of features offered by the solution</a:t>
             </a:r>
-            <a:endParaRPr b="1" sz="1600">
+            <a:endParaRPr sz="1600" b="1">
               <a:latin typeface="Noto Sans"/>
               <a:ea typeface="Noto Sans"/>
               <a:cs typeface="Noto Sans"/>
@@ -8377,195 +9816,12 @@
           </a:ln>
         </p:spPr>
         <p:txBody>
-          <a:bodyPr anchorCtr="0" anchor="t" bIns="91425" lIns="91425" spcFirstLastPara="1" rIns="91425" wrap="square" tIns="91425">
+          <a:bodyPr spcFirstLastPara="1" wrap="square" lIns="91425" tIns="91425" rIns="91425" bIns="91425" anchor="t" anchorCtr="0">
             <a:noAutofit/>
           </a:bodyPr>
           <a:lstStyle/>
           <a:p>
-            <a:pPr indent="0" lvl="0" marL="0" rtl="0" algn="l">
-              <a:spcBef>
-                <a:spcPts val="0"/>
-              </a:spcBef>
-              <a:spcAft>
-                <a:spcPts val="0"/>
-              </a:spcAft>
-              <a:buNone/>
-            </a:pPr>
-            <a:r>
-              <a:rPr lang="en-GB" sz="1200">
-                <a:latin typeface="Noto Sans"/>
-                <a:ea typeface="Noto Sans"/>
-                <a:cs typeface="Noto Sans"/>
-                <a:sym typeface="Noto Sans"/>
-              </a:rPr>
-              <a:t>Type here…</a:t>
-            </a:r>
-            <a:endParaRPr sz="1200">
-              <a:latin typeface="Noto Sans"/>
-              <a:ea typeface="Noto Sans"/>
-              <a:cs typeface="Noto Sans"/>
-              <a:sym typeface="Noto Sans"/>
-            </a:endParaRPr>
-          </a:p>
-        </p:txBody>
-      </p:sp>
-    </p:spTree>
-  </p:cSld>
-  <p:clrMapOvr>
-    <a:masterClrMapping/>
-  </p:clrMapOvr>
-</p:sld>
-</file>
-
-<file path=ppt/slides/slide5.xml><?xml version="1.0" encoding="utf-8"?>
-<p:sld xmlns:a="http://schemas.openxmlformats.org/drawingml/2006/main" xmlns:r="http://schemas.openxmlformats.org/officeDocument/2006/relationships" xmlns:mc="http://schemas.openxmlformats.org/markup-compatibility/2006" xmlns:mv="urn:schemas-microsoft-com:mac:vml" xmlns:p="http://schemas.openxmlformats.org/presentationml/2006/main" xmlns:c="http://schemas.openxmlformats.org/drawingml/2006/chart" xmlns:dgm="http://schemas.openxmlformats.org/drawingml/2006/diagram" xmlns:o="urn:schemas-microsoft-com:office:office" xmlns:v="urn:schemas-microsoft-com:vml" xmlns:pvml="urn:schemas-microsoft-com:office:powerpoint" xmlns:com="http://schemas.openxmlformats.org/drawingml/2006/compatibility" xmlns:p14="http://schemas.microsoft.com/office/powerpoint/2010/main" xmlns:p15="http://schemas.microsoft.com/office/powerpoint/2012/main" xmlns:ahyp="http://schemas.microsoft.com/office/drawing/2018/hyperlinkcolor">
-  <p:cSld>
-    <p:spTree>
-      <p:nvGrpSpPr>
-        <p:cNvPr id="83" name="Shape 83"/>
-        <p:cNvGrpSpPr/>
-        <p:nvPr/>
-      </p:nvGrpSpPr>
-      <p:grpSpPr>
-        <a:xfrm>
-          <a:off x="0" y="0"/>
-          <a:ext cx="0" cy="0"/>
-          <a:chOff x="0" y="0"/>
-          <a:chExt cx="0" cy="0"/>
-        </a:xfrm>
-      </p:grpSpPr>
-      <p:pic>
-        <p:nvPicPr>
-          <p:cNvPr id="84" name="Google Shape;84;p17" title="AI for good IS S2.png"/>
-          <p:cNvPicPr preferRelativeResize="0"/>
-          <p:nvPr/>
-        </p:nvPicPr>
-        <p:blipFill rotWithShape="1">
-          <a:blip r:embed="rId3">
-            <a:alphaModFix/>
-          </a:blip>
-          <a:srcRect b="89082" l="0" r="0" t="0"/>
-          <a:stretch/>
-        </p:blipFill>
-        <p:spPr>
-          <a:xfrm>
-            <a:off x="0" y="0"/>
-            <a:ext cx="9144000" cy="561524"/>
-          </a:xfrm>
-          <a:prstGeom prst="rect">
-            <a:avLst/>
-          </a:prstGeom>
-          <a:noFill/>
-          <a:ln>
-            <a:noFill/>
-          </a:ln>
-        </p:spPr>
-      </p:pic>
-      <p:pic>
-        <p:nvPicPr>
-          <p:cNvPr id="85" name="Google Shape;85;p17" title="AI for good IS S2.png"/>
-          <p:cNvPicPr preferRelativeResize="0"/>
-          <p:nvPr/>
-        </p:nvPicPr>
-        <p:blipFill rotWithShape="1">
-          <a:blip r:embed="rId3">
-            <a:alphaModFix/>
-          </a:blip>
-          <a:srcRect b="0" l="0" r="0" t="97713"/>
-          <a:stretch/>
-        </p:blipFill>
-        <p:spPr>
-          <a:xfrm>
-            <a:off x="0" y="5025875"/>
-            <a:ext cx="9144000" cy="117625"/>
-          </a:xfrm>
-          <a:prstGeom prst="rect">
-            <a:avLst/>
-          </a:prstGeom>
-          <a:noFill/>
-          <a:ln>
-            <a:noFill/>
-          </a:ln>
-        </p:spPr>
-      </p:pic>
-      <p:sp>
-        <p:nvSpPr>
-          <p:cNvPr id="86" name="Google Shape;86;p17"/>
-          <p:cNvSpPr txBox="1"/>
-          <p:nvPr/>
-        </p:nvSpPr>
-        <p:spPr>
-          <a:xfrm>
-            <a:off x="265350" y="701175"/>
-            <a:ext cx="6647100" cy="561900"/>
-          </a:xfrm>
-          <a:prstGeom prst="rect">
-            <a:avLst/>
-          </a:prstGeom>
-          <a:noFill/>
-          <a:ln>
-            <a:noFill/>
-          </a:ln>
-        </p:spPr>
-        <p:txBody>
-          <a:bodyPr anchorCtr="0" anchor="t" bIns="91425" lIns="91425" spcFirstLastPara="1" rIns="91425" wrap="square" tIns="91425">
-            <a:noAutofit/>
-          </a:bodyPr>
-          <a:lstStyle/>
-          <a:p>
-            <a:pPr indent="0" lvl="0" marL="0" rtl="0" algn="l">
-              <a:spcBef>
-                <a:spcPts val="0"/>
-              </a:spcBef>
-              <a:spcAft>
-                <a:spcPts val="0"/>
-              </a:spcAft>
-              <a:buNone/>
-            </a:pPr>
-            <a:r>
-              <a:rPr b="1" lang="en-GB" sz="1600">
-                <a:latin typeface="Noto Sans"/>
-                <a:ea typeface="Noto Sans"/>
-                <a:cs typeface="Noto Sans"/>
-                <a:sym typeface="Noto Sans"/>
-              </a:rPr>
-              <a:t>Process flow diagram or Use-case diagram</a:t>
-            </a:r>
-            <a:endParaRPr b="1" sz="1600">
-              <a:latin typeface="Noto Sans"/>
-              <a:ea typeface="Noto Sans"/>
-              <a:cs typeface="Noto Sans"/>
-              <a:sym typeface="Noto Sans"/>
-            </a:endParaRPr>
-          </a:p>
-        </p:txBody>
-      </p:sp>
-      <p:sp>
-        <p:nvSpPr>
-          <p:cNvPr id="87" name="Google Shape;87;p17"/>
-          <p:cNvSpPr txBox="1"/>
-          <p:nvPr/>
-        </p:nvSpPr>
-        <p:spPr>
-          <a:xfrm>
-            <a:off x="265350" y="1123250"/>
-            <a:ext cx="8644500" cy="3702900"/>
-          </a:xfrm>
-          <a:prstGeom prst="rect">
-            <a:avLst/>
-          </a:prstGeom>
-          <a:noFill/>
-          <a:ln>
-            <a:noFill/>
-          </a:ln>
-        </p:spPr>
-        <p:txBody>
-          <a:bodyPr anchorCtr="0" anchor="t" bIns="91425" lIns="91425" spcFirstLastPara="1" rIns="91425" wrap="square" tIns="91425">
-            <a:noAutofit/>
-          </a:bodyPr>
-          <a:lstStyle/>
-          <a:p>
-            <a:pPr indent="0" lvl="0" marL="0" rtl="0" algn="l">
+            <a:pPr marL="0" lvl="0" indent="0" algn="l" rtl="0">
               <a:spcBef>
                 <a:spcPts val="0"/>
               </a:spcBef>
@@ -8601,11 +9857,11 @@
 </file>
 
 <file path=ppt/slides/slide6.xml><?xml version="1.0" encoding="utf-8"?>
-<p:sld xmlns:a="http://schemas.openxmlformats.org/drawingml/2006/main" xmlns:r="http://schemas.openxmlformats.org/officeDocument/2006/relationships" xmlns:mc="http://schemas.openxmlformats.org/markup-compatibility/2006" xmlns:mv="urn:schemas-microsoft-com:mac:vml" xmlns:p="http://schemas.openxmlformats.org/presentationml/2006/main" xmlns:c="http://schemas.openxmlformats.org/drawingml/2006/chart" xmlns:dgm="http://schemas.openxmlformats.org/drawingml/2006/diagram" xmlns:o="urn:schemas-microsoft-com:office:office" xmlns:v="urn:schemas-microsoft-com:vml" xmlns:pvml="urn:schemas-microsoft-com:office:powerpoint" xmlns:com="http://schemas.openxmlformats.org/drawingml/2006/compatibility" xmlns:p14="http://schemas.microsoft.com/office/powerpoint/2010/main" xmlns:p15="http://schemas.microsoft.com/office/powerpoint/2012/main" xmlns:ahyp="http://schemas.microsoft.com/office/drawing/2018/hyperlinkcolor">
+<p:sld xmlns:a="http://schemas.openxmlformats.org/drawingml/2006/main" xmlns:r="http://schemas.openxmlformats.org/officeDocument/2006/relationships" xmlns:p="http://schemas.openxmlformats.org/presentationml/2006/main">
   <p:cSld>
     <p:spTree>
       <p:nvGrpSpPr>
-        <p:cNvPr id="91" name="Shape 91"/>
+        <p:cNvPr id="1" name="Shape 83"/>
         <p:cNvGrpSpPr/>
         <p:nvPr/>
       </p:nvGrpSpPr>
@@ -8619,7 +9875,7 @@
       </p:grpSpPr>
       <p:pic>
         <p:nvPicPr>
-          <p:cNvPr id="92" name="Google Shape;92;p18" title="AI for good IS S2.png"/>
+          <p:cNvPr id="84" name="Google Shape;84;p17" title="AI for good IS S2.png"/>
           <p:cNvPicPr preferRelativeResize="0"/>
           <p:nvPr/>
         </p:nvPicPr>
@@ -8627,7 +9883,7 @@
           <a:blip r:embed="rId3">
             <a:alphaModFix/>
           </a:blip>
-          <a:srcRect b="89082" l="0" r="0" t="0"/>
+          <a:srcRect b="89082"/>
           <a:stretch/>
         </p:blipFill>
         <p:spPr>
@@ -8646,7 +9902,7 @@
       </p:pic>
       <p:pic>
         <p:nvPicPr>
-          <p:cNvPr id="93" name="Google Shape;93;p18" title="AI for good IS S2.png"/>
+          <p:cNvPr id="85" name="Google Shape;85;p17" title="AI for good IS S2.png"/>
           <p:cNvPicPr preferRelativeResize="0"/>
           <p:nvPr/>
         </p:nvPicPr>
@@ -8654,7 +9910,7 @@
           <a:blip r:embed="rId3">
             <a:alphaModFix/>
           </a:blip>
-          <a:srcRect b="0" l="0" r="0" t="97713"/>
+          <a:srcRect t="97713"/>
           <a:stretch/>
         </p:blipFill>
         <p:spPr>
@@ -8673,7 +9929,7 @@
       </p:pic>
       <p:sp>
         <p:nvSpPr>
-          <p:cNvPr id="94" name="Google Shape;94;p18"/>
+          <p:cNvPr id="86" name="Google Shape;86;p17"/>
           <p:cNvSpPr txBox="1"/>
           <p:nvPr/>
         </p:nvSpPr>
@@ -8691,12 +9947,12 @@
           </a:ln>
         </p:spPr>
         <p:txBody>
-          <a:bodyPr anchorCtr="0" anchor="t" bIns="91425" lIns="91425" spcFirstLastPara="1" rIns="91425" wrap="square" tIns="91425">
+          <a:bodyPr spcFirstLastPara="1" wrap="square" lIns="91425" tIns="91425" rIns="91425" bIns="91425" anchor="t" anchorCtr="0">
             <a:noAutofit/>
           </a:bodyPr>
           <a:lstStyle/>
           <a:p>
-            <a:pPr indent="0" lvl="0" marL="0" rtl="0" algn="l">
+            <a:pPr marL="0" lvl="0" indent="0" algn="l" rtl="0">
               <a:spcBef>
                 <a:spcPts val="0"/>
               </a:spcBef>
@@ -8706,15 +9962,15 @@
               <a:buNone/>
             </a:pPr>
             <a:r>
-              <a:rPr b="1" lang="en-GB" sz="1600">
+              <a:rPr lang="en-GB" sz="1600" b="1">
                 <a:latin typeface="Noto Sans"/>
                 <a:ea typeface="Noto Sans"/>
                 <a:cs typeface="Noto Sans"/>
                 <a:sym typeface="Noto Sans"/>
               </a:rPr>
-              <a:t>Architecture diagram of the proposed solution</a:t>
+              <a:t>Process flow diagram or Use-case diagram</a:t>
             </a:r>
-            <a:endParaRPr b="1" sz="1600">
+            <a:endParaRPr sz="1600" b="1">
               <a:latin typeface="Noto Sans"/>
               <a:ea typeface="Noto Sans"/>
               <a:cs typeface="Noto Sans"/>
@@ -8725,7 +9981,7 @@
       </p:sp>
       <p:sp>
         <p:nvSpPr>
-          <p:cNvPr id="95" name="Google Shape;95;p18"/>
+          <p:cNvPr id="87" name="Google Shape;87;p17"/>
           <p:cNvSpPr txBox="1"/>
           <p:nvPr/>
         </p:nvSpPr>
@@ -8743,12 +9999,12 @@
           </a:ln>
         </p:spPr>
         <p:txBody>
-          <a:bodyPr anchorCtr="0" anchor="t" bIns="91425" lIns="91425" spcFirstLastPara="1" rIns="91425" wrap="square" tIns="91425">
+          <a:bodyPr spcFirstLastPara="1" wrap="square" lIns="91425" tIns="91425" rIns="91425" bIns="91425" anchor="t" anchorCtr="0">
             <a:noAutofit/>
           </a:bodyPr>
           <a:lstStyle/>
           <a:p>
-            <a:pPr indent="0" lvl="0" marL="0" rtl="0" algn="l">
+            <a:pPr marL="0" lvl="0" indent="0" algn="l" rtl="0">
               <a:spcBef>
                 <a:spcPts val="0"/>
               </a:spcBef>
@@ -8784,11 +10040,11 @@
 </file>
 
 <file path=ppt/slides/slide7.xml><?xml version="1.0" encoding="utf-8"?>
-<p:sld xmlns:a="http://schemas.openxmlformats.org/drawingml/2006/main" xmlns:r="http://schemas.openxmlformats.org/officeDocument/2006/relationships" xmlns:mc="http://schemas.openxmlformats.org/markup-compatibility/2006" xmlns:mv="urn:schemas-microsoft-com:mac:vml" xmlns:p="http://schemas.openxmlformats.org/presentationml/2006/main" xmlns:c="http://schemas.openxmlformats.org/drawingml/2006/chart" xmlns:dgm="http://schemas.openxmlformats.org/drawingml/2006/diagram" xmlns:o="urn:schemas-microsoft-com:office:office" xmlns:v="urn:schemas-microsoft-com:vml" xmlns:pvml="urn:schemas-microsoft-com:office:powerpoint" xmlns:com="http://schemas.openxmlformats.org/drawingml/2006/compatibility" xmlns:p14="http://schemas.microsoft.com/office/powerpoint/2010/main" xmlns:p15="http://schemas.microsoft.com/office/powerpoint/2012/main" xmlns:ahyp="http://schemas.microsoft.com/office/drawing/2018/hyperlinkcolor">
+<p:sld xmlns:a="http://schemas.openxmlformats.org/drawingml/2006/main" xmlns:r="http://schemas.openxmlformats.org/officeDocument/2006/relationships" xmlns:p="http://schemas.openxmlformats.org/presentationml/2006/main">
   <p:cSld>
     <p:spTree>
       <p:nvGrpSpPr>
-        <p:cNvPr id="99" name="Shape 99"/>
+        <p:cNvPr id="1" name="Shape 91"/>
         <p:cNvGrpSpPr/>
         <p:nvPr/>
       </p:nvGrpSpPr>
@@ -8802,7 +10058,7 @@
       </p:grpSpPr>
       <p:pic>
         <p:nvPicPr>
-          <p:cNvPr id="100" name="Google Shape;100;p19" title="AI for good IS S2.png"/>
+          <p:cNvPr id="92" name="Google Shape;92;p18" title="AI for good IS S2.png"/>
           <p:cNvPicPr preferRelativeResize="0"/>
           <p:nvPr/>
         </p:nvPicPr>
@@ -8810,7 +10066,7 @@
           <a:blip r:embed="rId3">
             <a:alphaModFix/>
           </a:blip>
-          <a:srcRect b="89082" l="0" r="0" t="0"/>
+          <a:srcRect b="89082"/>
           <a:stretch/>
         </p:blipFill>
         <p:spPr>
@@ -8829,7 +10085,7 @@
       </p:pic>
       <p:pic>
         <p:nvPicPr>
-          <p:cNvPr id="101" name="Google Shape;101;p19" title="AI for good IS S2.png"/>
+          <p:cNvPr id="93" name="Google Shape;93;p18" title="AI for good IS S2.png"/>
           <p:cNvPicPr preferRelativeResize="0"/>
           <p:nvPr/>
         </p:nvPicPr>
@@ -8837,7 +10093,7 @@
           <a:blip r:embed="rId3">
             <a:alphaModFix/>
           </a:blip>
-          <a:srcRect b="0" l="0" r="0" t="97713"/>
+          <a:srcRect t="97713"/>
           <a:stretch/>
         </p:blipFill>
         <p:spPr>
@@ -8856,7 +10112,7 @@
       </p:pic>
       <p:sp>
         <p:nvSpPr>
-          <p:cNvPr id="102" name="Google Shape;102;p19"/>
+          <p:cNvPr id="94" name="Google Shape;94;p18"/>
           <p:cNvSpPr txBox="1"/>
           <p:nvPr/>
         </p:nvSpPr>
@@ -8874,12 +10130,12 @@
           </a:ln>
         </p:spPr>
         <p:txBody>
-          <a:bodyPr anchorCtr="0" anchor="t" bIns="91425" lIns="91425" spcFirstLastPara="1" rIns="91425" wrap="square" tIns="91425">
+          <a:bodyPr spcFirstLastPara="1" wrap="square" lIns="91425" tIns="91425" rIns="91425" bIns="91425" anchor="t" anchorCtr="0">
             <a:noAutofit/>
           </a:bodyPr>
           <a:lstStyle/>
           <a:p>
-            <a:pPr indent="0" lvl="0" marL="0" rtl="0" algn="l">
+            <a:pPr marL="0" lvl="0" indent="0" algn="l" rtl="0">
               <a:spcBef>
                 <a:spcPts val="0"/>
               </a:spcBef>
@@ -8889,15 +10145,15 @@
               <a:buNone/>
             </a:pPr>
             <a:r>
-              <a:rPr b="1" lang="en-GB" sz="1600">
+              <a:rPr lang="en-GB" sz="1600" b="1">
                 <a:latin typeface="Noto Sans"/>
                 <a:ea typeface="Noto Sans"/>
                 <a:cs typeface="Noto Sans"/>
                 <a:sym typeface="Noto Sans"/>
               </a:rPr>
-              <a:t>Tech Stack</a:t>
+              <a:t>Architecture diagram of the proposed solution</a:t>
             </a:r>
-            <a:endParaRPr b="1" sz="1600">
+            <a:endParaRPr sz="1600" b="1">
               <a:latin typeface="Noto Sans"/>
               <a:ea typeface="Noto Sans"/>
               <a:cs typeface="Noto Sans"/>
@@ -8908,7 +10164,7 @@
       </p:sp>
       <p:sp>
         <p:nvSpPr>
-          <p:cNvPr id="103" name="Google Shape;103;p19"/>
+          <p:cNvPr id="95" name="Google Shape;95;p18"/>
           <p:cNvSpPr txBox="1"/>
           <p:nvPr/>
         </p:nvSpPr>
@@ -8926,12 +10182,12 @@
           </a:ln>
         </p:spPr>
         <p:txBody>
-          <a:bodyPr anchorCtr="0" anchor="t" bIns="91425" lIns="91425" spcFirstLastPara="1" rIns="91425" wrap="square" tIns="91425">
+          <a:bodyPr spcFirstLastPara="1" wrap="square" lIns="91425" tIns="91425" rIns="91425" bIns="91425" anchor="t" anchorCtr="0">
             <a:noAutofit/>
           </a:bodyPr>
           <a:lstStyle/>
           <a:p>
-            <a:pPr indent="0" lvl="0" marL="0" rtl="0" algn="l">
+            <a:pPr marL="0" lvl="0" indent="0" algn="l" rtl="0">
               <a:spcBef>
                 <a:spcPts val="0"/>
               </a:spcBef>
@@ -8967,11 +10223,11 @@
 </file>
 
 <file path=ppt/slides/slide8.xml><?xml version="1.0" encoding="utf-8"?>
-<p:sld xmlns:a="http://schemas.openxmlformats.org/drawingml/2006/main" xmlns:r="http://schemas.openxmlformats.org/officeDocument/2006/relationships" xmlns:mc="http://schemas.openxmlformats.org/markup-compatibility/2006" xmlns:mv="urn:schemas-microsoft-com:mac:vml" xmlns:p="http://schemas.openxmlformats.org/presentationml/2006/main" xmlns:c="http://schemas.openxmlformats.org/drawingml/2006/chart" xmlns:dgm="http://schemas.openxmlformats.org/drawingml/2006/diagram" xmlns:o="urn:schemas-microsoft-com:office:office" xmlns:v="urn:schemas-microsoft-com:vml" xmlns:pvml="urn:schemas-microsoft-com:office:powerpoint" xmlns:com="http://schemas.openxmlformats.org/drawingml/2006/compatibility" xmlns:p14="http://schemas.microsoft.com/office/powerpoint/2010/main" xmlns:p15="http://schemas.microsoft.com/office/powerpoint/2012/main" xmlns:ahyp="http://schemas.microsoft.com/office/drawing/2018/hyperlinkcolor">
+<p:sld xmlns:a="http://schemas.openxmlformats.org/drawingml/2006/main" xmlns:r="http://schemas.openxmlformats.org/officeDocument/2006/relationships" xmlns:p="http://schemas.openxmlformats.org/presentationml/2006/main">
   <p:cSld>
     <p:spTree>
       <p:nvGrpSpPr>
-        <p:cNvPr id="107" name="Shape 107"/>
+        <p:cNvPr id="1" name="Shape 99"/>
         <p:cNvGrpSpPr/>
         <p:nvPr/>
       </p:nvGrpSpPr>
@@ -8985,7 +10241,7 @@
       </p:grpSpPr>
       <p:pic>
         <p:nvPicPr>
-          <p:cNvPr id="108" name="Google Shape;108;p20" title="AI for good IS S2.png"/>
+          <p:cNvPr id="100" name="Google Shape;100;p19" title="AI for good IS S2.png"/>
           <p:cNvPicPr preferRelativeResize="0"/>
           <p:nvPr/>
         </p:nvPicPr>
@@ -8993,7 +10249,7 @@
           <a:blip r:embed="rId3">
             <a:alphaModFix/>
           </a:blip>
-          <a:srcRect b="89082" l="0" r="0" t="0"/>
+          <a:srcRect b="89082"/>
           <a:stretch/>
         </p:blipFill>
         <p:spPr>
@@ -9012,7 +10268,7 @@
       </p:pic>
       <p:pic>
         <p:nvPicPr>
-          <p:cNvPr id="109" name="Google Shape;109;p20" title="AI for good IS S2.png"/>
+          <p:cNvPr id="101" name="Google Shape;101;p19" title="AI for good IS S2.png"/>
           <p:cNvPicPr preferRelativeResize="0"/>
           <p:nvPr/>
         </p:nvPicPr>
@@ -9020,7 +10276,7 @@
           <a:blip r:embed="rId3">
             <a:alphaModFix/>
           </a:blip>
-          <a:srcRect b="0" l="0" r="0" t="97713"/>
+          <a:srcRect t="97713"/>
           <a:stretch/>
         </p:blipFill>
         <p:spPr>
@@ -9039,7 +10295,7 @@
       </p:pic>
       <p:sp>
         <p:nvSpPr>
-          <p:cNvPr id="110" name="Google Shape;110;p20"/>
+          <p:cNvPr id="102" name="Google Shape;102;p19"/>
           <p:cNvSpPr txBox="1"/>
           <p:nvPr/>
         </p:nvSpPr>
@@ -9057,12 +10313,12 @@
           </a:ln>
         </p:spPr>
         <p:txBody>
-          <a:bodyPr anchorCtr="0" anchor="t" bIns="91425" lIns="91425" spcFirstLastPara="1" rIns="91425" wrap="square" tIns="91425">
+          <a:bodyPr spcFirstLastPara="1" wrap="square" lIns="91425" tIns="91425" rIns="91425" bIns="91425" anchor="t" anchorCtr="0">
             <a:noAutofit/>
           </a:bodyPr>
           <a:lstStyle/>
           <a:p>
-            <a:pPr indent="0" lvl="0" marL="0" rtl="0" algn="l">
+            <a:pPr marL="0" lvl="0" indent="0" algn="l" rtl="0">
               <a:spcBef>
                 <a:spcPts val="0"/>
               </a:spcBef>
@@ -9072,35 +10328,15 @@
               <a:buNone/>
             </a:pPr>
             <a:r>
-              <a:rPr b="1" lang="en-GB" sz="1600">
+              <a:rPr lang="en-GB" sz="1600" b="1">
                 <a:latin typeface="Noto Sans"/>
                 <a:ea typeface="Noto Sans"/>
                 <a:cs typeface="Noto Sans"/>
                 <a:sym typeface="Noto Sans"/>
               </a:rPr>
-              <a:t>Snowflake tools and technology used</a:t>
+              <a:t>Tech Stack</a:t>
             </a:r>
-            <a:endParaRPr b="1" sz="1600">
-              <a:latin typeface="Noto Sans"/>
-              <a:ea typeface="Noto Sans"/>
-              <a:cs typeface="Noto Sans"/>
-              <a:sym typeface="Noto Sans"/>
-            </a:endParaRPr>
-          </a:p>
-          <a:p>
-            <a:pPr indent="0" lvl="0" marL="0" rtl="0" algn="l">
-              <a:spcBef>
-                <a:spcPts val="0"/>
-              </a:spcBef>
-              <a:spcAft>
-                <a:spcPts val="0"/>
-              </a:spcAft>
-              <a:buNone/>
-            </a:pPr>
-            <a:r>
-              <a:t/>
-            </a:r>
-            <a:endParaRPr b="1" sz="1600">
+            <a:endParaRPr sz="1600" b="1">
               <a:latin typeface="Noto Sans"/>
               <a:ea typeface="Noto Sans"/>
               <a:cs typeface="Noto Sans"/>
@@ -9111,7 +10347,7 @@
       </p:sp>
       <p:sp>
         <p:nvSpPr>
-          <p:cNvPr id="111" name="Google Shape;111;p20"/>
+          <p:cNvPr id="103" name="Google Shape;103;p19"/>
           <p:cNvSpPr txBox="1"/>
           <p:nvPr/>
         </p:nvSpPr>
@@ -9129,12 +10365,12 @@
           </a:ln>
         </p:spPr>
         <p:txBody>
-          <a:bodyPr anchorCtr="0" anchor="t" bIns="91425" lIns="91425" spcFirstLastPara="1" rIns="91425" wrap="square" tIns="91425">
+          <a:bodyPr spcFirstLastPara="1" wrap="square" lIns="91425" tIns="91425" rIns="91425" bIns="91425" anchor="t" anchorCtr="0">
             <a:noAutofit/>
           </a:bodyPr>
           <a:lstStyle/>
           <a:p>
-            <a:pPr indent="0" lvl="0" marL="0" rtl="0" algn="l">
+            <a:pPr marL="0" lvl="0" indent="0" algn="l" rtl="0">
               <a:spcBef>
                 <a:spcPts val="0"/>
               </a:spcBef>
@@ -9170,11 +10406,11 @@
 </file>
 
 <file path=ppt/slides/slide9.xml><?xml version="1.0" encoding="utf-8"?>
-<p:sld xmlns:a="http://schemas.openxmlformats.org/drawingml/2006/main" xmlns:r="http://schemas.openxmlformats.org/officeDocument/2006/relationships" xmlns:mc="http://schemas.openxmlformats.org/markup-compatibility/2006" xmlns:mv="urn:schemas-microsoft-com:mac:vml" xmlns:p="http://schemas.openxmlformats.org/presentationml/2006/main" xmlns:c="http://schemas.openxmlformats.org/drawingml/2006/chart" xmlns:dgm="http://schemas.openxmlformats.org/drawingml/2006/diagram" xmlns:o="urn:schemas-microsoft-com:office:office" xmlns:v="urn:schemas-microsoft-com:vml" xmlns:pvml="urn:schemas-microsoft-com:office:powerpoint" xmlns:com="http://schemas.openxmlformats.org/drawingml/2006/compatibility" xmlns:p14="http://schemas.microsoft.com/office/powerpoint/2010/main" xmlns:p15="http://schemas.microsoft.com/office/powerpoint/2012/main" xmlns:ahyp="http://schemas.microsoft.com/office/drawing/2018/hyperlinkcolor">
+<p:sld xmlns:a="http://schemas.openxmlformats.org/drawingml/2006/main" xmlns:r="http://schemas.openxmlformats.org/officeDocument/2006/relationships" xmlns:p="http://schemas.openxmlformats.org/presentationml/2006/main">
   <p:cSld>
     <p:spTree>
       <p:nvGrpSpPr>
-        <p:cNvPr id="115" name="Shape 115"/>
+        <p:cNvPr id="1" name="Shape 107"/>
         <p:cNvGrpSpPr/>
         <p:nvPr/>
       </p:nvGrpSpPr>
@@ -9188,7 +10424,7 @@
       </p:grpSpPr>
       <p:pic>
         <p:nvPicPr>
-          <p:cNvPr id="116" name="Google Shape;116;p21" title="AI for good IS S2.png"/>
+          <p:cNvPr id="108" name="Google Shape;108;p20" title="AI for good IS S2.png"/>
           <p:cNvPicPr preferRelativeResize="0"/>
           <p:nvPr/>
         </p:nvPicPr>
@@ -9196,7 +10432,7 @@
           <a:blip r:embed="rId3">
             <a:alphaModFix/>
           </a:blip>
-          <a:srcRect b="89082" l="0" r="0" t="0"/>
+          <a:srcRect b="89082"/>
           <a:stretch/>
         </p:blipFill>
         <p:spPr>
@@ -9215,7 +10451,7 @@
       </p:pic>
       <p:pic>
         <p:nvPicPr>
-          <p:cNvPr id="117" name="Google Shape;117;p21" title="AI for good IS S2.png"/>
+          <p:cNvPr id="109" name="Google Shape;109;p20" title="AI for good IS S2.png"/>
           <p:cNvPicPr preferRelativeResize="0"/>
           <p:nvPr/>
         </p:nvPicPr>
@@ -9223,7 +10459,7 @@
           <a:blip r:embed="rId3">
             <a:alphaModFix/>
           </a:blip>
-          <a:srcRect b="0" l="0" r="0" t="97713"/>
+          <a:srcRect t="97713"/>
           <a:stretch/>
         </p:blipFill>
         <p:spPr>
@@ -9242,7 +10478,7 @@
       </p:pic>
       <p:sp>
         <p:nvSpPr>
-          <p:cNvPr id="118" name="Google Shape;118;p21"/>
+          <p:cNvPr id="110" name="Google Shape;110;p20"/>
           <p:cNvSpPr txBox="1"/>
           <p:nvPr/>
         </p:nvSpPr>
@@ -9260,12 +10496,12 @@
           </a:ln>
         </p:spPr>
         <p:txBody>
-          <a:bodyPr anchorCtr="0" anchor="t" bIns="91425" lIns="91425" spcFirstLastPara="1" rIns="91425" wrap="square" tIns="91425">
+          <a:bodyPr spcFirstLastPara="1" wrap="square" lIns="91425" tIns="91425" rIns="91425" bIns="91425" anchor="t" anchorCtr="0">
             <a:noAutofit/>
           </a:bodyPr>
           <a:lstStyle/>
           <a:p>
-            <a:pPr indent="0" lvl="0" marL="0" rtl="0" algn="l">
+            <a:pPr marL="0" lvl="0" indent="0" algn="l" rtl="0">
               <a:spcBef>
                 <a:spcPts val="0"/>
               </a:spcBef>
@@ -9275,15 +10511,84 @@
               <a:buNone/>
             </a:pPr>
             <a:r>
-              <a:rPr b="1" lang="en-GB" sz="1600">
+              <a:rPr lang="en-GB" sz="1600" b="1">
                 <a:latin typeface="Noto Sans"/>
                 <a:ea typeface="Noto Sans"/>
                 <a:cs typeface="Noto Sans"/>
                 <a:sym typeface="Noto Sans"/>
               </a:rPr>
-              <a:t>Snapshots of the prototype</a:t>
+              <a:t>Snowflake tools and technology used</a:t>
             </a:r>
-            <a:endParaRPr b="1" sz="1600">
+            <a:endParaRPr sz="1600" b="1">
+              <a:latin typeface="Noto Sans"/>
+              <a:ea typeface="Noto Sans"/>
+              <a:cs typeface="Noto Sans"/>
+              <a:sym typeface="Noto Sans"/>
+            </a:endParaRPr>
+          </a:p>
+          <a:p>
+            <a:pPr marL="0" lvl="0" indent="0" algn="l" rtl="0">
+              <a:spcBef>
+                <a:spcPts val="0"/>
+              </a:spcBef>
+              <a:spcAft>
+                <a:spcPts val="0"/>
+              </a:spcAft>
+              <a:buNone/>
+            </a:pPr>
+            <a:endParaRPr sz="1600" b="1">
+              <a:latin typeface="Noto Sans"/>
+              <a:ea typeface="Noto Sans"/>
+              <a:cs typeface="Noto Sans"/>
+              <a:sym typeface="Noto Sans"/>
+            </a:endParaRPr>
+          </a:p>
+        </p:txBody>
+      </p:sp>
+      <p:sp>
+        <p:nvSpPr>
+          <p:cNvPr id="111" name="Google Shape;111;p20"/>
+          <p:cNvSpPr txBox="1"/>
+          <p:nvPr/>
+        </p:nvSpPr>
+        <p:spPr>
+          <a:xfrm>
+            <a:off x="265350" y="1123250"/>
+            <a:ext cx="8644500" cy="3702900"/>
+          </a:xfrm>
+          <a:prstGeom prst="rect">
+            <a:avLst/>
+          </a:prstGeom>
+          <a:noFill/>
+          <a:ln>
+            <a:noFill/>
+          </a:ln>
+        </p:spPr>
+        <p:txBody>
+          <a:bodyPr spcFirstLastPara="1" wrap="square" lIns="91425" tIns="91425" rIns="91425" bIns="91425" anchor="t" anchorCtr="0">
+            <a:noAutofit/>
+          </a:bodyPr>
+          <a:lstStyle/>
+          <a:p>
+            <a:pPr marL="0" lvl="0" indent="0" algn="l" rtl="0">
+              <a:spcBef>
+                <a:spcPts val="0"/>
+              </a:spcBef>
+              <a:spcAft>
+                <a:spcPts val="0"/>
+              </a:spcAft>
+              <a:buNone/>
+            </a:pPr>
+            <a:r>
+              <a:rPr lang="en-GB" sz="1200">
+                <a:latin typeface="Noto Sans"/>
+                <a:ea typeface="Noto Sans"/>
+                <a:cs typeface="Noto Sans"/>
+                <a:sym typeface="Noto Sans"/>
+              </a:rPr>
+              <a:t>Type here…</a:t>
+            </a:r>
+            <a:endParaRPr sz="1200">
               <a:latin typeface="Noto Sans"/>
               <a:ea typeface="Noto Sans"/>
               <a:cs typeface="Noto Sans"/>
@@ -9301,7 +10606,288 @@
 </file>
 
 <file path=ppt/theme/theme1.xml><?xml version="1.0" encoding="utf-8"?>
-<a:theme xmlns:a="http://schemas.openxmlformats.org/drawingml/2006/main" xmlns:r="http://schemas.openxmlformats.org/officeDocument/2006/relationships">
+<a:theme xmlns:a="http://schemas.openxmlformats.org/drawingml/2006/main" name="Simple Light">
+  <a:themeElements>
+    <a:clrScheme name="Simple Light">
+      <a:dk1>
+        <a:srgbClr val="000000"/>
+      </a:dk1>
+      <a:lt1>
+        <a:srgbClr val="FFFFFF"/>
+      </a:lt1>
+      <a:dk2>
+        <a:srgbClr val="595959"/>
+      </a:dk2>
+      <a:lt2>
+        <a:srgbClr val="EEEEEE"/>
+      </a:lt2>
+      <a:accent1>
+        <a:srgbClr val="4285F4"/>
+      </a:accent1>
+      <a:accent2>
+        <a:srgbClr val="212121"/>
+      </a:accent2>
+      <a:accent3>
+        <a:srgbClr val="78909C"/>
+      </a:accent3>
+      <a:accent4>
+        <a:srgbClr val="FFAB40"/>
+      </a:accent4>
+      <a:accent5>
+        <a:srgbClr val="0097A7"/>
+      </a:accent5>
+      <a:accent6>
+        <a:srgbClr val="EEFF41"/>
+      </a:accent6>
+      <a:hlink>
+        <a:srgbClr val="0097A7"/>
+      </a:hlink>
+      <a:folHlink>
+        <a:srgbClr val="0097A7"/>
+      </a:folHlink>
+    </a:clrScheme>
+    <a:fontScheme name="Office">
+      <a:majorFont>
+        <a:latin typeface="Arial"/>
+        <a:ea typeface=""/>
+        <a:cs typeface=""/>
+        <a:font script="Jpan" typeface="ＭＳ Ｐゴシック"/>
+        <a:font script="Hang" typeface="맑은 고딕"/>
+        <a:font script="Hans" typeface="宋体"/>
+        <a:font script="Hant" typeface="新細明體"/>
+        <a:font script="Arab" typeface="Times New Roman"/>
+        <a:font script="Hebr" typeface="Times New Roman"/>
+        <a:font script="Thai" typeface="Angsana New"/>
+        <a:font script="Ethi" typeface="Nyala"/>
+        <a:font script="Beng" typeface="Vrinda"/>
+        <a:font script="Gujr" typeface="Shruti"/>
+        <a:font script="Khmr" typeface="MoolBoran"/>
+        <a:font script="Knda" typeface="Tunga"/>
+        <a:font script="Guru" typeface="Raavi"/>
+        <a:font script="Cans" typeface="Euphemia"/>
+        <a:font script="Cher" typeface="Plantagenet Cherokee"/>
+        <a:font script="Yiii" typeface="Microsoft Yi Baiti"/>
+        <a:font script="Tibt" typeface="Microsoft Himalaya"/>
+        <a:font script="Thaa" typeface="MV Boli"/>
+        <a:font script="Deva" typeface="Mangal"/>
+        <a:font script="Telu" typeface="Gautami"/>
+        <a:font script="Taml" typeface="Latha"/>
+        <a:font script="Syrc" typeface="Estrangelo Edessa"/>
+        <a:font script="Orya" typeface="Kalinga"/>
+        <a:font script="Mlym" typeface="Kartika"/>
+        <a:font script="Laoo" typeface="DokChampa"/>
+        <a:font script="Sinh" typeface="Iskoola Pota"/>
+        <a:font script="Mong" typeface="Mongolian Baiti"/>
+        <a:font script="Viet" typeface="Times New Roman"/>
+        <a:font script="Uigh" typeface="Microsoft Uighur"/>
+        <a:font script="Geor" typeface="Sylfaen"/>
+      </a:majorFont>
+      <a:minorFont>
+        <a:latin typeface="Arial"/>
+        <a:ea typeface=""/>
+        <a:cs typeface=""/>
+        <a:font script="Jpan" typeface="ＭＳ Ｐゴシック"/>
+        <a:font script="Hang" typeface="맑은 고딕"/>
+        <a:font script="Hans" typeface="宋体"/>
+        <a:font script="Hant" typeface="新細明體"/>
+        <a:font script="Arab" typeface="Arial"/>
+        <a:font script="Hebr" typeface="Arial"/>
+        <a:font script="Thai" typeface="Cordia New"/>
+        <a:font script="Ethi" typeface="Nyala"/>
+        <a:font script="Beng" typeface="Vrinda"/>
+        <a:font script="Gujr" typeface="Shruti"/>
+        <a:font script="Khmr" typeface="DaunPenh"/>
+        <a:font script="Knda" typeface="Tunga"/>
+        <a:font script="Guru" typeface="Raavi"/>
+        <a:font script="Cans" typeface="Euphemia"/>
+        <a:font script="Cher" typeface="Plantagenet Cherokee"/>
+        <a:font script="Yiii" typeface="Microsoft Yi Baiti"/>
+        <a:font script="Tibt" typeface="Microsoft Himalaya"/>
+        <a:font script="Thaa" typeface="MV Boli"/>
+        <a:font script="Deva" typeface="Mangal"/>
+        <a:font script="Telu" typeface="Gautami"/>
+        <a:font script="Taml" typeface="Latha"/>
+        <a:font script="Syrc" typeface="Estrangelo Edessa"/>
+        <a:font script="Orya" typeface="Kalinga"/>
+        <a:font script="Mlym" typeface="Kartika"/>
+        <a:font script="Laoo" typeface="DokChampa"/>
+        <a:font script="Sinh" typeface="Iskoola Pota"/>
+        <a:font script="Mong" typeface="Mongolian Baiti"/>
+        <a:font script="Viet" typeface="Arial"/>
+        <a:font script="Uigh" typeface="Microsoft Uighur"/>
+        <a:font script="Geor" typeface="Sylfaen"/>
+      </a:minorFont>
+    </a:fontScheme>
+    <a:fmtScheme name="Office">
+      <a:fillStyleLst>
+        <a:solidFill>
+          <a:schemeClr val="phClr"/>
+        </a:solidFill>
+        <a:gradFill rotWithShape="1">
+          <a:gsLst>
+            <a:gs pos="0">
+              <a:schemeClr val="phClr">
+                <a:tint val="50000"/>
+                <a:satMod val="300000"/>
+              </a:schemeClr>
+            </a:gs>
+            <a:gs pos="35000">
+              <a:schemeClr val="phClr">
+                <a:tint val="37000"/>
+                <a:satMod val="300000"/>
+              </a:schemeClr>
+            </a:gs>
+            <a:gs pos="100000">
+              <a:schemeClr val="phClr">
+                <a:tint val="15000"/>
+                <a:satMod val="350000"/>
+              </a:schemeClr>
+            </a:gs>
+          </a:gsLst>
+          <a:lin ang="16200000" scaled="1"/>
+        </a:gradFill>
+        <a:gradFill rotWithShape="1">
+          <a:gsLst>
+            <a:gs pos="0">
+              <a:schemeClr val="phClr">
+                <a:tint val="100000"/>
+                <a:shade val="100000"/>
+                <a:satMod val="130000"/>
+              </a:schemeClr>
+            </a:gs>
+            <a:gs pos="100000">
+              <a:schemeClr val="phClr">
+                <a:tint val="50000"/>
+                <a:shade val="100000"/>
+                <a:satMod val="350000"/>
+              </a:schemeClr>
+            </a:gs>
+          </a:gsLst>
+          <a:lin ang="16200000" scaled="0"/>
+        </a:gradFill>
+      </a:fillStyleLst>
+      <a:lnStyleLst>
+        <a:ln w="9525" cap="flat" cmpd="sng" algn="ctr">
+          <a:solidFill>
+            <a:schemeClr val="phClr">
+              <a:shade val="95000"/>
+              <a:satMod val="105000"/>
+            </a:schemeClr>
+          </a:solidFill>
+          <a:prstDash val="solid"/>
+        </a:ln>
+        <a:ln w="25400" cap="flat" cmpd="sng" algn="ctr">
+          <a:solidFill>
+            <a:schemeClr val="phClr"/>
+          </a:solidFill>
+          <a:prstDash val="solid"/>
+        </a:ln>
+        <a:ln w="38100" cap="flat" cmpd="sng" algn="ctr">
+          <a:solidFill>
+            <a:schemeClr val="phClr"/>
+          </a:solidFill>
+          <a:prstDash val="solid"/>
+        </a:ln>
+      </a:lnStyleLst>
+      <a:effectStyleLst>
+        <a:effectStyle>
+          <a:effectLst>
+            <a:outerShdw blurRad="40000" dist="20000" dir="5400000" rotWithShape="0">
+              <a:srgbClr val="000000">
+                <a:alpha val="38000"/>
+              </a:srgbClr>
+            </a:outerShdw>
+          </a:effectLst>
+        </a:effectStyle>
+        <a:effectStyle>
+          <a:effectLst>
+            <a:outerShdw blurRad="40000" dist="23000" dir="5400000" rotWithShape="0">
+              <a:srgbClr val="000000">
+                <a:alpha val="35000"/>
+              </a:srgbClr>
+            </a:outerShdw>
+          </a:effectLst>
+        </a:effectStyle>
+        <a:effectStyle>
+          <a:effectLst>
+            <a:outerShdw blurRad="40000" dist="23000" dir="5400000" rotWithShape="0">
+              <a:srgbClr val="000000">
+                <a:alpha val="35000"/>
+              </a:srgbClr>
+            </a:outerShdw>
+          </a:effectLst>
+          <a:scene3d>
+            <a:camera prst="orthographicFront">
+              <a:rot lat="0" lon="0" rev="0"/>
+            </a:camera>
+            <a:lightRig rig="threePt" dir="t">
+              <a:rot lat="0" lon="0" rev="1200000"/>
+            </a:lightRig>
+          </a:scene3d>
+          <a:sp3d>
+            <a:bevelT w="63500" h="25400"/>
+          </a:sp3d>
+        </a:effectStyle>
+      </a:effectStyleLst>
+      <a:bgFillStyleLst>
+        <a:solidFill>
+          <a:schemeClr val="phClr"/>
+        </a:solidFill>
+        <a:gradFill rotWithShape="1">
+          <a:gsLst>
+            <a:gs pos="0">
+              <a:schemeClr val="phClr">
+                <a:tint val="40000"/>
+                <a:satMod val="350000"/>
+              </a:schemeClr>
+            </a:gs>
+            <a:gs pos="40000">
+              <a:schemeClr val="phClr">
+                <a:tint val="45000"/>
+                <a:shade val="99000"/>
+                <a:satMod val="350000"/>
+              </a:schemeClr>
+            </a:gs>
+            <a:gs pos="100000">
+              <a:schemeClr val="phClr">
+                <a:shade val="20000"/>
+                <a:satMod val="255000"/>
+              </a:schemeClr>
+            </a:gs>
+          </a:gsLst>
+          <a:path path="circle">
+            <a:fillToRect l="50000" t="-80000" r="50000" b="180000"/>
+          </a:path>
+        </a:gradFill>
+        <a:gradFill rotWithShape="1">
+          <a:gsLst>
+            <a:gs pos="0">
+              <a:schemeClr val="phClr">
+                <a:tint val="80000"/>
+                <a:satMod val="300000"/>
+              </a:schemeClr>
+            </a:gs>
+            <a:gs pos="100000">
+              <a:schemeClr val="phClr">
+                <a:shade val="30000"/>
+                <a:satMod val="200000"/>
+              </a:schemeClr>
+            </a:gs>
+          </a:gsLst>
+          <a:path path="circle">
+            <a:fillToRect l="50000" t="50000" r="50000" b="50000"/>
+          </a:path>
+        </a:gradFill>
+      </a:bgFillStyleLst>
+    </a:fmtScheme>
+  </a:themeElements>
+  <a:objectDefaults/>
+  <a:extraClrSchemeLst/>
+</a:theme>
+</file>
+
+<file path=ppt/theme/theme2.xml><?xml version="1.0" encoding="utf-8"?>
+<a:theme xmlns:a="http://schemas.openxmlformats.org/drawingml/2006/main">
   <a:themeElements>
     <a:clrScheme name="Default">
       <a:dk1>
@@ -9576,284 +11162,7 @@
       </a:bgFillStyleLst>
     </a:fmtScheme>
   </a:themeElements>
-</a:theme>
-</file>
-
-<file path=ppt/theme/theme2.xml><?xml version="1.0" encoding="utf-8"?>
-<a:theme xmlns:a="http://schemas.openxmlformats.org/drawingml/2006/main" xmlns:r="http://schemas.openxmlformats.org/officeDocument/2006/relationships" name="Simple Light">
-  <a:themeElements>
-    <a:clrScheme name="Simple Light">
-      <a:dk1>
-        <a:srgbClr val="000000"/>
-      </a:dk1>
-      <a:lt1>
-        <a:srgbClr val="FFFFFF"/>
-      </a:lt1>
-      <a:dk2>
-        <a:srgbClr val="595959"/>
-      </a:dk2>
-      <a:lt2>
-        <a:srgbClr val="EEEEEE"/>
-      </a:lt2>
-      <a:accent1>
-        <a:srgbClr val="4285F4"/>
-      </a:accent1>
-      <a:accent2>
-        <a:srgbClr val="212121"/>
-      </a:accent2>
-      <a:accent3>
-        <a:srgbClr val="78909C"/>
-      </a:accent3>
-      <a:accent4>
-        <a:srgbClr val="FFAB40"/>
-      </a:accent4>
-      <a:accent5>
-        <a:srgbClr val="0097A7"/>
-      </a:accent5>
-      <a:accent6>
-        <a:srgbClr val="EEFF41"/>
-      </a:accent6>
-      <a:hlink>
-        <a:srgbClr val="0097A7"/>
-      </a:hlink>
-      <a:folHlink>
-        <a:srgbClr val="0097A7"/>
-      </a:folHlink>
-    </a:clrScheme>
-    <a:fontScheme name="Office">
-      <a:majorFont>
-        <a:latin typeface="Arial"/>
-        <a:ea typeface=""/>
-        <a:cs typeface=""/>
-        <a:font script="Jpan" typeface="ＭＳ Ｐゴシック"/>
-        <a:font script="Hang" typeface="맑은 고딕"/>
-        <a:font script="Hans" typeface="宋体"/>
-        <a:font script="Hant" typeface="新細明體"/>
-        <a:font script="Arab" typeface="Times New Roman"/>
-        <a:font script="Hebr" typeface="Times New Roman"/>
-        <a:font script="Thai" typeface="Angsana New"/>
-        <a:font script="Ethi" typeface="Nyala"/>
-        <a:font script="Beng" typeface="Vrinda"/>
-        <a:font script="Gujr" typeface="Shruti"/>
-        <a:font script="Khmr" typeface="MoolBoran"/>
-        <a:font script="Knda" typeface="Tunga"/>
-        <a:font script="Guru" typeface="Raavi"/>
-        <a:font script="Cans" typeface="Euphemia"/>
-        <a:font script="Cher" typeface="Plantagenet Cherokee"/>
-        <a:font script="Yiii" typeface="Microsoft Yi Baiti"/>
-        <a:font script="Tibt" typeface="Microsoft Himalaya"/>
-        <a:font script="Thaa" typeface="MV Boli"/>
-        <a:font script="Deva" typeface="Mangal"/>
-        <a:font script="Telu" typeface="Gautami"/>
-        <a:font script="Taml" typeface="Latha"/>
-        <a:font script="Syrc" typeface="Estrangelo Edessa"/>
-        <a:font script="Orya" typeface="Kalinga"/>
-        <a:font script="Mlym" typeface="Kartika"/>
-        <a:font script="Laoo" typeface="DokChampa"/>
-        <a:font script="Sinh" typeface="Iskoola Pota"/>
-        <a:font script="Mong" typeface="Mongolian Baiti"/>
-        <a:font script="Viet" typeface="Times New Roman"/>
-        <a:font script="Uigh" typeface="Microsoft Uighur"/>
-        <a:font script="Geor" typeface="Sylfaen"/>
-      </a:majorFont>
-      <a:minorFont>
-        <a:latin typeface="Arial"/>
-        <a:ea typeface=""/>
-        <a:cs typeface=""/>
-        <a:font script="Jpan" typeface="ＭＳ Ｐゴシック"/>
-        <a:font script="Hang" typeface="맑은 고딕"/>
-        <a:font script="Hans" typeface="宋体"/>
-        <a:font script="Hant" typeface="新細明體"/>
-        <a:font script="Arab" typeface="Arial"/>
-        <a:font script="Hebr" typeface="Arial"/>
-        <a:font script="Thai" typeface="Cordia New"/>
-        <a:font script="Ethi" typeface="Nyala"/>
-        <a:font script="Beng" typeface="Vrinda"/>
-        <a:font script="Gujr" typeface="Shruti"/>
-        <a:font script="Khmr" typeface="DaunPenh"/>
-        <a:font script="Knda" typeface="Tunga"/>
-        <a:font script="Guru" typeface="Raavi"/>
-        <a:font script="Cans" typeface="Euphemia"/>
-        <a:font script="Cher" typeface="Plantagenet Cherokee"/>
-        <a:font script="Yiii" typeface="Microsoft Yi Baiti"/>
-        <a:font script="Tibt" typeface="Microsoft Himalaya"/>
-        <a:font script="Thaa" typeface="MV Boli"/>
-        <a:font script="Deva" typeface="Mangal"/>
-        <a:font script="Telu" typeface="Gautami"/>
-        <a:font script="Taml" typeface="Latha"/>
-        <a:font script="Syrc" typeface="Estrangelo Edessa"/>
-        <a:font script="Orya" typeface="Kalinga"/>
-        <a:font script="Mlym" typeface="Kartika"/>
-        <a:font script="Laoo" typeface="DokChampa"/>
-        <a:font script="Sinh" typeface="Iskoola Pota"/>
-        <a:font script="Mong" typeface="Mongolian Baiti"/>
-        <a:font script="Viet" typeface="Arial"/>
-        <a:font script="Uigh" typeface="Microsoft Uighur"/>
-        <a:font script="Geor" typeface="Sylfaen"/>
-      </a:minorFont>
-    </a:fontScheme>
-    <a:fmtScheme name="Office">
-      <a:fillStyleLst>
-        <a:solidFill>
-          <a:schemeClr val="phClr"/>
-        </a:solidFill>
-        <a:gradFill rotWithShape="1">
-          <a:gsLst>
-            <a:gs pos="0">
-              <a:schemeClr val="phClr">
-                <a:tint val="50000"/>
-                <a:satMod val="300000"/>
-              </a:schemeClr>
-            </a:gs>
-            <a:gs pos="35000">
-              <a:schemeClr val="phClr">
-                <a:tint val="37000"/>
-                <a:satMod val="300000"/>
-              </a:schemeClr>
-            </a:gs>
-            <a:gs pos="100000">
-              <a:schemeClr val="phClr">
-                <a:tint val="15000"/>
-                <a:satMod val="350000"/>
-              </a:schemeClr>
-            </a:gs>
-          </a:gsLst>
-          <a:lin ang="16200000" scaled="1"/>
-        </a:gradFill>
-        <a:gradFill rotWithShape="1">
-          <a:gsLst>
-            <a:gs pos="0">
-              <a:schemeClr val="phClr">
-                <a:tint val="100000"/>
-                <a:shade val="100000"/>
-                <a:satMod val="130000"/>
-              </a:schemeClr>
-            </a:gs>
-            <a:gs pos="100000">
-              <a:schemeClr val="phClr">
-                <a:tint val="50000"/>
-                <a:shade val="100000"/>
-                <a:satMod val="350000"/>
-              </a:schemeClr>
-            </a:gs>
-          </a:gsLst>
-          <a:lin ang="16200000" scaled="0"/>
-        </a:gradFill>
-      </a:fillStyleLst>
-      <a:lnStyleLst>
-        <a:ln w="9525" cap="flat" cmpd="sng" algn="ctr">
-          <a:solidFill>
-            <a:schemeClr val="phClr">
-              <a:shade val="95000"/>
-              <a:satMod val="105000"/>
-            </a:schemeClr>
-          </a:solidFill>
-          <a:prstDash val="solid"/>
-        </a:ln>
-        <a:ln w="25400" cap="flat" cmpd="sng" algn="ctr">
-          <a:solidFill>
-            <a:schemeClr val="phClr"/>
-          </a:solidFill>
-          <a:prstDash val="solid"/>
-        </a:ln>
-        <a:ln w="38100" cap="flat" cmpd="sng" algn="ctr">
-          <a:solidFill>
-            <a:schemeClr val="phClr"/>
-          </a:solidFill>
-          <a:prstDash val="solid"/>
-        </a:ln>
-      </a:lnStyleLst>
-      <a:effectStyleLst>
-        <a:effectStyle>
-          <a:effectLst>
-            <a:outerShdw blurRad="40000" dist="20000" dir="5400000" rotWithShape="0">
-              <a:srgbClr val="000000">
-                <a:alpha val="38000"/>
-              </a:srgbClr>
-            </a:outerShdw>
-          </a:effectLst>
-        </a:effectStyle>
-        <a:effectStyle>
-          <a:effectLst>
-            <a:outerShdw blurRad="40000" dist="23000" dir="5400000" rotWithShape="0">
-              <a:srgbClr val="000000">
-                <a:alpha val="35000"/>
-              </a:srgbClr>
-            </a:outerShdw>
-          </a:effectLst>
-        </a:effectStyle>
-        <a:effectStyle>
-          <a:effectLst>
-            <a:outerShdw blurRad="40000" dist="23000" dir="5400000" rotWithShape="0">
-              <a:srgbClr val="000000">
-                <a:alpha val="35000"/>
-              </a:srgbClr>
-            </a:outerShdw>
-          </a:effectLst>
-          <a:scene3d>
-            <a:camera prst="orthographicFront">
-              <a:rot lat="0" lon="0" rev="0"/>
-            </a:camera>
-            <a:lightRig rig="threePt" dir="t">
-              <a:rot lat="0" lon="0" rev="1200000"/>
-            </a:lightRig>
-          </a:scene3d>
-          <a:sp3d>
-            <a:bevelT w="63500" h="25400"/>
-          </a:sp3d>
-        </a:effectStyle>
-      </a:effectStyleLst>
-      <a:bgFillStyleLst>
-        <a:solidFill>
-          <a:schemeClr val="phClr"/>
-        </a:solidFill>
-        <a:gradFill rotWithShape="1">
-          <a:gsLst>
-            <a:gs pos="0">
-              <a:schemeClr val="phClr">
-                <a:tint val="40000"/>
-                <a:satMod val="350000"/>
-              </a:schemeClr>
-            </a:gs>
-            <a:gs pos="40000">
-              <a:schemeClr val="phClr">
-                <a:tint val="45000"/>
-                <a:shade val="99000"/>
-                <a:satMod val="350000"/>
-              </a:schemeClr>
-            </a:gs>
-            <a:gs pos="100000">
-              <a:schemeClr val="phClr">
-                <a:shade val="20000"/>
-                <a:satMod val="255000"/>
-              </a:schemeClr>
-            </a:gs>
-          </a:gsLst>
-          <a:path path="circle">
-            <a:fillToRect l="50000" t="-80000" r="50000" b="180000"/>
-          </a:path>
-        </a:gradFill>
-        <a:gradFill rotWithShape="1">
-          <a:gsLst>
-            <a:gs pos="0">
-              <a:schemeClr val="phClr">
-                <a:tint val="80000"/>
-                <a:satMod val="300000"/>
-              </a:schemeClr>
-            </a:gs>
-            <a:gs pos="100000">
-              <a:schemeClr val="phClr">
-                <a:shade val="30000"/>
-                <a:satMod val="200000"/>
-              </a:schemeClr>
-            </a:gs>
-          </a:gsLst>
-          <a:path path="circle">
-            <a:fillToRect l="50000" t="50000" r="50000" b="50000"/>
-          </a:path>
-        </a:gradFill>
-      </a:bgFillStyleLst>
-    </a:fmtScheme>
-  </a:themeElements>
+  <a:objectDefaults/>
+  <a:extraClrSchemeLst/>
 </a:theme>
 </file>